--- a/docs/diagrams/StatisticSequenceDiagrams.pptx
+++ b/docs/diagrams/StatisticSequenceDiagrams.pptx
@@ -5,11 +5,12 @@
     <p:sldMasterId id="2147483648" r:id="rId1"/>
   </p:sldMasterIdLst>
   <p:notesMasterIdLst>
-    <p:notesMasterId r:id="rId4"/>
+    <p:notesMasterId r:id="rId5"/>
   </p:notesMasterIdLst>
   <p:sldIdLst>
     <p:sldId id="269" r:id="rId2"/>
     <p:sldId id="268" r:id="rId3"/>
+    <p:sldId id="270" r:id="rId4"/>
   </p:sldIdLst>
   <p:sldSz cx="12192000" cy="6858000"/>
   <p:notesSz cx="6858000" cy="9144000"/>
@@ -209,7 +210,7 @@
           <a:p>
             <a:fld id="{F5CC4B3F-88C1-4FFA-B1B6-F41C21DC6924}" type="datetimeFigureOut">
               <a:rPr lang="en-US" smtClean="0"/>
-              <a:t>11/3/2018</a:t>
+              <a:t>11/4/2018</a:t>
             </a:fld>
             <a:endParaRPr lang="en-US"/>
           </a:p>
@@ -742,7 +743,7 @@
           <a:p>
             <a:fld id="{78C97017-6FC3-485B-9764-EAC9E56C1D49}" type="datetimeFigureOut">
               <a:rPr lang="en-US" smtClean="0"/>
-              <a:t>11/3/2018</a:t>
+              <a:t>11/4/2018</a:t>
             </a:fld>
             <a:endParaRPr lang="en-US"/>
           </a:p>
@@ -910,7 +911,7 @@
           <a:p>
             <a:fld id="{78C97017-6FC3-485B-9764-EAC9E56C1D49}" type="datetimeFigureOut">
               <a:rPr lang="en-US" smtClean="0"/>
-              <a:t>11/3/2018</a:t>
+              <a:t>11/4/2018</a:t>
             </a:fld>
             <a:endParaRPr lang="en-US"/>
           </a:p>
@@ -1088,7 +1089,7 @@
           <a:p>
             <a:fld id="{78C97017-6FC3-485B-9764-EAC9E56C1D49}" type="datetimeFigureOut">
               <a:rPr lang="en-US" smtClean="0"/>
-              <a:t>11/3/2018</a:t>
+              <a:t>11/4/2018</a:t>
             </a:fld>
             <a:endParaRPr lang="en-US"/>
           </a:p>
@@ -1256,7 +1257,7 @@
           <a:p>
             <a:fld id="{78C97017-6FC3-485B-9764-EAC9E56C1D49}" type="datetimeFigureOut">
               <a:rPr lang="en-US" smtClean="0"/>
-              <a:t>11/3/2018</a:t>
+              <a:t>11/4/2018</a:t>
             </a:fld>
             <a:endParaRPr lang="en-US"/>
           </a:p>
@@ -1501,7 +1502,7 @@
           <a:p>
             <a:fld id="{78C97017-6FC3-485B-9764-EAC9E56C1D49}" type="datetimeFigureOut">
               <a:rPr lang="en-US" smtClean="0"/>
-              <a:t>11/3/2018</a:t>
+              <a:t>11/4/2018</a:t>
             </a:fld>
             <a:endParaRPr lang="en-US"/>
           </a:p>
@@ -1786,7 +1787,7 @@
           <a:p>
             <a:fld id="{78C97017-6FC3-485B-9764-EAC9E56C1D49}" type="datetimeFigureOut">
               <a:rPr lang="en-US" smtClean="0"/>
-              <a:t>11/3/2018</a:t>
+              <a:t>11/4/2018</a:t>
             </a:fld>
             <a:endParaRPr lang="en-US"/>
           </a:p>
@@ -2205,7 +2206,7 @@
           <a:p>
             <a:fld id="{78C97017-6FC3-485B-9764-EAC9E56C1D49}" type="datetimeFigureOut">
               <a:rPr lang="en-US" smtClean="0"/>
-              <a:t>11/3/2018</a:t>
+              <a:t>11/4/2018</a:t>
             </a:fld>
             <a:endParaRPr lang="en-US"/>
           </a:p>
@@ -2322,7 +2323,7 @@
           <a:p>
             <a:fld id="{78C97017-6FC3-485B-9764-EAC9E56C1D49}" type="datetimeFigureOut">
               <a:rPr lang="en-US" smtClean="0"/>
-              <a:t>11/3/2018</a:t>
+              <a:t>11/4/2018</a:t>
             </a:fld>
             <a:endParaRPr lang="en-US"/>
           </a:p>
@@ -2417,7 +2418,7 @@
           <a:p>
             <a:fld id="{78C97017-6FC3-485B-9764-EAC9E56C1D49}" type="datetimeFigureOut">
               <a:rPr lang="en-US" smtClean="0"/>
-              <a:t>11/3/2018</a:t>
+              <a:t>11/4/2018</a:t>
             </a:fld>
             <a:endParaRPr lang="en-US"/>
           </a:p>
@@ -2692,7 +2693,7 @@
           <a:p>
             <a:fld id="{78C97017-6FC3-485B-9764-EAC9E56C1D49}" type="datetimeFigureOut">
               <a:rPr lang="en-US" smtClean="0"/>
-              <a:t>11/3/2018</a:t>
+              <a:t>11/4/2018</a:t>
             </a:fld>
             <a:endParaRPr lang="en-US"/>
           </a:p>
@@ -2944,7 +2945,7 @@
           <a:p>
             <a:fld id="{78C97017-6FC3-485B-9764-EAC9E56C1D49}" type="datetimeFigureOut">
               <a:rPr lang="en-US" smtClean="0"/>
-              <a:t>11/3/2018</a:t>
+              <a:t>11/4/2018</a:t>
             </a:fld>
             <a:endParaRPr lang="en-US"/>
           </a:p>
@@ -3155,7 +3156,7 @@
           <a:p>
             <a:fld id="{78C97017-6FC3-485B-9764-EAC9E56C1D49}" type="datetimeFigureOut">
               <a:rPr lang="en-US" smtClean="0"/>
-              <a:t>11/3/2018</a:t>
+              <a:t>11/4/2018</a:t>
             </a:fld>
             <a:endParaRPr lang="en-US"/>
           </a:p>
@@ -6966,3062 +6967,5747 @@
           <a:chExt cx="0" cy="0"/>
         </a:xfrm>
       </p:grpSpPr>
-      <p:cxnSp>
-        <p:nvCxnSpPr>
-          <p:cNvPr id="83" name="Straight Connector 82">
+      <p:grpSp>
+        <p:nvGrpSpPr>
+          <p:cNvPr id="39" name="Group 38">
             <a:extLst>
               <a:ext uri="{FF2B5EF4-FFF2-40B4-BE49-F238E27FC236}">
-                <a16:creationId xmlns:a16="http://schemas.microsoft.com/office/drawing/2014/main" id="{C7F6DA88-5093-4E83-8732-36D669308652}"/>
+                <a16:creationId xmlns:a16="http://schemas.microsoft.com/office/drawing/2014/main" id="{00215E65-B959-4E55-8B18-6EB5BD258916}"/>
               </a:ext>
             </a:extLst>
           </p:cNvPr>
-          <p:cNvCxnSpPr>
-            <a:cxnSpLocks/>
-          </p:cNvCxnSpPr>
+          <p:cNvGrpSpPr/>
           <p:nvPr/>
-        </p:nvCxnSpPr>
-        <p:spPr>
+        </p:nvGrpSpPr>
+        <p:grpSpPr>
           <a:xfrm>
-            <a:off x="11158097" y="5844629"/>
-            <a:ext cx="0" cy="919330"/>
+            <a:off x="-539492" y="-3831945"/>
+            <a:ext cx="12350493" cy="13891771"/>
+            <a:chOff x="-539492" y="-3831945"/>
+            <a:chExt cx="12350493" cy="13891771"/>
           </a:xfrm>
-          <a:prstGeom prst="line">
-            <a:avLst/>
-          </a:prstGeom>
-          <a:ln w="19050">
+        </p:grpSpPr>
+        <p:sp>
+          <p:nvSpPr>
+            <p:cNvPr id="7" name="Rectangle 65">
+              <a:extLst>
+                <a:ext uri="{FF2B5EF4-FFF2-40B4-BE49-F238E27FC236}">
+                  <a16:creationId xmlns:a16="http://schemas.microsoft.com/office/drawing/2014/main" id="{D09554F3-903E-489E-AD66-28D059E410CF}"/>
+                </a:ext>
+              </a:extLst>
+            </p:cNvPr>
+            <p:cNvSpPr/>
+            <p:nvPr/>
+          </p:nvSpPr>
+          <p:spPr>
+            <a:xfrm>
+              <a:off x="392523" y="-3831945"/>
+              <a:ext cx="11418478" cy="13891771"/>
+            </a:xfrm>
+            <a:prstGeom prst="roundRect">
+              <a:avLst>
+                <a:gd name="adj" fmla="val 3484"/>
+              </a:avLst>
+            </a:prstGeom>
             <a:solidFill>
-              <a:srgbClr val="6CA62C"/>
+              <a:srgbClr val="CCE9AD"/>
             </a:solidFill>
-            <a:prstDash val="sysDash"/>
-          </a:ln>
-          <a:effectLst/>
-        </p:spPr>
-        <p:style>
-          <a:lnRef idx="1">
-            <a:schemeClr val="accent1"/>
-          </a:lnRef>
-          <a:fillRef idx="2">
-            <a:schemeClr val="accent1"/>
-          </a:fillRef>
-          <a:effectRef idx="1">
-            <a:schemeClr val="accent1"/>
-          </a:effectRef>
-          <a:fontRef idx="minor">
-            <a:schemeClr val="dk1"/>
-          </a:fontRef>
-        </p:style>
-      </p:cxnSp>
-      <p:cxnSp>
-        <p:nvCxnSpPr>
-          <p:cNvPr id="82" name="Straight Connector 81">
-            <a:extLst>
-              <a:ext uri="{FF2B5EF4-FFF2-40B4-BE49-F238E27FC236}">
-                <a16:creationId xmlns:a16="http://schemas.microsoft.com/office/drawing/2014/main" id="{15B7982C-887F-4342-8747-16359DEA8FD2}"/>
-              </a:ext>
-            </a:extLst>
-          </p:cNvPr>
-          <p:cNvCxnSpPr>
-            <a:cxnSpLocks/>
-          </p:cNvCxnSpPr>
-          <p:nvPr/>
-        </p:nvCxnSpPr>
-        <p:spPr>
-          <a:xfrm>
-            <a:off x="9105853" y="4810789"/>
-            <a:ext cx="0" cy="1963359"/>
-          </a:xfrm>
-          <a:prstGeom prst="line">
-            <a:avLst/>
-          </a:prstGeom>
-          <a:ln w="19050">
+            <a:ln w="19050">
+              <a:noFill/>
+            </a:ln>
+            <a:effectLst/>
+          </p:spPr>
+          <p:style>
+            <a:lnRef idx="1">
+              <a:schemeClr val="accent2"/>
+            </a:lnRef>
+            <a:fillRef idx="2">
+              <a:schemeClr val="accent2"/>
+            </a:fillRef>
+            <a:effectRef idx="1">
+              <a:schemeClr val="accent2"/>
+            </a:effectRef>
+            <a:fontRef idx="minor">
+              <a:schemeClr val="dk1"/>
+            </a:fontRef>
+          </p:style>
+          <p:txBody>
+            <a:bodyPr rtlCol="0" anchor="t"/>
+            <a:lstStyle/>
+            <a:p>
+              <a:r>
+                <a:rPr lang="en-SG" sz="1200" b="1" dirty="0">
+                  <a:solidFill>
+                    <a:schemeClr val="tx1"/>
+                  </a:solidFill>
+                </a:rPr>
+                <a:t>User Interface</a:t>
+              </a:r>
+            </a:p>
+          </p:txBody>
+        </p:sp>
+        <p:cxnSp>
+          <p:nvCxnSpPr>
+            <p:cNvPr id="21" name="Straight Connector 20">
+              <a:extLst>
+                <a:ext uri="{FF2B5EF4-FFF2-40B4-BE49-F238E27FC236}">
+                  <a16:creationId xmlns:a16="http://schemas.microsoft.com/office/drawing/2014/main" id="{8C87B312-1750-4E55-832F-B6D80E6705A8}"/>
+                </a:ext>
+              </a:extLst>
+            </p:cNvPr>
+            <p:cNvCxnSpPr>
+              <a:cxnSpLocks/>
+            </p:cNvCxnSpPr>
+            <p:nvPr/>
+          </p:nvCxnSpPr>
+          <p:spPr>
+            <a:xfrm>
+              <a:off x="6372239" y="-1791592"/>
+              <a:ext cx="0" cy="9062787"/>
+            </a:xfrm>
+            <a:prstGeom prst="line">
+              <a:avLst/>
+            </a:prstGeom>
+            <a:ln w="19050">
+              <a:solidFill>
+                <a:srgbClr val="6CA62C"/>
+              </a:solidFill>
+              <a:prstDash val="sysDash"/>
+            </a:ln>
+            <a:effectLst/>
+          </p:spPr>
+          <p:style>
+            <a:lnRef idx="1">
+              <a:schemeClr val="accent1"/>
+            </a:lnRef>
+            <a:fillRef idx="2">
+              <a:schemeClr val="accent1"/>
+            </a:fillRef>
+            <a:effectRef idx="1">
+              <a:schemeClr val="accent1"/>
+            </a:effectRef>
+            <a:fontRef idx="minor">
+              <a:schemeClr val="dk1"/>
+            </a:fontRef>
+          </p:style>
+        </p:cxnSp>
+        <p:cxnSp>
+          <p:nvCxnSpPr>
+            <p:cNvPr id="12" name="Straight Connector 11">
+              <a:extLst>
+                <a:ext uri="{FF2B5EF4-FFF2-40B4-BE49-F238E27FC236}">
+                  <a16:creationId xmlns:a16="http://schemas.microsoft.com/office/drawing/2014/main" id="{F6170F48-7DF4-4A56-A30B-CEA5898C0A5B}"/>
+                </a:ext>
+              </a:extLst>
+            </p:cNvPr>
+            <p:cNvCxnSpPr>
+              <a:cxnSpLocks/>
+            </p:cNvCxnSpPr>
+            <p:nvPr/>
+          </p:nvCxnSpPr>
+          <p:spPr>
+            <a:xfrm flipH="1">
+              <a:off x="3808737" y="-2898887"/>
+              <a:ext cx="1" cy="12303682"/>
+            </a:xfrm>
+            <a:prstGeom prst="line">
+              <a:avLst/>
+            </a:prstGeom>
+            <a:ln w="19050">
+              <a:solidFill>
+                <a:srgbClr val="6CA62C"/>
+              </a:solidFill>
+              <a:prstDash val="sysDash"/>
+            </a:ln>
+            <a:effectLst/>
+          </p:spPr>
+          <p:style>
+            <a:lnRef idx="1">
+              <a:schemeClr val="accent1"/>
+            </a:lnRef>
+            <a:fillRef idx="2">
+              <a:schemeClr val="accent1"/>
+            </a:fillRef>
+            <a:effectRef idx="1">
+              <a:schemeClr val="accent1"/>
+            </a:effectRef>
+            <a:fontRef idx="minor">
+              <a:schemeClr val="dk1"/>
+            </a:fontRef>
+          </p:style>
+        </p:cxnSp>
+        <p:cxnSp>
+          <p:nvCxnSpPr>
+            <p:cNvPr id="4" name="Straight Connector 3">
+              <a:extLst>
+                <a:ext uri="{FF2B5EF4-FFF2-40B4-BE49-F238E27FC236}">
+                  <a16:creationId xmlns:a16="http://schemas.microsoft.com/office/drawing/2014/main" id="{279D9DF0-DF81-4601-99D5-AF64BF36BA46}"/>
+                </a:ext>
+              </a:extLst>
+            </p:cNvPr>
+            <p:cNvCxnSpPr>
+              <a:cxnSpLocks/>
+            </p:cNvCxnSpPr>
+            <p:nvPr/>
+          </p:nvCxnSpPr>
+          <p:spPr>
+            <a:xfrm flipH="1">
+              <a:off x="1860812" y="-3018008"/>
+              <a:ext cx="1" cy="12499003"/>
+            </a:xfrm>
+            <a:prstGeom prst="line">
+              <a:avLst/>
+            </a:prstGeom>
+            <a:ln w="19050">
+              <a:solidFill>
+                <a:srgbClr val="6CA62C"/>
+              </a:solidFill>
+              <a:prstDash val="sysDash"/>
+            </a:ln>
+            <a:effectLst/>
+          </p:spPr>
+          <p:style>
+            <a:lnRef idx="1">
+              <a:schemeClr val="accent1"/>
+            </a:lnRef>
+            <a:fillRef idx="2">
+              <a:schemeClr val="accent1"/>
+            </a:fillRef>
+            <a:effectRef idx="1">
+              <a:schemeClr val="accent1"/>
+            </a:effectRef>
+            <a:fontRef idx="minor">
+              <a:schemeClr val="dk1"/>
+            </a:fontRef>
+          </p:style>
+        </p:cxnSp>
+        <p:sp>
+          <p:nvSpPr>
+            <p:cNvPr id="2" name="Rectangle 1">
+              <a:extLst>
+                <a:ext uri="{FF2B5EF4-FFF2-40B4-BE49-F238E27FC236}">
+                  <a16:creationId xmlns:a16="http://schemas.microsoft.com/office/drawing/2014/main" id="{5FCEA3C6-7A49-446F-A4FD-F7F59D7DE788}"/>
+                </a:ext>
+              </a:extLst>
+            </p:cNvPr>
+            <p:cNvSpPr/>
+            <p:nvPr/>
+          </p:nvSpPr>
+          <p:spPr>
+            <a:xfrm>
+              <a:off x="1746508" y="-2444829"/>
+              <a:ext cx="208432" cy="11773411"/>
+            </a:xfrm>
+            <a:prstGeom prst="rect">
+              <a:avLst/>
+            </a:prstGeom>
             <a:solidFill>
-              <a:srgbClr val="6CA62C"/>
+              <a:srgbClr val="92D050"/>
             </a:solidFill>
-            <a:prstDash val="sysDash"/>
-          </a:ln>
-          <a:effectLst/>
-        </p:spPr>
-        <p:style>
-          <a:lnRef idx="1">
-            <a:schemeClr val="accent1"/>
-          </a:lnRef>
-          <a:fillRef idx="2">
-            <a:schemeClr val="accent1"/>
-          </a:fillRef>
-          <a:effectRef idx="1">
-            <a:schemeClr val="accent1"/>
-          </a:effectRef>
-          <a:fontRef idx="minor">
-            <a:schemeClr val="dk1"/>
-          </a:fontRef>
-        </p:style>
-      </p:cxnSp>
-      <p:sp>
-        <p:nvSpPr>
-          <p:cNvPr id="59" name="Rectangle 65">
-            <a:extLst>
-              <a:ext uri="{FF2B5EF4-FFF2-40B4-BE49-F238E27FC236}">
-                <a16:creationId xmlns:a16="http://schemas.microsoft.com/office/drawing/2014/main" id="{896D0EA1-B55C-4D9F-869C-3FB508B66DA9}"/>
-              </a:ext>
-            </a:extLst>
-          </p:cNvPr>
-          <p:cNvSpPr/>
-          <p:nvPr/>
-        </p:nvSpPr>
-        <p:spPr>
-          <a:xfrm>
-            <a:off x="8270014" y="0"/>
-            <a:ext cx="3894048" cy="6858000"/>
-          </a:xfrm>
-          <a:prstGeom prst="roundRect">
-            <a:avLst>
-              <a:gd name="adj" fmla="val 3484"/>
-            </a:avLst>
-          </a:prstGeom>
-          <a:solidFill>
-            <a:srgbClr val="AAECD6"/>
-          </a:solidFill>
-          <a:ln w="19050">
-            <a:noFill/>
-          </a:ln>
-          <a:effectLst/>
-        </p:spPr>
-        <p:style>
-          <a:lnRef idx="1">
-            <a:schemeClr val="accent2"/>
-          </a:lnRef>
-          <a:fillRef idx="2">
-            <a:schemeClr val="accent2"/>
-          </a:fillRef>
-          <a:effectRef idx="1">
-            <a:schemeClr val="accent2"/>
-          </a:effectRef>
-          <a:fontRef idx="minor">
-            <a:schemeClr val="dk1"/>
-          </a:fontRef>
-        </p:style>
-        <p:txBody>
-          <a:bodyPr rtlCol="0" anchor="t"/>
-          <a:lstStyle/>
-          <a:p>
-            <a:r>
-              <a:rPr lang="en-SG" sz="1400" b="1" dirty="0" err="1">
+            <a:ln>
+              <a:solidFill>
+                <a:srgbClr val="0070C0"/>
+              </a:solidFill>
+            </a:ln>
+            <a:effectLst/>
+          </p:spPr>
+          <p:style>
+            <a:lnRef idx="1">
+              <a:schemeClr val="accent3"/>
+            </a:lnRef>
+            <a:fillRef idx="2">
+              <a:schemeClr val="accent3"/>
+            </a:fillRef>
+            <a:effectRef idx="1">
+              <a:schemeClr val="accent3"/>
+            </a:effectRef>
+            <a:fontRef idx="minor">
+              <a:schemeClr val="dk1"/>
+            </a:fontRef>
+          </p:style>
+          <p:txBody>
+            <a:bodyPr rtlCol="0" anchor="ctr"/>
+            <a:lstStyle/>
+            <a:p>
+              <a:pPr algn="ctr"/>
+              <a:endParaRPr lang="en-SG" sz="1200"/>
+            </a:p>
+          </p:txBody>
+        </p:sp>
+        <p:sp>
+          <p:nvSpPr>
+            <p:cNvPr id="3" name="Rectangle 62">
+              <a:extLst>
+                <a:ext uri="{FF2B5EF4-FFF2-40B4-BE49-F238E27FC236}">
+                  <a16:creationId xmlns:a16="http://schemas.microsoft.com/office/drawing/2014/main" id="{433D8508-129E-470F-8BD4-9E32BAF93F0E}"/>
+                </a:ext>
+              </a:extLst>
+            </p:cNvPr>
+            <p:cNvSpPr/>
+            <p:nvPr/>
+          </p:nvSpPr>
+          <p:spPr>
+            <a:xfrm>
+              <a:off x="1132993" y="-3072267"/>
+              <a:ext cx="1455629" cy="346760"/>
+            </a:xfrm>
+            <a:prstGeom prst="rect">
+              <a:avLst/>
+            </a:prstGeom>
+            <a:solidFill>
+              <a:srgbClr val="92D050"/>
+            </a:solidFill>
+            <a:ln w="19050">
+              <a:solidFill>
+                <a:srgbClr val="0070C0"/>
+              </a:solidFill>
+            </a:ln>
+            <a:effectLst/>
+          </p:spPr>
+          <p:style>
+            <a:lnRef idx="1">
+              <a:schemeClr val="accent2"/>
+            </a:lnRef>
+            <a:fillRef idx="2">
+              <a:schemeClr val="accent2"/>
+            </a:fillRef>
+            <a:effectRef idx="1">
+              <a:schemeClr val="accent2"/>
+            </a:effectRef>
+            <a:fontRef idx="minor">
+              <a:schemeClr val="dk1"/>
+            </a:fontRef>
+          </p:style>
+          <p:txBody>
+            <a:bodyPr rtlCol="0" anchor="ctr"/>
+            <a:lstStyle/>
+            <a:p>
+              <a:pPr algn="ctr"/>
+              <a:r>
+                <a:rPr lang="en-US" sz="1200" dirty="0">
+                  <a:solidFill>
+                    <a:schemeClr val="tx1"/>
+                  </a:solidFill>
+                </a:rPr>
+                <a:t>:</a:t>
+              </a:r>
+              <a:r>
+                <a:rPr lang="en-US" sz="1200" dirty="0" err="1">
+                  <a:solidFill>
+                    <a:schemeClr val="tx1"/>
+                  </a:solidFill>
+                </a:rPr>
+                <a:t>MainWindow</a:t>
+              </a:r>
+              <a:endParaRPr lang="en-SG" sz="1200" dirty="0">
                 <a:solidFill>
                   <a:schemeClr val="tx1"/>
                 </a:solidFill>
-              </a:rPr>
-              <a:t>PieChart</a:t>
-            </a:r>
-            <a:endParaRPr lang="en-SG" sz="1400" b="1" dirty="0">
+              </a:endParaRPr>
+            </a:p>
+          </p:txBody>
+        </p:sp>
+        <p:cxnSp>
+          <p:nvCxnSpPr>
+            <p:cNvPr id="6" name="Straight Arrow Connector 5">
+              <a:extLst>
+                <a:ext uri="{FF2B5EF4-FFF2-40B4-BE49-F238E27FC236}">
+                  <a16:creationId xmlns:a16="http://schemas.microsoft.com/office/drawing/2014/main" id="{AB988922-486B-452B-AA9A-F2BFFB533891}"/>
+                </a:ext>
+              </a:extLst>
+            </p:cNvPr>
+            <p:cNvCxnSpPr>
+              <a:cxnSpLocks/>
+            </p:cNvCxnSpPr>
+            <p:nvPr/>
+          </p:nvCxnSpPr>
+          <p:spPr>
+            <a:xfrm>
+              <a:off x="107957" y="-2292427"/>
+              <a:ext cx="1638551" cy="0"/>
+            </a:xfrm>
+            <a:prstGeom prst="straightConnector1">
+              <a:avLst/>
+            </a:prstGeom>
+            <a:ln w="19050">
               <a:solidFill>
-                <a:schemeClr val="tx1"/>
+                <a:srgbClr val="00B050"/>
               </a:solidFill>
-            </a:endParaRPr>
-          </a:p>
-        </p:txBody>
-      </p:sp>
-      <p:sp>
-        <p:nvSpPr>
-          <p:cNvPr id="7" name="Rectangle 65">
-            <a:extLst>
-              <a:ext uri="{FF2B5EF4-FFF2-40B4-BE49-F238E27FC236}">
-                <a16:creationId xmlns:a16="http://schemas.microsoft.com/office/drawing/2014/main" id="{D09554F3-903E-489E-AD66-28D059E410CF}"/>
-              </a:ext>
-            </a:extLst>
-          </p:cNvPr>
-          <p:cNvSpPr/>
-          <p:nvPr/>
-        </p:nvSpPr>
-        <p:spPr>
-          <a:xfrm>
-            <a:off x="4783" y="-1"/>
-            <a:ext cx="8301017" cy="6857995"/>
-          </a:xfrm>
-          <a:prstGeom prst="roundRect">
-            <a:avLst>
-              <a:gd name="adj" fmla="val 3484"/>
-            </a:avLst>
-          </a:prstGeom>
-          <a:solidFill>
-            <a:srgbClr val="CCE9AD"/>
-          </a:solidFill>
-          <a:ln w="19050">
+              <a:tailEnd type="arrow"/>
+            </a:ln>
+          </p:spPr>
+          <p:style>
+            <a:lnRef idx="1">
+              <a:schemeClr val="accent1"/>
+            </a:lnRef>
+            <a:fillRef idx="0">
+              <a:schemeClr val="accent1"/>
+            </a:fillRef>
+            <a:effectRef idx="0">
+              <a:schemeClr val="accent1"/>
+            </a:effectRef>
+            <a:fontRef idx="minor">
+              <a:schemeClr val="tx1"/>
+            </a:fontRef>
+          </p:style>
+        </p:cxnSp>
+        <p:sp>
+          <p:nvSpPr>
+            <p:cNvPr id="8" name="TextBox 7">
+              <a:extLst>
+                <a:ext uri="{FF2B5EF4-FFF2-40B4-BE49-F238E27FC236}">
+                  <a16:creationId xmlns:a16="http://schemas.microsoft.com/office/drawing/2014/main" id="{DBFA767C-5781-4C21-A7CB-C38CED8E2110}"/>
+                </a:ext>
+              </a:extLst>
+            </p:cNvPr>
+            <p:cNvSpPr txBox="1"/>
+            <p:nvPr/>
+          </p:nvSpPr>
+          <p:spPr>
+            <a:xfrm>
+              <a:off x="-539492" y="-2242805"/>
+              <a:ext cx="2257550" cy="184666"/>
+            </a:xfrm>
+            <a:prstGeom prst="rect">
+              <a:avLst/>
+            </a:prstGeom>
             <a:noFill/>
-          </a:ln>
-          <a:effectLst/>
-        </p:spPr>
-        <p:style>
-          <a:lnRef idx="1">
-            <a:schemeClr val="accent2"/>
-          </a:lnRef>
-          <a:fillRef idx="2">
-            <a:schemeClr val="accent2"/>
-          </a:fillRef>
-          <a:effectRef idx="1">
-            <a:schemeClr val="accent2"/>
-          </a:effectRef>
-          <a:fontRef idx="minor">
-            <a:schemeClr val="dk1"/>
-          </a:fontRef>
-        </p:style>
-        <p:txBody>
-          <a:bodyPr rtlCol="0" anchor="t"/>
-          <a:lstStyle/>
-          <a:p>
-            <a:r>
-              <a:rPr lang="en-SG" sz="1400" b="1" dirty="0">
+          </p:spPr>
+          <p:txBody>
+            <a:bodyPr wrap="square" lIns="0" tIns="0" rIns="0" bIns="0" rtlCol="0">
+              <a:spAutoFit/>
+            </a:bodyPr>
+            <a:lstStyle/>
+            <a:p>
+              <a:pPr algn="ctr"/>
+              <a:r>
+                <a:rPr lang="en-US" sz="1200" i="1" dirty="0"/>
+                <a:t>new</a:t>
+              </a:r>
+              <a:r>
+                <a:rPr lang="en-US" sz="1200" b="1" i="1" dirty="0"/>
+                <a:t> </a:t>
+              </a:r>
+              <a:r>
+                <a:rPr lang="en-US" sz="1200" i="1" dirty="0" err="1"/>
+                <a:t>ShowPieChartStatsEvent</a:t>
+              </a:r>
+              <a:r>
+                <a:rPr lang="en-US" sz="1200" i="1" dirty="0"/>
+                <a:t>(data)</a:t>
+              </a:r>
+            </a:p>
+          </p:txBody>
+        </p:sp>
+        <p:sp>
+          <p:nvSpPr>
+            <p:cNvPr id="10" name="Rectangle 62">
+              <a:extLst>
+                <a:ext uri="{FF2B5EF4-FFF2-40B4-BE49-F238E27FC236}">
+                  <a16:creationId xmlns:a16="http://schemas.microsoft.com/office/drawing/2014/main" id="{E1C3582E-F0BF-47A1-B886-DC33238208BC}"/>
+                </a:ext>
+              </a:extLst>
+            </p:cNvPr>
+            <p:cNvSpPr/>
+            <p:nvPr/>
+          </p:nvSpPr>
+          <p:spPr>
+            <a:xfrm>
+              <a:off x="2899159" y="-3206827"/>
+              <a:ext cx="1971549" cy="481320"/>
+            </a:xfrm>
+            <a:prstGeom prst="rect">
+              <a:avLst/>
+            </a:prstGeom>
+            <a:solidFill>
+              <a:srgbClr val="92D050"/>
+            </a:solidFill>
+            <a:ln w="19050">
+              <a:solidFill>
+                <a:srgbClr val="0070C0"/>
+              </a:solidFill>
+            </a:ln>
+            <a:effectLst/>
+          </p:spPr>
+          <p:style>
+            <a:lnRef idx="1">
+              <a:schemeClr val="accent2"/>
+            </a:lnRef>
+            <a:fillRef idx="2">
+              <a:schemeClr val="accent2"/>
+            </a:fillRef>
+            <a:effectRef idx="1">
+              <a:schemeClr val="accent2"/>
+            </a:effectRef>
+            <a:fontRef idx="minor">
+              <a:schemeClr val="dk1"/>
+            </a:fontRef>
+          </p:style>
+          <p:txBody>
+            <a:bodyPr rtlCol="0" anchor="ctr"/>
+            <a:lstStyle/>
+            <a:p>
+              <a:pPr algn="ctr"/>
+              <a:r>
+                <a:rPr lang="en-US" sz="1200" dirty="0">
+                  <a:solidFill>
+                    <a:schemeClr val="tx1"/>
+                  </a:solidFill>
+                </a:rPr>
+                <a:t>s : </a:t>
+              </a:r>
+              <a:r>
+                <a:rPr lang="en-US" sz="1200" dirty="0" err="1">
+                  <a:solidFill>
+                    <a:schemeClr val="tx1"/>
+                  </a:solidFill>
+                </a:rPr>
+                <a:t>StatsDisplayPanel</a:t>
+              </a:r>
+              <a:endParaRPr lang="en-SG" sz="1200" dirty="0">
                 <a:solidFill>
                   <a:schemeClr val="tx1"/>
                 </a:solidFill>
-              </a:rPr>
-              <a:t>User Interface</a:t>
-            </a:r>
-          </a:p>
-        </p:txBody>
-      </p:sp>
-      <p:cxnSp>
-        <p:nvCxnSpPr>
-          <p:cNvPr id="21" name="Straight Connector 20">
-            <a:extLst>
-              <a:ext uri="{FF2B5EF4-FFF2-40B4-BE49-F238E27FC236}">
-                <a16:creationId xmlns:a16="http://schemas.microsoft.com/office/drawing/2014/main" id="{8C87B312-1750-4E55-832F-B6D80E6705A8}"/>
-              </a:ext>
-            </a:extLst>
-          </p:cNvPr>
-          <p:cNvCxnSpPr>
-            <a:cxnSpLocks/>
-          </p:cNvCxnSpPr>
-          <p:nvPr/>
-        </p:nvCxnSpPr>
-        <p:spPr>
-          <a:xfrm>
-            <a:off x="5692531" y="1796235"/>
-            <a:ext cx="1" cy="4891525"/>
-          </a:xfrm>
-          <a:prstGeom prst="line">
-            <a:avLst/>
-          </a:prstGeom>
-          <a:ln w="19050">
+              </a:endParaRPr>
+            </a:p>
+          </p:txBody>
+        </p:sp>
+        <p:sp>
+          <p:nvSpPr>
+            <p:cNvPr id="11" name="Rectangle 10">
+              <a:extLst>
+                <a:ext uri="{FF2B5EF4-FFF2-40B4-BE49-F238E27FC236}">
+                  <a16:creationId xmlns:a16="http://schemas.microsoft.com/office/drawing/2014/main" id="{1AAA0053-402D-4FE6-A574-38EC14040DAE}"/>
+                </a:ext>
+              </a:extLst>
+            </p:cNvPr>
+            <p:cNvSpPr/>
+            <p:nvPr/>
+          </p:nvSpPr>
+          <p:spPr>
+            <a:xfrm>
+              <a:off x="3694433" y="-2417567"/>
+              <a:ext cx="209202" cy="11517562"/>
+            </a:xfrm>
+            <a:prstGeom prst="rect">
+              <a:avLst/>
+            </a:prstGeom>
             <a:solidFill>
-              <a:srgbClr val="6CA62C"/>
+              <a:srgbClr val="92D050"/>
             </a:solidFill>
-            <a:prstDash val="sysDash"/>
-          </a:ln>
-          <a:effectLst/>
-        </p:spPr>
-        <p:style>
-          <a:lnRef idx="1">
-            <a:schemeClr val="accent1"/>
-          </a:lnRef>
-          <a:fillRef idx="2">
-            <a:schemeClr val="accent1"/>
-          </a:fillRef>
-          <a:effectRef idx="1">
-            <a:schemeClr val="accent1"/>
-          </a:effectRef>
-          <a:fontRef idx="minor">
-            <a:schemeClr val="dk1"/>
-          </a:fontRef>
-        </p:style>
-      </p:cxnSp>
-      <p:cxnSp>
-        <p:nvCxnSpPr>
-          <p:cNvPr id="12" name="Straight Connector 11">
-            <a:extLst>
-              <a:ext uri="{FF2B5EF4-FFF2-40B4-BE49-F238E27FC236}">
-                <a16:creationId xmlns:a16="http://schemas.microsoft.com/office/drawing/2014/main" id="{F6170F48-7DF4-4A56-A30B-CEA5898C0A5B}"/>
-              </a:ext>
-            </a:extLst>
-          </p:cNvPr>
-          <p:cNvCxnSpPr>
-            <a:cxnSpLocks/>
-          </p:cNvCxnSpPr>
-          <p:nvPr/>
-        </p:nvCxnSpPr>
-        <p:spPr>
-          <a:xfrm flipH="1">
-            <a:off x="3129025" y="688940"/>
-            <a:ext cx="1" cy="5998820"/>
-          </a:xfrm>
-          <a:prstGeom prst="line">
-            <a:avLst/>
-          </a:prstGeom>
-          <a:ln w="19050">
+            <a:ln>
+              <a:solidFill>
+                <a:srgbClr val="0070C0"/>
+              </a:solidFill>
+            </a:ln>
+            <a:effectLst/>
+          </p:spPr>
+          <p:style>
+            <a:lnRef idx="1">
+              <a:schemeClr val="accent3"/>
+            </a:lnRef>
+            <a:fillRef idx="2">
+              <a:schemeClr val="accent3"/>
+            </a:fillRef>
+            <a:effectRef idx="1">
+              <a:schemeClr val="accent3"/>
+            </a:effectRef>
+            <a:fontRef idx="minor">
+              <a:schemeClr val="dk1"/>
+            </a:fontRef>
+          </p:style>
+          <p:txBody>
+            <a:bodyPr rtlCol="0" anchor="ctr"/>
+            <a:lstStyle/>
+            <a:p>
+              <a:pPr algn="ctr"/>
+              <a:endParaRPr lang="en-SG" sz="1200"/>
+            </a:p>
+          </p:txBody>
+        </p:sp>
+        <p:cxnSp>
+          <p:nvCxnSpPr>
+            <p:cNvPr id="13" name="Straight Arrow Connector 12">
+              <a:extLst>
+                <a:ext uri="{FF2B5EF4-FFF2-40B4-BE49-F238E27FC236}">
+                  <a16:creationId xmlns:a16="http://schemas.microsoft.com/office/drawing/2014/main" id="{94377365-13B4-45F2-B94C-8019488F4D63}"/>
+                </a:ext>
+              </a:extLst>
+            </p:cNvPr>
+            <p:cNvCxnSpPr>
+              <a:cxnSpLocks/>
+            </p:cNvCxnSpPr>
+            <p:nvPr/>
+          </p:nvCxnSpPr>
+          <p:spPr>
+            <a:xfrm>
+              <a:off x="1975108" y="-2140163"/>
+              <a:ext cx="1719325" cy="0"/>
+            </a:xfrm>
+            <a:prstGeom prst="straightConnector1">
+              <a:avLst/>
+            </a:prstGeom>
+            <a:ln w="19050">
+              <a:solidFill>
+                <a:srgbClr val="00B050"/>
+              </a:solidFill>
+              <a:tailEnd type="arrow"/>
+            </a:ln>
+          </p:spPr>
+          <p:style>
+            <a:lnRef idx="1">
+              <a:schemeClr val="accent1"/>
+            </a:lnRef>
+            <a:fillRef idx="0">
+              <a:schemeClr val="accent1"/>
+            </a:fillRef>
+            <a:effectRef idx="0">
+              <a:schemeClr val="accent1"/>
+            </a:effectRef>
+            <a:fontRef idx="minor">
+              <a:schemeClr val="tx1"/>
+            </a:fontRef>
+          </p:style>
+        </p:cxnSp>
+        <p:sp>
+          <p:nvSpPr>
+            <p:cNvPr id="15" name="TextBox 14">
+              <a:extLst>
+                <a:ext uri="{FF2B5EF4-FFF2-40B4-BE49-F238E27FC236}">
+                  <a16:creationId xmlns:a16="http://schemas.microsoft.com/office/drawing/2014/main" id="{0492DCAE-0C5B-41F0-ABDC-7F0432B57915}"/>
+                </a:ext>
+              </a:extLst>
+            </p:cNvPr>
+            <p:cNvSpPr txBox="1"/>
+            <p:nvPr/>
+          </p:nvSpPr>
+          <p:spPr>
+            <a:xfrm>
+              <a:off x="2032763" y="-2050942"/>
+              <a:ext cx="1619500" cy="369332"/>
+            </a:xfrm>
+            <a:prstGeom prst="rect">
+              <a:avLst/>
+            </a:prstGeom>
+            <a:noFill/>
+          </p:spPr>
+          <p:txBody>
+            <a:bodyPr wrap="square" lIns="0" tIns="0" rIns="0" bIns="0" rtlCol="0">
+              <a:spAutoFit/>
+            </a:bodyPr>
+            <a:lstStyle/>
+            <a:p>
+              <a:pPr algn="ctr"/>
+              <a:r>
+                <a:rPr lang="en-US" sz="1200" dirty="0" err="1"/>
+                <a:t>s.handleShowPieChartStatsEvent</a:t>
+              </a:r>
+              <a:r>
+                <a:rPr lang="en-US" sz="1200" dirty="0"/>
+                <a:t>(data)</a:t>
+              </a:r>
+            </a:p>
+          </p:txBody>
+        </p:sp>
+        <p:cxnSp>
+          <p:nvCxnSpPr>
+            <p:cNvPr id="18" name="Straight Arrow Connector 17">
+              <a:extLst>
+                <a:ext uri="{FF2B5EF4-FFF2-40B4-BE49-F238E27FC236}">
+                  <a16:creationId xmlns:a16="http://schemas.microsoft.com/office/drawing/2014/main" id="{013C9A0D-AA2A-4E07-8166-B8424F6B7284}"/>
+                </a:ext>
+              </a:extLst>
+            </p:cNvPr>
+            <p:cNvCxnSpPr>
+              <a:cxnSpLocks/>
+            </p:cNvCxnSpPr>
+            <p:nvPr/>
+          </p:nvCxnSpPr>
+          <p:spPr>
+            <a:xfrm>
+              <a:off x="3923033" y="-1986722"/>
+              <a:ext cx="1456505" cy="0"/>
+            </a:xfrm>
+            <a:prstGeom prst="straightConnector1">
+              <a:avLst/>
+            </a:prstGeom>
+            <a:ln w="19050">
+              <a:solidFill>
+                <a:srgbClr val="00B050"/>
+              </a:solidFill>
+              <a:tailEnd type="arrow"/>
+            </a:ln>
+          </p:spPr>
+          <p:style>
+            <a:lnRef idx="1">
+              <a:schemeClr val="accent1"/>
+            </a:lnRef>
+            <a:fillRef idx="0">
+              <a:schemeClr val="accent1"/>
+            </a:fillRef>
+            <a:effectRef idx="0">
+              <a:schemeClr val="accent1"/>
+            </a:effectRef>
+            <a:fontRef idx="minor">
+              <a:schemeClr val="tx1"/>
+            </a:fontRef>
+          </p:style>
+        </p:cxnSp>
+        <p:sp>
+          <p:nvSpPr>
+            <p:cNvPr id="23" name="Rectangle 22">
+              <a:extLst>
+                <a:ext uri="{FF2B5EF4-FFF2-40B4-BE49-F238E27FC236}">
+                  <a16:creationId xmlns:a16="http://schemas.microsoft.com/office/drawing/2014/main" id="{E1ED8C4C-9EA2-48E4-BE0A-9DB501014FE3}"/>
+                </a:ext>
+              </a:extLst>
+            </p:cNvPr>
+            <p:cNvSpPr/>
+            <p:nvPr/>
+          </p:nvSpPr>
+          <p:spPr>
+            <a:xfrm>
+              <a:off x="6288916" y="-2083695"/>
+              <a:ext cx="206360" cy="1868535"/>
+            </a:xfrm>
+            <a:prstGeom prst="rect">
+              <a:avLst/>
+            </a:prstGeom>
             <a:solidFill>
-              <a:srgbClr val="6CA62C"/>
+              <a:srgbClr val="92D050"/>
             </a:solidFill>
-            <a:prstDash val="sysDash"/>
-          </a:ln>
-          <a:effectLst/>
-        </p:spPr>
-        <p:style>
-          <a:lnRef idx="1">
-            <a:schemeClr val="accent1"/>
-          </a:lnRef>
-          <a:fillRef idx="2">
-            <a:schemeClr val="accent1"/>
-          </a:fillRef>
-          <a:effectRef idx="1">
-            <a:schemeClr val="accent1"/>
-          </a:effectRef>
-          <a:fontRef idx="minor">
-            <a:schemeClr val="dk1"/>
-          </a:fontRef>
-        </p:style>
-      </p:cxnSp>
-      <p:cxnSp>
-        <p:nvCxnSpPr>
-          <p:cNvPr id="4" name="Straight Connector 3">
-            <a:extLst>
-              <a:ext uri="{FF2B5EF4-FFF2-40B4-BE49-F238E27FC236}">
-                <a16:creationId xmlns:a16="http://schemas.microsoft.com/office/drawing/2014/main" id="{279D9DF0-DF81-4601-99D5-AF64BF36BA46}"/>
-              </a:ext>
-            </a:extLst>
-          </p:cNvPr>
-          <p:cNvCxnSpPr>
-            <a:cxnSpLocks/>
-          </p:cNvCxnSpPr>
-          <p:nvPr/>
-        </p:nvCxnSpPr>
-        <p:spPr>
-          <a:xfrm flipH="1">
-            <a:off x="1181100" y="569819"/>
-            <a:ext cx="1" cy="5998820"/>
-          </a:xfrm>
-          <a:prstGeom prst="line">
-            <a:avLst/>
-          </a:prstGeom>
-          <a:ln w="19050">
+            <a:ln>
+              <a:solidFill>
+                <a:srgbClr val="0070C0"/>
+              </a:solidFill>
+            </a:ln>
+            <a:effectLst/>
+          </p:spPr>
+          <p:style>
+            <a:lnRef idx="1">
+              <a:schemeClr val="accent3"/>
+            </a:lnRef>
+            <a:fillRef idx="2">
+              <a:schemeClr val="accent3"/>
+            </a:fillRef>
+            <a:effectRef idx="1">
+              <a:schemeClr val="accent3"/>
+            </a:effectRef>
+            <a:fontRef idx="minor">
+              <a:schemeClr val="dk1"/>
+            </a:fontRef>
+          </p:style>
+          <p:txBody>
+            <a:bodyPr rtlCol="0" anchor="ctr"/>
+            <a:lstStyle/>
+            <a:p>
+              <a:pPr algn="ctr"/>
+              <a:endParaRPr lang="en-SG" sz="1200"/>
+            </a:p>
+          </p:txBody>
+        </p:sp>
+        <p:sp>
+          <p:nvSpPr>
+            <p:cNvPr id="17" name="Rectangle 62">
+              <a:extLst>
+                <a:ext uri="{FF2B5EF4-FFF2-40B4-BE49-F238E27FC236}">
+                  <a16:creationId xmlns:a16="http://schemas.microsoft.com/office/drawing/2014/main" id="{0BD15CB9-AAF0-48E6-BA4D-084328CFD649}"/>
+                </a:ext>
+              </a:extLst>
+            </p:cNvPr>
+            <p:cNvSpPr/>
+            <p:nvPr/>
+          </p:nvSpPr>
+          <p:spPr>
+            <a:xfrm>
+              <a:off x="5379538" y="-2483232"/>
+              <a:ext cx="1971549" cy="762000"/>
+            </a:xfrm>
+            <a:prstGeom prst="rect">
+              <a:avLst/>
+            </a:prstGeom>
             <a:solidFill>
-              <a:srgbClr val="6CA62C"/>
+              <a:srgbClr val="92D050"/>
             </a:solidFill>
-            <a:prstDash val="sysDash"/>
-          </a:ln>
-          <a:effectLst/>
-        </p:spPr>
-        <p:style>
-          <a:lnRef idx="1">
-            <a:schemeClr val="accent1"/>
-          </a:lnRef>
-          <a:fillRef idx="2">
-            <a:schemeClr val="accent1"/>
-          </a:fillRef>
-          <a:effectRef idx="1">
-            <a:schemeClr val="accent1"/>
-          </a:effectRef>
-          <a:fontRef idx="minor">
-            <a:schemeClr val="dk1"/>
-          </a:fontRef>
-        </p:style>
-      </p:cxnSp>
-      <p:sp>
-        <p:nvSpPr>
-          <p:cNvPr id="2" name="Rectangle 1">
-            <a:extLst>
-              <a:ext uri="{FF2B5EF4-FFF2-40B4-BE49-F238E27FC236}">
-                <a16:creationId xmlns:a16="http://schemas.microsoft.com/office/drawing/2014/main" id="{5FCEA3C6-7A49-446F-A4FD-F7F59D7DE788}"/>
-              </a:ext>
-            </a:extLst>
-          </p:cNvPr>
-          <p:cNvSpPr/>
-          <p:nvPr/>
-        </p:nvSpPr>
-        <p:spPr>
-          <a:xfrm>
-            <a:off x="1066800" y="1143000"/>
-            <a:ext cx="208432" cy="5620960"/>
-          </a:xfrm>
-          <a:prstGeom prst="rect">
-            <a:avLst/>
-          </a:prstGeom>
-          <a:solidFill>
-            <a:srgbClr val="92D050"/>
-          </a:solidFill>
-          <a:ln>
-            <a:solidFill>
-              <a:srgbClr val="0070C0"/>
-            </a:solidFill>
-          </a:ln>
-          <a:effectLst/>
-        </p:spPr>
-        <p:style>
-          <a:lnRef idx="1">
-            <a:schemeClr val="accent3"/>
-          </a:lnRef>
-          <a:fillRef idx="2">
-            <a:schemeClr val="accent3"/>
-          </a:fillRef>
-          <a:effectRef idx="1">
-            <a:schemeClr val="accent3"/>
-          </a:effectRef>
-          <a:fontRef idx="minor">
-            <a:schemeClr val="dk1"/>
-          </a:fontRef>
-        </p:style>
-        <p:txBody>
-          <a:bodyPr rtlCol="0" anchor="ctr"/>
-          <a:lstStyle/>
-          <a:p>
-            <a:pPr algn="ctr"/>
-            <a:endParaRPr lang="en-SG" sz="1400"/>
-          </a:p>
-        </p:txBody>
-      </p:sp>
-      <p:sp>
-        <p:nvSpPr>
-          <p:cNvPr id="3" name="Rectangle 62">
-            <a:extLst>
-              <a:ext uri="{FF2B5EF4-FFF2-40B4-BE49-F238E27FC236}">
-                <a16:creationId xmlns:a16="http://schemas.microsoft.com/office/drawing/2014/main" id="{433D8508-129E-470F-8BD4-9E32BAF93F0E}"/>
-              </a:ext>
-            </a:extLst>
-          </p:cNvPr>
-          <p:cNvSpPr/>
-          <p:nvPr/>
-        </p:nvSpPr>
-        <p:spPr>
-          <a:xfrm>
-            <a:off x="453285" y="515560"/>
-            <a:ext cx="1455629" cy="346760"/>
-          </a:xfrm>
-          <a:prstGeom prst="rect">
-            <a:avLst/>
-          </a:prstGeom>
-          <a:solidFill>
-            <a:srgbClr val="92D050"/>
-          </a:solidFill>
-          <a:ln w="19050">
-            <a:solidFill>
-              <a:srgbClr val="0070C0"/>
-            </a:solidFill>
-          </a:ln>
-          <a:effectLst/>
-        </p:spPr>
-        <p:style>
-          <a:lnRef idx="1">
-            <a:schemeClr val="accent2"/>
-          </a:lnRef>
-          <a:fillRef idx="2">
-            <a:schemeClr val="accent2"/>
-          </a:fillRef>
-          <a:effectRef idx="1">
-            <a:schemeClr val="accent2"/>
-          </a:effectRef>
-          <a:fontRef idx="minor">
-            <a:schemeClr val="dk1"/>
-          </a:fontRef>
-        </p:style>
-        <p:txBody>
-          <a:bodyPr rtlCol="0" anchor="ctr"/>
-          <a:lstStyle/>
-          <a:p>
-            <a:pPr algn="ctr"/>
-            <a:r>
-              <a:rPr lang="en-US" sz="1600" dirty="0">
+            <a:ln w="19050">
+              <a:solidFill>
+                <a:srgbClr val="0070C0"/>
+              </a:solidFill>
+            </a:ln>
+            <a:effectLst/>
+          </p:spPr>
+          <p:style>
+            <a:lnRef idx="1">
+              <a:schemeClr val="accent2"/>
+            </a:lnRef>
+            <a:fillRef idx="2">
+              <a:schemeClr val="accent2"/>
+            </a:fillRef>
+            <a:effectRef idx="1">
+              <a:schemeClr val="accent2"/>
+            </a:effectRef>
+            <a:fontRef idx="minor">
+              <a:schemeClr val="dk1"/>
+            </a:fontRef>
+          </p:style>
+          <p:txBody>
+            <a:bodyPr rtlCol="0" anchor="ctr"/>
+            <a:lstStyle/>
+            <a:p>
+              <a:pPr algn="ctr"/>
+              <a:r>
+                <a:rPr lang="en-SG" sz="1200" dirty="0">
+                  <a:solidFill>
+                    <a:schemeClr val="tx1"/>
+                  </a:solidFill>
+                </a:rPr>
+                <a:t>dl: </a:t>
+              </a:r>
+              <a:r>
+                <a:rPr lang="en-SG" sz="1200" dirty="0" err="1">
+                  <a:solidFill>
+                    <a:schemeClr val="tx1"/>
+                  </a:solidFill>
+                </a:rPr>
+                <a:t>MixedPieChartData</a:t>
+              </a:r>
+              <a:endParaRPr lang="en-SG" sz="1200" dirty="0">
                 <a:solidFill>
                   <a:schemeClr val="tx1"/>
                 </a:solidFill>
-              </a:rPr>
-              <a:t>:</a:t>
-            </a:r>
-            <a:r>
-              <a:rPr lang="en-US" sz="1600" dirty="0" err="1">
+              </a:endParaRPr>
+            </a:p>
+            <a:p>
+              <a:pPr algn="ctr"/>
+              <a:r>
+                <a:rPr lang="en-SG" sz="1200" dirty="0">
+                  <a:solidFill>
+                    <a:schemeClr val="tx1"/>
+                  </a:solidFill>
+                </a:rPr>
+                <a:t>List</a:t>
+              </a:r>
+            </a:p>
+          </p:txBody>
+        </p:sp>
+        <p:sp>
+          <p:nvSpPr>
+            <p:cNvPr id="24" name="Rectangle 65">
+              <a:extLst>
+                <a:ext uri="{FF2B5EF4-FFF2-40B4-BE49-F238E27FC236}">
+                  <a16:creationId xmlns:a16="http://schemas.microsoft.com/office/drawing/2014/main" id="{F0ADF632-9761-47FE-8DCC-955B9253A4F2}"/>
+                </a:ext>
+              </a:extLst>
+            </p:cNvPr>
+            <p:cNvSpPr/>
+            <p:nvPr/>
+          </p:nvSpPr>
+          <p:spPr>
+            <a:xfrm>
+              <a:off x="4328979" y="-1694618"/>
+              <a:ext cx="4251911" cy="1343484"/>
+            </a:xfrm>
+            <a:prstGeom prst="roundRect">
+              <a:avLst>
+                <a:gd name="adj" fmla="val 3484"/>
+              </a:avLst>
+            </a:prstGeom>
+            <a:solidFill>
+              <a:srgbClr val="9CD45E">
+                <a:alpha val="30980"/>
+              </a:srgbClr>
+            </a:solidFill>
+            <a:ln w="19050">
+              <a:solidFill>
+                <a:srgbClr val="6CA62C"/>
+              </a:solidFill>
+            </a:ln>
+            <a:effectLst/>
+          </p:spPr>
+          <p:style>
+            <a:lnRef idx="1">
+              <a:schemeClr val="accent2"/>
+            </a:lnRef>
+            <a:fillRef idx="2">
+              <a:schemeClr val="accent2"/>
+            </a:fillRef>
+            <a:effectRef idx="1">
+              <a:schemeClr val="accent2"/>
+            </a:effectRef>
+            <a:fontRef idx="minor">
+              <a:schemeClr val="dk1"/>
+            </a:fontRef>
+          </p:style>
+          <p:txBody>
+            <a:bodyPr rtlCol="0" anchor="t"/>
+            <a:lstStyle/>
+            <a:p>
+              <a:r>
+                <a:rPr lang="en-SG" sz="1200" b="1" dirty="0">
+                  <a:solidFill>
+                    <a:schemeClr val="tx1"/>
+                  </a:solidFill>
+                </a:rPr>
+                <a:t>                    </a:t>
+              </a:r>
+              <a:r>
+                <a:rPr lang="en-SG" sz="1200" dirty="0">
+                  <a:solidFill>
+                    <a:schemeClr val="tx1"/>
+                  </a:solidFill>
+                </a:rPr>
+                <a:t>[For all </a:t>
+              </a:r>
+            </a:p>
+            <a:p>
+              <a:r>
+                <a:rPr lang="en-SG" sz="1200" dirty="0">
+                  <a:solidFill>
+                    <a:schemeClr val="tx1"/>
+                  </a:solidFill>
+                </a:rPr>
+                <a:t>                   data elements]</a:t>
+              </a:r>
+              <a:endParaRPr lang="en-SG" sz="1200" b="1" dirty="0">
                 <a:solidFill>
                   <a:schemeClr val="tx1"/>
                 </a:solidFill>
-              </a:rPr>
-              <a:t>MainWindow</a:t>
-            </a:r>
-            <a:endParaRPr lang="en-SG" sz="1600" dirty="0">
+              </a:endParaRPr>
+            </a:p>
+          </p:txBody>
+        </p:sp>
+        <p:sp>
+          <p:nvSpPr>
+            <p:cNvPr id="25" name="Rectangle: Diagonal Corners Rounded 24">
+              <a:extLst>
+                <a:ext uri="{FF2B5EF4-FFF2-40B4-BE49-F238E27FC236}">
+                  <a16:creationId xmlns:a16="http://schemas.microsoft.com/office/drawing/2014/main" id="{E49957D8-4FB8-4DDA-8FA9-CEE56A7B7511}"/>
+                </a:ext>
+              </a:extLst>
+            </p:cNvPr>
+            <p:cNvSpPr/>
+            <p:nvPr/>
+          </p:nvSpPr>
+          <p:spPr>
+            <a:xfrm>
+              <a:off x="4324380" y="-1704325"/>
+              <a:ext cx="742594" cy="361973"/>
+            </a:xfrm>
+            <a:prstGeom prst="round2DiagRect">
+              <a:avLst/>
+            </a:prstGeom>
+            <a:solidFill>
+              <a:srgbClr val="BDE394"/>
+            </a:solidFill>
+            <a:ln>
               <a:solidFill>
-                <a:schemeClr val="tx1"/>
+                <a:srgbClr val="70AC2E"/>
               </a:solidFill>
-            </a:endParaRPr>
-          </a:p>
-        </p:txBody>
-      </p:sp>
-      <p:cxnSp>
-        <p:nvCxnSpPr>
-          <p:cNvPr id="6" name="Straight Arrow Connector 5">
-            <a:extLst>
-              <a:ext uri="{FF2B5EF4-FFF2-40B4-BE49-F238E27FC236}">
-                <a16:creationId xmlns:a16="http://schemas.microsoft.com/office/drawing/2014/main" id="{AB988922-486B-452B-AA9A-F2BFFB533891}"/>
-              </a:ext>
-            </a:extLst>
-          </p:cNvPr>
-          <p:cNvCxnSpPr>
-            <a:cxnSpLocks/>
-          </p:cNvCxnSpPr>
-          <p:nvPr/>
-        </p:nvCxnSpPr>
-        <p:spPr>
-          <a:xfrm>
-            <a:off x="-571751" y="1295400"/>
-            <a:ext cx="1638551" cy="0"/>
-          </a:xfrm>
-          <a:prstGeom prst="straightConnector1">
-            <a:avLst/>
-          </a:prstGeom>
-          <a:ln w="19050">
+            </a:ln>
+          </p:spPr>
+          <p:style>
+            <a:lnRef idx="2">
+              <a:schemeClr val="accent1">
+                <a:shade val="50000"/>
+              </a:schemeClr>
+            </a:lnRef>
+            <a:fillRef idx="1">
+              <a:schemeClr val="accent1"/>
+            </a:fillRef>
+            <a:effectRef idx="0">
+              <a:schemeClr val="accent1"/>
+            </a:effectRef>
+            <a:fontRef idx="minor">
+              <a:schemeClr val="lt1"/>
+            </a:fontRef>
+          </p:style>
+          <p:txBody>
+            <a:bodyPr rtlCol="0" anchor="ctr"/>
+            <a:lstStyle/>
+            <a:p>
+              <a:pPr algn="ctr"/>
+              <a:r>
+                <a:rPr lang="en-SG" sz="1200" dirty="0">
+                  <a:solidFill>
+                    <a:schemeClr val="tx1"/>
+                  </a:solidFill>
+                </a:rPr>
+                <a:t>loop</a:t>
+              </a:r>
+            </a:p>
+          </p:txBody>
+        </p:sp>
+        <p:sp>
+          <p:nvSpPr>
+            <p:cNvPr id="27" name="Rectangle 26">
+              <a:extLst>
+                <a:ext uri="{FF2B5EF4-FFF2-40B4-BE49-F238E27FC236}">
+                  <a16:creationId xmlns:a16="http://schemas.microsoft.com/office/drawing/2014/main" id="{762B8E27-FDAB-4904-987D-5FEB6E989E91}"/>
+                </a:ext>
+              </a:extLst>
+            </p:cNvPr>
+            <p:cNvSpPr/>
+            <p:nvPr/>
+          </p:nvSpPr>
+          <p:spPr>
+            <a:xfrm>
+              <a:off x="6386946" y="-1551860"/>
+              <a:ext cx="206361" cy="419016"/>
+            </a:xfrm>
+            <a:prstGeom prst="rect">
+              <a:avLst/>
+            </a:prstGeom>
             <a:solidFill>
-              <a:srgbClr val="00B050"/>
+              <a:srgbClr val="92D050"/>
             </a:solidFill>
-            <a:tailEnd type="arrow"/>
-          </a:ln>
-        </p:spPr>
-        <p:style>
-          <a:lnRef idx="1">
-            <a:schemeClr val="accent1"/>
-          </a:lnRef>
-          <a:fillRef idx="0">
-            <a:schemeClr val="accent1"/>
-          </a:fillRef>
-          <a:effectRef idx="0">
-            <a:schemeClr val="accent1"/>
-          </a:effectRef>
-          <a:fontRef idx="minor">
-            <a:schemeClr val="tx1"/>
-          </a:fontRef>
-        </p:style>
-      </p:cxnSp>
-      <p:sp>
-        <p:nvSpPr>
-          <p:cNvPr id="8" name="TextBox 7">
-            <a:extLst>
-              <a:ext uri="{FF2B5EF4-FFF2-40B4-BE49-F238E27FC236}">
-                <a16:creationId xmlns:a16="http://schemas.microsoft.com/office/drawing/2014/main" id="{DBFA767C-5781-4C21-A7CB-C38CED8E2110}"/>
-              </a:ext>
-            </a:extLst>
-          </p:cNvPr>
-          <p:cNvSpPr txBox="1"/>
-          <p:nvPr/>
-        </p:nvSpPr>
-        <p:spPr>
-          <a:xfrm>
-            <a:off x="-1219200" y="1345022"/>
-            <a:ext cx="2257550" cy="430887"/>
-          </a:xfrm>
-          <a:prstGeom prst="rect">
-            <a:avLst/>
-          </a:prstGeom>
-          <a:noFill/>
-        </p:spPr>
-        <p:txBody>
-          <a:bodyPr wrap="square" lIns="0" tIns="0" rIns="0" bIns="0" rtlCol="0">
-            <a:spAutoFit/>
-          </a:bodyPr>
-          <a:lstStyle/>
-          <a:p>
-            <a:pPr algn="ctr"/>
-            <a:r>
-              <a:rPr lang="en-US" sz="1400" i="1" dirty="0"/>
-              <a:t>new</a:t>
-            </a:r>
-            <a:r>
-              <a:rPr lang="en-US" sz="1400" b="1" i="1" dirty="0"/>
-              <a:t> </a:t>
-            </a:r>
-            <a:r>
-              <a:rPr lang="en-US" sz="1400" i="1" dirty="0" err="1"/>
-              <a:t>ShowPieChartStatsEvent</a:t>
-            </a:r>
-            <a:r>
-              <a:rPr lang="en-US" sz="1400" i="1" dirty="0"/>
-              <a:t>(data)</a:t>
-            </a:r>
-          </a:p>
-        </p:txBody>
-      </p:sp>
-      <p:sp>
-        <p:nvSpPr>
-          <p:cNvPr id="10" name="Rectangle 62">
-            <a:extLst>
-              <a:ext uri="{FF2B5EF4-FFF2-40B4-BE49-F238E27FC236}">
-                <a16:creationId xmlns:a16="http://schemas.microsoft.com/office/drawing/2014/main" id="{E1C3582E-F0BF-47A1-B886-DC33238208BC}"/>
-              </a:ext>
-            </a:extLst>
-          </p:cNvPr>
-          <p:cNvSpPr/>
-          <p:nvPr/>
-        </p:nvSpPr>
-        <p:spPr>
-          <a:xfrm>
-            <a:off x="2219451" y="381000"/>
-            <a:ext cx="1971549" cy="481320"/>
-          </a:xfrm>
-          <a:prstGeom prst="rect">
-            <a:avLst/>
-          </a:prstGeom>
-          <a:solidFill>
-            <a:srgbClr val="92D050"/>
-          </a:solidFill>
-          <a:ln w="19050">
+            <a:ln>
+              <a:solidFill>
+                <a:srgbClr val="0070C0"/>
+              </a:solidFill>
+            </a:ln>
+            <a:effectLst/>
+          </p:spPr>
+          <p:style>
+            <a:lnRef idx="1">
+              <a:schemeClr val="accent3"/>
+            </a:lnRef>
+            <a:fillRef idx="2">
+              <a:schemeClr val="accent3"/>
+            </a:fillRef>
+            <a:effectRef idx="1">
+              <a:schemeClr val="accent3"/>
+            </a:effectRef>
+            <a:fontRef idx="minor">
+              <a:schemeClr val="dk1"/>
+            </a:fontRef>
+          </p:style>
+          <p:txBody>
+            <a:bodyPr rtlCol="0" anchor="ctr"/>
+            <a:lstStyle/>
+            <a:p>
+              <a:pPr algn="ctr"/>
+              <a:endParaRPr lang="en-SG" sz="1200"/>
+            </a:p>
+          </p:txBody>
+        </p:sp>
+        <p:cxnSp>
+          <p:nvCxnSpPr>
+            <p:cNvPr id="28" name="Connector: Curved 27">
+              <a:extLst>
+                <a:ext uri="{FF2B5EF4-FFF2-40B4-BE49-F238E27FC236}">
+                  <a16:creationId xmlns:a16="http://schemas.microsoft.com/office/drawing/2014/main" id="{47EBB404-F844-43AD-ABFD-0437265A00C8}"/>
+                </a:ext>
+              </a:extLst>
+            </p:cNvPr>
+            <p:cNvCxnSpPr>
+              <a:cxnSpLocks/>
+            </p:cNvCxnSpPr>
+            <p:nvPr/>
+          </p:nvCxnSpPr>
+          <p:spPr>
+            <a:xfrm rot="16200000" flipH="1">
+              <a:off x="6479870" y="-1569846"/>
+              <a:ext cx="148766" cy="73926"/>
+            </a:xfrm>
+            <a:prstGeom prst="curvedConnector4">
+              <a:avLst>
+                <a:gd name="adj1" fmla="val -15714"/>
+                <a:gd name="adj2" fmla="val 240699"/>
+              </a:avLst>
+            </a:prstGeom>
+            <a:ln>
+              <a:solidFill>
+                <a:srgbClr val="00B050"/>
+              </a:solidFill>
+              <a:tailEnd type="triangle"/>
+            </a:ln>
+          </p:spPr>
+          <p:style>
+            <a:lnRef idx="1">
+              <a:schemeClr val="accent1"/>
+            </a:lnRef>
+            <a:fillRef idx="0">
+              <a:schemeClr val="accent1"/>
+            </a:fillRef>
+            <a:effectRef idx="0">
+              <a:schemeClr val="accent1"/>
+            </a:effectRef>
+            <a:fontRef idx="minor">
+              <a:schemeClr val="tx1"/>
+            </a:fontRef>
+          </p:style>
+        </p:cxnSp>
+        <p:sp>
+          <p:nvSpPr>
+            <p:cNvPr id="29" name="Rectangle 28">
+              <a:extLst>
+                <a:ext uri="{FF2B5EF4-FFF2-40B4-BE49-F238E27FC236}">
+                  <a16:creationId xmlns:a16="http://schemas.microsoft.com/office/drawing/2014/main" id="{834F327B-22F6-40A6-9A0C-CB1C6B20D313}"/>
+                </a:ext>
+              </a:extLst>
+            </p:cNvPr>
+            <p:cNvSpPr/>
+            <p:nvPr/>
+          </p:nvSpPr>
+          <p:spPr>
+            <a:xfrm>
+              <a:off x="6386946" y="-972178"/>
+              <a:ext cx="206361" cy="419016"/>
+            </a:xfrm>
+            <a:prstGeom prst="rect">
+              <a:avLst/>
+            </a:prstGeom>
             <a:solidFill>
-              <a:srgbClr val="0070C0"/>
+              <a:srgbClr val="92D050"/>
             </a:solidFill>
-          </a:ln>
-          <a:effectLst/>
-        </p:spPr>
-        <p:style>
-          <a:lnRef idx="1">
-            <a:schemeClr val="accent2"/>
-          </a:lnRef>
-          <a:fillRef idx="2">
-            <a:schemeClr val="accent2"/>
-          </a:fillRef>
-          <a:effectRef idx="1">
-            <a:schemeClr val="accent2"/>
-          </a:effectRef>
-          <a:fontRef idx="minor">
-            <a:schemeClr val="dk1"/>
-          </a:fontRef>
-        </p:style>
-        <p:txBody>
-          <a:bodyPr rtlCol="0" anchor="ctr"/>
-          <a:lstStyle/>
-          <a:p>
-            <a:pPr algn="ctr"/>
-            <a:r>
-              <a:rPr lang="en-US" sz="1600" dirty="0">
-                <a:solidFill>
-                  <a:schemeClr val="tx1"/>
-                </a:solidFill>
-              </a:rPr>
-              <a:t>s : </a:t>
-            </a:r>
-            <a:r>
-              <a:rPr lang="en-US" sz="1600" dirty="0" err="1">
-                <a:solidFill>
-                  <a:schemeClr val="tx1"/>
-                </a:solidFill>
-              </a:rPr>
-              <a:t>StatsDisplayPanel</a:t>
-            </a:r>
-            <a:endParaRPr lang="en-SG" sz="1600" dirty="0">
+            <a:ln>
               <a:solidFill>
-                <a:schemeClr val="tx1"/>
+                <a:srgbClr val="0070C0"/>
               </a:solidFill>
-            </a:endParaRPr>
-          </a:p>
-        </p:txBody>
-      </p:sp>
-      <p:sp>
-        <p:nvSpPr>
-          <p:cNvPr id="11" name="Rectangle 10">
-            <a:extLst>
-              <a:ext uri="{FF2B5EF4-FFF2-40B4-BE49-F238E27FC236}">
-                <a16:creationId xmlns:a16="http://schemas.microsoft.com/office/drawing/2014/main" id="{1AAA0053-402D-4FE6-A574-38EC14040DAE}"/>
-              </a:ext>
-            </a:extLst>
-          </p:cNvPr>
-          <p:cNvSpPr/>
-          <p:nvPr/>
-        </p:nvSpPr>
-        <p:spPr>
-          <a:xfrm>
-            <a:off x="3014725" y="1170260"/>
-            <a:ext cx="209202" cy="5459140"/>
-          </a:xfrm>
-          <a:prstGeom prst="rect">
-            <a:avLst/>
-          </a:prstGeom>
-          <a:solidFill>
-            <a:srgbClr val="92D050"/>
-          </a:solidFill>
-          <a:ln>
+            </a:ln>
+            <a:effectLst/>
+          </p:spPr>
+          <p:style>
+            <a:lnRef idx="1">
+              <a:schemeClr val="accent3"/>
+            </a:lnRef>
+            <a:fillRef idx="2">
+              <a:schemeClr val="accent3"/>
+            </a:fillRef>
+            <a:effectRef idx="1">
+              <a:schemeClr val="accent3"/>
+            </a:effectRef>
+            <a:fontRef idx="minor">
+              <a:schemeClr val="dk1"/>
+            </a:fontRef>
+          </p:style>
+          <p:txBody>
+            <a:bodyPr rtlCol="0" anchor="ctr"/>
+            <a:lstStyle/>
+            <a:p>
+              <a:pPr algn="ctr"/>
+              <a:endParaRPr lang="en-SG" sz="1200"/>
+            </a:p>
+          </p:txBody>
+        </p:sp>
+        <p:cxnSp>
+          <p:nvCxnSpPr>
+            <p:cNvPr id="30" name="Connector: Curved 29">
+              <a:extLst>
+                <a:ext uri="{FF2B5EF4-FFF2-40B4-BE49-F238E27FC236}">
+                  <a16:creationId xmlns:a16="http://schemas.microsoft.com/office/drawing/2014/main" id="{015A7019-A6B3-4EDD-91FE-EB343DC4F32B}"/>
+                </a:ext>
+              </a:extLst>
+            </p:cNvPr>
+            <p:cNvCxnSpPr>
+              <a:cxnSpLocks/>
+            </p:cNvCxnSpPr>
+            <p:nvPr/>
+          </p:nvCxnSpPr>
+          <p:spPr>
+            <a:xfrm rot="16200000" flipH="1">
+              <a:off x="6491333" y="-987702"/>
+              <a:ext cx="148766" cy="73926"/>
+            </a:xfrm>
+            <a:prstGeom prst="curvedConnector4">
+              <a:avLst>
+                <a:gd name="adj1" fmla="val -15714"/>
+                <a:gd name="adj2" fmla="val 240699"/>
+              </a:avLst>
+            </a:prstGeom>
+            <a:ln>
+              <a:solidFill>
+                <a:srgbClr val="00B050"/>
+              </a:solidFill>
+              <a:tailEnd type="triangle"/>
+            </a:ln>
+          </p:spPr>
+          <p:style>
+            <a:lnRef idx="1">
+              <a:schemeClr val="accent1"/>
+            </a:lnRef>
+            <a:fillRef idx="0">
+              <a:schemeClr val="accent1"/>
+            </a:fillRef>
+            <a:effectRef idx="0">
+              <a:schemeClr val="accent1"/>
+            </a:effectRef>
+            <a:fontRef idx="minor">
+              <a:schemeClr val="tx1"/>
+            </a:fontRef>
+          </p:style>
+        </p:cxnSp>
+        <p:sp>
+          <p:nvSpPr>
+            <p:cNvPr id="31" name="TextBox 30">
+              <a:extLst>
+                <a:ext uri="{FF2B5EF4-FFF2-40B4-BE49-F238E27FC236}">
+                  <a16:creationId xmlns:a16="http://schemas.microsoft.com/office/drawing/2014/main" id="{F5C01DC2-424B-4725-B57A-BA5B90F47EAF}"/>
+                </a:ext>
+              </a:extLst>
+            </p:cNvPr>
+            <p:cNvSpPr txBox="1"/>
+            <p:nvPr/>
+          </p:nvSpPr>
+          <p:spPr>
+            <a:xfrm>
+              <a:off x="6517290" y="-1472151"/>
+              <a:ext cx="2063600" cy="184666"/>
+            </a:xfrm>
+            <a:prstGeom prst="rect">
+              <a:avLst/>
+            </a:prstGeom>
+            <a:noFill/>
+          </p:spPr>
+          <p:txBody>
+            <a:bodyPr wrap="square" lIns="0" tIns="0" rIns="0" bIns="0" rtlCol="0">
+              <a:spAutoFit/>
+            </a:bodyPr>
+            <a:lstStyle/>
+            <a:p>
+              <a:pPr algn="ctr"/>
+              <a:r>
+                <a:rPr lang="en-US" sz="1200" dirty="0" err="1"/>
+                <a:t>addToExpenseLabelData</a:t>
+              </a:r>
+              <a:r>
+                <a:rPr lang="en-US" sz="1200" dirty="0"/>
+                <a:t>()</a:t>
+              </a:r>
+            </a:p>
+          </p:txBody>
+        </p:sp>
+        <p:sp>
+          <p:nvSpPr>
+            <p:cNvPr id="32" name="TextBox 31">
+              <a:extLst>
+                <a:ext uri="{FF2B5EF4-FFF2-40B4-BE49-F238E27FC236}">
+                  <a16:creationId xmlns:a16="http://schemas.microsoft.com/office/drawing/2014/main" id="{0F1FC668-8A39-4F7F-A6AA-8793F470AAEA}"/>
+                </a:ext>
+              </a:extLst>
+            </p:cNvPr>
+            <p:cNvSpPr txBox="1"/>
+            <p:nvPr/>
+          </p:nvSpPr>
+          <p:spPr>
+            <a:xfrm>
+              <a:off x="6473909" y="-842496"/>
+              <a:ext cx="2063600" cy="184666"/>
+            </a:xfrm>
+            <a:prstGeom prst="rect">
+              <a:avLst/>
+            </a:prstGeom>
+            <a:noFill/>
+          </p:spPr>
+          <p:txBody>
+            <a:bodyPr wrap="square" lIns="0" tIns="0" rIns="0" bIns="0" rtlCol="0">
+              <a:spAutoFit/>
+            </a:bodyPr>
+            <a:lstStyle/>
+            <a:p>
+              <a:pPr algn="ctr"/>
+              <a:r>
+                <a:rPr lang="en-US" sz="1200" dirty="0" err="1"/>
+                <a:t>addToIncomeLabelData</a:t>
+              </a:r>
+              <a:r>
+                <a:rPr lang="en-US" sz="1200" dirty="0"/>
+                <a:t>()</a:t>
+              </a:r>
+            </a:p>
+          </p:txBody>
+        </p:sp>
+        <p:cxnSp>
+          <p:nvCxnSpPr>
+            <p:cNvPr id="36" name="Straight Arrow Connector 35">
+              <a:extLst>
+                <a:ext uri="{FF2B5EF4-FFF2-40B4-BE49-F238E27FC236}">
+                  <a16:creationId xmlns:a16="http://schemas.microsoft.com/office/drawing/2014/main" id="{820107EE-7CED-421F-898F-6CA7BCE61F23}"/>
+                </a:ext>
+              </a:extLst>
+            </p:cNvPr>
+            <p:cNvCxnSpPr>
+              <a:cxnSpLocks/>
+            </p:cNvCxnSpPr>
+            <p:nvPr/>
+          </p:nvCxnSpPr>
+          <p:spPr>
+            <a:xfrm flipH="1">
+              <a:off x="3923033" y="-233393"/>
+              <a:ext cx="2327981" cy="0"/>
+            </a:xfrm>
+            <a:prstGeom prst="straightConnector1">
+              <a:avLst/>
+            </a:prstGeom>
+            <a:ln w="19050">
+              <a:solidFill>
+                <a:srgbClr val="00B050"/>
+              </a:solidFill>
+              <a:prstDash val="sysDash"/>
+              <a:tailEnd type="arrow"/>
+            </a:ln>
+          </p:spPr>
+          <p:style>
+            <a:lnRef idx="1">
+              <a:schemeClr val="accent1"/>
+            </a:lnRef>
+            <a:fillRef idx="0">
+              <a:schemeClr val="accent1"/>
+            </a:fillRef>
+            <a:effectRef idx="0">
+              <a:schemeClr val="accent1"/>
+            </a:effectRef>
+            <a:fontRef idx="minor">
+              <a:schemeClr val="tx1"/>
+            </a:fontRef>
+          </p:style>
+        </p:cxnSp>
+        <p:sp>
+          <p:nvSpPr>
+            <p:cNvPr id="40" name="TextBox 39">
+              <a:extLst>
+                <a:ext uri="{FF2B5EF4-FFF2-40B4-BE49-F238E27FC236}">
+                  <a16:creationId xmlns:a16="http://schemas.microsoft.com/office/drawing/2014/main" id="{5C8EF5A4-24E8-435E-B359-28FE3EB32BE8}"/>
+                </a:ext>
+              </a:extLst>
+            </p:cNvPr>
+            <p:cNvSpPr txBox="1"/>
+            <p:nvPr/>
+          </p:nvSpPr>
+          <p:spPr>
+            <a:xfrm>
+              <a:off x="3911868" y="-265363"/>
+              <a:ext cx="2063600" cy="184666"/>
+            </a:xfrm>
+            <a:prstGeom prst="rect">
+              <a:avLst/>
+            </a:prstGeom>
+            <a:noFill/>
+          </p:spPr>
+          <p:txBody>
+            <a:bodyPr wrap="square" lIns="0" tIns="0" rIns="0" bIns="0" rtlCol="0">
+              <a:spAutoFit/>
+            </a:bodyPr>
+            <a:lstStyle/>
+            <a:p>
+              <a:pPr algn="ctr"/>
+              <a:r>
+                <a:rPr lang="en-US" sz="1200" dirty="0"/>
+                <a:t>dl</a:t>
+              </a:r>
+            </a:p>
+          </p:txBody>
+        </p:sp>
+        <p:cxnSp>
+          <p:nvCxnSpPr>
+            <p:cNvPr id="88" name="Straight Arrow Connector 87">
+              <a:extLst>
+                <a:ext uri="{FF2B5EF4-FFF2-40B4-BE49-F238E27FC236}">
+                  <a16:creationId xmlns:a16="http://schemas.microsoft.com/office/drawing/2014/main" id="{06FF8774-30EB-4D57-AF65-0488D81EB1D0}"/>
+                </a:ext>
+              </a:extLst>
+            </p:cNvPr>
+            <p:cNvCxnSpPr>
+              <a:cxnSpLocks/>
+            </p:cNvCxnSpPr>
+            <p:nvPr/>
+          </p:nvCxnSpPr>
+          <p:spPr>
+            <a:xfrm flipH="1">
+              <a:off x="1975108" y="9099995"/>
+              <a:ext cx="1713352" cy="0"/>
+            </a:xfrm>
+            <a:prstGeom prst="straightConnector1">
+              <a:avLst/>
+            </a:prstGeom>
+            <a:ln w="19050">
+              <a:solidFill>
+                <a:srgbClr val="00B050"/>
+              </a:solidFill>
+              <a:prstDash val="sysDash"/>
+              <a:tailEnd type="arrow"/>
+            </a:ln>
+          </p:spPr>
+          <p:style>
+            <a:lnRef idx="1">
+              <a:schemeClr val="accent1"/>
+            </a:lnRef>
+            <a:fillRef idx="0">
+              <a:schemeClr val="accent1"/>
+            </a:fillRef>
+            <a:effectRef idx="0">
+              <a:schemeClr val="accent1"/>
+            </a:effectRef>
+            <a:fontRef idx="minor">
+              <a:schemeClr val="tx1"/>
+            </a:fontRef>
+          </p:style>
+        </p:cxnSp>
+        <p:sp>
+          <p:nvSpPr>
+            <p:cNvPr id="62" name="TextBox 61">
+              <a:extLst>
+                <a:ext uri="{FF2B5EF4-FFF2-40B4-BE49-F238E27FC236}">
+                  <a16:creationId xmlns:a16="http://schemas.microsoft.com/office/drawing/2014/main" id="{D84CA10F-5565-4B1C-BF29-8BDB88963803}"/>
+                </a:ext>
+              </a:extLst>
+            </p:cNvPr>
+            <p:cNvSpPr txBox="1"/>
+            <p:nvPr/>
+          </p:nvSpPr>
+          <p:spPr>
+            <a:xfrm>
+              <a:off x="3921105" y="-2404374"/>
+              <a:ext cx="1424956" cy="369332"/>
+            </a:xfrm>
+            <a:prstGeom prst="rect">
+              <a:avLst/>
+            </a:prstGeom>
+            <a:noFill/>
+          </p:spPr>
+          <p:txBody>
+            <a:bodyPr wrap="square" lIns="0" tIns="0" rIns="0" bIns="0" rtlCol="0">
+              <a:spAutoFit/>
+            </a:bodyPr>
+            <a:lstStyle/>
+            <a:p>
+              <a:pPr algn="ctr"/>
+              <a:r>
+                <a:rPr lang="en-US" sz="1200" dirty="0" err="1"/>
+                <a:t>MixedPieChartDataList</a:t>
+              </a:r>
+              <a:r>
+                <a:rPr lang="en-US" sz="1200" dirty="0"/>
+                <a:t>(data)</a:t>
+              </a:r>
+            </a:p>
+          </p:txBody>
+        </p:sp>
+        <p:cxnSp>
+          <p:nvCxnSpPr>
+            <p:cNvPr id="162" name="Straight Connector 161">
+              <a:extLst>
+                <a:ext uri="{FF2B5EF4-FFF2-40B4-BE49-F238E27FC236}">
+                  <a16:creationId xmlns:a16="http://schemas.microsoft.com/office/drawing/2014/main" id="{3A96E0F6-3DF6-4277-90C5-8E14CCAEAF34}"/>
+                </a:ext>
+              </a:extLst>
+            </p:cNvPr>
+            <p:cNvCxnSpPr>
+              <a:cxnSpLocks/>
+            </p:cNvCxnSpPr>
+            <p:nvPr/>
+          </p:nvCxnSpPr>
+          <p:spPr>
+            <a:xfrm>
+              <a:off x="9684441" y="6771423"/>
+              <a:ext cx="0" cy="575972"/>
+            </a:xfrm>
+            <a:prstGeom prst="line">
+              <a:avLst/>
+            </a:prstGeom>
+            <a:ln w="19050">
+              <a:solidFill>
+                <a:srgbClr val="6CA62C"/>
+              </a:solidFill>
+              <a:prstDash val="sysDash"/>
+            </a:ln>
+            <a:effectLst/>
+          </p:spPr>
+          <p:style>
+            <a:lnRef idx="1">
+              <a:schemeClr val="accent1"/>
+            </a:lnRef>
+            <a:fillRef idx="2">
+              <a:schemeClr val="accent1"/>
+            </a:fillRef>
+            <a:effectRef idx="1">
+              <a:schemeClr val="accent1"/>
+            </a:effectRef>
+            <a:fontRef idx="minor">
+              <a:schemeClr val="dk1"/>
+            </a:fontRef>
+          </p:style>
+        </p:cxnSp>
+        <p:sp>
+          <p:nvSpPr>
+            <p:cNvPr id="67" name="Rectangle 66">
+              <a:extLst>
+                <a:ext uri="{FF2B5EF4-FFF2-40B4-BE49-F238E27FC236}">
+                  <a16:creationId xmlns:a16="http://schemas.microsoft.com/office/drawing/2014/main" id="{0E2B108E-9403-4756-870B-D7D9D2630B8E}"/>
+                </a:ext>
+              </a:extLst>
+            </p:cNvPr>
+            <p:cNvSpPr/>
+            <p:nvPr/>
+          </p:nvSpPr>
+          <p:spPr>
+            <a:xfrm>
+              <a:off x="6250919" y="5692030"/>
+              <a:ext cx="206360" cy="251714"/>
+            </a:xfrm>
+            <a:prstGeom prst="rect">
+              <a:avLst/>
+            </a:prstGeom>
             <a:solidFill>
-              <a:srgbClr val="0070C0"/>
+              <a:srgbClr val="92D050"/>
             </a:solidFill>
-          </a:ln>
-          <a:effectLst/>
-        </p:spPr>
-        <p:style>
-          <a:lnRef idx="1">
-            <a:schemeClr val="accent3"/>
-          </a:lnRef>
-          <a:fillRef idx="2">
-            <a:schemeClr val="accent3"/>
-          </a:fillRef>
-          <a:effectRef idx="1">
-            <a:schemeClr val="accent3"/>
-          </a:effectRef>
-          <a:fontRef idx="minor">
-            <a:schemeClr val="dk1"/>
-          </a:fontRef>
-        </p:style>
-        <p:txBody>
-          <a:bodyPr rtlCol="0" anchor="ctr"/>
-          <a:lstStyle/>
-          <a:p>
-            <a:pPr algn="ctr"/>
-            <a:endParaRPr lang="en-SG" sz="1400"/>
-          </a:p>
-        </p:txBody>
-      </p:sp>
-      <p:cxnSp>
-        <p:nvCxnSpPr>
-          <p:cNvPr id="13" name="Straight Arrow Connector 12">
-            <a:extLst>
-              <a:ext uri="{FF2B5EF4-FFF2-40B4-BE49-F238E27FC236}">
-                <a16:creationId xmlns:a16="http://schemas.microsoft.com/office/drawing/2014/main" id="{94377365-13B4-45F2-B94C-8019488F4D63}"/>
-              </a:ext>
-            </a:extLst>
-          </p:cNvPr>
-          <p:cNvCxnSpPr>
-            <a:cxnSpLocks/>
-          </p:cNvCxnSpPr>
-          <p:nvPr/>
-        </p:nvCxnSpPr>
-        <p:spPr>
-          <a:xfrm>
-            <a:off x="1295400" y="1447664"/>
-            <a:ext cx="1719325" cy="0"/>
-          </a:xfrm>
-          <a:prstGeom prst="straightConnector1">
-            <a:avLst/>
-          </a:prstGeom>
-          <a:ln w="19050">
+            <a:ln>
+              <a:solidFill>
+                <a:srgbClr val="0070C0"/>
+              </a:solidFill>
+            </a:ln>
+            <a:effectLst/>
+          </p:spPr>
+          <p:style>
+            <a:lnRef idx="1">
+              <a:schemeClr val="accent3"/>
+            </a:lnRef>
+            <a:fillRef idx="2">
+              <a:schemeClr val="accent3"/>
+            </a:fillRef>
+            <a:effectRef idx="1">
+              <a:schemeClr val="accent3"/>
+            </a:effectRef>
+            <a:fontRef idx="minor">
+              <a:schemeClr val="dk1"/>
+            </a:fontRef>
+          </p:style>
+          <p:txBody>
+            <a:bodyPr rtlCol="0" anchor="ctr"/>
+            <a:lstStyle/>
+            <a:p>
+              <a:pPr algn="ctr"/>
+              <a:endParaRPr lang="en-SG" sz="1200"/>
+            </a:p>
+          </p:txBody>
+        </p:sp>
+        <p:cxnSp>
+          <p:nvCxnSpPr>
+            <p:cNvPr id="69" name="Straight Arrow Connector 68">
+              <a:extLst>
+                <a:ext uri="{FF2B5EF4-FFF2-40B4-BE49-F238E27FC236}">
+                  <a16:creationId xmlns:a16="http://schemas.microsoft.com/office/drawing/2014/main" id="{2C4F69AB-37ED-409E-B049-1412DF5E5B55}"/>
+                </a:ext>
+              </a:extLst>
+            </p:cNvPr>
+            <p:cNvCxnSpPr>
+              <a:cxnSpLocks/>
+            </p:cNvCxnSpPr>
+            <p:nvPr/>
+          </p:nvCxnSpPr>
+          <p:spPr>
+            <a:xfrm>
+              <a:off x="3906403" y="5715152"/>
+              <a:ext cx="2344516" cy="0"/>
+            </a:xfrm>
+            <a:prstGeom prst="straightConnector1">
+              <a:avLst/>
+            </a:prstGeom>
+            <a:ln w="19050">
+              <a:solidFill>
+                <a:srgbClr val="00B050"/>
+              </a:solidFill>
+              <a:tailEnd type="arrow"/>
+            </a:ln>
+          </p:spPr>
+          <p:style>
+            <a:lnRef idx="1">
+              <a:schemeClr val="accent1"/>
+            </a:lnRef>
+            <a:fillRef idx="0">
+              <a:schemeClr val="accent1"/>
+            </a:fillRef>
+            <a:effectRef idx="0">
+              <a:schemeClr val="accent1"/>
+            </a:effectRef>
+            <a:fontRef idx="minor">
+              <a:schemeClr val="tx1"/>
+            </a:fontRef>
+          </p:style>
+        </p:cxnSp>
+        <p:cxnSp>
+          <p:nvCxnSpPr>
+            <p:cNvPr id="72" name="Straight Arrow Connector 71">
+              <a:extLst>
+                <a:ext uri="{FF2B5EF4-FFF2-40B4-BE49-F238E27FC236}">
+                  <a16:creationId xmlns:a16="http://schemas.microsoft.com/office/drawing/2014/main" id="{B5840642-638C-4E25-8256-41207CA817B9}"/>
+                </a:ext>
+              </a:extLst>
+            </p:cNvPr>
+            <p:cNvCxnSpPr>
+              <a:cxnSpLocks/>
+            </p:cNvCxnSpPr>
+            <p:nvPr/>
+          </p:nvCxnSpPr>
+          <p:spPr>
+            <a:xfrm flipH="1">
+              <a:off x="3906403" y="5943752"/>
+              <a:ext cx="2327981" cy="0"/>
+            </a:xfrm>
+            <a:prstGeom prst="straightConnector1">
+              <a:avLst/>
+            </a:prstGeom>
+            <a:ln w="19050">
+              <a:solidFill>
+                <a:srgbClr val="00B050"/>
+              </a:solidFill>
+              <a:prstDash val="sysDash"/>
+              <a:tailEnd type="arrow"/>
+            </a:ln>
+          </p:spPr>
+          <p:style>
+            <a:lnRef idx="1">
+              <a:schemeClr val="accent1"/>
+            </a:lnRef>
+            <a:fillRef idx="0">
+              <a:schemeClr val="accent1"/>
+            </a:fillRef>
+            <a:effectRef idx="0">
+              <a:schemeClr val="accent1"/>
+            </a:effectRef>
+            <a:fontRef idx="minor">
+              <a:schemeClr val="tx1"/>
+            </a:fontRef>
+          </p:style>
+        </p:cxnSp>
+        <p:sp>
+          <p:nvSpPr>
+            <p:cNvPr id="77" name="Rectangle 76">
+              <a:extLst>
+                <a:ext uri="{FF2B5EF4-FFF2-40B4-BE49-F238E27FC236}">
+                  <a16:creationId xmlns:a16="http://schemas.microsoft.com/office/drawing/2014/main" id="{80D60099-7E61-4CE3-AFE9-425966B10733}"/>
+                </a:ext>
+              </a:extLst>
+            </p:cNvPr>
+            <p:cNvSpPr/>
+            <p:nvPr/>
+          </p:nvSpPr>
+          <p:spPr>
+            <a:xfrm>
+              <a:off x="6260863" y="6147149"/>
+              <a:ext cx="206360" cy="251714"/>
+            </a:xfrm>
+            <a:prstGeom prst="rect">
+              <a:avLst/>
+            </a:prstGeom>
             <a:solidFill>
-              <a:srgbClr val="00B050"/>
+              <a:srgbClr val="92D050"/>
             </a:solidFill>
-            <a:tailEnd type="arrow"/>
-          </a:ln>
-        </p:spPr>
-        <p:style>
-          <a:lnRef idx="1">
-            <a:schemeClr val="accent1"/>
-          </a:lnRef>
-          <a:fillRef idx="0">
-            <a:schemeClr val="accent1"/>
-          </a:fillRef>
-          <a:effectRef idx="0">
-            <a:schemeClr val="accent1"/>
-          </a:effectRef>
-          <a:fontRef idx="minor">
-            <a:schemeClr val="tx1"/>
-          </a:fontRef>
-        </p:style>
-      </p:cxnSp>
-      <p:sp>
-        <p:nvSpPr>
-          <p:cNvPr id="15" name="TextBox 14">
-            <a:extLst>
-              <a:ext uri="{FF2B5EF4-FFF2-40B4-BE49-F238E27FC236}">
-                <a16:creationId xmlns:a16="http://schemas.microsoft.com/office/drawing/2014/main" id="{0492DCAE-0C5B-41F0-ABDC-7F0432B57915}"/>
-              </a:ext>
-            </a:extLst>
-          </p:cNvPr>
-          <p:cNvSpPr txBox="1"/>
-          <p:nvPr/>
-        </p:nvSpPr>
-        <p:spPr>
-          <a:xfrm>
-            <a:off x="1353055" y="1536885"/>
-            <a:ext cx="1619500" cy="430887"/>
-          </a:xfrm>
-          <a:prstGeom prst="rect">
-            <a:avLst/>
-          </a:prstGeom>
-          <a:noFill/>
-        </p:spPr>
-        <p:txBody>
-          <a:bodyPr wrap="square" lIns="0" tIns="0" rIns="0" bIns="0" rtlCol="0">
-            <a:spAutoFit/>
-          </a:bodyPr>
-          <a:lstStyle/>
-          <a:p>
-            <a:pPr algn="ctr"/>
-            <a:r>
-              <a:rPr lang="en-US" sz="1400" dirty="0" err="1"/>
-              <a:t>s.handleShowPieChartStatsEvent</a:t>
-            </a:r>
-            <a:r>
-              <a:rPr lang="en-US" sz="1400" dirty="0"/>
-              <a:t>(data)</a:t>
-            </a:r>
-          </a:p>
-        </p:txBody>
-      </p:sp>
-      <p:cxnSp>
-        <p:nvCxnSpPr>
-          <p:cNvPr id="18" name="Straight Arrow Connector 17">
-            <a:extLst>
-              <a:ext uri="{FF2B5EF4-FFF2-40B4-BE49-F238E27FC236}">
-                <a16:creationId xmlns:a16="http://schemas.microsoft.com/office/drawing/2014/main" id="{013C9A0D-AA2A-4E07-8166-B8424F6B7284}"/>
-              </a:ext>
-            </a:extLst>
-          </p:cNvPr>
-          <p:cNvCxnSpPr>
-            <a:cxnSpLocks/>
-          </p:cNvCxnSpPr>
-          <p:nvPr/>
-        </p:nvCxnSpPr>
-        <p:spPr>
-          <a:xfrm>
-            <a:off x="3243325" y="1601105"/>
-            <a:ext cx="1456505" cy="0"/>
-          </a:xfrm>
-          <a:prstGeom prst="straightConnector1">
-            <a:avLst/>
-          </a:prstGeom>
-          <a:ln w="19050">
+            <a:ln>
+              <a:solidFill>
+                <a:srgbClr val="0070C0"/>
+              </a:solidFill>
+            </a:ln>
+            <a:effectLst/>
+          </p:spPr>
+          <p:style>
+            <a:lnRef idx="1">
+              <a:schemeClr val="accent3"/>
+            </a:lnRef>
+            <a:fillRef idx="2">
+              <a:schemeClr val="accent3"/>
+            </a:fillRef>
+            <a:effectRef idx="1">
+              <a:schemeClr val="accent3"/>
+            </a:effectRef>
+            <a:fontRef idx="minor">
+              <a:schemeClr val="dk1"/>
+            </a:fontRef>
+          </p:style>
+          <p:txBody>
+            <a:bodyPr rtlCol="0" anchor="ctr"/>
+            <a:lstStyle/>
+            <a:p>
+              <a:pPr algn="ctr"/>
+              <a:endParaRPr lang="en-SG" sz="1200"/>
+            </a:p>
+          </p:txBody>
+        </p:sp>
+        <p:sp>
+          <p:nvSpPr>
+            <p:cNvPr id="78" name="TextBox 77">
+              <a:extLst>
+                <a:ext uri="{FF2B5EF4-FFF2-40B4-BE49-F238E27FC236}">
+                  <a16:creationId xmlns:a16="http://schemas.microsoft.com/office/drawing/2014/main" id="{FD5AD29F-1244-4FCE-AB30-20176E0CC7F2}"/>
+                </a:ext>
+              </a:extLst>
+            </p:cNvPr>
+            <p:cNvSpPr txBox="1"/>
+            <p:nvPr/>
+          </p:nvSpPr>
+          <p:spPr>
+            <a:xfrm>
+              <a:off x="3975265" y="5758086"/>
+              <a:ext cx="1914710" cy="184666"/>
+            </a:xfrm>
+            <a:prstGeom prst="rect">
+              <a:avLst/>
+            </a:prstGeom>
+            <a:noFill/>
+          </p:spPr>
+          <p:txBody>
+            <a:bodyPr wrap="square" lIns="0" tIns="0" rIns="0" bIns="0" rtlCol="0">
+              <a:spAutoFit/>
+            </a:bodyPr>
+            <a:lstStyle/>
+            <a:p>
+              <a:pPr algn="ctr"/>
+              <a:r>
+                <a:rPr lang="en-US" sz="1200" dirty="0" err="1"/>
+                <a:t>incomeLabelData</a:t>
+              </a:r>
+              <a:endParaRPr lang="en-US" sz="1200" dirty="0"/>
+            </a:p>
+          </p:txBody>
+        </p:sp>
+        <p:cxnSp>
+          <p:nvCxnSpPr>
+            <p:cNvPr id="81" name="Straight Arrow Connector 80">
+              <a:extLst>
+                <a:ext uri="{FF2B5EF4-FFF2-40B4-BE49-F238E27FC236}">
+                  <a16:creationId xmlns:a16="http://schemas.microsoft.com/office/drawing/2014/main" id="{1C6B12A1-AFCD-423E-8006-0678A686C8D5}"/>
+                </a:ext>
+              </a:extLst>
+            </p:cNvPr>
+            <p:cNvCxnSpPr>
+              <a:cxnSpLocks/>
+            </p:cNvCxnSpPr>
+            <p:nvPr/>
+          </p:nvCxnSpPr>
+          <p:spPr>
+            <a:xfrm>
+              <a:off x="3927770" y="6147149"/>
+              <a:ext cx="2344516" cy="0"/>
+            </a:xfrm>
+            <a:prstGeom prst="straightConnector1">
+              <a:avLst/>
+            </a:prstGeom>
+            <a:ln w="19050">
+              <a:solidFill>
+                <a:srgbClr val="00B050"/>
+              </a:solidFill>
+              <a:tailEnd type="arrow"/>
+            </a:ln>
+          </p:spPr>
+          <p:style>
+            <a:lnRef idx="1">
+              <a:schemeClr val="accent1"/>
+            </a:lnRef>
+            <a:fillRef idx="0">
+              <a:schemeClr val="accent1"/>
+            </a:fillRef>
+            <a:effectRef idx="0">
+              <a:schemeClr val="accent1"/>
+            </a:effectRef>
+            <a:fontRef idx="minor">
+              <a:schemeClr val="tx1"/>
+            </a:fontRef>
+          </p:style>
+        </p:cxnSp>
+        <p:sp>
+          <p:nvSpPr>
+            <p:cNvPr id="84" name="TextBox 83">
+              <a:extLst>
+                <a:ext uri="{FF2B5EF4-FFF2-40B4-BE49-F238E27FC236}">
+                  <a16:creationId xmlns:a16="http://schemas.microsoft.com/office/drawing/2014/main" id="{6241E4D6-9799-465D-8AA3-F2D80D649D59}"/>
+                </a:ext>
+              </a:extLst>
+            </p:cNvPr>
+            <p:cNvSpPr txBox="1"/>
+            <p:nvPr/>
+          </p:nvSpPr>
+          <p:spPr>
+            <a:xfrm>
+              <a:off x="4116465" y="5952304"/>
+              <a:ext cx="2008729" cy="184666"/>
+            </a:xfrm>
+            <a:prstGeom prst="rect">
+              <a:avLst/>
+            </a:prstGeom>
+            <a:noFill/>
+          </p:spPr>
+          <p:txBody>
+            <a:bodyPr wrap="square" lIns="0" tIns="0" rIns="0" bIns="0" rtlCol="0">
+              <a:spAutoFit/>
+            </a:bodyPr>
+            <a:lstStyle/>
+            <a:p>
+              <a:pPr algn="ctr"/>
+              <a:r>
+                <a:rPr lang="en-US" sz="1200" dirty="0" err="1"/>
+                <a:t>getIncomeChartLegendData</a:t>
+              </a:r>
+              <a:r>
+                <a:rPr lang="en-US" sz="1200" dirty="0"/>
+                <a:t>()</a:t>
+              </a:r>
+            </a:p>
+          </p:txBody>
+        </p:sp>
+        <p:cxnSp>
+          <p:nvCxnSpPr>
+            <p:cNvPr id="86" name="Straight Arrow Connector 85">
+              <a:extLst>
+                <a:ext uri="{FF2B5EF4-FFF2-40B4-BE49-F238E27FC236}">
+                  <a16:creationId xmlns:a16="http://schemas.microsoft.com/office/drawing/2014/main" id="{5CD7FBBA-7843-424D-8892-0366AF6AD2D1}"/>
+                </a:ext>
+              </a:extLst>
+            </p:cNvPr>
+            <p:cNvCxnSpPr>
+              <a:cxnSpLocks/>
+            </p:cNvCxnSpPr>
+            <p:nvPr/>
+          </p:nvCxnSpPr>
+          <p:spPr>
+            <a:xfrm flipH="1">
+              <a:off x="3914670" y="6398863"/>
+              <a:ext cx="2327981" cy="0"/>
+            </a:xfrm>
+            <a:prstGeom prst="straightConnector1">
+              <a:avLst/>
+            </a:prstGeom>
+            <a:ln w="19050">
+              <a:solidFill>
+                <a:srgbClr val="00B050"/>
+              </a:solidFill>
+              <a:prstDash val="sysDash"/>
+              <a:tailEnd type="arrow"/>
+            </a:ln>
+          </p:spPr>
+          <p:style>
+            <a:lnRef idx="1">
+              <a:schemeClr val="accent1"/>
+            </a:lnRef>
+            <a:fillRef idx="0">
+              <a:schemeClr val="accent1"/>
+            </a:fillRef>
+            <a:effectRef idx="0">
+              <a:schemeClr val="accent1"/>
+            </a:effectRef>
+            <a:fontRef idx="minor">
+              <a:schemeClr val="tx1"/>
+            </a:fontRef>
+          </p:style>
+        </p:cxnSp>
+        <p:sp>
+          <p:nvSpPr>
+            <p:cNvPr id="89" name="TextBox 88">
+              <a:extLst>
+                <a:ext uri="{FF2B5EF4-FFF2-40B4-BE49-F238E27FC236}">
+                  <a16:creationId xmlns:a16="http://schemas.microsoft.com/office/drawing/2014/main" id="{20E8073A-A7C5-4223-9604-34EFFC10A41E}"/>
+                </a:ext>
+              </a:extLst>
+            </p:cNvPr>
+            <p:cNvSpPr txBox="1"/>
+            <p:nvPr/>
+          </p:nvSpPr>
+          <p:spPr>
+            <a:xfrm>
+              <a:off x="3989726" y="6232644"/>
+              <a:ext cx="1914710" cy="184666"/>
+            </a:xfrm>
+            <a:prstGeom prst="rect">
+              <a:avLst/>
+            </a:prstGeom>
+            <a:noFill/>
+          </p:spPr>
+          <p:txBody>
+            <a:bodyPr wrap="square" lIns="0" tIns="0" rIns="0" bIns="0" rtlCol="0">
+              <a:spAutoFit/>
+            </a:bodyPr>
+            <a:lstStyle/>
+            <a:p>
+              <a:pPr algn="ctr"/>
+              <a:r>
+                <a:rPr lang="en-US" sz="1200" dirty="0" err="1"/>
+                <a:t>incomeLegendData</a:t>
+              </a:r>
+              <a:endParaRPr lang="en-US" sz="1200" dirty="0"/>
+            </a:p>
+          </p:txBody>
+        </p:sp>
+        <p:cxnSp>
+          <p:nvCxnSpPr>
+            <p:cNvPr id="141" name="Straight Arrow Connector 140">
+              <a:extLst>
+                <a:ext uri="{FF2B5EF4-FFF2-40B4-BE49-F238E27FC236}">
+                  <a16:creationId xmlns:a16="http://schemas.microsoft.com/office/drawing/2014/main" id="{D5843938-E059-4E52-8096-69A98AC672D8}"/>
+                </a:ext>
+              </a:extLst>
+            </p:cNvPr>
+            <p:cNvCxnSpPr>
+              <a:cxnSpLocks/>
+            </p:cNvCxnSpPr>
+            <p:nvPr/>
+          </p:nvCxnSpPr>
+          <p:spPr>
+            <a:xfrm>
+              <a:off x="3923322" y="6771423"/>
+              <a:ext cx="5086103" cy="0"/>
+            </a:xfrm>
+            <a:prstGeom prst="straightConnector1">
+              <a:avLst/>
+            </a:prstGeom>
+            <a:ln w="19050">
+              <a:solidFill>
+                <a:srgbClr val="00B050"/>
+              </a:solidFill>
+              <a:tailEnd type="arrow"/>
+            </a:ln>
+          </p:spPr>
+          <p:style>
+            <a:lnRef idx="1">
+              <a:schemeClr val="accent1"/>
+            </a:lnRef>
+            <a:fillRef idx="0">
+              <a:schemeClr val="accent1"/>
+            </a:fillRef>
+            <a:effectRef idx="0">
+              <a:schemeClr val="accent1"/>
+            </a:effectRef>
+            <a:fontRef idx="minor">
+              <a:schemeClr val="tx1"/>
+            </a:fontRef>
+          </p:style>
+        </p:cxnSp>
+        <p:sp>
+          <p:nvSpPr>
+            <p:cNvPr id="142" name="TextBox 141">
+              <a:extLst>
+                <a:ext uri="{FF2B5EF4-FFF2-40B4-BE49-F238E27FC236}">
+                  <a16:creationId xmlns:a16="http://schemas.microsoft.com/office/drawing/2014/main" id="{1ACCEE04-A23B-4BCD-8947-110D1E5997FC}"/>
+                </a:ext>
+              </a:extLst>
+            </p:cNvPr>
+            <p:cNvSpPr txBox="1"/>
+            <p:nvPr/>
+          </p:nvSpPr>
+          <p:spPr>
+            <a:xfrm>
+              <a:off x="6913270" y="6116565"/>
+              <a:ext cx="1769795" cy="553998"/>
+            </a:xfrm>
+            <a:prstGeom prst="rect">
+              <a:avLst/>
+            </a:prstGeom>
+            <a:noFill/>
+          </p:spPr>
+          <p:txBody>
+            <a:bodyPr wrap="square" lIns="0" tIns="0" rIns="0" bIns="0" rtlCol="0">
+              <a:spAutoFit/>
+            </a:bodyPr>
+            <a:lstStyle/>
+            <a:p>
+              <a:pPr algn="ctr"/>
+              <a:r>
+                <a:rPr lang="en-US" sz="1200" dirty="0" err="1"/>
+                <a:t>CategoryBreakdown</a:t>
+              </a:r>
+              <a:r>
+                <a:rPr lang="en-US" sz="1200" dirty="0"/>
+                <a:t>(</a:t>
+              </a:r>
+              <a:r>
+                <a:rPr lang="en-US" sz="1200" dirty="0" err="1"/>
+                <a:t>incomeLabelData</a:t>
+              </a:r>
+              <a:r>
+                <a:rPr lang="en-US" sz="1200" dirty="0"/>
+                <a:t>, </a:t>
+              </a:r>
+              <a:r>
+                <a:rPr lang="en-US" sz="1200" dirty="0" err="1"/>
+                <a:t>incomeLegendData</a:t>
+              </a:r>
+              <a:r>
+                <a:rPr lang="en-US" sz="1200" dirty="0"/>
+                <a:t>)</a:t>
+              </a:r>
+            </a:p>
+          </p:txBody>
+        </p:sp>
+        <p:sp>
+          <p:nvSpPr>
+            <p:cNvPr id="151" name="Rectangle 150">
+              <a:extLst>
+                <a:ext uri="{FF2B5EF4-FFF2-40B4-BE49-F238E27FC236}">
+                  <a16:creationId xmlns:a16="http://schemas.microsoft.com/office/drawing/2014/main" id="{988E372A-3D2A-4437-9DE3-D70063E747C4}"/>
+                </a:ext>
+              </a:extLst>
+            </p:cNvPr>
+            <p:cNvSpPr/>
+            <p:nvPr/>
+          </p:nvSpPr>
+          <p:spPr>
+            <a:xfrm>
+              <a:off x="9581263" y="6847623"/>
+              <a:ext cx="206356" cy="271165"/>
+            </a:xfrm>
+            <a:prstGeom prst="rect">
+              <a:avLst/>
+            </a:prstGeom>
             <a:solidFill>
-              <a:srgbClr val="00B050"/>
+              <a:srgbClr val="92D050"/>
             </a:solidFill>
-            <a:tailEnd type="arrow"/>
-          </a:ln>
-        </p:spPr>
-        <p:style>
-          <a:lnRef idx="1">
-            <a:schemeClr val="accent1"/>
-          </a:lnRef>
-          <a:fillRef idx="0">
-            <a:schemeClr val="accent1"/>
-          </a:fillRef>
-          <a:effectRef idx="0">
-            <a:schemeClr val="accent1"/>
-          </a:effectRef>
-          <a:fontRef idx="minor">
-            <a:schemeClr val="tx1"/>
-          </a:fontRef>
-        </p:style>
-      </p:cxnSp>
-      <p:sp>
-        <p:nvSpPr>
-          <p:cNvPr id="23" name="Rectangle 22">
-            <a:extLst>
-              <a:ext uri="{FF2B5EF4-FFF2-40B4-BE49-F238E27FC236}">
-                <a16:creationId xmlns:a16="http://schemas.microsoft.com/office/drawing/2014/main" id="{E1ED8C4C-9EA2-48E4-BE0A-9DB501014FE3}"/>
-              </a:ext>
-            </a:extLst>
-          </p:cNvPr>
-          <p:cNvSpPr/>
-          <p:nvPr/>
-        </p:nvSpPr>
-        <p:spPr>
-          <a:xfrm>
-            <a:off x="5609208" y="1504132"/>
-            <a:ext cx="206360" cy="1868535"/>
-          </a:xfrm>
-          <a:prstGeom prst="rect">
-            <a:avLst/>
-          </a:prstGeom>
-          <a:solidFill>
-            <a:srgbClr val="92D050"/>
-          </a:solidFill>
-          <a:ln>
+            <a:ln>
+              <a:solidFill>
+                <a:srgbClr val="0070C0"/>
+              </a:solidFill>
+            </a:ln>
+            <a:effectLst/>
+          </p:spPr>
+          <p:style>
+            <a:lnRef idx="1">
+              <a:schemeClr val="accent3"/>
+            </a:lnRef>
+            <a:fillRef idx="2">
+              <a:schemeClr val="accent3"/>
+            </a:fillRef>
+            <a:effectRef idx="1">
+              <a:schemeClr val="accent3"/>
+            </a:effectRef>
+            <a:fontRef idx="minor">
+              <a:schemeClr val="dk1"/>
+            </a:fontRef>
+          </p:style>
+          <p:txBody>
+            <a:bodyPr rtlCol="0" anchor="ctr"/>
+            <a:lstStyle/>
+            <a:p>
+              <a:pPr algn="ctr"/>
+              <a:endParaRPr lang="en-SG" sz="1200"/>
+            </a:p>
+          </p:txBody>
+        </p:sp>
+        <p:cxnSp>
+          <p:nvCxnSpPr>
+            <p:cNvPr id="152" name="Straight Arrow Connector 151">
+              <a:extLst>
+                <a:ext uri="{FF2B5EF4-FFF2-40B4-BE49-F238E27FC236}">
+                  <a16:creationId xmlns:a16="http://schemas.microsoft.com/office/drawing/2014/main" id="{A25458E2-8502-4A63-9F2D-28EE7EAD4E03}"/>
+                </a:ext>
+              </a:extLst>
+            </p:cNvPr>
+            <p:cNvCxnSpPr>
+              <a:cxnSpLocks/>
+            </p:cNvCxnSpPr>
+            <p:nvPr/>
+          </p:nvCxnSpPr>
+          <p:spPr>
+            <a:xfrm flipH="1">
+              <a:off x="3893052" y="7084607"/>
+              <a:ext cx="5688211" cy="0"/>
+            </a:xfrm>
+            <a:prstGeom prst="straightConnector1">
+              <a:avLst/>
+            </a:prstGeom>
+            <a:ln w="19050">
+              <a:solidFill>
+                <a:srgbClr val="00B050"/>
+              </a:solidFill>
+              <a:prstDash val="sysDash"/>
+              <a:tailEnd type="arrow"/>
+            </a:ln>
+          </p:spPr>
+          <p:style>
+            <a:lnRef idx="1">
+              <a:schemeClr val="accent1"/>
+            </a:lnRef>
+            <a:fillRef idx="0">
+              <a:schemeClr val="accent1"/>
+            </a:fillRef>
+            <a:effectRef idx="0">
+              <a:schemeClr val="accent1"/>
+            </a:effectRef>
+            <a:fontRef idx="minor">
+              <a:schemeClr val="tx1"/>
+            </a:fontRef>
+          </p:style>
+        </p:cxnSp>
+        <p:sp>
+          <p:nvSpPr>
+            <p:cNvPr id="153" name="TextBox 152">
+              <a:extLst>
+                <a:ext uri="{FF2B5EF4-FFF2-40B4-BE49-F238E27FC236}">
+                  <a16:creationId xmlns:a16="http://schemas.microsoft.com/office/drawing/2014/main" id="{DD2F38B1-AFFA-4B1A-B794-93CCDF89112D}"/>
+                </a:ext>
+              </a:extLst>
+            </p:cNvPr>
+            <p:cNvSpPr txBox="1"/>
+            <p:nvPr/>
+          </p:nvSpPr>
+          <p:spPr>
+            <a:xfrm>
+              <a:off x="6309858" y="6813995"/>
+              <a:ext cx="1914710" cy="184666"/>
+            </a:xfrm>
+            <a:prstGeom prst="rect">
+              <a:avLst/>
+            </a:prstGeom>
+            <a:noFill/>
+          </p:spPr>
+          <p:txBody>
+            <a:bodyPr wrap="square" lIns="0" tIns="0" rIns="0" bIns="0" rtlCol="0">
+              <a:spAutoFit/>
+            </a:bodyPr>
+            <a:lstStyle/>
+            <a:p>
+              <a:pPr algn="ctr"/>
+              <a:r>
+                <a:rPr lang="en-US" sz="1200" dirty="0"/>
+                <a:t>ci</a:t>
+              </a:r>
+            </a:p>
+          </p:txBody>
+        </p:sp>
+        <p:sp>
+          <p:nvSpPr>
+            <p:cNvPr id="160" name="Rectangle 62">
+              <a:extLst>
+                <a:ext uri="{FF2B5EF4-FFF2-40B4-BE49-F238E27FC236}">
+                  <a16:creationId xmlns:a16="http://schemas.microsoft.com/office/drawing/2014/main" id="{A3037472-AA6D-4009-98DA-F1BFBA8D965F}"/>
+                </a:ext>
+              </a:extLst>
+            </p:cNvPr>
+            <p:cNvSpPr/>
+            <p:nvPr/>
+          </p:nvSpPr>
+          <p:spPr>
+            <a:xfrm>
+              <a:off x="9009425" y="6104406"/>
+              <a:ext cx="1327007" cy="762000"/>
+            </a:xfrm>
+            <a:prstGeom prst="rect">
+              <a:avLst/>
+            </a:prstGeom>
             <a:solidFill>
-              <a:srgbClr val="0070C0"/>
+              <a:srgbClr val="92D050"/>
             </a:solidFill>
-          </a:ln>
-          <a:effectLst/>
-        </p:spPr>
-        <p:style>
-          <a:lnRef idx="1">
-            <a:schemeClr val="accent3"/>
-          </a:lnRef>
-          <a:fillRef idx="2">
-            <a:schemeClr val="accent3"/>
-          </a:fillRef>
-          <a:effectRef idx="1">
-            <a:schemeClr val="accent3"/>
-          </a:effectRef>
-          <a:fontRef idx="minor">
-            <a:schemeClr val="dk1"/>
-          </a:fontRef>
-        </p:style>
-        <p:txBody>
-          <a:bodyPr rtlCol="0" anchor="ctr"/>
-          <a:lstStyle/>
-          <a:p>
-            <a:pPr algn="ctr"/>
-            <a:endParaRPr lang="en-SG" sz="1400"/>
-          </a:p>
-        </p:txBody>
-      </p:sp>
-      <p:sp>
-        <p:nvSpPr>
-          <p:cNvPr id="17" name="Rectangle 62">
-            <a:extLst>
-              <a:ext uri="{FF2B5EF4-FFF2-40B4-BE49-F238E27FC236}">
-                <a16:creationId xmlns:a16="http://schemas.microsoft.com/office/drawing/2014/main" id="{0BD15CB9-AAF0-48E6-BA4D-084328CFD649}"/>
-              </a:ext>
-            </a:extLst>
-          </p:cNvPr>
-          <p:cNvSpPr/>
-          <p:nvPr/>
-        </p:nvSpPr>
-        <p:spPr>
-          <a:xfrm>
-            <a:off x="4699830" y="1104595"/>
-            <a:ext cx="1971549" cy="762000"/>
-          </a:xfrm>
-          <a:prstGeom prst="rect">
-            <a:avLst/>
-          </a:prstGeom>
-          <a:solidFill>
-            <a:srgbClr val="92D050"/>
-          </a:solidFill>
-          <a:ln w="19050">
+            <a:ln w="19050">
+              <a:solidFill>
+                <a:srgbClr val="0070C0"/>
+              </a:solidFill>
+            </a:ln>
+            <a:effectLst/>
+          </p:spPr>
+          <p:style>
+            <a:lnRef idx="1">
+              <a:schemeClr val="accent2"/>
+            </a:lnRef>
+            <a:fillRef idx="2">
+              <a:schemeClr val="accent2"/>
+            </a:fillRef>
+            <a:effectRef idx="1">
+              <a:schemeClr val="accent2"/>
+            </a:effectRef>
+            <a:fontRef idx="minor">
+              <a:schemeClr val="dk1"/>
+            </a:fontRef>
+          </p:style>
+          <p:txBody>
+            <a:bodyPr rtlCol="0" anchor="ctr"/>
+            <a:lstStyle/>
+            <a:p>
+              <a:pPr algn="ctr"/>
+              <a:r>
+                <a:rPr lang="en-SG" sz="1200" dirty="0">
+                  <a:solidFill>
+                    <a:schemeClr val="tx1"/>
+                  </a:solidFill>
+                </a:rPr>
+                <a:t>ci: Category</a:t>
+              </a:r>
+            </a:p>
+            <a:p>
+              <a:pPr algn="ctr"/>
+              <a:r>
+                <a:rPr lang="en-SG" sz="1200" dirty="0">
+                  <a:solidFill>
+                    <a:schemeClr val="tx1"/>
+                  </a:solidFill>
+                </a:rPr>
+                <a:t>Breakdown</a:t>
+              </a:r>
+            </a:p>
+          </p:txBody>
+        </p:sp>
+        <p:sp>
+          <p:nvSpPr>
+            <p:cNvPr id="164" name="Rectangle 163">
+              <a:extLst>
+                <a:ext uri="{FF2B5EF4-FFF2-40B4-BE49-F238E27FC236}">
+                  <a16:creationId xmlns:a16="http://schemas.microsoft.com/office/drawing/2014/main" id="{91DC0A21-EA88-4860-94C9-328DCD914777}"/>
+                </a:ext>
+              </a:extLst>
+            </p:cNvPr>
+            <p:cNvSpPr/>
+            <p:nvPr/>
+          </p:nvSpPr>
+          <p:spPr>
+            <a:xfrm>
+              <a:off x="6282631" y="381117"/>
+              <a:ext cx="206360" cy="251714"/>
+            </a:xfrm>
+            <a:prstGeom prst="rect">
+              <a:avLst/>
+            </a:prstGeom>
             <a:solidFill>
-              <a:srgbClr val="0070C0"/>
+              <a:srgbClr val="92D050"/>
             </a:solidFill>
-          </a:ln>
-          <a:effectLst/>
-        </p:spPr>
-        <p:style>
-          <a:lnRef idx="1">
-            <a:schemeClr val="accent2"/>
-          </a:lnRef>
-          <a:fillRef idx="2">
-            <a:schemeClr val="accent2"/>
-          </a:fillRef>
-          <a:effectRef idx="1">
-            <a:schemeClr val="accent2"/>
-          </a:effectRef>
-          <a:fontRef idx="minor">
-            <a:schemeClr val="dk1"/>
-          </a:fontRef>
-        </p:style>
-        <p:txBody>
-          <a:bodyPr rtlCol="0" anchor="ctr"/>
-          <a:lstStyle/>
-          <a:p>
-            <a:pPr algn="ctr"/>
-            <a:r>
-              <a:rPr lang="en-SG" sz="1600" dirty="0">
-                <a:solidFill>
-                  <a:schemeClr val="tx1"/>
-                </a:solidFill>
-              </a:rPr>
-              <a:t>dl: </a:t>
-            </a:r>
-            <a:r>
-              <a:rPr lang="en-SG" sz="1600" dirty="0" err="1">
-                <a:solidFill>
-                  <a:schemeClr val="tx1"/>
-                </a:solidFill>
-              </a:rPr>
-              <a:t>MixedPieChartData</a:t>
-            </a:r>
-            <a:endParaRPr lang="en-SG" sz="1600" dirty="0">
+            <a:ln>
               <a:solidFill>
-                <a:schemeClr val="tx1"/>
+                <a:srgbClr val="0070C0"/>
               </a:solidFill>
-            </a:endParaRPr>
-          </a:p>
-          <a:p>
-            <a:pPr algn="ctr"/>
-            <a:r>
-              <a:rPr lang="en-SG" sz="1600" dirty="0">
-                <a:solidFill>
-                  <a:schemeClr val="tx1"/>
-                </a:solidFill>
-              </a:rPr>
-              <a:t>List</a:t>
-            </a:r>
-          </a:p>
-        </p:txBody>
-      </p:sp>
-      <p:sp>
-        <p:nvSpPr>
-          <p:cNvPr id="24" name="Rectangle 65">
-            <a:extLst>
-              <a:ext uri="{FF2B5EF4-FFF2-40B4-BE49-F238E27FC236}">
-                <a16:creationId xmlns:a16="http://schemas.microsoft.com/office/drawing/2014/main" id="{F0ADF632-9761-47FE-8DCC-955B9253A4F2}"/>
-              </a:ext>
-            </a:extLst>
-          </p:cNvPr>
-          <p:cNvSpPr/>
-          <p:nvPr/>
-        </p:nvSpPr>
-        <p:spPr>
-          <a:xfrm>
-            <a:off x="3649271" y="1893209"/>
-            <a:ext cx="4251911" cy="1343484"/>
-          </a:xfrm>
-          <a:prstGeom prst="roundRect">
-            <a:avLst>
-              <a:gd name="adj" fmla="val 3484"/>
-            </a:avLst>
-          </a:prstGeom>
-          <a:solidFill>
-            <a:srgbClr val="9CD45E">
-              <a:alpha val="30980"/>
-            </a:srgbClr>
-          </a:solidFill>
-          <a:ln w="19050">
+            </a:ln>
+            <a:effectLst/>
+          </p:spPr>
+          <p:style>
+            <a:lnRef idx="1">
+              <a:schemeClr val="accent3"/>
+            </a:lnRef>
+            <a:fillRef idx="2">
+              <a:schemeClr val="accent3"/>
+            </a:fillRef>
+            <a:effectRef idx="1">
+              <a:schemeClr val="accent3"/>
+            </a:effectRef>
+            <a:fontRef idx="minor">
+              <a:schemeClr val="dk1"/>
+            </a:fontRef>
+          </p:style>
+          <p:txBody>
+            <a:bodyPr rtlCol="0" anchor="ctr"/>
+            <a:lstStyle/>
+            <a:p>
+              <a:pPr algn="ctr"/>
+              <a:endParaRPr lang="en-SG" sz="1200"/>
+            </a:p>
+          </p:txBody>
+        </p:sp>
+        <p:cxnSp>
+          <p:nvCxnSpPr>
+            <p:cNvPr id="165" name="Straight Arrow Connector 164">
+              <a:extLst>
+                <a:ext uri="{FF2B5EF4-FFF2-40B4-BE49-F238E27FC236}">
+                  <a16:creationId xmlns:a16="http://schemas.microsoft.com/office/drawing/2014/main" id="{DF76C682-2758-48AA-9FD2-A5664AB8888C}"/>
+                </a:ext>
+              </a:extLst>
+            </p:cNvPr>
+            <p:cNvCxnSpPr>
+              <a:cxnSpLocks/>
+            </p:cNvCxnSpPr>
+            <p:nvPr/>
+          </p:nvCxnSpPr>
+          <p:spPr>
+            <a:xfrm>
+              <a:off x="3914379" y="374123"/>
+              <a:ext cx="2344516" cy="0"/>
+            </a:xfrm>
+            <a:prstGeom prst="straightConnector1">
+              <a:avLst/>
+            </a:prstGeom>
+            <a:ln w="19050">
+              <a:solidFill>
+                <a:srgbClr val="00B050"/>
+              </a:solidFill>
+              <a:tailEnd type="arrow"/>
+            </a:ln>
+          </p:spPr>
+          <p:style>
+            <a:lnRef idx="1">
+              <a:schemeClr val="accent1"/>
+            </a:lnRef>
+            <a:fillRef idx="0">
+              <a:schemeClr val="accent1"/>
+            </a:fillRef>
+            <a:effectRef idx="0">
+              <a:schemeClr val="accent1"/>
+            </a:effectRef>
+            <a:fontRef idx="minor">
+              <a:schemeClr val="tx1"/>
+            </a:fontRef>
+          </p:style>
+        </p:cxnSp>
+        <p:cxnSp>
+          <p:nvCxnSpPr>
+            <p:cNvPr id="166" name="Straight Arrow Connector 165">
+              <a:extLst>
+                <a:ext uri="{FF2B5EF4-FFF2-40B4-BE49-F238E27FC236}">
+                  <a16:creationId xmlns:a16="http://schemas.microsoft.com/office/drawing/2014/main" id="{AFDAAF11-A501-4E5D-A3FA-9857FBE842CA}"/>
+                </a:ext>
+              </a:extLst>
+            </p:cNvPr>
+            <p:cNvCxnSpPr>
+              <a:cxnSpLocks/>
+            </p:cNvCxnSpPr>
+            <p:nvPr/>
+          </p:nvCxnSpPr>
+          <p:spPr>
+            <a:xfrm flipH="1">
+              <a:off x="3911867" y="632831"/>
+              <a:ext cx="2327981" cy="0"/>
+            </a:xfrm>
+            <a:prstGeom prst="straightConnector1">
+              <a:avLst/>
+            </a:prstGeom>
+            <a:ln w="19050">
+              <a:solidFill>
+                <a:srgbClr val="00B050"/>
+              </a:solidFill>
+              <a:prstDash val="sysDash"/>
+              <a:tailEnd type="arrow"/>
+            </a:ln>
+          </p:spPr>
+          <p:style>
+            <a:lnRef idx="1">
+              <a:schemeClr val="accent1"/>
+            </a:lnRef>
+            <a:fillRef idx="0">
+              <a:schemeClr val="accent1"/>
+            </a:fillRef>
+            <a:effectRef idx="0">
+              <a:schemeClr val="accent1"/>
+            </a:effectRef>
+            <a:fontRef idx="minor">
+              <a:schemeClr val="tx1"/>
+            </a:fontRef>
+          </p:style>
+        </p:cxnSp>
+        <p:sp>
+          <p:nvSpPr>
+            <p:cNvPr id="167" name="TextBox 166">
+              <a:extLst>
+                <a:ext uri="{FF2B5EF4-FFF2-40B4-BE49-F238E27FC236}">
+                  <a16:creationId xmlns:a16="http://schemas.microsoft.com/office/drawing/2014/main" id="{39D54A84-E0BF-469C-90BD-A85DB3C341AD}"/>
+                </a:ext>
+              </a:extLst>
+            </p:cNvPr>
+            <p:cNvSpPr txBox="1"/>
+            <p:nvPr/>
+          </p:nvSpPr>
+          <p:spPr>
+            <a:xfrm>
+              <a:off x="3935720" y="132343"/>
+              <a:ext cx="2063600" cy="184666"/>
+            </a:xfrm>
+            <a:prstGeom prst="rect">
+              <a:avLst/>
+            </a:prstGeom>
+            <a:noFill/>
+          </p:spPr>
+          <p:txBody>
+            <a:bodyPr wrap="square" lIns="0" tIns="0" rIns="0" bIns="0" rtlCol="0">
+              <a:spAutoFit/>
+            </a:bodyPr>
+            <a:lstStyle/>
+            <a:p>
+              <a:pPr algn="ctr"/>
+              <a:r>
+                <a:rPr lang="en-US" sz="1200" dirty="0" err="1"/>
+                <a:t>isExpenseDataEmpty</a:t>
+              </a:r>
+              <a:r>
+                <a:rPr lang="en-US" sz="1200" dirty="0"/>
+                <a:t>()</a:t>
+              </a:r>
+            </a:p>
+          </p:txBody>
+        </p:sp>
+        <p:sp>
+          <p:nvSpPr>
+            <p:cNvPr id="168" name="TextBox 167">
+              <a:extLst>
+                <a:ext uri="{FF2B5EF4-FFF2-40B4-BE49-F238E27FC236}">
+                  <a16:creationId xmlns:a16="http://schemas.microsoft.com/office/drawing/2014/main" id="{37240A55-30EB-4D4F-874E-DC2B1D21CFCD}"/>
+                </a:ext>
+              </a:extLst>
+            </p:cNvPr>
+            <p:cNvSpPr txBox="1"/>
+            <p:nvPr/>
+          </p:nvSpPr>
+          <p:spPr>
+            <a:xfrm>
+              <a:off x="4084836" y="448470"/>
+              <a:ext cx="2063600" cy="184666"/>
+            </a:xfrm>
+            <a:prstGeom prst="rect">
+              <a:avLst/>
+            </a:prstGeom>
+            <a:noFill/>
+          </p:spPr>
+          <p:txBody>
+            <a:bodyPr wrap="square" lIns="0" tIns="0" rIns="0" bIns="0" rtlCol="0">
+              <a:spAutoFit/>
+            </a:bodyPr>
+            <a:lstStyle/>
+            <a:p>
+              <a:pPr algn="ctr"/>
+              <a:r>
+                <a:rPr lang="en-US" sz="1200" dirty="0" err="1"/>
+                <a:t>cond</a:t>
+              </a:r>
+              <a:endParaRPr lang="en-US" sz="1200" dirty="0"/>
+            </a:p>
+          </p:txBody>
+        </p:sp>
+        <p:cxnSp>
+          <p:nvCxnSpPr>
+            <p:cNvPr id="33" name="Straight Connector 32">
+              <a:extLst>
+                <a:ext uri="{FF2B5EF4-FFF2-40B4-BE49-F238E27FC236}">
+                  <a16:creationId xmlns:a16="http://schemas.microsoft.com/office/drawing/2014/main" id="{814EEE87-562B-4844-A311-C8EA0C6B2612}"/>
+                </a:ext>
+              </a:extLst>
+            </p:cNvPr>
+            <p:cNvCxnSpPr>
+              <a:cxnSpLocks/>
+            </p:cNvCxnSpPr>
+            <p:nvPr/>
+          </p:nvCxnSpPr>
+          <p:spPr>
+            <a:xfrm>
+              <a:off x="2631399" y="3435548"/>
+              <a:ext cx="8375885" cy="0"/>
+            </a:xfrm>
+            <a:prstGeom prst="line">
+              <a:avLst/>
+            </a:prstGeom>
+            <a:ln w="19050">
+              <a:solidFill>
+                <a:srgbClr val="00B050"/>
+              </a:solidFill>
+              <a:prstDash val="sysDash"/>
+            </a:ln>
+          </p:spPr>
+          <p:style>
+            <a:lnRef idx="1">
+              <a:schemeClr val="accent1"/>
+            </a:lnRef>
+            <a:fillRef idx="0">
+              <a:schemeClr val="accent1"/>
+            </a:fillRef>
+            <a:effectRef idx="0">
+              <a:schemeClr val="accent1"/>
+            </a:effectRef>
+            <a:fontRef idx="minor">
+              <a:schemeClr val="tx1"/>
+            </a:fontRef>
+          </p:style>
+        </p:cxnSp>
+        <p:cxnSp>
+          <p:nvCxnSpPr>
+            <p:cNvPr id="80" name="Straight Connector 79">
+              <a:extLst>
+                <a:ext uri="{FF2B5EF4-FFF2-40B4-BE49-F238E27FC236}">
+                  <a16:creationId xmlns:a16="http://schemas.microsoft.com/office/drawing/2014/main" id="{46EF89E7-F66A-4B77-A22A-707970AD86F2}"/>
+                </a:ext>
+              </a:extLst>
+            </p:cNvPr>
+            <p:cNvCxnSpPr>
+              <a:cxnSpLocks/>
+            </p:cNvCxnSpPr>
+            <p:nvPr/>
+          </p:nvCxnSpPr>
+          <p:spPr>
+            <a:xfrm>
+              <a:off x="7834255" y="2346119"/>
+              <a:ext cx="0" cy="962676"/>
+            </a:xfrm>
+            <a:prstGeom prst="line">
+              <a:avLst/>
+            </a:prstGeom>
+            <a:ln w="19050">
+              <a:solidFill>
+                <a:srgbClr val="6CA62C"/>
+              </a:solidFill>
+              <a:prstDash val="sysDash"/>
+            </a:ln>
+            <a:effectLst/>
+          </p:spPr>
+          <p:style>
+            <a:lnRef idx="1">
+              <a:schemeClr val="accent1"/>
+            </a:lnRef>
+            <a:fillRef idx="2">
+              <a:schemeClr val="accent1"/>
+            </a:fillRef>
+            <a:effectRef idx="1">
+              <a:schemeClr val="accent1"/>
+            </a:effectRef>
+            <a:fontRef idx="minor">
+              <a:schemeClr val="dk1"/>
+            </a:fontRef>
+          </p:style>
+        </p:cxnSp>
+        <p:sp>
+          <p:nvSpPr>
+            <p:cNvPr id="134" name="Rectangle 133">
+              <a:extLst>
+                <a:ext uri="{FF2B5EF4-FFF2-40B4-BE49-F238E27FC236}">
+                  <a16:creationId xmlns:a16="http://schemas.microsoft.com/office/drawing/2014/main" id="{B041343A-2EA5-4799-A1CF-E7739B7C8FFA}"/>
+                </a:ext>
+              </a:extLst>
+            </p:cNvPr>
+            <p:cNvSpPr/>
+            <p:nvPr/>
+          </p:nvSpPr>
+          <p:spPr>
+            <a:xfrm>
+              <a:off x="7727357" y="2422319"/>
+              <a:ext cx="206356" cy="513888"/>
+            </a:xfrm>
+            <a:prstGeom prst="rect">
+              <a:avLst/>
+            </a:prstGeom>
             <a:solidFill>
-              <a:srgbClr val="6CA62C"/>
+              <a:srgbClr val="92D050"/>
             </a:solidFill>
-          </a:ln>
-          <a:effectLst/>
-        </p:spPr>
-        <p:style>
-          <a:lnRef idx="1">
-            <a:schemeClr val="accent2"/>
-          </a:lnRef>
-          <a:fillRef idx="2">
-            <a:schemeClr val="accent2"/>
-          </a:fillRef>
-          <a:effectRef idx="1">
-            <a:schemeClr val="accent2"/>
-          </a:effectRef>
-          <a:fontRef idx="minor">
-            <a:schemeClr val="dk1"/>
-          </a:fontRef>
-        </p:style>
-        <p:txBody>
-          <a:bodyPr rtlCol="0" anchor="t"/>
-          <a:lstStyle/>
-          <a:p>
-            <a:r>
-              <a:rPr lang="en-SG" sz="1400" b="1" dirty="0">
-                <a:solidFill>
-                  <a:schemeClr val="tx1"/>
-                </a:solidFill>
-              </a:rPr>
-              <a:t>                    </a:t>
-            </a:r>
-            <a:r>
-              <a:rPr lang="en-SG" sz="1400" dirty="0">
-                <a:solidFill>
-                  <a:schemeClr val="tx1"/>
-                </a:solidFill>
-              </a:rPr>
-              <a:t>[For all </a:t>
-            </a:r>
-          </a:p>
-          <a:p>
-            <a:r>
-              <a:rPr lang="en-SG" sz="1400" dirty="0">
-                <a:solidFill>
-                  <a:schemeClr val="tx1"/>
-                </a:solidFill>
-              </a:rPr>
-              <a:t>                  data elements]</a:t>
-            </a:r>
-            <a:endParaRPr lang="en-SG" sz="1400" b="1" dirty="0">
+            <a:ln>
               <a:solidFill>
-                <a:schemeClr val="tx1"/>
+                <a:srgbClr val="0070C0"/>
               </a:solidFill>
-            </a:endParaRPr>
-          </a:p>
-        </p:txBody>
-      </p:sp>
-      <p:sp>
-        <p:nvSpPr>
-          <p:cNvPr id="25" name="Rectangle: Diagonal Corners Rounded 24">
-            <a:extLst>
-              <a:ext uri="{FF2B5EF4-FFF2-40B4-BE49-F238E27FC236}">
-                <a16:creationId xmlns:a16="http://schemas.microsoft.com/office/drawing/2014/main" id="{E49957D8-4FB8-4DDA-8FA9-CEE56A7B7511}"/>
-              </a:ext>
-            </a:extLst>
-          </p:cNvPr>
-          <p:cNvSpPr/>
-          <p:nvPr/>
-        </p:nvSpPr>
-        <p:spPr>
-          <a:xfrm>
-            <a:off x="3674349" y="1873958"/>
-            <a:ext cx="742594" cy="361973"/>
-          </a:xfrm>
-          <a:prstGeom prst="round2DiagRect">
-            <a:avLst/>
-          </a:prstGeom>
-          <a:solidFill>
-            <a:srgbClr val="BDE394"/>
-          </a:solidFill>
-          <a:ln>
+            </a:ln>
+            <a:effectLst/>
+          </p:spPr>
+          <p:style>
+            <a:lnRef idx="1">
+              <a:schemeClr val="accent3"/>
+            </a:lnRef>
+            <a:fillRef idx="2">
+              <a:schemeClr val="accent3"/>
+            </a:fillRef>
+            <a:effectRef idx="1">
+              <a:schemeClr val="accent3"/>
+            </a:effectRef>
+            <a:fontRef idx="minor">
+              <a:schemeClr val="dk1"/>
+            </a:fontRef>
+          </p:style>
+          <p:txBody>
+            <a:bodyPr rtlCol="0" anchor="ctr"/>
+            <a:lstStyle/>
+            <a:p>
+              <a:pPr algn="ctr"/>
+              <a:endParaRPr lang="en-SG" sz="1200"/>
+            </a:p>
+          </p:txBody>
+        </p:sp>
+        <p:sp>
+          <p:nvSpPr>
+            <p:cNvPr id="41" name="Rectangle 40">
+              <a:extLst>
+                <a:ext uri="{FF2B5EF4-FFF2-40B4-BE49-F238E27FC236}">
+                  <a16:creationId xmlns:a16="http://schemas.microsoft.com/office/drawing/2014/main" id="{0025FAB9-04F6-47C5-93EA-9664323B5C07}"/>
+                </a:ext>
+              </a:extLst>
+            </p:cNvPr>
+            <p:cNvSpPr/>
+            <p:nvPr/>
+          </p:nvSpPr>
+          <p:spPr>
+            <a:xfrm>
+              <a:off x="6262287" y="1408597"/>
+              <a:ext cx="206360" cy="251714"/>
+            </a:xfrm>
+            <a:prstGeom prst="rect">
+              <a:avLst/>
+            </a:prstGeom>
             <a:solidFill>
-              <a:srgbClr val="70AC2E"/>
+              <a:srgbClr val="92D050"/>
             </a:solidFill>
-          </a:ln>
-        </p:spPr>
-        <p:style>
-          <a:lnRef idx="2">
-            <a:schemeClr val="accent1">
-              <a:shade val="50000"/>
-            </a:schemeClr>
-          </a:lnRef>
-          <a:fillRef idx="1">
-            <a:schemeClr val="accent1"/>
-          </a:fillRef>
-          <a:effectRef idx="0">
-            <a:schemeClr val="accent1"/>
-          </a:effectRef>
-          <a:fontRef idx="minor">
-            <a:schemeClr val="lt1"/>
-          </a:fontRef>
-        </p:style>
-        <p:txBody>
-          <a:bodyPr rtlCol="0" anchor="ctr"/>
-          <a:lstStyle/>
-          <a:p>
-            <a:pPr algn="ctr"/>
-            <a:r>
-              <a:rPr lang="en-SG" dirty="0">
-                <a:solidFill>
-                  <a:schemeClr val="tx1"/>
-                </a:solidFill>
-              </a:rPr>
-              <a:t>Loop</a:t>
-            </a:r>
-          </a:p>
-        </p:txBody>
-      </p:sp>
-      <p:sp>
-        <p:nvSpPr>
-          <p:cNvPr id="27" name="Rectangle 26">
-            <a:extLst>
-              <a:ext uri="{FF2B5EF4-FFF2-40B4-BE49-F238E27FC236}">
-                <a16:creationId xmlns:a16="http://schemas.microsoft.com/office/drawing/2014/main" id="{762B8E27-FDAB-4904-987D-5FEB6E989E91}"/>
-              </a:ext>
-            </a:extLst>
-          </p:cNvPr>
-          <p:cNvSpPr/>
-          <p:nvPr/>
-        </p:nvSpPr>
-        <p:spPr>
-          <a:xfrm>
-            <a:off x="5707238" y="2035967"/>
-            <a:ext cx="206361" cy="419016"/>
-          </a:xfrm>
-          <a:prstGeom prst="rect">
-            <a:avLst/>
-          </a:prstGeom>
-          <a:solidFill>
-            <a:srgbClr val="92D050"/>
-          </a:solidFill>
-          <a:ln>
+            <a:ln>
+              <a:solidFill>
+                <a:srgbClr val="0070C0"/>
+              </a:solidFill>
+            </a:ln>
+            <a:effectLst/>
+          </p:spPr>
+          <p:style>
+            <a:lnRef idx="1">
+              <a:schemeClr val="accent3"/>
+            </a:lnRef>
+            <a:fillRef idx="2">
+              <a:schemeClr val="accent3"/>
+            </a:fillRef>
+            <a:effectRef idx="1">
+              <a:schemeClr val="accent3"/>
+            </a:effectRef>
+            <a:fontRef idx="minor">
+              <a:schemeClr val="dk1"/>
+            </a:fontRef>
+          </p:style>
+          <p:txBody>
+            <a:bodyPr rtlCol="0" anchor="ctr"/>
+            <a:lstStyle/>
+            <a:p>
+              <a:pPr algn="ctr"/>
+              <a:endParaRPr lang="en-SG" sz="1200"/>
+            </a:p>
+          </p:txBody>
+        </p:sp>
+        <p:cxnSp>
+          <p:nvCxnSpPr>
+            <p:cNvPr id="42" name="Straight Arrow Connector 41">
+              <a:extLst>
+                <a:ext uri="{FF2B5EF4-FFF2-40B4-BE49-F238E27FC236}">
+                  <a16:creationId xmlns:a16="http://schemas.microsoft.com/office/drawing/2014/main" id="{4B515446-B1DA-4D2E-892E-BD4F9E4E056F}"/>
+                </a:ext>
+              </a:extLst>
+            </p:cNvPr>
+            <p:cNvCxnSpPr>
+              <a:cxnSpLocks/>
+            </p:cNvCxnSpPr>
+            <p:nvPr/>
+          </p:nvCxnSpPr>
+          <p:spPr>
+            <a:xfrm>
+              <a:off x="3917771" y="1431719"/>
+              <a:ext cx="2344516" cy="0"/>
+            </a:xfrm>
+            <a:prstGeom prst="straightConnector1">
+              <a:avLst/>
+            </a:prstGeom>
+            <a:ln w="19050">
+              <a:solidFill>
+                <a:srgbClr val="00B050"/>
+              </a:solidFill>
+              <a:tailEnd type="arrow"/>
+            </a:ln>
+          </p:spPr>
+          <p:style>
+            <a:lnRef idx="1">
+              <a:schemeClr val="accent1"/>
+            </a:lnRef>
+            <a:fillRef idx="0">
+              <a:schemeClr val="accent1"/>
+            </a:fillRef>
+            <a:effectRef idx="0">
+              <a:schemeClr val="accent1"/>
+            </a:effectRef>
+            <a:fontRef idx="minor">
+              <a:schemeClr val="tx1"/>
+            </a:fontRef>
+          </p:style>
+        </p:cxnSp>
+        <p:cxnSp>
+          <p:nvCxnSpPr>
+            <p:cNvPr id="44" name="Straight Arrow Connector 43">
+              <a:extLst>
+                <a:ext uri="{FF2B5EF4-FFF2-40B4-BE49-F238E27FC236}">
+                  <a16:creationId xmlns:a16="http://schemas.microsoft.com/office/drawing/2014/main" id="{9B16781C-F668-47AE-85CC-D1D74C08A8D7}"/>
+                </a:ext>
+              </a:extLst>
+            </p:cNvPr>
+            <p:cNvCxnSpPr>
+              <a:cxnSpLocks/>
+            </p:cNvCxnSpPr>
+            <p:nvPr/>
+          </p:nvCxnSpPr>
+          <p:spPr>
+            <a:xfrm flipH="1">
+              <a:off x="3917771" y="1660319"/>
+              <a:ext cx="2327981" cy="0"/>
+            </a:xfrm>
+            <a:prstGeom prst="straightConnector1">
+              <a:avLst/>
+            </a:prstGeom>
+            <a:ln w="19050">
+              <a:solidFill>
+                <a:srgbClr val="00B050"/>
+              </a:solidFill>
+              <a:prstDash val="sysDash"/>
+              <a:tailEnd type="arrow"/>
+            </a:ln>
+          </p:spPr>
+          <p:style>
+            <a:lnRef idx="1">
+              <a:schemeClr val="accent1"/>
+            </a:lnRef>
+            <a:fillRef idx="0">
+              <a:schemeClr val="accent1"/>
+            </a:fillRef>
+            <a:effectRef idx="0">
+              <a:schemeClr val="accent1"/>
+            </a:effectRef>
+            <a:fontRef idx="minor">
+              <a:schemeClr val="tx1"/>
+            </a:fontRef>
+          </p:style>
+        </p:cxnSp>
+        <p:sp>
+          <p:nvSpPr>
+            <p:cNvPr id="45" name="Rectangle 44">
+              <a:extLst>
+                <a:ext uri="{FF2B5EF4-FFF2-40B4-BE49-F238E27FC236}">
+                  <a16:creationId xmlns:a16="http://schemas.microsoft.com/office/drawing/2014/main" id="{CB13B61B-18F3-4225-BC25-3CF104C6E3E9}"/>
+                </a:ext>
+              </a:extLst>
+            </p:cNvPr>
+            <p:cNvSpPr/>
+            <p:nvPr/>
+          </p:nvSpPr>
+          <p:spPr>
+            <a:xfrm>
+              <a:off x="6272231" y="1863716"/>
+              <a:ext cx="206360" cy="251714"/>
+            </a:xfrm>
+            <a:prstGeom prst="rect">
+              <a:avLst/>
+            </a:prstGeom>
             <a:solidFill>
-              <a:srgbClr val="0070C0"/>
+              <a:srgbClr val="92D050"/>
             </a:solidFill>
-          </a:ln>
-          <a:effectLst/>
-        </p:spPr>
-        <p:style>
-          <a:lnRef idx="1">
-            <a:schemeClr val="accent3"/>
-          </a:lnRef>
-          <a:fillRef idx="2">
-            <a:schemeClr val="accent3"/>
-          </a:fillRef>
-          <a:effectRef idx="1">
-            <a:schemeClr val="accent3"/>
-          </a:effectRef>
-          <a:fontRef idx="minor">
-            <a:schemeClr val="dk1"/>
-          </a:fontRef>
-        </p:style>
-        <p:txBody>
-          <a:bodyPr rtlCol="0" anchor="ctr"/>
-          <a:lstStyle/>
-          <a:p>
-            <a:pPr algn="ctr"/>
-            <a:endParaRPr lang="en-SG" sz="1400"/>
-          </a:p>
-        </p:txBody>
-      </p:sp>
-      <p:cxnSp>
-        <p:nvCxnSpPr>
-          <p:cNvPr id="28" name="Connector: Curved 27">
-            <a:extLst>
-              <a:ext uri="{FF2B5EF4-FFF2-40B4-BE49-F238E27FC236}">
-                <a16:creationId xmlns:a16="http://schemas.microsoft.com/office/drawing/2014/main" id="{47EBB404-F844-43AD-ABFD-0437265A00C8}"/>
-              </a:ext>
-            </a:extLst>
-          </p:cNvPr>
-          <p:cNvCxnSpPr>
-            <a:cxnSpLocks/>
-          </p:cNvCxnSpPr>
-          <p:nvPr/>
-        </p:nvCxnSpPr>
-        <p:spPr>
-          <a:xfrm rot="16200000" flipH="1">
-            <a:off x="5800162" y="2017981"/>
-            <a:ext cx="148766" cy="73926"/>
-          </a:xfrm>
-          <a:prstGeom prst="curvedConnector4">
-            <a:avLst>
-              <a:gd name="adj1" fmla="val -15714"/>
-              <a:gd name="adj2" fmla="val 240699"/>
-            </a:avLst>
-          </a:prstGeom>
-          <a:ln>
+            <a:ln>
+              <a:solidFill>
+                <a:srgbClr val="0070C0"/>
+              </a:solidFill>
+            </a:ln>
+            <a:effectLst/>
+          </p:spPr>
+          <p:style>
+            <a:lnRef idx="1">
+              <a:schemeClr val="accent3"/>
+            </a:lnRef>
+            <a:fillRef idx="2">
+              <a:schemeClr val="accent3"/>
+            </a:fillRef>
+            <a:effectRef idx="1">
+              <a:schemeClr val="accent3"/>
+            </a:effectRef>
+            <a:fontRef idx="minor">
+              <a:schemeClr val="dk1"/>
+            </a:fontRef>
+          </p:style>
+          <p:txBody>
+            <a:bodyPr rtlCol="0" anchor="ctr"/>
+            <a:lstStyle/>
+            <a:p>
+              <a:pPr algn="ctr"/>
+              <a:endParaRPr lang="en-SG" sz="1200"/>
+            </a:p>
+          </p:txBody>
+        </p:sp>
+        <p:sp>
+          <p:nvSpPr>
+            <p:cNvPr id="47" name="TextBox 46">
+              <a:extLst>
+                <a:ext uri="{FF2B5EF4-FFF2-40B4-BE49-F238E27FC236}">
+                  <a16:creationId xmlns:a16="http://schemas.microsoft.com/office/drawing/2014/main" id="{D3B589B5-12EA-44F1-AF83-95B867FB9447}"/>
+                </a:ext>
+              </a:extLst>
+            </p:cNvPr>
+            <p:cNvSpPr txBox="1"/>
+            <p:nvPr/>
+          </p:nvSpPr>
+          <p:spPr>
+            <a:xfrm>
+              <a:off x="3986633" y="1474653"/>
+              <a:ext cx="1914710" cy="184666"/>
+            </a:xfrm>
+            <a:prstGeom prst="rect">
+              <a:avLst/>
+            </a:prstGeom>
+            <a:noFill/>
+          </p:spPr>
+          <p:txBody>
+            <a:bodyPr wrap="square" lIns="0" tIns="0" rIns="0" bIns="0" rtlCol="0">
+              <a:spAutoFit/>
+            </a:bodyPr>
+            <a:lstStyle/>
+            <a:p>
+              <a:pPr algn="ctr"/>
+              <a:r>
+                <a:rPr lang="en-US" sz="1200" dirty="0" err="1"/>
+                <a:t>expenseLabelData</a:t>
+              </a:r>
+              <a:endParaRPr lang="en-US" sz="1200" dirty="0"/>
+            </a:p>
+          </p:txBody>
+        </p:sp>
+        <p:cxnSp>
+          <p:nvCxnSpPr>
+            <p:cNvPr id="49" name="Straight Arrow Connector 48">
+              <a:extLst>
+                <a:ext uri="{FF2B5EF4-FFF2-40B4-BE49-F238E27FC236}">
+                  <a16:creationId xmlns:a16="http://schemas.microsoft.com/office/drawing/2014/main" id="{0564A4CA-695D-47C9-96BD-59BACCA6C8F4}"/>
+                </a:ext>
+              </a:extLst>
+            </p:cNvPr>
+            <p:cNvCxnSpPr>
+              <a:cxnSpLocks/>
+            </p:cNvCxnSpPr>
+            <p:nvPr/>
+          </p:nvCxnSpPr>
+          <p:spPr>
+            <a:xfrm>
+              <a:off x="3939138" y="1863716"/>
+              <a:ext cx="2344516" cy="0"/>
+            </a:xfrm>
+            <a:prstGeom prst="straightConnector1">
+              <a:avLst/>
+            </a:prstGeom>
+            <a:ln w="19050">
+              <a:solidFill>
+                <a:srgbClr val="00B050"/>
+              </a:solidFill>
+              <a:tailEnd type="arrow"/>
+            </a:ln>
+          </p:spPr>
+          <p:style>
+            <a:lnRef idx="1">
+              <a:schemeClr val="accent1"/>
+            </a:lnRef>
+            <a:fillRef idx="0">
+              <a:schemeClr val="accent1"/>
+            </a:fillRef>
+            <a:effectRef idx="0">
+              <a:schemeClr val="accent1"/>
+            </a:effectRef>
+            <a:fontRef idx="minor">
+              <a:schemeClr val="tx1"/>
+            </a:fontRef>
+          </p:style>
+        </p:cxnSp>
+        <p:sp>
+          <p:nvSpPr>
+            <p:cNvPr id="50" name="TextBox 49">
+              <a:extLst>
+                <a:ext uri="{FF2B5EF4-FFF2-40B4-BE49-F238E27FC236}">
+                  <a16:creationId xmlns:a16="http://schemas.microsoft.com/office/drawing/2014/main" id="{6D77CFCF-3822-4F02-B008-26BE58DF9AEA}"/>
+                </a:ext>
+              </a:extLst>
+            </p:cNvPr>
+            <p:cNvSpPr txBox="1"/>
+            <p:nvPr/>
+          </p:nvSpPr>
+          <p:spPr>
+            <a:xfrm>
+              <a:off x="4127833" y="1668871"/>
+              <a:ext cx="2184741" cy="184666"/>
+            </a:xfrm>
+            <a:prstGeom prst="rect">
+              <a:avLst/>
+            </a:prstGeom>
+            <a:noFill/>
+          </p:spPr>
+          <p:txBody>
+            <a:bodyPr wrap="square" lIns="0" tIns="0" rIns="0" bIns="0" rtlCol="0">
+              <a:spAutoFit/>
+            </a:bodyPr>
+            <a:lstStyle/>
+            <a:p>
+              <a:pPr algn="ctr"/>
+              <a:r>
+                <a:rPr lang="en-US" sz="1200" dirty="0" err="1"/>
+                <a:t>getExpenseChartLegendData</a:t>
+              </a:r>
+              <a:r>
+                <a:rPr lang="en-US" sz="1200" dirty="0"/>
+                <a:t>()</a:t>
+              </a:r>
+            </a:p>
+          </p:txBody>
+        </p:sp>
+        <p:cxnSp>
+          <p:nvCxnSpPr>
+            <p:cNvPr id="51" name="Straight Arrow Connector 50">
+              <a:extLst>
+                <a:ext uri="{FF2B5EF4-FFF2-40B4-BE49-F238E27FC236}">
+                  <a16:creationId xmlns:a16="http://schemas.microsoft.com/office/drawing/2014/main" id="{6077E407-D142-41C6-99D0-303B74CA6BF1}"/>
+                </a:ext>
+              </a:extLst>
+            </p:cNvPr>
+            <p:cNvCxnSpPr>
+              <a:cxnSpLocks/>
+            </p:cNvCxnSpPr>
+            <p:nvPr/>
+          </p:nvCxnSpPr>
+          <p:spPr>
+            <a:xfrm flipH="1">
+              <a:off x="3926038" y="2115430"/>
+              <a:ext cx="2327981" cy="0"/>
+            </a:xfrm>
+            <a:prstGeom prst="straightConnector1">
+              <a:avLst/>
+            </a:prstGeom>
+            <a:ln w="19050">
+              <a:solidFill>
+                <a:srgbClr val="00B050"/>
+              </a:solidFill>
+              <a:prstDash val="sysDash"/>
+              <a:tailEnd type="arrow"/>
+            </a:ln>
+          </p:spPr>
+          <p:style>
+            <a:lnRef idx="1">
+              <a:schemeClr val="accent1"/>
+            </a:lnRef>
+            <a:fillRef idx="0">
+              <a:schemeClr val="accent1"/>
+            </a:fillRef>
+            <a:effectRef idx="0">
+              <a:schemeClr val="accent1"/>
+            </a:effectRef>
+            <a:fontRef idx="minor">
+              <a:schemeClr val="tx1"/>
+            </a:fontRef>
+          </p:style>
+        </p:cxnSp>
+        <p:sp>
+          <p:nvSpPr>
+            <p:cNvPr id="52" name="TextBox 51">
+              <a:extLst>
+                <a:ext uri="{FF2B5EF4-FFF2-40B4-BE49-F238E27FC236}">
+                  <a16:creationId xmlns:a16="http://schemas.microsoft.com/office/drawing/2014/main" id="{F9733D07-44AC-4266-A4DF-E8E0BF3D3C7E}"/>
+                </a:ext>
+              </a:extLst>
+            </p:cNvPr>
+            <p:cNvSpPr txBox="1"/>
+            <p:nvPr/>
+          </p:nvSpPr>
+          <p:spPr>
+            <a:xfrm>
+              <a:off x="4001094" y="1949211"/>
+              <a:ext cx="1914710" cy="184666"/>
+            </a:xfrm>
+            <a:prstGeom prst="rect">
+              <a:avLst/>
+            </a:prstGeom>
+            <a:noFill/>
+          </p:spPr>
+          <p:txBody>
+            <a:bodyPr wrap="square" lIns="0" tIns="0" rIns="0" bIns="0" rtlCol="0">
+              <a:spAutoFit/>
+            </a:bodyPr>
+            <a:lstStyle/>
+            <a:p>
+              <a:pPr algn="ctr"/>
+              <a:r>
+                <a:rPr lang="en-US" sz="1200" dirty="0" err="1"/>
+                <a:t>expenseLegendData</a:t>
+              </a:r>
+              <a:endParaRPr lang="en-US" sz="1200" dirty="0"/>
+            </a:p>
+          </p:txBody>
+        </p:sp>
+        <p:sp>
+          <p:nvSpPr>
+            <p:cNvPr id="53" name="Rectangle 62">
+              <a:extLst>
+                <a:ext uri="{FF2B5EF4-FFF2-40B4-BE49-F238E27FC236}">
+                  <a16:creationId xmlns:a16="http://schemas.microsoft.com/office/drawing/2014/main" id="{0A10B7C2-39CE-4EBC-9E20-405B058AF983}"/>
+                </a:ext>
+              </a:extLst>
+            </p:cNvPr>
+            <p:cNvSpPr/>
+            <p:nvPr/>
+          </p:nvSpPr>
+          <p:spPr>
+            <a:xfrm>
+              <a:off x="7167032" y="1793208"/>
+              <a:ext cx="1327007" cy="762000"/>
+            </a:xfrm>
+            <a:prstGeom prst="rect">
+              <a:avLst/>
+            </a:prstGeom>
             <a:solidFill>
-              <a:srgbClr val="00B050"/>
+              <a:srgbClr val="92D050"/>
             </a:solidFill>
-            <a:tailEnd type="triangle"/>
-          </a:ln>
-        </p:spPr>
-        <p:style>
-          <a:lnRef idx="1">
-            <a:schemeClr val="accent1"/>
-          </a:lnRef>
-          <a:fillRef idx="0">
-            <a:schemeClr val="accent1"/>
-          </a:fillRef>
-          <a:effectRef idx="0">
-            <a:schemeClr val="accent1"/>
-          </a:effectRef>
-          <a:fontRef idx="minor">
-            <a:schemeClr val="tx1"/>
-          </a:fontRef>
-        </p:style>
-      </p:cxnSp>
-      <p:sp>
-        <p:nvSpPr>
-          <p:cNvPr id="29" name="Rectangle 28">
-            <a:extLst>
-              <a:ext uri="{FF2B5EF4-FFF2-40B4-BE49-F238E27FC236}">
-                <a16:creationId xmlns:a16="http://schemas.microsoft.com/office/drawing/2014/main" id="{834F327B-22F6-40A6-9A0C-CB1C6B20D313}"/>
-              </a:ext>
-            </a:extLst>
-          </p:cNvPr>
-          <p:cNvSpPr/>
-          <p:nvPr/>
-        </p:nvSpPr>
-        <p:spPr>
-          <a:xfrm>
-            <a:off x="5707238" y="2615649"/>
-            <a:ext cx="206361" cy="419016"/>
-          </a:xfrm>
-          <a:prstGeom prst="rect">
-            <a:avLst/>
-          </a:prstGeom>
-          <a:solidFill>
-            <a:srgbClr val="92D050"/>
-          </a:solidFill>
-          <a:ln>
+            <a:ln w="19050">
+              <a:solidFill>
+                <a:srgbClr val="0070C0"/>
+              </a:solidFill>
+            </a:ln>
+            <a:effectLst/>
+          </p:spPr>
+          <p:style>
+            <a:lnRef idx="1">
+              <a:schemeClr val="accent2"/>
+            </a:lnRef>
+            <a:fillRef idx="2">
+              <a:schemeClr val="accent2"/>
+            </a:fillRef>
+            <a:effectRef idx="1">
+              <a:schemeClr val="accent2"/>
+            </a:effectRef>
+            <a:fontRef idx="minor">
+              <a:schemeClr val="dk1"/>
+            </a:fontRef>
+          </p:style>
+          <p:txBody>
+            <a:bodyPr rtlCol="0" anchor="ctr"/>
+            <a:lstStyle/>
+            <a:p>
+              <a:pPr algn="ctr"/>
+              <a:r>
+                <a:rPr lang="en-SG" sz="1200" dirty="0" err="1">
+                  <a:solidFill>
+                    <a:schemeClr val="tx1"/>
+                  </a:solidFill>
+                </a:rPr>
+                <a:t>ce</a:t>
+              </a:r>
+              <a:r>
+                <a:rPr lang="en-SG" sz="1200" dirty="0">
+                  <a:solidFill>
+                    <a:schemeClr val="tx1"/>
+                  </a:solidFill>
+                </a:rPr>
+                <a:t>: Category</a:t>
+              </a:r>
+            </a:p>
+            <a:p>
+              <a:pPr algn="ctr"/>
+              <a:r>
+                <a:rPr lang="en-SG" sz="1200" dirty="0">
+                  <a:solidFill>
+                    <a:schemeClr val="tx1"/>
+                  </a:solidFill>
+                </a:rPr>
+                <a:t>Breakdown</a:t>
+              </a:r>
+            </a:p>
+          </p:txBody>
+        </p:sp>
+        <p:cxnSp>
+          <p:nvCxnSpPr>
+            <p:cNvPr id="124" name="Straight Arrow Connector 123">
+              <a:extLst>
+                <a:ext uri="{FF2B5EF4-FFF2-40B4-BE49-F238E27FC236}">
+                  <a16:creationId xmlns:a16="http://schemas.microsoft.com/office/drawing/2014/main" id="{90D6DBAD-5332-47C3-931E-C2BABEB13A31}"/>
+                </a:ext>
+              </a:extLst>
+            </p:cNvPr>
+            <p:cNvCxnSpPr>
+              <a:cxnSpLocks/>
+            </p:cNvCxnSpPr>
+            <p:nvPr/>
+          </p:nvCxnSpPr>
+          <p:spPr>
+            <a:xfrm>
+              <a:off x="3917770" y="2346119"/>
+              <a:ext cx="3249262" cy="0"/>
+            </a:xfrm>
+            <a:prstGeom prst="straightConnector1">
+              <a:avLst/>
+            </a:prstGeom>
+            <a:ln w="19050">
+              <a:solidFill>
+                <a:srgbClr val="00B050"/>
+              </a:solidFill>
+              <a:tailEnd type="arrow"/>
+            </a:ln>
+          </p:spPr>
+          <p:style>
+            <a:lnRef idx="1">
+              <a:schemeClr val="accent1"/>
+            </a:lnRef>
+            <a:fillRef idx="0">
+              <a:schemeClr val="accent1"/>
+            </a:fillRef>
+            <a:effectRef idx="0">
+              <a:schemeClr val="accent1"/>
+            </a:effectRef>
+            <a:fontRef idx="minor">
+              <a:schemeClr val="tx1"/>
+            </a:fontRef>
+          </p:style>
+        </p:cxnSp>
+        <p:sp>
+          <p:nvSpPr>
+            <p:cNvPr id="125" name="TextBox 124">
+              <a:extLst>
+                <a:ext uri="{FF2B5EF4-FFF2-40B4-BE49-F238E27FC236}">
+                  <a16:creationId xmlns:a16="http://schemas.microsoft.com/office/drawing/2014/main" id="{3546A1A7-B3E6-460B-9376-118553F5A1BC}"/>
+                </a:ext>
+              </a:extLst>
+            </p:cNvPr>
+            <p:cNvSpPr txBox="1"/>
+            <p:nvPr/>
+          </p:nvSpPr>
+          <p:spPr>
+            <a:xfrm>
+              <a:off x="4053949" y="2367144"/>
+              <a:ext cx="2159831" cy="369332"/>
+            </a:xfrm>
+            <a:prstGeom prst="rect">
+              <a:avLst/>
+            </a:prstGeom>
+            <a:noFill/>
+          </p:spPr>
+          <p:txBody>
+            <a:bodyPr wrap="square" lIns="0" tIns="0" rIns="0" bIns="0" rtlCol="0">
+              <a:spAutoFit/>
+            </a:bodyPr>
+            <a:lstStyle/>
+            <a:p>
+              <a:pPr algn="ctr"/>
+              <a:r>
+                <a:rPr lang="en-US" sz="1200" dirty="0" err="1"/>
+                <a:t>CategoryBreakdown</a:t>
+              </a:r>
+              <a:r>
+                <a:rPr lang="en-US" sz="1200" dirty="0"/>
+                <a:t>(</a:t>
+              </a:r>
+              <a:r>
+                <a:rPr lang="en-US" sz="1200" dirty="0" err="1"/>
+                <a:t>expenseLabelData</a:t>
+              </a:r>
+              <a:r>
+                <a:rPr lang="en-US" sz="1200" dirty="0"/>
+                <a:t>, </a:t>
+              </a:r>
+              <a:r>
+                <a:rPr lang="en-US" sz="1200" dirty="0" err="1"/>
+                <a:t>expenseLegendData</a:t>
+              </a:r>
+              <a:r>
+                <a:rPr lang="en-US" sz="1200" dirty="0"/>
+                <a:t>)</a:t>
+              </a:r>
+            </a:p>
+          </p:txBody>
+        </p:sp>
+        <p:cxnSp>
+          <p:nvCxnSpPr>
+            <p:cNvPr id="135" name="Straight Arrow Connector 134">
+              <a:extLst>
+                <a:ext uri="{FF2B5EF4-FFF2-40B4-BE49-F238E27FC236}">
+                  <a16:creationId xmlns:a16="http://schemas.microsoft.com/office/drawing/2014/main" id="{A64B3CFC-3965-4456-A5E4-446E54A9C39E}"/>
+                </a:ext>
+              </a:extLst>
+            </p:cNvPr>
+            <p:cNvCxnSpPr>
+              <a:cxnSpLocks/>
+            </p:cNvCxnSpPr>
+            <p:nvPr/>
+          </p:nvCxnSpPr>
+          <p:spPr>
+            <a:xfrm flipH="1">
+              <a:off x="3926038" y="2927795"/>
+              <a:ext cx="3761444" cy="0"/>
+            </a:xfrm>
+            <a:prstGeom prst="straightConnector1">
+              <a:avLst/>
+            </a:prstGeom>
+            <a:ln w="19050">
+              <a:solidFill>
+                <a:srgbClr val="00B050"/>
+              </a:solidFill>
+              <a:prstDash val="sysDash"/>
+              <a:tailEnd type="arrow"/>
+            </a:ln>
+          </p:spPr>
+          <p:style>
+            <a:lnRef idx="1">
+              <a:schemeClr val="accent1"/>
+            </a:lnRef>
+            <a:fillRef idx="0">
+              <a:schemeClr val="accent1"/>
+            </a:fillRef>
+            <a:effectRef idx="0">
+              <a:schemeClr val="accent1"/>
+            </a:effectRef>
+            <a:fontRef idx="minor">
+              <a:schemeClr val="tx1"/>
+            </a:fontRef>
+          </p:style>
+        </p:cxnSp>
+        <p:sp>
+          <p:nvSpPr>
+            <p:cNvPr id="136" name="TextBox 135">
+              <a:extLst>
+                <a:ext uri="{FF2B5EF4-FFF2-40B4-BE49-F238E27FC236}">
+                  <a16:creationId xmlns:a16="http://schemas.microsoft.com/office/drawing/2014/main" id="{1D21DC00-0D57-4B42-9AFE-59528663DC5D}"/>
+                </a:ext>
+              </a:extLst>
+            </p:cNvPr>
+            <p:cNvSpPr txBox="1"/>
+            <p:nvPr/>
+          </p:nvSpPr>
+          <p:spPr>
+            <a:xfrm>
+              <a:off x="4277268" y="2718783"/>
+              <a:ext cx="1914710" cy="184666"/>
+            </a:xfrm>
+            <a:prstGeom prst="rect">
+              <a:avLst/>
+            </a:prstGeom>
+            <a:noFill/>
+          </p:spPr>
+          <p:txBody>
+            <a:bodyPr wrap="square" lIns="0" tIns="0" rIns="0" bIns="0" rtlCol="0">
+              <a:spAutoFit/>
+            </a:bodyPr>
+            <a:lstStyle/>
+            <a:p>
+              <a:pPr algn="ctr"/>
+              <a:r>
+                <a:rPr lang="en-US" sz="1200" dirty="0" err="1"/>
+                <a:t>ce</a:t>
+              </a:r>
+              <a:endParaRPr lang="en-US" sz="1200" dirty="0"/>
+            </a:p>
+          </p:txBody>
+        </p:sp>
+        <p:sp>
+          <p:nvSpPr>
+            <p:cNvPr id="16" name="Rectangle 15">
+              <a:extLst>
+                <a:ext uri="{FF2B5EF4-FFF2-40B4-BE49-F238E27FC236}">
+                  <a16:creationId xmlns:a16="http://schemas.microsoft.com/office/drawing/2014/main" id="{9A9DBEC9-8C7B-4BED-801A-490667C853C2}"/>
+                </a:ext>
+              </a:extLst>
+            </p:cNvPr>
+            <p:cNvSpPr/>
+            <p:nvPr/>
+          </p:nvSpPr>
+          <p:spPr>
+            <a:xfrm>
+              <a:off x="2618288" y="852119"/>
+              <a:ext cx="8388996" cy="3312322"/>
+            </a:xfrm>
+            <a:prstGeom prst="rect">
+              <a:avLst/>
+            </a:prstGeom>
+            <a:noFill/>
+            <a:ln>
+              <a:solidFill>
+                <a:srgbClr val="00B050"/>
+              </a:solidFill>
+            </a:ln>
+          </p:spPr>
+          <p:style>
+            <a:lnRef idx="2">
+              <a:schemeClr val="accent1">
+                <a:shade val="50000"/>
+              </a:schemeClr>
+            </a:lnRef>
+            <a:fillRef idx="1">
+              <a:schemeClr val="accent1"/>
+            </a:fillRef>
+            <a:effectRef idx="0">
+              <a:schemeClr val="accent1"/>
+            </a:effectRef>
+            <a:fontRef idx="minor">
+              <a:schemeClr val="lt1"/>
+            </a:fontRef>
+          </p:style>
+          <p:txBody>
+            <a:bodyPr rtlCol="0" anchor="ctr"/>
+            <a:lstStyle/>
+            <a:p>
+              <a:pPr algn="ctr"/>
+              <a:endParaRPr lang="en-SG"/>
+            </a:p>
+          </p:txBody>
+        </p:sp>
+        <p:sp>
+          <p:nvSpPr>
+            <p:cNvPr id="122" name="Rectangle: Diagonal Corners Rounded 121">
+              <a:extLst>
+                <a:ext uri="{FF2B5EF4-FFF2-40B4-BE49-F238E27FC236}">
+                  <a16:creationId xmlns:a16="http://schemas.microsoft.com/office/drawing/2014/main" id="{12B0F7A5-7402-45ED-8BE4-3C3C04560F99}"/>
+                </a:ext>
+              </a:extLst>
+            </p:cNvPr>
+            <p:cNvSpPr/>
+            <p:nvPr/>
+          </p:nvSpPr>
+          <p:spPr>
+            <a:xfrm>
+              <a:off x="2618154" y="852118"/>
+              <a:ext cx="742594" cy="361973"/>
+            </a:xfrm>
+            <a:prstGeom prst="round2DiagRect">
+              <a:avLst/>
+            </a:prstGeom>
+            <a:noFill/>
+            <a:ln>
+              <a:solidFill>
+                <a:srgbClr val="70AC2E"/>
+              </a:solidFill>
+            </a:ln>
+          </p:spPr>
+          <p:style>
+            <a:lnRef idx="2">
+              <a:schemeClr val="accent1">
+                <a:shade val="50000"/>
+              </a:schemeClr>
+            </a:lnRef>
+            <a:fillRef idx="1">
+              <a:schemeClr val="accent1"/>
+            </a:fillRef>
+            <a:effectRef idx="0">
+              <a:schemeClr val="accent1"/>
+            </a:effectRef>
+            <a:fontRef idx="minor">
+              <a:schemeClr val="lt1"/>
+            </a:fontRef>
+          </p:style>
+          <p:txBody>
+            <a:bodyPr rtlCol="0" anchor="ctr"/>
+            <a:lstStyle/>
+            <a:p>
+              <a:pPr algn="ctr"/>
+              <a:r>
+                <a:rPr lang="en-SG" sz="1200" dirty="0">
+                  <a:solidFill>
+                    <a:schemeClr val="tx1"/>
+                  </a:solidFill>
+                </a:rPr>
+                <a:t>alt</a:t>
+              </a:r>
+            </a:p>
+          </p:txBody>
+        </p:sp>
+        <p:sp>
+          <p:nvSpPr>
+            <p:cNvPr id="123" name="TextBox 122">
+              <a:extLst>
+                <a:ext uri="{FF2B5EF4-FFF2-40B4-BE49-F238E27FC236}">
+                  <a16:creationId xmlns:a16="http://schemas.microsoft.com/office/drawing/2014/main" id="{2D7D4CC9-157B-4DD1-9A09-F9C168394D5C}"/>
+                </a:ext>
+              </a:extLst>
+            </p:cNvPr>
+            <p:cNvSpPr txBox="1"/>
+            <p:nvPr/>
+          </p:nvSpPr>
+          <p:spPr>
+            <a:xfrm>
+              <a:off x="4001094" y="1190631"/>
+              <a:ext cx="1914710" cy="184666"/>
+            </a:xfrm>
+            <a:prstGeom prst="rect">
+              <a:avLst/>
+            </a:prstGeom>
+            <a:noFill/>
+          </p:spPr>
+          <p:txBody>
+            <a:bodyPr wrap="square" lIns="0" tIns="0" rIns="0" bIns="0" rtlCol="0">
+              <a:spAutoFit/>
+            </a:bodyPr>
+            <a:lstStyle/>
+            <a:p>
+              <a:pPr algn="ctr"/>
+              <a:r>
+                <a:rPr lang="en-US" sz="1200" dirty="0" err="1"/>
+                <a:t>getExpenseChartLabelData</a:t>
+              </a:r>
+              <a:r>
+                <a:rPr lang="en-US" sz="1200" dirty="0"/>
+                <a:t>()</a:t>
+              </a:r>
+            </a:p>
+          </p:txBody>
+        </p:sp>
+        <p:sp>
+          <p:nvSpPr>
+            <p:cNvPr id="158" name="TextBox 157">
+              <a:extLst>
+                <a:ext uri="{FF2B5EF4-FFF2-40B4-BE49-F238E27FC236}">
+                  <a16:creationId xmlns:a16="http://schemas.microsoft.com/office/drawing/2014/main" id="{C25B271F-83C3-4268-AE1B-85EECBCFA152}"/>
+                </a:ext>
+              </a:extLst>
+            </p:cNvPr>
+            <p:cNvSpPr txBox="1"/>
+            <p:nvPr/>
+          </p:nvSpPr>
+          <p:spPr>
+            <a:xfrm>
+              <a:off x="4042902" y="864561"/>
+              <a:ext cx="1914710" cy="184666"/>
+            </a:xfrm>
+            <a:prstGeom prst="rect">
+              <a:avLst/>
+            </a:prstGeom>
+            <a:noFill/>
+          </p:spPr>
+          <p:txBody>
+            <a:bodyPr wrap="square" lIns="0" tIns="0" rIns="0" bIns="0" rtlCol="0">
+              <a:spAutoFit/>
+            </a:bodyPr>
+            <a:lstStyle/>
+            <a:p>
+              <a:pPr algn="ctr"/>
+              <a:r>
+                <a:rPr lang="en-US" sz="1200" dirty="0">
+                  <a:solidFill>
+                    <a:srgbClr val="00B050"/>
+                  </a:solidFill>
+                </a:rPr>
+                <a:t>[</a:t>
+              </a:r>
+              <a:r>
+                <a:rPr lang="en-US" sz="1200" dirty="0" err="1">
+                  <a:solidFill>
+                    <a:srgbClr val="00B050"/>
+                  </a:solidFill>
+                </a:rPr>
+                <a:t>cond</a:t>
+              </a:r>
+              <a:r>
+                <a:rPr lang="en-US" sz="1200" dirty="0">
+                  <a:solidFill>
+                    <a:srgbClr val="00B050"/>
+                  </a:solidFill>
+                </a:rPr>
+                <a:t> == true]</a:t>
+              </a:r>
+            </a:p>
+          </p:txBody>
+        </p:sp>
+        <p:sp>
+          <p:nvSpPr>
+            <p:cNvPr id="159" name="TextBox 158">
+              <a:extLst>
+                <a:ext uri="{FF2B5EF4-FFF2-40B4-BE49-F238E27FC236}">
+                  <a16:creationId xmlns:a16="http://schemas.microsoft.com/office/drawing/2014/main" id="{CCF5C6B8-71F0-4112-BE20-3F11CC03F8A9}"/>
+                </a:ext>
+              </a:extLst>
+            </p:cNvPr>
+            <p:cNvSpPr txBox="1"/>
+            <p:nvPr/>
+          </p:nvSpPr>
+          <p:spPr>
+            <a:xfrm>
+              <a:off x="3934755" y="3444099"/>
+              <a:ext cx="1914710" cy="184666"/>
+            </a:xfrm>
+            <a:prstGeom prst="rect">
+              <a:avLst/>
+            </a:prstGeom>
+            <a:noFill/>
+          </p:spPr>
+          <p:txBody>
+            <a:bodyPr wrap="square" lIns="0" tIns="0" rIns="0" bIns="0" rtlCol="0">
+              <a:spAutoFit/>
+            </a:bodyPr>
+            <a:lstStyle/>
+            <a:p>
+              <a:pPr algn="ctr"/>
+              <a:r>
+                <a:rPr lang="en-US" sz="1200" dirty="0">
+                  <a:solidFill>
+                    <a:srgbClr val="00B050"/>
+                  </a:solidFill>
+                </a:rPr>
+                <a:t>[else]</a:t>
+              </a:r>
+            </a:p>
+          </p:txBody>
+        </p:sp>
+        <p:sp>
+          <p:nvSpPr>
+            <p:cNvPr id="169" name="Rectangle 168">
+              <a:extLst>
+                <a:ext uri="{FF2B5EF4-FFF2-40B4-BE49-F238E27FC236}">
+                  <a16:creationId xmlns:a16="http://schemas.microsoft.com/office/drawing/2014/main" id="{4CDB7E63-D608-411B-822B-C2C2F85B5398}"/>
+                </a:ext>
+              </a:extLst>
+            </p:cNvPr>
+            <p:cNvSpPr/>
+            <p:nvPr/>
+          </p:nvSpPr>
+          <p:spPr>
+            <a:xfrm>
+              <a:off x="3792355" y="3819081"/>
+              <a:ext cx="206360" cy="251714"/>
+            </a:xfrm>
+            <a:prstGeom prst="rect">
+              <a:avLst/>
+            </a:prstGeom>
             <a:solidFill>
-              <a:srgbClr val="0070C0"/>
+              <a:srgbClr val="92D050"/>
             </a:solidFill>
-          </a:ln>
-          <a:effectLst/>
-        </p:spPr>
-        <p:style>
-          <a:lnRef idx="1">
-            <a:schemeClr val="accent3"/>
-          </a:lnRef>
-          <a:fillRef idx="2">
-            <a:schemeClr val="accent3"/>
-          </a:fillRef>
-          <a:effectRef idx="1">
-            <a:schemeClr val="accent3"/>
-          </a:effectRef>
-          <a:fontRef idx="minor">
-            <a:schemeClr val="dk1"/>
-          </a:fontRef>
-        </p:style>
-        <p:txBody>
-          <a:bodyPr rtlCol="0" anchor="ctr"/>
-          <a:lstStyle/>
-          <a:p>
-            <a:pPr algn="ctr"/>
-            <a:endParaRPr lang="en-SG" sz="1400"/>
-          </a:p>
-        </p:txBody>
-      </p:sp>
-      <p:cxnSp>
-        <p:nvCxnSpPr>
-          <p:cNvPr id="30" name="Connector: Curved 29">
-            <a:extLst>
-              <a:ext uri="{FF2B5EF4-FFF2-40B4-BE49-F238E27FC236}">
-                <a16:creationId xmlns:a16="http://schemas.microsoft.com/office/drawing/2014/main" id="{015A7019-A6B3-4EDD-91FE-EB343DC4F32B}"/>
-              </a:ext>
-            </a:extLst>
-          </p:cNvPr>
-          <p:cNvCxnSpPr>
-            <a:cxnSpLocks/>
-          </p:cNvCxnSpPr>
-          <p:nvPr/>
-        </p:nvCxnSpPr>
-        <p:spPr>
-          <a:xfrm rot="16200000" flipH="1">
-            <a:off x="5811625" y="2600125"/>
-            <a:ext cx="148766" cy="73926"/>
-          </a:xfrm>
-          <a:prstGeom prst="curvedConnector4">
-            <a:avLst>
-              <a:gd name="adj1" fmla="val -15714"/>
-              <a:gd name="adj2" fmla="val 240699"/>
-            </a:avLst>
-          </a:prstGeom>
-          <a:ln>
+            <a:ln>
+              <a:solidFill>
+                <a:srgbClr val="0070C0"/>
+              </a:solidFill>
+            </a:ln>
+            <a:effectLst/>
+          </p:spPr>
+          <p:style>
+            <a:lnRef idx="1">
+              <a:schemeClr val="accent3"/>
+            </a:lnRef>
+            <a:fillRef idx="2">
+              <a:schemeClr val="accent3"/>
+            </a:fillRef>
+            <a:effectRef idx="1">
+              <a:schemeClr val="accent3"/>
+            </a:effectRef>
+            <a:fontRef idx="minor">
+              <a:schemeClr val="dk1"/>
+            </a:fontRef>
+          </p:style>
+          <p:txBody>
+            <a:bodyPr rtlCol="0" anchor="ctr"/>
+            <a:lstStyle/>
+            <a:p>
+              <a:pPr algn="ctr"/>
+              <a:endParaRPr lang="en-SG" sz="1200"/>
+            </a:p>
+          </p:txBody>
+        </p:sp>
+        <p:cxnSp>
+          <p:nvCxnSpPr>
+            <p:cNvPr id="170" name="Connector: Curved 169">
+              <a:extLst>
+                <a:ext uri="{FF2B5EF4-FFF2-40B4-BE49-F238E27FC236}">
+                  <a16:creationId xmlns:a16="http://schemas.microsoft.com/office/drawing/2014/main" id="{23674EF0-4D1A-4009-8B83-8B35CD894583}"/>
+                </a:ext>
+              </a:extLst>
+            </p:cNvPr>
+            <p:cNvCxnSpPr>
+              <a:cxnSpLocks/>
+            </p:cNvCxnSpPr>
+            <p:nvPr/>
+          </p:nvCxnSpPr>
+          <p:spPr>
+            <a:xfrm rot="16200000" flipH="1">
+              <a:off x="3896553" y="3774564"/>
+              <a:ext cx="148766" cy="73926"/>
+            </a:xfrm>
+            <a:prstGeom prst="curvedConnector4">
+              <a:avLst>
+                <a:gd name="adj1" fmla="val -15714"/>
+                <a:gd name="adj2" fmla="val 240699"/>
+              </a:avLst>
+            </a:prstGeom>
+            <a:ln>
+              <a:solidFill>
+                <a:srgbClr val="00B050"/>
+              </a:solidFill>
+              <a:tailEnd type="triangle"/>
+            </a:ln>
+          </p:spPr>
+          <p:style>
+            <a:lnRef idx="1">
+              <a:schemeClr val="accent1"/>
+            </a:lnRef>
+            <a:fillRef idx="0">
+              <a:schemeClr val="accent1"/>
+            </a:fillRef>
+            <a:effectRef idx="0">
+              <a:schemeClr val="accent1"/>
+            </a:effectRef>
+            <a:fontRef idx="minor">
+              <a:schemeClr val="tx1"/>
+            </a:fontRef>
+          </p:style>
+        </p:cxnSp>
+        <p:sp>
+          <p:nvSpPr>
+            <p:cNvPr id="172" name="TextBox 171">
+              <a:extLst>
+                <a:ext uri="{FF2B5EF4-FFF2-40B4-BE49-F238E27FC236}">
+                  <a16:creationId xmlns:a16="http://schemas.microsoft.com/office/drawing/2014/main" id="{B7E27A98-F54B-4558-A583-D15034A147AA}"/>
+                </a:ext>
+              </a:extLst>
+            </p:cNvPr>
+            <p:cNvSpPr txBox="1"/>
+            <p:nvPr/>
+          </p:nvSpPr>
+          <p:spPr>
+            <a:xfrm>
+              <a:off x="3966456" y="3607935"/>
+              <a:ext cx="1945953" cy="184666"/>
+            </a:xfrm>
+            <a:prstGeom prst="rect">
+              <a:avLst/>
+            </a:prstGeom>
+            <a:noFill/>
+          </p:spPr>
+          <p:txBody>
+            <a:bodyPr wrap="square" lIns="0" tIns="0" rIns="0" bIns="0" rtlCol="0">
+              <a:spAutoFit/>
+            </a:bodyPr>
+            <a:lstStyle/>
+            <a:p>
+              <a:pPr algn="ctr"/>
+              <a:r>
+                <a:rPr lang="en-US" sz="1200" dirty="0" err="1"/>
+                <a:t>createPaneWithErrorMsg</a:t>
+              </a:r>
+              <a:r>
+                <a:rPr lang="en-US" sz="1200" dirty="0"/>
+                <a:t>()</a:t>
+              </a:r>
+            </a:p>
+          </p:txBody>
+        </p:sp>
+        <p:sp>
+          <p:nvSpPr>
+            <p:cNvPr id="173" name="Rectangle 172">
+              <a:extLst>
+                <a:ext uri="{FF2B5EF4-FFF2-40B4-BE49-F238E27FC236}">
+                  <a16:creationId xmlns:a16="http://schemas.microsoft.com/office/drawing/2014/main" id="{339BB5BA-B6EE-455C-9D20-80DEAE7E7BCF}"/>
+                </a:ext>
+              </a:extLst>
+            </p:cNvPr>
+            <p:cNvSpPr/>
+            <p:nvPr/>
+          </p:nvSpPr>
+          <p:spPr>
+            <a:xfrm>
+              <a:off x="3792355" y="4428681"/>
+              <a:ext cx="206360" cy="251714"/>
+            </a:xfrm>
+            <a:prstGeom prst="rect">
+              <a:avLst/>
+            </a:prstGeom>
             <a:solidFill>
-              <a:srgbClr val="00B050"/>
+              <a:srgbClr val="92D050"/>
             </a:solidFill>
-            <a:tailEnd type="triangle"/>
-          </a:ln>
-        </p:spPr>
-        <p:style>
-          <a:lnRef idx="1">
-            <a:schemeClr val="accent1"/>
-          </a:lnRef>
-          <a:fillRef idx="0">
-            <a:schemeClr val="accent1"/>
-          </a:fillRef>
-          <a:effectRef idx="0">
-            <a:schemeClr val="accent1"/>
-          </a:effectRef>
-          <a:fontRef idx="minor">
-            <a:schemeClr val="tx1"/>
-          </a:fontRef>
-        </p:style>
-      </p:cxnSp>
-      <p:sp>
-        <p:nvSpPr>
-          <p:cNvPr id="31" name="TextBox 30">
-            <a:extLst>
-              <a:ext uri="{FF2B5EF4-FFF2-40B4-BE49-F238E27FC236}">
-                <a16:creationId xmlns:a16="http://schemas.microsoft.com/office/drawing/2014/main" id="{F5C01DC2-424B-4725-B57A-BA5B90F47EAF}"/>
-              </a:ext>
-            </a:extLst>
-          </p:cNvPr>
-          <p:cNvSpPr txBox="1"/>
-          <p:nvPr/>
-        </p:nvSpPr>
-        <p:spPr>
-          <a:xfrm>
-            <a:off x="5837582" y="2115676"/>
-            <a:ext cx="2063600" cy="215444"/>
-          </a:xfrm>
-          <a:prstGeom prst="rect">
-            <a:avLst/>
-          </a:prstGeom>
-          <a:noFill/>
-        </p:spPr>
-        <p:txBody>
-          <a:bodyPr wrap="square" lIns="0" tIns="0" rIns="0" bIns="0" rtlCol="0">
-            <a:spAutoFit/>
-          </a:bodyPr>
-          <a:lstStyle/>
-          <a:p>
-            <a:pPr algn="ctr"/>
-            <a:r>
-              <a:rPr lang="en-US" sz="1400" dirty="0" err="1"/>
-              <a:t>addToExpenseLabelData</a:t>
-            </a:r>
-            <a:r>
-              <a:rPr lang="en-US" sz="1400" dirty="0"/>
-              <a:t>()</a:t>
-            </a:r>
-          </a:p>
-        </p:txBody>
-      </p:sp>
-      <p:sp>
-        <p:nvSpPr>
-          <p:cNvPr id="32" name="TextBox 31">
-            <a:extLst>
-              <a:ext uri="{FF2B5EF4-FFF2-40B4-BE49-F238E27FC236}">
-                <a16:creationId xmlns:a16="http://schemas.microsoft.com/office/drawing/2014/main" id="{0F1FC668-8A39-4F7F-A6AA-8793F470AAEA}"/>
-              </a:ext>
-            </a:extLst>
-          </p:cNvPr>
-          <p:cNvSpPr txBox="1"/>
-          <p:nvPr/>
-        </p:nvSpPr>
-        <p:spPr>
-          <a:xfrm>
-            <a:off x="5794201" y="2745331"/>
-            <a:ext cx="2063600" cy="215444"/>
-          </a:xfrm>
-          <a:prstGeom prst="rect">
-            <a:avLst/>
-          </a:prstGeom>
-          <a:noFill/>
-        </p:spPr>
-        <p:txBody>
-          <a:bodyPr wrap="square" lIns="0" tIns="0" rIns="0" bIns="0" rtlCol="0">
-            <a:spAutoFit/>
-          </a:bodyPr>
-          <a:lstStyle/>
-          <a:p>
-            <a:pPr algn="ctr"/>
-            <a:r>
-              <a:rPr lang="en-US" sz="1400" dirty="0" err="1"/>
-              <a:t>addToIncomeLabelData</a:t>
-            </a:r>
-            <a:r>
-              <a:rPr lang="en-US" sz="1400" dirty="0"/>
-              <a:t>()</a:t>
-            </a:r>
-          </a:p>
-        </p:txBody>
-      </p:sp>
-      <p:cxnSp>
-        <p:nvCxnSpPr>
-          <p:cNvPr id="36" name="Straight Arrow Connector 35">
-            <a:extLst>
-              <a:ext uri="{FF2B5EF4-FFF2-40B4-BE49-F238E27FC236}">
-                <a16:creationId xmlns:a16="http://schemas.microsoft.com/office/drawing/2014/main" id="{820107EE-7CED-421F-898F-6CA7BCE61F23}"/>
-              </a:ext>
-            </a:extLst>
-          </p:cNvPr>
-          <p:cNvCxnSpPr>
-            <a:cxnSpLocks/>
-          </p:cNvCxnSpPr>
-          <p:nvPr/>
-        </p:nvCxnSpPr>
-        <p:spPr>
-          <a:xfrm flipH="1">
-            <a:off x="3243325" y="3354434"/>
-            <a:ext cx="2327981" cy="0"/>
-          </a:xfrm>
-          <a:prstGeom prst="straightConnector1">
-            <a:avLst/>
-          </a:prstGeom>
-          <a:ln w="19050">
+            <a:ln>
+              <a:solidFill>
+                <a:srgbClr val="0070C0"/>
+              </a:solidFill>
+            </a:ln>
+            <a:effectLst/>
+          </p:spPr>
+          <p:style>
+            <a:lnRef idx="1">
+              <a:schemeClr val="accent3"/>
+            </a:lnRef>
+            <a:fillRef idx="2">
+              <a:schemeClr val="accent3"/>
+            </a:fillRef>
+            <a:effectRef idx="1">
+              <a:schemeClr val="accent3"/>
+            </a:effectRef>
+            <a:fontRef idx="minor">
+              <a:schemeClr val="dk1"/>
+            </a:fontRef>
+          </p:style>
+          <p:txBody>
+            <a:bodyPr rtlCol="0" anchor="ctr"/>
+            <a:lstStyle/>
+            <a:p>
+              <a:pPr algn="ctr"/>
+              <a:endParaRPr lang="en-SG" sz="1200"/>
+            </a:p>
+          </p:txBody>
+        </p:sp>
+        <p:cxnSp>
+          <p:nvCxnSpPr>
+            <p:cNvPr id="174" name="Connector: Curved 173">
+              <a:extLst>
+                <a:ext uri="{FF2B5EF4-FFF2-40B4-BE49-F238E27FC236}">
+                  <a16:creationId xmlns:a16="http://schemas.microsoft.com/office/drawing/2014/main" id="{327F4ABE-A960-45A5-AAE5-B5B8AD90E275}"/>
+                </a:ext>
+              </a:extLst>
+            </p:cNvPr>
+            <p:cNvCxnSpPr>
+              <a:cxnSpLocks/>
+            </p:cNvCxnSpPr>
+            <p:nvPr/>
+          </p:nvCxnSpPr>
+          <p:spPr>
+            <a:xfrm rot="16200000" flipH="1">
+              <a:off x="3896553" y="4384164"/>
+              <a:ext cx="148766" cy="73926"/>
+            </a:xfrm>
+            <a:prstGeom prst="curvedConnector4">
+              <a:avLst>
+                <a:gd name="adj1" fmla="val -15714"/>
+                <a:gd name="adj2" fmla="val 240699"/>
+              </a:avLst>
+            </a:prstGeom>
+            <a:ln>
+              <a:solidFill>
+                <a:srgbClr val="00B050"/>
+              </a:solidFill>
+              <a:tailEnd type="triangle"/>
+            </a:ln>
+          </p:spPr>
+          <p:style>
+            <a:lnRef idx="1">
+              <a:schemeClr val="accent1"/>
+            </a:lnRef>
+            <a:fillRef idx="0">
+              <a:schemeClr val="accent1"/>
+            </a:fillRef>
+            <a:effectRef idx="0">
+              <a:schemeClr val="accent1"/>
+            </a:effectRef>
+            <a:fontRef idx="minor">
+              <a:schemeClr val="tx1"/>
+            </a:fontRef>
+          </p:style>
+        </p:cxnSp>
+        <p:sp>
+          <p:nvSpPr>
+            <p:cNvPr id="175" name="TextBox 174">
+              <a:extLst>
+                <a:ext uri="{FF2B5EF4-FFF2-40B4-BE49-F238E27FC236}">
+                  <a16:creationId xmlns:a16="http://schemas.microsoft.com/office/drawing/2014/main" id="{DDB0033F-1445-4388-955E-B3C30280AD2D}"/>
+                </a:ext>
+              </a:extLst>
+            </p:cNvPr>
+            <p:cNvSpPr txBox="1"/>
+            <p:nvPr/>
+          </p:nvSpPr>
+          <p:spPr>
+            <a:xfrm>
+              <a:off x="4077440" y="4262231"/>
+              <a:ext cx="777834" cy="184666"/>
+            </a:xfrm>
+            <a:prstGeom prst="rect">
+              <a:avLst/>
+            </a:prstGeom>
+            <a:noFill/>
+          </p:spPr>
+          <p:txBody>
+            <a:bodyPr wrap="square" lIns="0" tIns="0" rIns="0" bIns="0" rtlCol="0">
+              <a:spAutoFit/>
+            </a:bodyPr>
+            <a:lstStyle/>
+            <a:p>
+              <a:pPr algn="ctr"/>
+              <a:r>
+                <a:rPr lang="en-US" sz="1200" dirty="0" err="1"/>
+                <a:t>createTab</a:t>
+              </a:r>
+              <a:r>
+                <a:rPr lang="en-US" sz="1200" dirty="0"/>
+                <a:t>()</a:t>
+              </a:r>
+            </a:p>
+          </p:txBody>
+        </p:sp>
+        <p:sp>
+          <p:nvSpPr>
+            <p:cNvPr id="176" name="TextBox 175">
+              <a:extLst>
+                <a:ext uri="{FF2B5EF4-FFF2-40B4-BE49-F238E27FC236}">
+                  <a16:creationId xmlns:a16="http://schemas.microsoft.com/office/drawing/2014/main" id="{B52CE6D9-49FB-44B1-8F81-2F350DA78589}"/>
+                </a:ext>
+              </a:extLst>
+            </p:cNvPr>
+            <p:cNvSpPr txBox="1"/>
+            <p:nvPr/>
+          </p:nvSpPr>
+          <p:spPr>
+            <a:xfrm>
+              <a:off x="4067392" y="5529384"/>
+              <a:ext cx="1914710" cy="184666"/>
+            </a:xfrm>
+            <a:prstGeom prst="rect">
+              <a:avLst/>
+            </a:prstGeom>
+            <a:noFill/>
+          </p:spPr>
+          <p:txBody>
+            <a:bodyPr wrap="square" lIns="0" tIns="0" rIns="0" bIns="0" rtlCol="0">
+              <a:spAutoFit/>
+            </a:bodyPr>
+            <a:lstStyle/>
+            <a:p>
+              <a:pPr algn="ctr"/>
+              <a:r>
+                <a:rPr lang="en-US" sz="1200" dirty="0" err="1"/>
+                <a:t>getIncomeChartLabelData</a:t>
+              </a:r>
+              <a:r>
+                <a:rPr lang="en-US" sz="1200" dirty="0"/>
+                <a:t>()</a:t>
+              </a:r>
+            </a:p>
+          </p:txBody>
+        </p:sp>
+        <p:sp>
+          <p:nvSpPr>
+            <p:cNvPr id="177" name="Rectangle 176">
+              <a:extLst>
+                <a:ext uri="{FF2B5EF4-FFF2-40B4-BE49-F238E27FC236}">
+                  <a16:creationId xmlns:a16="http://schemas.microsoft.com/office/drawing/2014/main" id="{440D8535-36C8-4E6B-B697-876C9B7CF2D1}"/>
+                </a:ext>
+              </a:extLst>
+            </p:cNvPr>
+            <p:cNvSpPr/>
+            <p:nvPr/>
+          </p:nvSpPr>
+          <p:spPr>
+            <a:xfrm>
+              <a:off x="2631400" y="5185787"/>
+              <a:ext cx="8388996" cy="3174836"/>
+            </a:xfrm>
+            <a:prstGeom prst="rect">
+              <a:avLst/>
+            </a:prstGeom>
+            <a:noFill/>
+            <a:ln>
+              <a:solidFill>
+                <a:srgbClr val="00B050"/>
+              </a:solidFill>
+            </a:ln>
+          </p:spPr>
+          <p:style>
+            <a:lnRef idx="2">
+              <a:schemeClr val="accent1">
+                <a:shade val="50000"/>
+              </a:schemeClr>
+            </a:lnRef>
+            <a:fillRef idx="1">
+              <a:schemeClr val="accent1"/>
+            </a:fillRef>
+            <a:effectRef idx="0">
+              <a:schemeClr val="accent1"/>
+            </a:effectRef>
+            <a:fontRef idx="minor">
+              <a:schemeClr val="lt1"/>
+            </a:fontRef>
+          </p:style>
+          <p:txBody>
+            <a:bodyPr rtlCol="0" anchor="ctr"/>
+            <a:lstStyle/>
+            <a:p>
+              <a:pPr algn="ctr"/>
+              <a:endParaRPr lang="en-SG"/>
+            </a:p>
+          </p:txBody>
+        </p:sp>
+        <p:sp>
+          <p:nvSpPr>
+            <p:cNvPr id="178" name="Rectangle: Diagonal Corners Rounded 177">
+              <a:extLst>
+                <a:ext uri="{FF2B5EF4-FFF2-40B4-BE49-F238E27FC236}">
+                  <a16:creationId xmlns:a16="http://schemas.microsoft.com/office/drawing/2014/main" id="{F76E804B-011D-4186-BF8B-B04970D472A4}"/>
+                </a:ext>
+              </a:extLst>
+            </p:cNvPr>
+            <p:cNvSpPr/>
+            <p:nvPr/>
+          </p:nvSpPr>
+          <p:spPr>
+            <a:xfrm>
+              <a:off x="2625919" y="5185787"/>
+              <a:ext cx="742594" cy="361973"/>
+            </a:xfrm>
+            <a:prstGeom prst="round2DiagRect">
+              <a:avLst/>
+            </a:prstGeom>
+            <a:noFill/>
+            <a:ln>
+              <a:solidFill>
+                <a:srgbClr val="70AC2E"/>
+              </a:solidFill>
+            </a:ln>
+          </p:spPr>
+          <p:style>
+            <a:lnRef idx="2">
+              <a:schemeClr val="accent1">
+                <a:shade val="50000"/>
+              </a:schemeClr>
+            </a:lnRef>
+            <a:fillRef idx="1">
+              <a:schemeClr val="accent1"/>
+            </a:fillRef>
+            <a:effectRef idx="0">
+              <a:schemeClr val="accent1"/>
+            </a:effectRef>
+            <a:fontRef idx="minor">
+              <a:schemeClr val="lt1"/>
+            </a:fontRef>
+          </p:style>
+          <p:txBody>
+            <a:bodyPr rtlCol="0" anchor="ctr"/>
+            <a:lstStyle/>
+            <a:p>
+              <a:pPr algn="ctr"/>
+              <a:r>
+                <a:rPr lang="en-SG" sz="1200" dirty="0">
+                  <a:solidFill>
+                    <a:schemeClr val="tx1"/>
+                  </a:solidFill>
+                </a:rPr>
+                <a:t>alt</a:t>
+              </a:r>
+            </a:p>
+          </p:txBody>
+        </p:sp>
+        <p:cxnSp>
+          <p:nvCxnSpPr>
+            <p:cNvPr id="179" name="Straight Connector 178">
+              <a:extLst>
+                <a:ext uri="{FF2B5EF4-FFF2-40B4-BE49-F238E27FC236}">
+                  <a16:creationId xmlns:a16="http://schemas.microsoft.com/office/drawing/2014/main" id="{7867A75F-7054-4423-A816-C962DC33CC4B}"/>
+                </a:ext>
+              </a:extLst>
+            </p:cNvPr>
+            <p:cNvCxnSpPr>
+              <a:cxnSpLocks/>
+            </p:cNvCxnSpPr>
+            <p:nvPr/>
+          </p:nvCxnSpPr>
+          <p:spPr>
+            <a:xfrm>
+              <a:off x="2616112" y="7499795"/>
+              <a:ext cx="8404284" cy="0"/>
+            </a:xfrm>
+            <a:prstGeom prst="line">
+              <a:avLst/>
+            </a:prstGeom>
+            <a:ln w="19050">
+              <a:solidFill>
+                <a:srgbClr val="00B050"/>
+              </a:solidFill>
+              <a:prstDash val="sysDash"/>
+            </a:ln>
+          </p:spPr>
+          <p:style>
+            <a:lnRef idx="1">
+              <a:schemeClr val="accent1"/>
+            </a:lnRef>
+            <a:fillRef idx="0">
+              <a:schemeClr val="accent1"/>
+            </a:fillRef>
+            <a:effectRef idx="0">
+              <a:schemeClr val="accent1"/>
+            </a:effectRef>
+            <a:fontRef idx="minor">
+              <a:schemeClr val="tx1"/>
+            </a:fontRef>
+          </p:style>
+        </p:cxnSp>
+        <p:sp>
+          <p:nvSpPr>
+            <p:cNvPr id="180" name="TextBox 179">
+              <a:extLst>
+                <a:ext uri="{FF2B5EF4-FFF2-40B4-BE49-F238E27FC236}">
+                  <a16:creationId xmlns:a16="http://schemas.microsoft.com/office/drawing/2014/main" id="{E3838506-F1E9-4EEF-9647-6C031D2079E9}"/>
+                </a:ext>
+              </a:extLst>
+            </p:cNvPr>
+            <p:cNvSpPr txBox="1"/>
+            <p:nvPr/>
+          </p:nvSpPr>
+          <p:spPr>
+            <a:xfrm>
+              <a:off x="4100635" y="5281286"/>
+              <a:ext cx="1914710" cy="184666"/>
+            </a:xfrm>
+            <a:prstGeom prst="rect">
+              <a:avLst/>
+            </a:prstGeom>
+            <a:noFill/>
+          </p:spPr>
+          <p:txBody>
+            <a:bodyPr wrap="square" lIns="0" tIns="0" rIns="0" bIns="0" rtlCol="0">
+              <a:spAutoFit/>
+            </a:bodyPr>
+            <a:lstStyle/>
+            <a:p>
+              <a:pPr algn="ctr"/>
+              <a:r>
+                <a:rPr lang="en-US" sz="1200" dirty="0">
+                  <a:solidFill>
+                    <a:srgbClr val="00B050"/>
+                  </a:solidFill>
+                </a:rPr>
+                <a:t>[</a:t>
+              </a:r>
+              <a:r>
+                <a:rPr lang="en-US" sz="1200" dirty="0" err="1">
+                  <a:solidFill>
+                    <a:srgbClr val="00B050"/>
+                  </a:solidFill>
+                </a:rPr>
+                <a:t>cond</a:t>
+              </a:r>
+              <a:r>
+                <a:rPr lang="en-US" sz="1200" dirty="0">
+                  <a:solidFill>
+                    <a:srgbClr val="00B050"/>
+                  </a:solidFill>
+                </a:rPr>
+                <a:t> == true]</a:t>
+              </a:r>
+            </a:p>
+          </p:txBody>
+        </p:sp>
+        <p:sp>
+          <p:nvSpPr>
+            <p:cNvPr id="181" name="Rectangle 180">
+              <a:extLst>
+                <a:ext uri="{FF2B5EF4-FFF2-40B4-BE49-F238E27FC236}">
+                  <a16:creationId xmlns:a16="http://schemas.microsoft.com/office/drawing/2014/main" id="{1DE56E68-D495-41EA-A7B5-4AA653B2E62D}"/>
+                </a:ext>
+              </a:extLst>
+            </p:cNvPr>
+            <p:cNvSpPr/>
+            <p:nvPr/>
+          </p:nvSpPr>
+          <p:spPr>
+            <a:xfrm>
+              <a:off x="6263816" y="4791326"/>
+              <a:ext cx="206360" cy="251714"/>
+            </a:xfrm>
+            <a:prstGeom prst="rect">
+              <a:avLst/>
+            </a:prstGeom>
             <a:solidFill>
-              <a:srgbClr val="00B050"/>
+              <a:srgbClr val="92D050"/>
             </a:solidFill>
-            <a:prstDash val="sysDash"/>
-            <a:tailEnd type="arrow"/>
-          </a:ln>
-        </p:spPr>
-        <p:style>
-          <a:lnRef idx="1">
-            <a:schemeClr val="accent1"/>
-          </a:lnRef>
-          <a:fillRef idx="0">
-            <a:schemeClr val="accent1"/>
-          </a:fillRef>
-          <a:effectRef idx="0">
-            <a:schemeClr val="accent1"/>
-          </a:effectRef>
-          <a:fontRef idx="minor">
-            <a:schemeClr val="tx1"/>
-          </a:fontRef>
-        </p:style>
-      </p:cxnSp>
-      <p:sp>
-        <p:nvSpPr>
-          <p:cNvPr id="40" name="TextBox 39">
-            <a:extLst>
-              <a:ext uri="{FF2B5EF4-FFF2-40B4-BE49-F238E27FC236}">
-                <a16:creationId xmlns:a16="http://schemas.microsoft.com/office/drawing/2014/main" id="{5C8EF5A4-24E8-435E-B359-28FE3EB32BE8}"/>
-              </a:ext>
-            </a:extLst>
-          </p:cNvPr>
-          <p:cNvSpPr txBox="1"/>
-          <p:nvPr/>
-        </p:nvSpPr>
-        <p:spPr>
-          <a:xfrm>
-            <a:off x="3232160" y="3322464"/>
-            <a:ext cx="2063600" cy="215444"/>
-          </a:xfrm>
-          <a:prstGeom prst="rect">
-            <a:avLst/>
-          </a:prstGeom>
-          <a:noFill/>
-        </p:spPr>
-        <p:txBody>
-          <a:bodyPr wrap="square" lIns="0" tIns="0" rIns="0" bIns="0" rtlCol="0">
-            <a:spAutoFit/>
-          </a:bodyPr>
-          <a:lstStyle/>
-          <a:p>
-            <a:pPr algn="ctr"/>
-            <a:r>
-              <a:rPr lang="en-US" sz="1400" dirty="0"/>
-              <a:t>dl</a:t>
-            </a:r>
-          </a:p>
-        </p:txBody>
-      </p:sp>
-      <p:sp>
-        <p:nvSpPr>
-          <p:cNvPr id="41" name="Rectangle 40">
-            <a:extLst>
-              <a:ext uri="{FF2B5EF4-FFF2-40B4-BE49-F238E27FC236}">
-                <a16:creationId xmlns:a16="http://schemas.microsoft.com/office/drawing/2014/main" id="{0025FAB9-04F6-47C5-93EA-9664323B5C07}"/>
-              </a:ext>
-            </a:extLst>
-          </p:cNvPr>
-          <p:cNvSpPr/>
-          <p:nvPr/>
-        </p:nvSpPr>
-        <p:spPr>
-          <a:xfrm>
-            <a:off x="5587841" y="3786878"/>
-            <a:ext cx="206360" cy="251714"/>
-          </a:xfrm>
-          <a:prstGeom prst="rect">
-            <a:avLst/>
-          </a:prstGeom>
-          <a:solidFill>
-            <a:srgbClr val="92D050"/>
-          </a:solidFill>
-          <a:ln>
+            <a:ln>
+              <a:solidFill>
+                <a:srgbClr val="0070C0"/>
+              </a:solidFill>
+            </a:ln>
+            <a:effectLst/>
+          </p:spPr>
+          <p:style>
+            <a:lnRef idx="1">
+              <a:schemeClr val="accent3"/>
+            </a:lnRef>
+            <a:fillRef idx="2">
+              <a:schemeClr val="accent3"/>
+            </a:fillRef>
+            <a:effectRef idx="1">
+              <a:schemeClr val="accent3"/>
+            </a:effectRef>
+            <a:fontRef idx="minor">
+              <a:schemeClr val="dk1"/>
+            </a:fontRef>
+          </p:style>
+          <p:txBody>
+            <a:bodyPr rtlCol="0" anchor="ctr"/>
+            <a:lstStyle/>
+            <a:p>
+              <a:pPr algn="ctr"/>
+              <a:endParaRPr lang="en-SG" sz="1200"/>
+            </a:p>
+          </p:txBody>
+        </p:sp>
+        <p:cxnSp>
+          <p:nvCxnSpPr>
+            <p:cNvPr id="182" name="Straight Arrow Connector 181">
+              <a:extLst>
+                <a:ext uri="{FF2B5EF4-FFF2-40B4-BE49-F238E27FC236}">
+                  <a16:creationId xmlns:a16="http://schemas.microsoft.com/office/drawing/2014/main" id="{4A107890-3799-46AF-863E-8C245662E875}"/>
+                </a:ext>
+              </a:extLst>
+            </p:cNvPr>
+            <p:cNvCxnSpPr>
+              <a:cxnSpLocks/>
+            </p:cNvCxnSpPr>
+            <p:nvPr/>
+          </p:nvCxnSpPr>
+          <p:spPr>
+            <a:xfrm>
+              <a:off x="3895564" y="4784332"/>
+              <a:ext cx="2344516" cy="0"/>
+            </a:xfrm>
+            <a:prstGeom prst="straightConnector1">
+              <a:avLst/>
+            </a:prstGeom>
+            <a:ln w="19050">
+              <a:solidFill>
+                <a:srgbClr val="00B050"/>
+              </a:solidFill>
+              <a:tailEnd type="arrow"/>
+            </a:ln>
+          </p:spPr>
+          <p:style>
+            <a:lnRef idx="1">
+              <a:schemeClr val="accent1"/>
+            </a:lnRef>
+            <a:fillRef idx="0">
+              <a:schemeClr val="accent1"/>
+            </a:fillRef>
+            <a:effectRef idx="0">
+              <a:schemeClr val="accent1"/>
+            </a:effectRef>
+            <a:fontRef idx="minor">
+              <a:schemeClr val="tx1"/>
+            </a:fontRef>
+          </p:style>
+        </p:cxnSp>
+        <p:cxnSp>
+          <p:nvCxnSpPr>
+            <p:cNvPr id="183" name="Straight Arrow Connector 182">
+              <a:extLst>
+                <a:ext uri="{FF2B5EF4-FFF2-40B4-BE49-F238E27FC236}">
+                  <a16:creationId xmlns:a16="http://schemas.microsoft.com/office/drawing/2014/main" id="{E4FE579A-6169-4CBD-98A6-A65EB74904AD}"/>
+                </a:ext>
+              </a:extLst>
+            </p:cNvPr>
+            <p:cNvCxnSpPr>
+              <a:cxnSpLocks/>
+            </p:cNvCxnSpPr>
+            <p:nvPr/>
+          </p:nvCxnSpPr>
+          <p:spPr>
+            <a:xfrm flipH="1">
+              <a:off x="3893052" y="5043040"/>
+              <a:ext cx="2327981" cy="0"/>
+            </a:xfrm>
+            <a:prstGeom prst="straightConnector1">
+              <a:avLst/>
+            </a:prstGeom>
+            <a:ln w="19050">
+              <a:solidFill>
+                <a:srgbClr val="00B050"/>
+              </a:solidFill>
+              <a:prstDash val="sysDash"/>
+              <a:tailEnd type="arrow"/>
+            </a:ln>
+          </p:spPr>
+          <p:style>
+            <a:lnRef idx="1">
+              <a:schemeClr val="accent1"/>
+            </a:lnRef>
+            <a:fillRef idx="0">
+              <a:schemeClr val="accent1"/>
+            </a:fillRef>
+            <a:effectRef idx="0">
+              <a:schemeClr val="accent1"/>
+            </a:effectRef>
+            <a:fontRef idx="minor">
+              <a:schemeClr val="tx1"/>
+            </a:fontRef>
+          </p:style>
+        </p:cxnSp>
+        <p:sp>
+          <p:nvSpPr>
+            <p:cNvPr id="185" name="TextBox 184">
+              <a:extLst>
+                <a:ext uri="{FF2B5EF4-FFF2-40B4-BE49-F238E27FC236}">
+                  <a16:creationId xmlns:a16="http://schemas.microsoft.com/office/drawing/2014/main" id="{4A6EFE76-EAF4-4282-8DDD-9DD177296168}"/>
+                </a:ext>
+              </a:extLst>
+            </p:cNvPr>
+            <p:cNvSpPr txBox="1"/>
+            <p:nvPr/>
+          </p:nvSpPr>
+          <p:spPr>
+            <a:xfrm>
+              <a:off x="3916905" y="4542552"/>
+              <a:ext cx="2063600" cy="184666"/>
+            </a:xfrm>
+            <a:prstGeom prst="rect">
+              <a:avLst/>
+            </a:prstGeom>
+            <a:noFill/>
+          </p:spPr>
+          <p:txBody>
+            <a:bodyPr wrap="square" lIns="0" tIns="0" rIns="0" bIns="0" rtlCol="0">
+              <a:spAutoFit/>
+            </a:bodyPr>
+            <a:lstStyle/>
+            <a:p>
+              <a:pPr algn="ctr"/>
+              <a:r>
+                <a:rPr lang="en-US" sz="1200" dirty="0" err="1"/>
+                <a:t>isIncomeDataEmpty</a:t>
+              </a:r>
+              <a:r>
+                <a:rPr lang="en-US" sz="1200" dirty="0"/>
+                <a:t>()</a:t>
+              </a:r>
+            </a:p>
+          </p:txBody>
+        </p:sp>
+        <p:sp>
+          <p:nvSpPr>
+            <p:cNvPr id="186" name="TextBox 185">
+              <a:extLst>
+                <a:ext uri="{FF2B5EF4-FFF2-40B4-BE49-F238E27FC236}">
+                  <a16:creationId xmlns:a16="http://schemas.microsoft.com/office/drawing/2014/main" id="{58D1E612-B248-443F-A577-AA4F9F4F24CC}"/>
+                </a:ext>
+              </a:extLst>
+            </p:cNvPr>
+            <p:cNvSpPr txBox="1"/>
+            <p:nvPr/>
+          </p:nvSpPr>
+          <p:spPr>
+            <a:xfrm>
+              <a:off x="4066021" y="4858679"/>
+              <a:ext cx="2063600" cy="184666"/>
+            </a:xfrm>
+            <a:prstGeom prst="rect">
+              <a:avLst/>
+            </a:prstGeom>
+            <a:noFill/>
+          </p:spPr>
+          <p:txBody>
+            <a:bodyPr wrap="square" lIns="0" tIns="0" rIns="0" bIns="0" rtlCol="0">
+              <a:spAutoFit/>
+            </a:bodyPr>
+            <a:lstStyle/>
+            <a:p>
+              <a:pPr algn="ctr"/>
+              <a:r>
+                <a:rPr lang="en-US" sz="1200" dirty="0" err="1"/>
+                <a:t>cond</a:t>
+              </a:r>
+              <a:endParaRPr lang="en-US" sz="1200" dirty="0"/>
+            </a:p>
+          </p:txBody>
+        </p:sp>
+        <p:sp>
+          <p:nvSpPr>
+            <p:cNvPr id="187" name="Rectangle 186">
+              <a:extLst>
+                <a:ext uri="{FF2B5EF4-FFF2-40B4-BE49-F238E27FC236}">
+                  <a16:creationId xmlns:a16="http://schemas.microsoft.com/office/drawing/2014/main" id="{387C4F8D-3F81-4CEE-A6FF-6854FD0591EC}"/>
+                </a:ext>
+              </a:extLst>
+            </p:cNvPr>
+            <p:cNvSpPr/>
+            <p:nvPr/>
+          </p:nvSpPr>
+          <p:spPr>
+            <a:xfrm>
+              <a:off x="3799005" y="8010081"/>
+              <a:ext cx="206360" cy="251714"/>
+            </a:xfrm>
+            <a:prstGeom prst="rect">
+              <a:avLst/>
+            </a:prstGeom>
             <a:solidFill>
-              <a:srgbClr val="0070C0"/>
+              <a:srgbClr val="92D050"/>
             </a:solidFill>
-          </a:ln>
-          <a:effectLst/>
-        </p:spPr>
-        <p:style>
-          <a:lnRef idx="1">
-            <a:schemeClr val="accent3"/>
-          </a:lnRef>
-          <a:fillRef idx="2">
-            <a:schemeClr val="accent3"/>
-          </a:fillRef>
-          <a:effectRef idx="1">
-            <a:schemeClr val="accent3"/>
-          </a:effectRef>
-          <a:fontRef idx="minor">
-            <a:schemeClr val="dk1"/>
-          </a:fontRef>
-        </p:style>
-        <p:txBody>
-          <a:bodyPr rtlCol="0" anchor="ctr"/>
-          <a:lstStyle/>
-          <a:p>
-            <a:pPr algn="ctr"/>
-            <a:endParaRPr lang="en-SG" sz="1400"/>
-          </a:p>
-        </p:txBody>
-      </p:sp>
-      <p:cxnSp>
-        <p:nvCxnSpPr>
-          <p:cNvPr id="42" name="Straight Arrow Connector 41">
-            <a:extLst>
-              <a:ext uri="{FF2B5EF4-FFF2-40B4-BE49-F238E27FC236}">
-                <a16:creationId xmlns:a16="http://schemas.microsoft.com/office/drawing/2014/main" id="{4B515446-B1DA-4D2E-892E-BD4F9E4E056F}"/>
-              </a:ext>
-            </a:extLst>
-          </p:cNvPr>
-          <p:cNvCxnSpPr>
-            <a:cxnSpLocks/>
-          </p:cNvCxnSpPr>
-          <p:nvPr/>
-        </p:nvCxnSpPr>
-        <p:spPr>
-          <a:xfrm>
-            <a:off x="3243325" y="3810000"/>
-            <a:ext cx="2344516" cy="0"/>
-          </a:xfrm>
-          <a:prstGeom prst="straightConnector1">
-            <a:avLst/>
-          </a:prstGeom>
-          <a:ln w="19050">
+            <a:ln>
+              <a:solidFill>
+                <a:srgbClr val="0070C0"/>
+              </a:solidFill>
+            </a:ln>
+            <a:effectLst/>
+          </p:spPr>
+          <p:style>
+            <a:lnRef idx="1">
+              <a:schemeClr val="accent3"/>
+            </a:lnRef>
+            <a:fillRef idx="2">
+              <a:schemeClr val="accent3"/>
+            </a:fillRef>
+            <a:effectRef idx="1">
+              <a:schemeClr val="accent3"/>
+            </a:effectRef>
+            <a:fontRef idx="minor">
+              <a:schemeClr val="dk1"/>
+            </a:fontRef>
+          </p:style>
+          <p:txBody>
+            <a:bodyPr rtlCol="0" anchor="ctr"/>
+            <a:lstStyle/>
+            <a:p>
+              <a:pPr algn="ctr"/>
+              <a:endParaRPr lang="en-SG" sz="1200"/>
+            </a:p>
+          </p:txBody>
+        </p:sp>
+        <p:cxnSp>
+          <p:nvCxnSpPr>
+            <p:cNvPr id="188" name="Connector: Curved 187">
+              <a:extLst>
+                <a:ext uri="{FF2B5EF4-FFF2-40B4-BE49-F238E27FC236}">
+                  <a16:creationId xmlns:a16="http://schemas.microsoft.com/office/drawing/2014/main" id="{AC878825-51DC-44F7-9F21-99D36B25A68C}"/>
+                </a:ext>
+              </a:extLst>
+            </p:cNvPr>
+            <p:cNvCxnSpPr>
+              <a:cxnSpLocks/>
+            </p:cNvCxnSpPr>
+            <p:nvPr/>
+          </p:nvCxnSpPr>
+          <p:spPr>
+            <a:xfrm rot="16200000" flipH="1">
+              <a:off x="3903203" y="7965564"/>
+              <a:ext cx="148766" cy="73926"/>
+            </a:xfrm>
+            <a:prstGeom prst="curvedConnector4">
+              <a:avLst>
+                <a:gd name="adj1" fmla="val -15714"/>
+                <a:gd name="adj2" fmla="val 240699"/>
+              </a:avLst>
+            </a:prstGeom>
+            <a:ln>
+              <a:solidFill>
+                <a:srgbClr val="00B050"/>
+              </a:solidFill>
+              <a:tailEnd type="triangle"/>
+            </a:ln>
+          </p:spPr>
+          <p:style>
+            <a:lnRef idx="1">
+              <a:schemeClr val="accent1"/>
+            </a:lnRef>
+            <a:fillRef idx="0">
+              <a:schemeClr val="accent1"/>
+            </a:fillRef>
+            <a:effectRef idx="0">
+              <a:schemeClr val="accent1"/>
+            </a:effectRef>
+            <a:fontRef idx="minor">
+              <a:schemeClr val="tx1"/>
+            </a:fontRef>
+          </p:style>
+        </p:cxnSp>
+        <p:sp>
+          <p:nvSpPr>
+            <p:cNvPr id="189" name="TextBox 188">
+              <a:extLst>
+                <a:ext uri="{FF2B5EF4-FFF2-40B4-BE49-F238E27FC236}">
+                  <a16:creationId xmlns:a16="http://schemas.microsoft.com/office/drawing/2014/main" id="{CAA67A15-F078-44E7-BC02-5F3AD7B1232E}"/>
+                </a:ext>
+              </a:extLst>
+            </p:cNvPr>
+            <p:cNvSpPr txBox="1"/>
+            <p:nvPr/>
+          </p:nvSpPr>
+          <p:spPr>
+            <a:xfrm>
+              <a:off x="3938349" y="7499795"/>
+              <a:ext cx="1914710" cy="184666"/>
+            </a:xfrm>
+            <a:prstGeom prst="rect">
+              <a:avLst/>
+            </a:prstGeom>
+            <a:noFill/>
+          </p:spPr>
+          <p:txBody>
+            <a:bodyPr wrap="square" lIns="0" tIns="0" rIns="0" bIns="0" rtlCol="0">
+              <a:spAutoFit/>
+            </a:bodyPr>
+            <a:lstStyle/>
+            <a:p>
+              <a:pPr algn="ctr"/>
+              <a:r>
+                <a:rPr lang="en-US" sz="1200" dirty="0">
+                  <a:solidFill>
+                    <a:srgbClr val="00B050"/>
+                  </a:solidFill>
+                </a:rPr>
+                <a:t>[else]</a:t>
+              </a:r>
+            </a:p>
+          </p:txBody>
+        </p:sp>
+        <p:sp>
+          <p:nvSpPr>
+            <p:cNvPr id="190" name="TextBox 189">
+              <a:extLst>
+                <a:ext uri="{FF2B5EF4-FFF2-40B4-BE49-F238E27FC236}">
+                  <a16:creationId xmlns:a16="http://schemas.microsoft.com/office/drawing/2014/main" id="{0E41B87A-75B5-4034-8076-C9A85F7D62E7}"/>
+                </a:ext>
+              </a:extLst>
+            </p:cNvPr>
+            <p:cNvSpPr txBox="1"/>
+            <p:nvPr/>
+          </p:nvSpPr>
+          <p:spPr>
+            <a:xfrm>
+              <a:off x="3970050" y="7663631"/>
+              <a:ext cx="1945953" cy="184666"/>
+            </a:xfrm>
+            <a:prstGeom prst="rect">
+              <a:avLst/>
+            </a:prstGeom>
+            <a:noFill/>
+          </p:spPr>
+          <p:txBody>
+            <a:bodyPr wrap="square" lIns="0" tIns="0" rIns="0" bIns="0" rtlCol="0">
+              <a:spAutoFit/>
+            </a:bodyPr>
+            <a:lstStyle/>
+            <a:p>
+              <a:pPr algn="ctr"/>
+              <a:r>
+                <a:rPr lang="en-US" sz="1200" dirty="0" err="1"/>
+                <a:t>createPaneWithErrorMsg</a:t>
+              </a:r>
+              <a:r>
+                <a:rPr lang="en-US" sz="1200" dirty="0"/>
+                <a:t>()</a:t>
+              </a:r>
+            </a:p>
+          </p:txBody>
+        </p:sp>
+        <p:sp>
+          <p:nvSpPr>
+            <p:cNvPr id="191" name="Rectangle 190">
+              <a:extLst>
+                <a:ext uri="{FF2B5EF4-FFF2-40B4-BE49-F238E27FC236}">
+                  <a16:creationId xmlns:a16="http://schemas.microsoft.com/office/drawing/2014/main" id="{16F18E50-799B-483F-AE8E-929592127C8B}"/>
+                </a:ext>
+              </a:extLst>
+            </p:cNvPr>
+            <p:cNvSpPr/>
+            <p:nvPr/>
+          </p:nvSpPr>
+          <p:spPr>
+            <a:xfrm>
+              <a:off x="3785949" y="8662567"/>
+              <a:ext cx="206360" cy="251714"/>
+            </a:xfrm>
+            <a:prstGeom prst="rect">
+              <a:avLst/>
+            </a:prstGeom>
             <a:solidFill>
-              <a:srgbClr val="00B050"/>
+              <a:srgbClr val="92D050"/>
             </a:solidFill>
-            <a:tailEnd type="arrow"/>
-          </a:ln>
-        </p:spPr>
-        <p:style>
-          <a:lnRef idx="1">
-            <a:schemeClr val="accent1"/>
-          </a:lnRef>
-          <a:fillRef idx="0">
-            <a:schemeClr val="accent1"/>
-          </a:fillRef>
-          <a:effectRef idx="0">
-            <a:schemeClr val="accent1"/>
-          </a:effectRef>
-          <a:fontRef idx="minor">
-            <a:schemeClr val="tx1"/>
-          </a:fontRef>
-        </p:style>
-      </p:cxnSp>
-      <p:cxnSp>
-        <p:nvCxnSpPr>
-          <p:cNvPr id="44" name="Straight Arrow Connector 43">
-            <a:extLst>
-              <a:ext uri="{FF2B5EF4-FFF2-40B4-BE49-F238E27FC236}">
-                <a16:creationId xmlns:a16="http://schemas.microsoft.com/office/drawing/2014/main" id="{9B16781C-F668-47AE-85CC-D1D74C08A8D7}"/>
-              </a:ext>
-            </a:extLst>
-          </p:cNvPr>
-          <p:cNvCxnSpPr>
-            <a:cxnSpLocks/>
-          </p:cNvCxnSpPr>
-          <p:nvPr/>
-        </p:nvCxnSpPr>
-        <p:spPr>
-          <a:xfrm flipH="1">
-            <a:off x="3243325" y="4038600"/>
-            <a:ext cx="2327981" cy="0"/>
-          </a:xfrm>
-          <a:prstGeom prst="straightConnector1">
-            <a:avLst/>
-          </a:prstGeom>
-          <a:ln w="19050">
-            <a:solidFill>
-              <a:srgbClr val="00B050"/>
-            </a:solidFill>
-            <a:prstDash val="sysDash"/>
-            <a:tailEnd type="arrow"/>
-          </a:ln>
-        </p:spPr>
-        <p:style>
-          <a:lnRef idx="1">
-            <a:schemeClr val="accent1"/>
-          </a:lnRef>
-          <a:fillRef idx="0">
-            <a:schemeClr val="accent1"/>
-          </a:fillRef>
-          <a:effectRef idx="0">
-            <a:schemeClr val="accent1"/>
-          </a:effectRef>
-          <a:fontRef idx="minor">
-            <a:schemeClr val="tx1"/>
-          </a:fontRef>
-        </p:style>
-      </p:cxnSp>
-      <p:sp>
-        <p:nvSpPr>
-          <p:cNvPr id="45" name="Rectangle 44">
-            <a:extLst>
-              <a:ext uri="{FF2B5EF4-FFF2-40B4-BE49-F238E27FC236}">
-                <a16:creationId xmlns:a16="http://schemas.microsoft.com/office/drawing/2014/main" id="{CB13B61B-18F3-4225-BC25-3CF104C6E3E9}"/>
-              </a:ext>
-            </a:extLst>
-          </p:cNvPr>
-          <p:cNvSpPr/>
-          <p:nvPr/>
-        </p:nvSpPr>
-        <p:spPr>
-          <a:xfrm>
-            <a:off x="5597785" y="4241997"/>
-            <a:ext cx="206360" cy="251714"/>
-          </a:xfrm>
-          <a:prstGeom prst="rect">
-            <a:avLst/>
-          </a:prstGeom>
-          <a:solidFill>
-            <a:srgbClr val="92D050"/>
-          </a:solidFill>
-          <a:ln>
-            <a:solidFill>
-              <a:srgbClr val="0070C0"/>
-            </a:solidFill>
-          </a:ln>
-          <a:effectLst/>
-        </p:spPr>
-        <p:style>
-          <a:lnRef idx="1">
-            <a:schemeClr val="accent3"/>
-          </a:lnRef>
-          <a:fillRef idx="2">
-            <a:schemeClr val="accent3"/>
-          </a:fillRef>
-          <a:effectRef idx="1">
-            <a:schemeClr val="accent3"/>
-          </a:effectRef>
-          <a:fontRef idx="minor">
-            <a:schemeClr val="dk1"/>
-          </a:fontRef>
-        </p:style>
-        <p:txBody>
-          <a:bodyPr rtlCol="0" anchor="ctr"/>
-          <a:lstStyle/>
-          <a:p>
-            <a:pPr algn="ctr"/>
-            <a:endParaRPr lang="en-SG" sz="1400"/>
-          </a:p>
-        </p:txBody>
-      </p:sp>
-      <p:sp>
-        <p:nvSpPr>
-          <p:cNvPr id="46" name="TextBox 45">
-            <a:extLst>
-              <a:ext uri="{FF2B5EF4-FFF2-40B4-BE49-F238E27FC236}">
-                <a16:creationId xmlns:a16="http://schemas.microsoft.com/office/drawing/2014/main" id="{9DE55830-3F89-43C5-80DA-170A2CB9051E}"/>
-              </a:ext>
-            </a:extLst>
-          </p:cNvPr>
-          <p:cNvSpPr txBox="1"/>
-          <p:nvPr/>
-        </p:nvSpPr>
-        <p:spPr>
-          <a:xfrm>
-            <a:off x="3391782" y="3615314"/>
-            <a:ext cx="1914710" cy="153888"/>
-          </a:xfrm>
-          <a:prstGeom prst="rect">
-            <a:avLst/>
-          </a:prstGeom>
-          <a:noFill/>
-        </p:spPr>
-        <p:txBody>
-          <a:bodyPr wrap="square" lIns="0" tIns="0" rIns="0" bIns="0" rtlCol="0">
-            <a:spAutoFit/>
-          </a:bodyPr>
-          <a:lstStyle/>
-          <a:p>
-            <a:pPr algn="ctr"/>
-            <a:r>
-              <a:rPr lang="en-US" sz="1000" dirty="0" err="1"/>
-              <a:t>dl.getExpenseChartLabelData</a:t>
-            </a:r>
-            <a:r>
-              <a:rPr lang="en-US" sz="1000" dirty="0"/>
-              <a:t>()</a:t>
-            </a:r>
-          </a:p>
-        </p:txBody>
-      </p:sp>
-      <p:sp>
-        <p:nvSpPr>
-          <p:cNvPr id="47" name="TextBox 46">
-            <a:extLst>
-              <a:ext uri="{FF2B5EF4-FFF2-40B4-BE49-F238E27FC236}">
-                <a16:creationId xmlns:a16="http://schemas.microsoft.com/office/drawing/2014/main" id="{D3B589B5-12EA-44F1-AF83-95B867FB9447}"/>
-              </a:ext>
-            </a:extLst>
-          </p:cNvPr>
-          <p:cNvSpPr txBox="1"/>
-          <p:nvPr/>
-        </p:nvSpPr>
-        <p:spPr>
-          <a:xfrm>
-            <a:off x="3312187" y="3852934"/>
-            <a:ext cx="1914710" cy="153888"/>
-          </a:xfrm>
-          <a:prstGeom prst="rect">
-            <a:avLst/>
-          </a:prstGeom>
-          <a:noFill/>
-        </p:spPr>
-        <p:txBody>
-          <a:bodyPr wrap="square" lIns="0" tIns="0" rIns="0" bIns="0" rtlCol="0">
-            <a:spAutoFit/>
-          </a:bodyPr>
-          <a:lstStyle/>
-          <a:p>
-            <a:pPr algn="ctr"/>
-            <a:r>
-              <a:rPr lang="en-US" sz="1000" dirty="0" err="1"/>
-              <a:t>expenseLabelData</a:t>
-            </a:r>
-            <a:endParaRPr lang="en-US" sz="1000" dirty="0"/>
-          </a:p>
-        </p:txBody>
-      </p:sp>
-      <p:cxnSp>
-        <p:nvCxnSpPr>
-          <p:cNvPr id="49" name="Straight Arrow Connector 48">
-            <a:extLst>
-              <a:ext uri="{FF2B5EF4-FFF2-40B4-BE49-F238E27FC236}">
-                <a16:creationId xmlns:a16="http://schemas.microsoft.com/office/drawing/2014/main" id="{0564A4CA-695D-47C9-96BD-59BACCA6C8F4}"/>
-              </a:ext>
-            </a:extLst>
-          </p:cNvPr>
-          <p:cNvCxnSpPr>
-            <a:cxnSpLocks/>
-          </p:cNvCxnSpPr>
-          <p:nvPr/>
-        </p:nvCxnSpPr>
-        <p:spPr>
-          <a:xfrm>
-            <a:off x="3264692" y="4241997"/>
-            <a:ext cx="2344516" cy="0"/>
-          </a:xfrm>
-          <a:prstGeom prst="straightConnector1">
-            <a:avLst/>
-          </a:prstGeom>
-          <a:ln w="19050">
-            <a:solidFill>
-              <a:srgbClr val="00B050"/>
-            </a:solidFill>
-            <a:tailEnd type="arrow"/>
-          </a:ln>
-        </p:spPr>
-        <p:style>
-          <a:lnRef idx="1">
-            <a:schemeClr val="accent1"/>
-          </a:lnRef>
-          <a:fillRef idx="0">
-            <a:schemeClr val="accent1"/>
-          </a:fillRef>
-          <a:effectRef idx="0">
-            <a:schemeClr val="accent1"/>
-          </a:effectRef>
-          <a:fontRef idx="minor">
-            <a:schemeClr val="tx1"/>
-          </a:fontRef>
-        </p:style>
-      </p:cxnSp>
-      <p:sp>
-        <p:nvSpPr>
-          <p:cNvPr id="50" name="TextBox 49">
-            <a:extLst>
-              <a:ext uri="{FF2B5EF4-FFF2-40B4-BE49-F238E27FC236}">
-                <a16:creationId xmlns:a16="http://schemas.microsoft.com/office/drawing/2014/main" id="{6D77CFCF-3822-4F02-B008-26BE58DF9AEA}"/>
-              </a:ext>
-            </a:extLst>
-          </p:cNvPr>
-          <p:cNvSpPr txBox="1"/>
-          <p:nvPr/>
-        </p:nvSpPr>
-        <p:spPr>
-          <a:xfrm>
-            <a:off x="3453387" y="4047152"/>
-            <a:ext cx="2008729" cy="153888"/>
-          </a:xfrm>
-          <a:prstGeom prst="rect">
-            <a:avLst/>
-          </a:prstGeom>
-          <a:noFill/>
-        </p:spPr>
-        <p:txBody>
-          <a:bodyPr wrap="square" lIns="0" tIns="0" rIns="0" bIns="0" rtlCol="0">
-            <a:spAutoFit/>
-          </a:bodyPr>
-          <a:lstStyle/>
-          <a:p>
-            <a:pPr algn="ctr"/>
-            <a:r>
-              <a:rPr lang="en-US" sz="1000" dirty="0" err="1"/>
-              <a:t>dl.getExpenseChartLegendData</a:t>
-            </a:r>
-            <a:r>
-              <a:rPr lang="en-US" sz="1000" dirty="0"/>
-              <a:t>()</a:t>
-            </a:r>
-          </a:p>
-        </p:txBody>
-      </p:sp>
-      <p:cxnSp>
-        <p:nvCxnSpPr>
-          <p:cNvPr id="51" name="Straight Arrow Connector 50">
-            <a:extLst>
-              <a:ext uri="{FF2B5EF4-FFF2-40B4-BE49-F238E27FC236}">
-                <a16:creationId xmlns:a16="http://schemas.microsoft.com/office/drawing/2014/main" id="{6077E407-D142-41C6-99D0-303B74CA6BF1}"/>
-              </a:ext>
-            </a:extLst>
-          </p:cNvPr>
-          <p:cNvCxnSpPr>
-            <a:cxnSpLocks/>
-          </p:cNvCxnSpPr>
-          <p:nvPr/>
-        </p:nvCxnSpPr>
-        <p:spPr>
-          <a:xfrm flipH="1">
-            <a:off x="3251592" y="4493711"/>
-            <a:ext cx="2327981" cy="0"/>
-          </a:xfrm>
-          <a:prstGeom prst="straightConnector1">
-            <a:avLst/>
-          </a:prstGeom>
-          <a:ln w="19050">
-            <a:solidFill>
-              <a:srgbClr val="00B050"/>
-            </a:solidFill>
-            <a:prstDash val="sysDash"/>
-            <a:tailEnd type="arrow"/>
-          </a:ln>
-        </p:spPr>
-        <p:style>
-          <a:lnRef idx="1">
-            <a:schemeClr val="accent1"/>
-          </a:lnRef>
-          <a:fillRef idx="0">
-            <a:schemeClr val="accent1"/>
-          </a:fillRef>
-          <a:effectRef idx="0">
-            <a:schemeClr val="accent1"/>
-          </a:effectRef>
-          <a:fontRef idx="minor">
-            <a:schemeClr val="tx1"/>
-          </a:fontRef>
-        </p:style>
-      </p:cxnSp>
-      <p:sp>
-        <p:nvSpPr>
-          <p:cNvPr id="52" name="TextBox 51">
-            <a:extLst>
-              <a:ext uri="{FF2B5EF4-FFF2-40B4-BE49-F238E27FC236}">
-                <a16:creationId xmlns:a16="http://schemas.microsoft.com/office/drawing/2014/main" id="{F9733D07-44AC-4266-A4DF-E8E0BF3D3C7E}"/>
-              </a:ext>
-            </a:extLst>
-          </p:cNvPr>
-          <p:cNvSpPr txBox="1"/>
-          <p:nvPr/>
-        </p:nvSpPr>
-        <p:spPr>
-          <a:xfrm>
-            <a:off x="3326648" y="4327492"/>
-            <a:ext cx="1914710" cy="153888"/>
-          </a:xfrm>
-          <a:prstGeom prst="rect">
-            <a:avLst/>
-          </a:prstGeom>
-          <a:noFill/>
-        </p:spPr>
-        <p:txBody>
-          <a:bodyPr wrap="square" lIns="0" tIns="0" rIns="0" bIns="0" rtlCol="0">
-            <a:spAutoFit/>
-          </a:bodyPr>
-          <a:lstStyle/>
-          <a:p>
-            <a:pPr algn="ctr"/>
-            <a:r>
-              <a:rPr lang="en-US" sz="1000" dirty="0" err="1"/>
-              <a:t>expenseLegendData</a:t>
-            </a:r>
-            <a:endParaRPr lang="en-US" sz="1000" dirty="0"/>
-          </a:p>
-        </p:txBody>
-      </p:sp>
-      <p:cxnSp>
-        <p:nvCxnSpPr>
-          <p:cNvPr id="55" name="Straight Arrow Connector 54">
-            <a:extLst>
-              <a:ext uri="{FF2B5EF4-FFF2-40B4-BE49-F238E27FC236}">
-                <a16:creationId xmlns:a16="http://schemas.microsoft.com/office/drawing/2014/main" id="{2E45A34E-F851-4CC5-9144-7D09EAB6C262}"/>
-              </a:ext>
-            </a:extLst>
-          </p:cNvPr>
-          <p:cNvCxnSpPr>
-            <a:cxnSpLocks/>
-          </p:cNvCxnSpPr>
-          <p:nvPr/>
-        </p:nvCxnSpPr>
-        <p:spPr>
-          <a:xfrm>
-            <a:off x="3243324" y="4724400"/>
-            <a:ext cx="3249262" cy="0"/>
-          </a:xfrm>
-          <a:prstGeom prst="straightConnector1">
-            <a:avLst/>
-          </a:prstGeom>
-          <a:ln w="19050">
-            <a:solidFill>
-              <a:srgbClr val="00B050"/>
-            </a:solidFill>
-            <a:tailEnd type="arrow"/>
-          </a:ln>
-        </p:spPr>
-        <p:style>
-          <a:lnRef idx="1">
-            <a:schemeClr val="accent1"/>
-          </a:lnRef>
-          <a:fillRef idx="0">
-            <a:schemeClr val="accent1"/>
-          </a:fillRef>
-          <a:effectRef idx="0">
-            <a:schemeClr val="accent1"/>
-          </a:effectRef>
-          <a:fontRef idx="minor">
-            <a:schemeClr val="tx1"/>
-          </a:fontRef>
-        </p:style>
-      </p:cxnSp>
-      <p:sp>
-        <p:nvSpPr>
-          <p:cNvPr id="57" name="TextBox 56">
-            <a:extLst>
-              <a:ext uri="{FF2B5EF4-FFF2-40B4-BE49-F238E27FC236}">
-                <a16:creationId xmlns:a16="http://schemas.microsoft.com/office/drawing/2014/main" id="{E4BC3EDB-E7E2-40F8-84CC-E9B2E80476F1}"/>
-              </a:ext>
-            </a:extLst>
-          </p:cNvPr>
-          <p:cNvSpPr txBox="1"/>
-          <p:nvPr/>
-        </p:nvSpPr>
-        <p:spPr>
-          <a:xfrm>
-            <a:off x="3379503" y="4745425"/>
-            <a:ext cx="2159831" cy="307777"/>
-          </a:xfrm>
-          <a:prstGeom prst="rect">
-            <a:avLst/>
-          </a:prstGeom>
-          <a:noFill/>
-        </p:spPr>
-        <p:txBody>
-          <a:bodyPr wrap="square" lIns="0" tIns="0" rIns="0" bIns="0" rtlCol="0">
-            <a:spAutoFit/>
-          </a:bodyPr>
-          <a:lstStyle/>
-          <a:p>
-            <a:pPr algn="ctr"/>
-            <a:r>
-              <a:rPr lang="en-US" sz="1000" dirty="0" err="1"/>
-              <a:t>CategoryBreakdown</a:t>
-            </a:r>
-            <a:r>
-              <a:rPr lang="en-US" sz="1000" dirty="0"/>
-              <a:t>(</a:t>
-            </a:r>
-            <a:r>
-              <a:rPr lang="en-US" sz="1000" dirty="0" err="1"/>
-              <a:t>expenseLabelData</a:t>
-            </a:r>
-            <a:r>
-              <a:rPr lang="en-US" sz="1000" dirty="0"/>
-              <a:t>, </a:t>
-            </a:r>
-            <a:r>
-              <a:rPr lang="en-US" sz="1000" dirty="0" err="1"/>
-              <a:t>expenseLegendData</a:t>
-            </a:r>
-            <a:r>
-              <a:rPr lang="en-US" sz="1000" dirty="0"/>
-              <a:t>)</a:t>
-            </a:r>
-          </a:p>
-        </p:txBody>
-      </p:sp>
-      <p:cxnSp>
-        <p:nvCxnSpPr>
-          <p:cNvPr id="60" name="Straight Arrow Connector 59">
-            <a:extLst>
-              <a:ext uri="{FF2B5EF4-FFF2-40B4-BE49-F238E27FC236}">
-                <a16:creationId xmlns:a16="http://schemas.microsoft.com/office/drawing/2014/main" id="{96245B02-72D1-4312-81EB-7E2710B816F0}"/>
-              </a:ext>
-            </a:extLst>
-          </p:cNvPr>
-          <p:cNvCxnSpPr>
-            <a:cxnSpLocks/>
-          </p:cNvCxnSpPr>
-          <p:nvPr/>
-        </p:nvCxnSpPr>
-        <p:spPr>
-          <a:xfrm>
-            <a:off x="7259267" y="5090830"/>
-            <a:ext cx="1276948" cy="0"/>
-          </a:xfrm>
-          <a:prstGeom prst="straightConnector1">
-            <a:avLst/>
-          </a:prstGeom>
-          <a:ln w="19050">
-            <a:solidFill>
-              <a:srgbClr val="00B050"/>
-            </a:solidFill>
-            <a:tailEnd type="arrow"/>
-          </a:ln>
-        </p:spPr>
-        <p:style>
-          <a:lnRef idx="1">
-            <a:schemeClr val="accent1"/>
-          </a:lnRef>
-          <a:fillRef idx="0">
-            <a:schemeClr val="accent1"/>
-          </a:fillRef>
-          <a:effectRef idx="0">
-            <a:schemeClr val="accent1"/>
-          </a:effectRef>
-          <a:fontRef idx="minor">
-            <a:schemeClr val="tx1"/>
-          </a:fontRef>
-        </p:style>
-      </p:cxnSp>
-      <p:cxnSp>
-        <p:nvCxnSpPr>
-          <p:cNvPr id="68" name="Straight Arrow Connector 67">
-            <a:extLst>
-              <a:ext uri="{FF2B5EF4-FFF2-40B4-BE49-F238E27FC236}">
-                <a16:creationId xmlns:a16="http://schemas.microsoft.com/office/drawing/2014/main" id="{49AC6C29-5336-44EA-96EC-BAEBE608BD13}"/>
-              </a:ext>
-            </a:extLst>
-          </p:cNvPr>
-          <p:cNvCxnSpPr>
-            <a:cxnSpLocks/>
-          </p:cNvCxnSpPr>
-          <p:nvPr/>
-        </p:nvCxnSpPr>
-        <p:spPr>
-          <a:xfrm>
-            <a:off x="9177276" y="5501456"/>
-            <a:ext cx="1212373" cy="0"/>
-          </a:xfrm>
-          <a:prstGeom prst="straightConnector1">
-            <a:avLst/>
-          </a:prstGeom>
-          <a:ln w="19050">
-            <a:solidFill>
-              <a:srgbClr val="28B284"/>
-            </a:solidFill>
-            <a:tailEnd type="arrow"/>
-          </a:ln>
-        </p:spPr>
-        <p:style>
-          <a:lnRef idx="1">
-            <a:schemeClr val="accent1"/>
-          </a:lnRef>
-          <a:fillRef idx="0">
-            <a:schemeClr val="accent1"/>
-          </a:fillRef>
-          <a:effectRef idx="0">
-            <a:schemeClr val="accent1"/>
-          </a:effectRef>
-          <a:fontRef idx="minor">
-            <a:schemeClr val="tx1"/>
-          </a:fontRef>
-        </p:style>
-      </p:cxnSp>
-      <p:cxnSp>
-        <p:nvCxnSpPr>
-          <p:cNvPr id="71" name="Straight Arrow Connector 70">
-            <a:extLst>
-              <a:ext uri="{FF2B5EF4-FFF2-40B4-BE49-F238E27FC236}">
-                <a16:creationId xmlns:a16="http://schemas.microsoft.com/office/drawing/2014/main" id="{B777AD08-51E5-4247-95BE-9F48D01CAA3E}"/>
-              </a:ext>
-            </a:extLst>
-          </p:cNvPr>
-          <p:cNvCxnSpPr>
-            <a:cxnSpLocks/>
-          </p:cNvCxnSpPr>
-          <p:nvPr/>
-        </p:nvCxnSpPr>
-        <p:spPr>
-          <a:xfrm flipH="1">
-            <a:off x="9215374" y="5938336"/>
-            <a:ext cx="1826008" cy="0"/>
-          </a:xfrm>
-          <a:prstGeom prst="straightConnector1">
-            <a:avLst/>
-          </a:prstGeom>
-          <a:ln w="19050">
-            <a:solidFill>
-              <a:srgbClr val="28B284"/>
-            </a:solidFill>
-            <a:prstDash val="sysDash"/>
-            <a:tailEnd type="arrow"/>
-          </a:ln>
-        </p:spPr>
-        <p:style>
-          <a:lnRef idx="1">
-            <a:schemeClr val="accent1"/>
-          </a:lnRef>
-          <a:fillRef idx="0">
-            <a:schemeClr val="accent1"/>
-          </a:fillRef>
-          <a:effectRef idx="0">
-            <a:schemeClr val="accent1"/>
-          </a:effectRef>
-          <a:fontRef idx="minor">
-            <a:schemeClr val="tx1"/>
-          </a:fontRef>
-        </p:style>
-      </p:cxnSp>
-      <p:sp>
-        <p:nvSpPr>
-          <p:cNvPr id="73" name="TextBox 72">
-            <a:extLst>
-              <a:ext uri="{FF2B5EF4-FFF2-40B4-BE49-F238E27FC236}">
-                <a16:creationId xmlns:a16="http://schemas.microsoft.com/office/drawing/2014/main" id="{6B8E6D80-8A4B-406C-ADC3-A4F7BB30E9C1}"/>
-              </a:ext>
-            </a:extLst>
-          </p:cNvPr>
-          <p:cNvSpPr txBox="1"/>
-          <p:nvPr/>
-        </p:nvSpPr>
-        <p:spPr>
-          <a:xfrm>
-            <a:off x="6845583" y="5137333"/>
-            <a:ext cx="2159831" cy="461665"/>
-          </a:xfrm>
-          <a:prstGeom prst="rect">
-            <a:avLst/>
-          </a:prstGeom>
-          <a:noFill/>
-        </p:spPr>
-        <p:txBody>
-          <a:bodyPr wrap="square" lIns="0" tIns="0" rIns="0" bIns="0" rtlCol="0">
-            <a:spAutoFit/>
-          </a:bodyPr>
-          <a:lstStyle/>
-          <a:p>
-            <a:pPr algn="ctr"/>
-            <a:r>
-              <a:rPr lang="en-US" sz="1000" dirty="0" err="1"/>
-              <a:t>CustomPieChart</a:t>
-            </a:r>
-            <a:endParaRPr lang="en-US" sz="1000" dirty="0"/>
-          </a:p>
-          <a:p>
-            <a:pPr algn="ctr"/>
-            <a:r>
-              <a:rPr lang="en-US" sz="1000" dirty="0"/>
-              <a:t>(</a:t>
-            </a:r>
-            <a:r>
-              <a:rPr lang="en-US" sz="1000" dirty="0" err="1"/>
-              <a:t>expenseLabelData</a:t>
-            </a:r>
-            <a:r>
-              <a:rPr lang="en-US" sz="1000" dirty="0"/>
-              <a:t>,</a:t>
-            </a:r>
-          </a:p>
-          <a:p>
-            <a:pPr algn="ctr"/>
-            <a:r>
-              <a:rPr lang="en-US" sz="1000" dirty="0"/>
-              <a:t> </a:t>
-            </a:r>
-            <a:r>
-              <a:rPr lang="en-US" sz="1000" dirty="0" err="1"/>
-              <a:t>expenseLegendData</a:t>
-            </a:r>
-            <a:r>
-              <a:rPr lang="en-US" sz="1000" dirty="0"/>
-              <a:t>)</a:t>
-            </a:r>
-          </a:p>
-        </p:txBody>
-      </p:sp>
-      <p:sp>
-        <p:nvSpPr>
-          <p:cNvPr id="74" name="TextBox 73">
-            <a:extLst>
-              <a:ext uri="{FF2B5EF4-FFF2-40B4-BE49-F238E27FC236}">
-                <a16:creationId xmlns:a16="http://schemas.microsoft.com/office/drawing/2014/main" id="{E244C418-B94D-4FA6-AC4F-3FB5206D8548}"/>
-              </a:ext>
-            </a:extLst>
-          </p:cNvPr>
-          <p:cNvSpPr txBox="1"/>
-          <p:nvPr/>
-        </p:nvSpPr>
-        <p:spPr>
-          <a:xfrm>
-            <a:off x="8734355" y="5484692"/>
-            <a:ext cx="2159831" cy="307777"/>
-          </a:xfrm>
-          <a:prstGeom prst="rect">
-            <a:avLst/>
-          </a:prstGeom>
-          <a:noFill/>
-        </p:spPr>
-        <p:txBody>
-          <a:bodyPr wrap="square" lIns="0" tIns="0" rIns="0" bIns="0" rtlCol="0">
-            <a:spAutoFit/>
-          </a:bodyPr>
-          <a:lstStyle/>
-          <a:p>
-            <a:pPr algn="ctr"/>
-            <a:r>
-              <a:rPr lang="en-US" sz="1000" dirty="0" err="1"/>
-              <a:t>CustomLegend</a:t>
-            </a:r>
-            <a:endParaRPr lang="en-US" sz="1000" dirty="0"/>
-          </a:p>
-          <a:p>
-            <a:pPr algn="ctr"/>
-            <a:r>
-              <a:rPr lang="en-US" sz="1000" dirty="0"/>
-              <a:t>(</a:t>
-            </a:r>
-            <a:r>
-              <a:rPr lang="en-US" sz="1000" dirty="0" err="1"/>
-              <a:t>expenseLegendData</a:t>
-            </a:r>
-            <a:r>
-              <a:rPr lang="en-US" sz="1000" dirty="0"/>
-              <a:t>)</a:t>
-            </a:r>
-          </a:p>
-        </p:txBody>
-      </p:sp>
-      <p:sp>
-        <p:nvSpPr>
-          <p:cNvPr id="75" name="TextBox 74">
-            <a:extLst>
-              <a:ext uri="{FF2B5EF4-FFF2-40B4-BE49-F238E27FC236}">
-                <a16:creationId xmlns:a16="http://schemas.microsoft.com/office/drawing/2014/main" id="{BB7A3752-4CD4-4B78-ACFE-419C218DF13A}"/>
-              </a:ext>
-            </a:extLst>
-          </p:cNvPr>
-          <p:cNvSpPr txBox="1"/>
-          <p:nvPr/>
-        </p:nvSpPr>
-        <p:spPr>
-          <a:xfrm>
-            <a:off x="9727154" y="5981570"/>
-            <a:ext cx="412270" cy="153888"/>
-          </a:xfrm>
-          <a:prstGeom prst="rect">
-            <a:avLst/>
-          </a:prstGeom>
-          <a:noFill/>
-        </p:spPr>
-        <p:txBody>
-          <a:bodyPr wrap="square" lIns="0" tIns="0" rIns="0" bIns="0" rtlCol="0">
-            <a:spAutoFit/>
-          </a:bodyPr>
-          <a:lstStyle/>
-          <a:p>
-            <a:pPr algn="ctr"/>
-            <a:r>
-              <a:rPr lang="en-US" sz="1000" dirty="0"/>
-              <a:t>l</a:t>
-            </a:r>
-          </a:p>
-        </p:txBody>
-      </p:sp>
-      <p:cxnSp>
-        <p:nvCxnSpPr>
-          <p:cNvPr id="76" name="Straight Arrow Connector 75">
-            <a:extLst>
-              <a:ext uri="{FF2B5EF4-FFF2-40B4-BE49-F238E27FC236}">
-                <a16:creationId xmlns:a16="http://schemas.microsoft.com/office/drawing/2014/main" id="{55E1E6E7-271A-463F-9E74-846B8041AC3D}"/>
-              </a:ext>
-            </a:extLst>
-          </p:cNvPr>
-          <p:cNvCxnSpPr>
-            <a:cxnSpLocks/>
-          </p:cNvCxnSpPr>
-          <p:nvPr/>
-        </p:nvCxnSpPr>
-        <p:spPr>
-          <a:xfrm flipH="1">
-            <a:off x="7259267" y="6077939"/>
-            <a:ext cx="1728711" cy="0"/>
-          </a:xfrm>
-          <a:prstGeom prst="straightConnector1">
-            <a:avLst/>
-          </a:prstGeom>
-          <a:ln w="19050">
-            <a:solidFill>
-              <a:srgbClr val="28B284"/>
-            </a:solidFill>
-            <a:prstDash val="sysDash"/>
-            <a:tailEnd type="arrow"/>
-          </a:ln>
-        </p:spPr>
-        <p:style>
-          <a:lnRef idx="1">
-            <a:schemeClr val="accent1"/>
-          </a:lnRef>
-          <a:fillRef idx="0">
-            <a:schemeClr val="accent1"/>
-          </a:fillRef>
-          <a:effectRef idx="0">
-            <a:schemeClr val="accent1"/>
-          </a:effectRef>
-          <a:fontRef idx="minor">
-            <a:schemeClr val="tx1"/>
-          </a:fontRef>
-        </p:style>
-      </p:cxnSp>
-      <p:sp>
-        <p:nvSpPr>
-          <p:cNvPr id="79" name="TextBox 78">
-            <a:extLst>
-              <a:ext uri="{FF2B5EF4-FFF2-40B4-BE49-F238E27FC236}">
-                <a16:creationId xmlns:a16="http://schemas.microsoft.com/office/drawing/2014/main" id="{A72CD8F1-A563-4A3A-BE54-EDED1CA8D706}"/>
-              </a:ext>
-            </a:extLst>
-          </p:cNvPr>
-          <p:cNvSpPr txBox="1"/>
-          <p:nvPr/>
-        </p:nvSpPr>
-        <p:spPr>
-          <a:xfrm>
-            <a:off x="8338399" y="5844629"/>
-            <a:ext cx="412270" cy="153888"/>
-          </a:xfrm>
-          <a:prstGeom prst="rect">
-            <a:avLst/>
-          </a:prstGeom>
-          <a:noFill/>
-        </p:spPr>
-        <p:txBody>
-          <a:bodyPr wrap="square" lIns="0" tIns="0" rIns="0" bIns="0" rtlCol="0">
-            <a:spAutoFit/>
-          </a:bodyPr>
-          <a:lstStyle/>
-          <a:p>
-            <a:pPr algn="ctr"/>
-            <a:r>
-              <a:rPr lang="en-US" sz="1000" dirty="0"/>
-              <a:t>p</a:t>
-            </a:r>
-          </a:p>
-        </p:txBody>
-      </p:sp>
-      <p:cxnSp>
-        <p:nvCxnSpPr>
-          <p:cNvPr id="80" name="Straight Connector 79">
-            <a:extLst>
-              <a:ext uri="{FF2B5EF4-FFF2-40B4-BE49-F238E27FC236}">
-                <a16:creationId xmlns:a16="http://schemas.microsoft.com/office/drawing/2014/main" id="{46EF89E7-F66A-4B77-A22A-707970AD86F2}"/>
-              </a:ext>
-            </a:extLst>
-          </p:cNvPr>
-          <p:cNvCxnSpPr>
-            <a:cxnSpLocks/>
-          </p:cNvCxnSpPr>
-          <p:nvPr/>
-        </p:nvCxnSpPr>
-        <p:spPr>
-          <a:xfrm>
-            <a:off x="7159809" y="4724400"/>
-            <a:ext cx="0" cy="1963359"/>
-          </a:xfrm>
-          <a:prstGeom prst="line">
-            <a:avLst/>
-          </a:prstGeom>
-          <a:ln w="19050">
-            <a:solidFill>
-              <a:srgbClr val="6CA62C"/>
-            </a:solidFill>
-            <a:prstDash val="sysDash"/>
-          </a:ln>
-          <a:effectLst/>
-        </p:spPr>
-        <p:style>
-          <a:lnRef idx="1">
-            <a:schemeClr val="accent1"/>
-          </a:lnRef>
-          <a:fillRef idx="2">
-            <a:schemeClr val="accent1"/>
-          </a:fillRef>
-          <a:effectRef idx="1">
-            <a:schemeClr val="accent1"/>
-          </a:effectRef>
-          <a:fontRef idx="minor">
-            <a:schemeClr val="dk1"/>
-          </a:fontRef>
-        </p:style>
-      </p:cxnSp>
-      <p:sp>
-        <p:nvSpPr>
-          <p:cNvPr id="54" name="Rectangle 53">
-            <a:extLst>
-              <a:ext uri="{FF2B5EF4-FFF2-40B4-BE49-F238E27FC236}">
-                <a16:creationId xmlns:a16="http://schemas.microsoft.com/office/drawing/2014/main" id="{74775E29-2927-4072-B3F6-669318C03E8D}"/>
-              </a:ext>
-            </a:extLst>
-          </p:cNvPr>
-          <p:cNvSpPr/>
-          <p:nvPr/>
-        </p:nvSpPr>
-        <p:spPr>
-          <a:xfrm>
-            <a:off x="7052911" y="4800600"/>
-            <a:ext cx="206356" cy="1524000"/>
-          </a:xfrm>
-          <a:prstGeom prst="rect">
-            <a:avLst/>
-          </a:prstGeom>
-          <a:solidFill>
-            <a:srgbClr val="92D050"/>
-          </a:solidFill>
-          <a:ln>
-            <a:solidFill>
-              <a:srgbClr val="0070C0"/>
-            </a:solidFill>
-          </a:ln>
-          <a:effectLst/>
-        </p:spPr>
-        <p:style>
-          <a:lnRef idx="1">
-            <a:schemeClr val="accent3"/>
-          </a:lnRef>
-          <a:fillRef idx="2">
-            <a:schemeClr val="accent3"/>
-          </a:fillRef>
-          <a:effectRef idx="1">
-            <a:schemeClr val="accent3"/>
-          </a:effectRef>
-          <a:fontRef idx="minor">
-            <a:schemeClr val="dk1"/>
-          </a:fontRef>
-        </p:style>
-        <p:txBody>
-          <a:bodyPr rtlCol="0" anchor="ctr"/>
-          <a:lstStyle/>
-          <a:p>
-            <a:pPr algn="ctr"/>
-            <a:endParaRPr lang="en-SG" sz="1400"/>
-          </a:p>
-        </p:txBody>
-      </p:sp>
-      <p:sp>
-        <p:nvSpPr>
-          <p:cNvPr id="53" name="Rectangle 62">
-            <a:extLst>
-              <a:ext uri="{FF2B5EF4-FFF2-40B4-BE49-F238E27FC236}">
-                <a16:creationId xmlns:a16="http://schemas.microsoft.com/office/drawing/2014/main" id="{0A10B7C2-39CE-4EBC-9E20-405B058AF983}"/>
-              </a:ext>
-            </a:extLst>
-          </p:cNvPr>
-          <p:cNvSpPr/>
-          <p:nvPr/>
-        </p:nvSpPr>
-        <p:spPr>
-          <a:xfrm>
-            <a:off x="6492586" y="4171489"/>
-            <a:ext cx="1327007" cy="762000"/>
-          </a:xfrm>
-          <a:prstGeom prst="rect">
-            <a:avLst/>
-          </a:prstGeom>
-          <a:solidFill>
-            <a:srgbClr val="92D050"/>
-          </a:solidFill>
-          <a:ln w="19050">
-            <a:solidFill>
-              <a:srgbClr val="0070C0"/>
-            </a:solidFill>
-          </a:ln>
-          <a:effectLst/>
-        </p:spPr>
-        <p:style>
-          <a:lnRef idx="1">
-            <a:schemeClr val="accent2"/>
-          </a:lnRef>
-          <a:fillRef idx="2">
-            <a:schemeClr val="accent2"/>
-          </a:fillRef>
-          <a:effectRef idx="1">
-            <a:schemeClr val="accent2"/>
-          </a:effectRef>
-          <a:fontRef idx="minor">
-            <a:schemeClr val="dk1"/>
-          </a:fontRef>
-        </p:style>
-        <p:txBody>
-          <a:bodyPr rtlCol="0" anchor="ctr"/>
-          <a:lstStyle/>
-          <a:p>
-            <a:pPr algn="ctr"/>
-            <a:r>
-              <a:rPr lang="en-SG" sz="1600" dirty="0">
-                <a:solidFill>
-                  <a:schemeClr val="tx1"/>
-                </a:solidFill>
-              </a:rPr>
-              <a:t>c: Category</a:t>
-            </a:r>
-          </a:p>
-          <a:p>
-            <a:pPr algn="ctr"/>
-            <a:r>
-              <a:rPr lang="en-SG" sz="1600" dirty="0">
-                <a:solidFill>
-                  <a:schemeClr val="tx1"/>
-                </a:solidFill>
-              </a:rPr>
-              <a:t>Breakdown</a:t>
-            </a:r>
-          </a:p>
-        </p:txBody>
-      </p:sp>
-      <p:cxnSp>
-        <p:nvCxnSpPr>
-          <p:cNvPr id="85" name="Straight Arrow Connector 84">
-            <a:extLst>
-              <a:ext uri="{FF2B5EF4-FFF2-40B4-BE49-F238E27FC236}">
-                <a16:creationId xmlns:a16="http://schemas.microsoft.com/office/drawing/2014/main" id="{E68B86CD-C14B-43CA-AA7D-5717AC9652A6}"/>
-              </a:ext>
-            </a:extLst>
-          </p:cNvPr>
-          <p:cNvCxnSpPr>
-            <a:cxnSpLocks/>
-          </p:cNvCxnSpPr>
-          <p:nvPr/>
-        </p:nvCxnSpPr>
-        <p:spPr>
-          <a:xfrm flipH="1">
-            <a:off x="3251592" y="6307271"/>
-            <a:ext cx="3761444" cy="0"/>
-          </a:xfrm>
-          <a:prstGeom prst="straightConnector1">
-            <a:avLst/>
-          </a:prstGeom>
-          <a:ln w="19050">
-            <a:solidFill>
-              <a:srgbClr val="00B050"/>
-            </a:solidFill>
-            <a:prstDash val="sysDash"/>
-            <a:tailEnd type="arrow"/>
-          </a:ln>
-        </p:spPr>
-        <p:style>
-          <a:lnRef idx="1">
-            <a:schemeClr val="accent1"/>
-          </a:lnRef>
-          <a:fillRef idx="0">
-            <a:schemeClr val="accent1"/>
-          </a:fillRef>
-          <a:effectRef idx="0">
-            <a:schemeClr val="accent1"/>
-          </a:effectRef>
-          <a:fontRef idx="minor">
-            <a:schemeClr val="tx1"/>
-          </a:fontRef>
-        </p:style>
-      </p:cxnSp>
-      <p:sp>
-        <p:nvSpPr>
-          <p:cNvPr id="87" name="TextBox 86">
-            <a:extLst>
-              <a:ext uri="{FF2B5EF4-FFF2-40B4-BE49-F238E27FC236}">
-                <a16:creationId xmlns:a16="http://schemas.microsoft.com/office/drawing/2014/main" id="{E219D9A0-4B56-4FEB-B1FC-C67ECA40CB10}"/>
-              </a:ext>
-            </a:extLst>
-          </p:cNvPr>
-          <p:cNvSpPr txBox="1"/>
-          <p:nvPr/>
-        </p:nvSpPr>
-        <p:spPr>
-          <a:xfrm>
-            <a:off x="3602822" y="6098259"/>
-            <a:ext cx="1914710" cy="153888"/>
-          </a:xfrm>
-          <a:prstGeom prst="rect">
-            <a:avLst/>
-          </a:prstGeom>
-          <a:noFill/>
-        </p:spPr>
-        <p:txBody>
-          <a:bodyPr wrap="square" lIns="0" tIns="0" rIns="0" bIns="0" rtlCol="0">
-            <a:spAutoFit/>
-          </a:bodyPr>
-          <a:lstStyle/>
-          <a:p>
-            <a:pPr algn="ctr"/>
-            <a:r>
-              <a:rPr lang="en-US" sz="1000" dirty="0"/>
-              <a:t>c</a:t>
-            </a:r>
-          </a:p>
-        </p:txBody>
-      </p:sp>
-      <p:cxnSp>
-        <p:nvCxnSpPr>
-          <p:cNvPr id="88" name="Straight Arrow Connector 87">
-            <a:extLst>
-              <a:ext uri="{FF2B5EF4-FFF2-40B4-BE49-F238E27FC236}">
-                <a16:creationId xmlns:a16="http://schemas.microsoft.com/office/drawing/2014/main" id="{06FF8774-30EB-4D57-AF65-0488D81EB1D0}"/>
-              </a:ext>
-            </a:extLst>
-          </p:cNvPr>
-          <p:cNvCxnSpPr>
-            <a:cxnSpLocks/>
-          </p:cNvCxnSpPr>
-          <p:nvPr/>
-        </p:nvCxnSpPr>
-        <p:spPr>
-          <a:xfrm flipH="1">
-            <a:off x="1353055" y="6629400"/>
-            <a:ext cx="1619501" cy="0"/>
-          </a:xfrm>
-          <a:prstGeom prst="straightConnector1">
-            <a:avLst/>
-          </a:prstGeom>
-          <a:ln w="19050">
-            <a:solidFill>
-              <a:srgbClr val="00B050"/>
-            </a:solidFill>
-            <a:prstDash val="sysDash"/>
-            <a:tailEnd type="arrow"/>
-          </a:ln>
-        </p:spPr>
-        <p:style>
-          <a:lnRef idx="1">
-            <a:schemeClr val="accent1"/>
-          </a:lnRef>
-          <a:fillRef idx="0">
-            <a:schemeClr val="accent1"/>
-          </a:fillRef>
-          <a:effectRef idx="0">
-            <a:schemeClr val="accent1"/>
-          </a:effectRef>
-          <a:fontRef idx="minor">
-            <a:schemeClr val="tx1"/>
-          </a:fontRef>
-        </p:style>
-      </p:cxnSp>
-      <p:sp>
-        <p:nvSpPr>
-          <p:cNvPr id="62" name="TextBox 61">
-            <a:extLst>
-              <a:ext uri="{FF2B5EF4-FFF2-40B4-BE49-F238E27FC236}">
-                <a16:creationId xmlns:a16="http://schemas.microsoft.com/office/drawing/2014/main" id="{D84CA10F-5565-4B1C-BF29-8BDB88963803}"/>
-              </a:ext>
-            </a:extLst>
-          </p:cNvPr>
-          <p:cNvSpPr txBox="1"/>
-          <p:nvPr/>
-        </p:nvSpPr>
-        <p:spPr>
-          <a:xfrm>
-            <a:off x="3241396" y="1139450"/>
-            <a:ext cx="1456505" cy="430887"/>
-          </a:xfrm>
-          <a:prstGeom prst="rect">
-            <a:avLst/>
-          </a:prstGeom>
-          <a:noFill/>
-        </p:spPr>
-        <p:txBody>
-          <a:bodyPr wrap="square" lIns="0" tIns="0" rIns="0" bIns="0" rtlCol="0">
-            <a:spAutoFit/>
-          </a:bodyPr>
-          <a:lstStyle/>
-          <a:p>
-            <a:pPr algn="ctr"/>
-            <a:r>
-              <a:rPr lang="en-US" sz="1400" dirty="0" err="1"/>
-              <a:t>MixedPieChartDataList</a:t>
-            </a:r>
-            <a:r>
-              <a:rPr lang="en-US" sz="1400" dirty="0"/>
-              <a:t>(data)</a:t>
-            </a:r>
-          </a:p>
-        </p:txBody>
-      </p:sp>
-      <p:cxnSp>
-        <p:nvCxnSpPr>
-          <p:cNvPr id="63" name="Straight Connector 62">
-            <a:extLst>
-              <a:ext uri="{FF2B5EF4-FFF2-40B4-BE49-F238E27FC236}">
-                <a16:creationId xmlns:a16="http://schemas.microsoft.com/office/drawing/2014/main" id="{4903929B-E572-405B-B231-CBD947ABB85E}"/>
-              </a:ext>
-            </a:extLst>
-          </p:cNvPr>
-          <p:cNvCxnSpPr>
-            <a:cxnSpLocks/>
-          </p:cNvCxnSpPr>
-          <p:nvPr/>
-        </p:nvCxnSpPr>
-        <p:spPr>
-          <a:xfrm>
-            <a:off x="9110482" y="4810789"/>
-            <a:ext cx="0" cy="1963359"/>
-          </a:xfrm>
-          <a:prstGeom prst="line">
-            <a:avLst/>
-          </a:prstGeom>
-          <a:ln w="19050">
-            <a:solidFill>
-              <a:srgbClr val="0070C0"/>
-            </a:solidFill>
-            <a:prstDash val="sysDash"/>
-          </a:ln>
-          <a:effectLst/>
-        </p:spPr>
-        <p:style>
-          <a:lnRef idx="1">
-            <a:schemeClr val="accent1"/>
-          </a:lnRef>
-          <a:fillRef idx="2">
-            <a:schemeClr val="accent1"/>
-          </a:fillRef>
-          <a:effectRef idx="1">
-            <a:schemeClr val="accent1"/>
-          </a:effectRef>
-          <a:fontRef idx="minor">
-            <a:schemeClr val="dk1"/>
-          </a:fontRef>
-        </p:style>
-      </p:cxnSp>
-      <p:sp>
-        <p:nvSpPr>
-          <p:cNvPr id="65" name="Rectangle 64">
-            <a:extLst>
-              <a:ext uri="{FF2B5EF4-FFF2-40B4-BE49-F238E27FC236}">
-                <a16:creationId xmlns:a16="http://schemas.microsoft.com/office/drawing/2014/main" id="{AA80DB91-BE93-4F59-AFF3-1F7FEE33E119}"/>
-              </a:ext>
-            </a:extLst>
-          </p:cNvPr>
-          <p:cNvSpPr/>
-          <p:nvPr/>
-        </p:nvSpPr>
-        <p:spPr>
-          <a:xfrm>
-            <a:off x="8987978" y="5137333"/>
-            <a:ext cx="222036" cy="940606"/>
-          </a:xfrm>
-          <a:prstGeom prst="rect">
-            <a:avLst/>
-          </a:prstGeom>
-          <a:solidFill>
-            <a:srgbClr val="6FDFBA"/>
-          </a:solidFill>
-          <a:ln>
-            <a:solidFill>
-              <a:srgbClr val="0070C0"/>
-            </a:solidFill>
-          </a:ln>
-          <a:effectLst/>
-        </p:spPr>
-        <p:style>
-          <a:lnRef idx="1">
-            <a:schemeClr val="accent3"/>
-          </a:lnRef>
-          <a:fillRef idx="2">
-            <a:schemeClr val="accent3"/>
-          </a:fillRef>
-          <a:effectRef idx="1">
-            <a:schemeClr val="accent3"/>
-          </a:effectRef>
-          <a:fontRef idx="minor">
-            <a:schemeClr val="dk1"/>
-          </a:fontRef>
-        </p:style>
-        <p:txBody>
-          <a:bodyPr rtlCol="0" anchor="ctr"/>
-          <a:lstStyle/>
-          <a:p>
-            <a:pPr algn="ctr"/>
-            <a:endParaRPr lang="en-SG" sz="1400"/>
-          </a:p>
-        </p:txBody>
-      </p:sp>
-      <p:sp>
-        <p:nvSpPr>
-          <p:cNvPr id="58" name="Rectangle 62">
-            <a:extLst>
-              <a:ext uri="{FF2B5EF4-FFF2-40B4-BE49-F238E27FC236}">
-                <a16:creationId xmlns:a16="http://schemas.microsoft.com/office/drawing/2014/main" id="{E061FF0B-BAFD-4DC3-9F4E-BA4BA3499765}"/>
-              </a:ext>
-            </a:extLst>
-          </p:cNvPr>
-          <p:cNvSpPr/>
-          <p:nvPr/>
-        </p:nvSpPr>
-        <p:spPr>
-          <a:xfrm>
-            <a:off x="8529650" y="4554418"/>
-            <a:ext cx="1152407" cy="762000"/>
-          </a:xfrm>
-          <a:prstGeom prst="rect">
-            <a:avLst/>
-          </a:prstGeom>
-          <a:solidFill>
-            <a:srgbClr val="6FDFBA"/>
-          </a:solidFill>
-          <a:ln w="19050">
-            <a:solidFill>
-              <a:srgbClr val="0070C0"/>
-            </a:solidFill>
-          </a:ln>
-          <a:effectLst/>
-        </p:spPr>
-        <p:style>
-          <a:lnRef idx="1">
-            <a:schemeClr val="accent2"/>
-          </a:lnRef>
-          <a:fillRef idx="2">
-            <a:schemeClr val="accent2"/>
-          </a:fillRef>
-          <a:effectRef idx="1">
-            <a:schemeClr val="accent2"/>
-          </a:effectRef>
-          <a:fontRef idx="minor">
-            <a:schemeClr val="dk1"/>
-          </a:fontRef>
-        </p:style>
-        <p:txBody>
-          <a:bodyPr rtlCol="0" anchor="ctr"/>
-          <a:lstStyle/>
-          <a:p>
-            <a:pPr algn="ctr"/>
-            <a:r>
-              <a:rPr lang="en-SG" sz="1600" dirty="0">
-                <a:solidFill>
-                  <a:schemeClr val="tx1"/>
-                </a:solidFill>
-              </a:rPr>
-              <a:t>p: </a:t>
-            </a:r>
-            <a:r>
-              <a:rPr lang="en-SG" sz="1600" dirty="0" err="1">
-                <a:solidFill>
-                  <a:schemeClr val="tx1"/>
-                </a:solidFill>
-              </a:rPr>
-              <a:t>CustomPieChart</a:t>
-            </a:r>
-            <a:endParaRPr lang="en-SG" sz="1600" dirty="0">
+            <a:ln>
               <a:solidFill>
-                <a:schemeClr val="tx1"/>
+                <a:srgbClr val="0070C0"/>
               </a:solidFill>
-            </a:endParaRPr>
-          </a:p>
-        </p:txBody>
-      </p:sp>
-      <p:cxnSp>
-        <p:nvCxnSpPr>
-          <p:cNvPr id="64" name="Straight Connector 63">
-            <a:extLst>
-              <a:ext uri="{FF2B5EF4-FFF2-40B4-BE49-F238E27FC236}">
-                <a16:creationId xmlns:a16="http://schemas.microsoft.com/office/drawing/2014/main" id="{B2B8C3D7-64A6-4C97-A03F-557F1866E87D}"/>
-              </a:ext>
-            </a:extLst>
-          </p:cNvPr>
-          <p:cNvCxnSpPr>
-            <a:cxnSpLocks/>
-          </p:cNvCxnSpPr>
-          <p:nvPr/>
-        </p:nvCxnSpPr>
-        <p:spPr>
-          <a:xfrm>
-            <a:off x="11147439" y="5792469"/>
-            <a:ext cx="0" cy="916315"/>
-          </a:xfrm>
-          <a:prstGeom prst="line">
-            <a:avLst/>
-          </a:prstGeom>
-          <a:ln w="19050">
-            <a:solidFill>
-              <a:srgbClr val="0070C0"/>
-            </a:solidFill>
-            <a:prstDash val="sysDash"/>
-          </a:ln>
-          <a:effectLst/>
-        </p:spPr>
-        <p:style>
-          <a:lnRef idx="1">
-            <a:schemeClr val="accent1"/>
-          </a:lnRef>
-          <a:fillRef idx="2">
-            <a:schemeClr val="accent1"/>
-          </a:fillRef>
-          <a:effectRef idx="1">
-            <a:schemeClr val="accent1"/>
-          </a:effectRef>
-          <a:fontRef idx="minor">
-            <a:schemeClr val="dk1"/>
-          </a:fontRef>
-        </p:style>
-      </p:cxnSp>
-      <p:sp>
-        <p:nvSpPr>
-          <p:cNvPr id="70" name="Rectangle 69">
-            <a:extLst>
-              <a:ext uri="{FF2B5EF4-FFF2-40B4-BE49-F238E27FC236}">
-                <a16:creationId xmlns:a16="http://schemas.microsoft.com/office/drawing/2014/main" id="{9758A789-166E-4E2A-8CCF-4A9BDE120C36}"/>
-              </a:ext>
-            </a:extLst>
-          </p:cNvPr>
-          <p:cNvSpPr/>
-          <p:nvPr/>
-        </p:nvSpPr>
-        <p:spPr>
-          <a:xfrm>
-            <a:off x="11063448" y="5368166"/>
-            <a:ext cx="189298" cy="575434"/>
-          </a:xfrm>
-          <a:prstGeom prst="rect">
-            <a:avLst/>
-          </a:prstGeom>
-          <a:solidFill>
-            <a:srgbClr val="6FDFBA"/>
-          </a:solidFill>
-          <a:ln>
-            <a:solidFill>
-              <a:srgbClr val="0070C0"/>
-            </a:solidFill>
-          </a:ln>
-          <a:effectLst/>
-        </p:spPr>
-        <p:style>
-          <a:lnRef idx="1">
-            <a:schemeClr val="accent3"/>
-          </a:lnRef>
-          <a:fillRef idx="2">
-            <a:schemeClr val="accent3"/>
-          </a:fillRef>
-          <a:effectRef idx="1">
-            <a:schemeClr val="accent3"/>
-          </a:effectRef>
-          <a:fontRef idx="minor">
-            <a:schemeClr val="dk1"/>
-          </a:fontRef>
-        </p:style>
-        <p:txBody>
-          <a:bodyPr rtlCol="0" anchor="ctr"/>
-          <a:lstStyle/>
-          <a:p>
-            <a:pPr algn="ctr"/>
-            <a:endParaRPr lang="en-SG" sz="1400"/>
-          </a:p>
-        </p:txBody>
-      </p:sp>
-      <p:sp>
-        <p:nvSpPr>
-          <p:cNvPr id="66" name="Rectangle 62">
-            <a:extLst>
-              <a:ext uri="{FF2B5EF4-FFF2-40B4-BE49-F238E27FC236}">
-                <a16:creationId xmlns:a16="http://schemas.microsoft.com/office/drawing/2014/main" id="{CB754303-46C1-46C3-BA3E-C988741DC5CF}"/>
-              </a:ext>
-            </a:extLst>
-          </p:cNvPr>
-          <p:cNvSpPr/>
-          <p:nvPr/>
-        </p:nvSpPr>
-        <p:spPr>
-          <a:xfrm>
-            <a:off x="10389649" y="4935418"/>
-            <a:ext cx="1536897" cy="762000"/>
-          </a:xfrm>
-          <a:prstGeom prst="rect">
-            <a:avLst/>
-          </a:prstGeom>
-          <a:solidFill>
-            <a:srgbClr val="6FDFBA"/>
-          </a:solidFill>
-          <a:ln w="19050">
-            <a:solidFill>
-              <a:srgbClr val="0070C0"/>
-            </a:solidFill>
-          </a:ln>
-          <a:effectLst/>
-        </p:spPr>
-        <p:style>
-          <a:lnRef idx="1">
-            <a:schemeClr val="accent2"/>
-          </a:lnRef>
-          <a:fillRef idx="2">
-            <a:schemeClr val="accent2"/>
-          </a:fillRef>
-          <a:effectRef idx="1">
-            <a:schemeClr val="accent2"/>
-          </a:effectRef>
-          <a:fontRef idx="minor">
-            <a:schemeClr val="dk1"/>
-          </a:fontRef>
-        </p:style>
-        <p:txBody>
-          <a:bodyPr rtlCol="0" anchor="ctr"/>
-          <a:lstStyle/>
-          <a:p>
-            <a:pPr algn="ctr"/>
-            <a:r>
-              <a:rPr lang="en-SG" sz="1600" dirty="0">
-                <a:solidFill>
-                  <a:schemeClr val="tx1"/>
-                </a:solidFill>
-              </a:rPr>
-              <a:t>l: </a:t>
-            </a:r>
-          </a:p>
-          <a:p>
-            <a:pPr algn="ctr"/>
-            <a:r>
-              <a:rPr lang="en-SG" sz="1600" dirty="0" err="1">
-                <a:solidFill>
-                  <a:schemeClr val="tx1"/>
-                </a:solidFill>
-              </a:rPr>
-              <a:t>CustomLegend</a:t>
-            </a:r>
-            <a:endParaRPr lang="en-SG" sz="1600" dirty="0">
+            </a:ln>
+            <a:effectLst/>
+          </p:spPr>
+          <p:style>
+            <a:lnRef idx="1">
+              <a:schemeClr val="accent3"/>
+            </a:lnRef>
+            <a:fillRef idx="2">
+              <a:schemeClr val="accent3"/>
+            </a:fillRef>
+            <a:effectRef idx="1">
+              <a:schemeClr val="accent3"/>
+            </a:effectRef>
+            <a:fontRef idx="minor">
+              <a:schemeClr val="dk1"/>
+            </a:fontRef>
+          </p:style>
+          <p:txBody>
+            <a:bodyPr rtlCol="0" anchor="ctr"/>
+            <a:lstStyle/>
+            <a:p>
+              <a:pPr algn="ctr"/>
+              <a:endParaRPr lang="en-SG" sz="1200"/>
+            </a:p>
+          </p:txBody>
+        </p:sp>
+        <p:cxnSp>
+          <p:nvCxnSpPr>
+            <p:cNvPr id="192" name="Connector: Curved 191">
+              <a:extLst>
+                <a:ext uri="{FF2B5EF4-FFF2-40B4-BE49-F238E27FC236}">
+                  <a16:creationId xmlns:a16="http://schemas.microsoft.com/office/drawing/2014/main" id="{45AF381F-0378-4612-B760-98948CA2FD31}"/>
+                </a:ext>
+              </a:extLst>
+            </p:cNvPr>
+            <p:cNvCxnSpPr>
+              <a:cxnSpLocks/>
+            </p:cNvCxnSpPr>
+            <p:nvPr/>
+          </p:nvCxnSpPr>
+          <p:spPr>
+            <a:xfrm rot="16200000" flipH="1">
+              <a:off x="3890147" y="8618050"/>
+              <a:ext cx="148766" cy="73926"/>
+            </a:xfrm>
+            <a:prstGeom prst="curvedConnector4">
+              <a:avLst>
+                <a:gd name="adj1" fmla="val -15714"/>
+                <a:gd name="adj2" fmla="val 240699"/>
+              </a:avLst>
+            </a:prstGeom>
+            <a:ln>
               <a:solidFill>
-                <a:schemeClr val="tx1"/>
+                <a:srgbClr val="00B050"/>
               </a:solidFill>
-            </a:endParaRPr>
-          </a:p>
-        </p:txBody>
-      </p:sp>
+              <a:tailEnd type="triangle"/>
+            </a:ln>
+          </p:spPr>
+          <p:style>
+            <a:lnRef idx="1">
+              <a:schemeClr val="accent1"/>
+            </a:lnRef>
+            <a:fillRef idx="0">
+              <a:schemeClr val="accent1"/>
+            </a:fillRef>
+            <a:effectRef idx="0">
+              <a:schemeClr val="accent1"/>
+            </a:effectRef>
+            <a:fontRef idx="minor">
+              <a:schemeClr val="tx1"/>
+            </a:fontRef>
+          </p:style>
+        </p:cxnSp>
+        <p:sp>
+          <p:nvSpPr>
+            <p:cNvPr id="193" name="TextBox 192">
+              <a:extLst>
+                <a:ext uri="{FF2B5EF4-FFF2-40B4-BE49-F238E27FC236}">
+                  <a16:creationId xmlns:a16="http://schemas.microsoft.com/office/drawing/2014/main" id="{0D1D2B87-77E2-4D02-A1FC-7030CC8B1078}"/>
+                </a:ext>
+              </a:extLst>
+            </p:cNvPr>
+            <p:cNvSpPr txBox="1"/>
+            <p:nvPr/>
+          </p:nvSpPr>
+          <p:spPr>
+            <a:xfrm>
+              <a:off x="4071034" y="8496117"/>
+              <a:ext cx="777834" cy="184666"/>
+            </a:xfrm>
+            <a:prstGeom prst="rect">
+              <a:avLst/>
+            </a:prstGeom>
+            <a:noFill/>
+          </p:spPr>
+          <p:txBody>
+            <a:bodyPr wrap="square" lIns="0" tIns="0" rIns="0" bIns="0" rtlCol="0">
+              <a:spAutoFit/>
+            </a:bodyPr>
+            <a:lstStyle/>
+            <a:p>
+              <a:pPr algn="ctr"/>
+              <a:r>
+                <a:rPr lang="en-US" sz="1200" dirty="0" err="1"/>
+                <a:t>createTab</a:t>
+              </a:r>
+              <a:r>
+                <a:rPr lang="en-US" sz="1200" dirty="0"/>
+                <a:t>()</a:t>
+              </a:r>
+            </a:p>
+          </p:txBody>
+        </p:sp>
+        <p:cxnSp>
+          <p:nvCxnSpPr>
+            <p:cNvPr id="194" name="Straight Arrow Connector 193">
+              <a:extLst>
+                <a:ext uri="{FF2B5EF4-FFF2-40B4-BE49-F238E27FC236}">
+                  <a16:creationId xmlns:a16="http://schemas.microsoft.com/office/drawing/2014/main" id="{EBD96C62-4E4C-4A3C-AC4E-7204C0B56F28}"/>
+                </a:ext>
+              </a:extLst>
+            </p:cNvPr>
+            <p:cNvCxnSpPr>
+              <a:cxnSpLocks/>
+            </p:cNvCxnSpPr>
+            <p:nvPr/>
+          </p:nvCxnSpPr>
+          <p:spPr>
+            <a:xfrm flipH="1">
+              <a:off x="-539492" y="9328595"/>
+              <a:ext cx="2257551" cy="0"/>
+            </a:xfrm>
+            <a:prstGeom prst="straightConnector1">
+              <a:avLst/>
+            </a:prstGeom>
+            <a:ln w="19050">
+              <a:solidFill>
+                <a:srgbClr val="00B050"/>
+              </a:solidFill>
+              <a:prstDash val="sysDash"/>
+              <a:tailEnd type="arrow"/>
+            </a:ln>
+          </p:spPr>
+          <p:style>
+            <a:lnRef idx="1">
+              <a:schemeClr val="accent1"/>
+            </a:lnRef>
+            <a:fillRef idx="0">
+              <a:schemeClr val="accent1"/>
+            </a:fillRef>
+            <a:effectRef idx="0">
+              <a:schemeClr val="accent1"/>
+            </a:effectRef>
+            <a:fontRef idx="minor">
+              <a:schemeClr val="tx1"/>
+            </a:fontRef>
+          </p:style>
+        </p:cxnSp>
+      </p:grpSp>
     </p:spTree>
     <p:extLst>
       <p:ext uri="{BB962C8B-B14F-4D97-AF65-F5344CB8AC3E}">
         <p14:creationId xmlns:p14="http://schemas.microsoft.com/office/powerpoint/2010/main" val="479184551"/>
+      </p:ext>
+    </p:extLst>
+  </p:cSld>
+  <p:clrMapOvr>
+    <a:masterClrMapping/>
+  </p:clrMapOvr>
+</p:sld>
+</file>
+
+<file path=ppt/slides/slide3.xml><?xml version="1.0" encoding="utf-8"?>
+<p:sld xmlns:a="http://schemas.openxmlformats.org/drawingml/2006/main" xmlns:r="http://schemas.openxmlformats.org/officeDocument/2006/relationships" xmlns:p="http://schemas.openxmlformats.org/presentationml/2006/main">
+  <p:cSld>
+    <p:spTree>
+      <p:nvGrpSpPr>
+        <p:cNvPr id="1" name=""/>
+        <p:cNvGrpSpPr/>
+        <p:nvPr/>
+      </p:nvGrpSpPr>
+      <p:grpSpPr>
+        <a:xfrm>
+          <a:off x="0" y="0"/>
+          <a:ext cx="0" cy="0"/>
+          <a:chOff x="0" y="0"/>
+          <a:chExt cx="0" cy="0"/>
+        </a:xfrm>
+      </p:grpSpPr>
+      <p:grpSp>
+        <p:nvGrpSpPr>
+          <p:cNvPr id="39" name="Group 38">
+            <a:extLst>
+              <a:ext uri="{FF2B5EF4-FFF2-40B4-BE49-F238E27FC236}">
+                <a16:creationId xmlns:a16="http://schemas.microsoft.com/office/drawing/2014/main" id="{82034F60-B60C-4326-9224-8DCC51607C9D}"/>
+              </a:ext>
+            </a:extLst>
+          </p:cNvPr>
+          <p:cNvGrpSpPr/>
+          <p:nvPr/>
+        </p:nvGrpSpPr>
+        <p:grpSpPr>
+          <a:xfrm>
+            <a:off x="893821" y="914404"/>
+            <a:ext cx="10679092" cy="4267196"/>
+            <a:chOff x="893821" y="914404"/>
+            <a:chExt cx="10679092" cy="4267196"/>
+          </a:xfrm>
+        </p:grpSpPr>
+        <p:sp>
+          <p:nvSpPr>
+            <p:cNvPr id="38" name="Rectangle 65">
+              <a:extLst>
+                <a:ext uri="{FF2B5EF4-FFF2-40B4-BE49-F238E27FC236}">
+                  <a16:creationId xmlns:a16="http://schemas.microsoft.com/office/drawing/2014/main" id="{A1D160EE-8529-4613-8EF1-2781A9DCB612}"/>
+                </a:ext>
+              </a:extLst>
+            </p:cNvPr>
+            <p:cNvSpPr/>
+            <p:nvPr/>
+          </p:nvSpPr>
+          <p:spPr>
+            <a:xfrm>
+              <a:off x="3211896" y="914404"/>
+              <a:ext cx="2975530" cy="4267196"/>
+            </a:xfrm>
+            <a:prstGeom prst="roundRect">
+              <a:avLst>
+                <a:gd name="adj" fmla="val 3484"/>
+              </a:avLst>
+            </a:prstGeom>
+            <a:solidFill>
+              <a:srgbClr val="CCE9AD"/>
+            </a:solidFill>
+            <a:ln w="19050">
+              <a:noFill/>
+            </a:ln>
+            <a:effectLst/>
+          </p:spPr>
+          <p:style>
+            <a:lnRef idx="1">
+              <a:schemeClr val="accent2"/>
+            </a:lnRef>
+            <a:fillRef idx="2">
+              <a:schemeClr val="accent2"/>
+            </a:fillRef>
+            <a:effectRef idx="1">
+              <a:schemeClr val="accent2"/>
+            </a:effectRef>
+            <a:fontRef idx="minor">
+              <a:schemeClr val="dk1"/>
+            </a:fontRef>
+          </p:style>
+          <p:txBody>
+            <a:bodyPr rtlCol="0" anchor="t"/>
+            <a:lstStyle/>
+            <a:p>
+              <a:r>
+                <a:rPr lang="en-SG" sz="1200" b="1" dirty="0">
+                  <a:solidFill>
+                    <a:schemeClr val="tx1"/>
+                  </a:solidFill>
+                </a:rPr>
+                <a:t>User Interface</a:t>
+              </a:r>
+            </a:p>
+          </p:txBody>
+        </p:sp>
+        <p:sp>
+          <p:nvSpPr>
+            <p:cNvPr id="37" name="Rectangle 65">
+              <a:extLst>
+                <a:ext uri="{FF2B5EF4-FFF2-40B4-BE49-F238E27FC236}">
+                  <a16:creationId xmlns:a16="http://schemas.microsoft.com/office/drawing/2014/main" id="{3EEDAD66-1C3D-4EC1-9E3A-39E1A784AE3A}"/>
+                </a:ext>
+              </a:extLst>
+            </p:cNvPr>
+            <p:cNvSpPr/>
+            <p:nvPr/>
+          </p:nvSpPr>
+          <p:spPr>
+            <a:xfrm>
+              <a:off x="6198912" y="914404"/>
+              <a:ext cx="5374001" cy="4267196"/>
+            </a:xfrm>
+            <a:prstGeom prst="roundRect">
+              <a:avLst>
+                <a:gd name="adj" fmla="val 3484"/>
+              </a:avLst>
+            </a:prstGeom>
+            <a:solidFill>
+              <a:srgbClr val="AAECD6"/>
+            </a:solidFill>
+            <a:ln w="19050">
+              <a:noFill/>
+            </a:ln>
+            <a:effectLst/>
+          </p:spPr>
+          <p:style>
+            <a:lnRef idx="1">
+              <a:schemeClr val="accent2"/>
+            </a:lnRef>
+            <a:fillRef idx="2">
+              <a:schemeClr val="accent2"/>
+            </a:fillRef>
+            <a:effectRef idx="1">
+              <a:schemeClr val="accent2"/>
+            </a:effectRef>
+            <a:fontRef idx="minor">
+              <a:schemeClr val="dk1"/>
+            </a:fontRef>
+          </p:style>
+          <p:txBody>
+            <a:bodyPr rtlCol="0" anchor="t"/>
+            <a:lstStyle/>
+            <a:p>
+              <a:r>
+                <a:rPr lang="en-SG" sz="1200" b="1" dirty="0" err="1">
+                  <a:solidFill>
+                    <a:schemeClr val="tx1"/>
+                  </a:solidFill>
+                </a:rPr>
+                <a:t>PieChart</a:t>
+              </a:r>
+              <a:endParaRPr lang="en-SG" sz="1200" b="1" dirty="0">
+                <a:solidFill>
+                  <a:schemeClr val="tx1"/>
+                </a:solidFill>
+              </a:endParaRPr>
+            </a:p>
+          </p:txBody>
+        </p:sp>
+        <p:cxnSp>
+          <p:nvCxnSpPr>
+            <p:cNvPr id="2" name="Straight Connector 1">
+              <a:extLst>
+                <a:ext uri="{FF2B5EF4-FFF2-40B4-BE49-F238E27FC236}">
+                  <a16:creationId xmlns:a16="http://schemas.microsoft.com/office/drawing/2014/main" id="{FA9EA1DE-ADA6-436A-ACEC-09A7A823CA5A}"/>
+                </a:ext>
+              </a:extLst>
+            </p:cNvPr>
+            <p:cNvCxnSpPr>
+              <a:cxnSpLocks/>
+            </p:cNvCxnSpPr>
+            <p:nvPr/>
+          </p:nvCxnSpPr>
+          <p:spPr>
+            <a:xfrm>
+              <a:off x="4810306" y="2466324"/>
+              <a:ext cx="0" cy="1905000"/>
+            </a:xfrm>
+            <a:prstGeom prst="line">
+              <a:avLst/>
+            </a:prstGeom>
+            <a:ln w="19050">
+              <a:solidFill>
+                <a:srgbClr val="6CA62C"/>
+              </a:solidFill>
+              <a:prstDash val="sysDash"/>
+            </a:ln>
+            <a:effectLst/>
+          </p:spPr>
+          <p:style>
+            <a:lnRef idx="1">
+              <a:schemeClr val="accent1"/>
+            </a:lnRef>
+            <a:fillRef idx="2">
+              <a:schemeClr val="accent1"/>
+            </a:fillRef>
+            <a:effectRef idx="1">
+              <a:schemeClr val="accent1"/>
+            </a:effectRef>
+            <a:fontRef idx="minor">
+              <a:schemeClr val="dk1"/>
+            </a:fontRef>
+          </p:style>
+        </p:cxnSp>
+        <p:cxnSp>
+          <p:nvCxnSpPr>
+            <p:cNvPr id="3" name="Straight Connector 2">
+              <a:extLst>
+                <a:ext uri="{FF2B5EF4-FFF2-40B4-BE49-F238E27FC236}">
+                  <a16:creationId xmlns:a16="http://schemas.microsoft.com/office/drawing/2014/main" id="{D555989A-3A9A-4931-902F-C10D891D7B4E}"/>
+                </a:ext>
+              </a:extLst>
+            </p:cNvPr>
+            <p:cNvCxnSpPr>
+              <a:cxnSpLocks/>
+            </p:cNvCxnSpPr>
+            <p:nvPr/>
+          </p:nvCxnSpPr>
+          <p:spPr>
+            <a:xfrm>
+              <a:off x="7734225" y="2552713"/>
+              <a:ext cx="0" cy="1666210"/>
+            </a:xfrm>
+            <a:prstGeom prst="line">
+              <a:avLst/>
+            </a:prstGeom>
+            <a:ln w="19050">
+              <a:solidFill>
+                <a:srgbClr val="0070C0"/>
+              </a:solidFill>
+              <a:prstDash val="sysDash"/>
+            </a:ln>
+            <a:effectLst/>
+          </p:spPr>
+          <p:style>
+            <a:lnRef idx="1">
+              <a:schemeClr val="accent1"/>
+            </a:lnRef>
+            <a:fillRef idx="2">
+              <a:schemeClr val="accent1"/>
+            </a:fillRef>
+            <a:effectRef idx="1">
+              <a:schemeClr val="accent1"/>
+            </a:effectRef>
+            <a:fontRef idx="minor">
+              <a:schemeClr val="dk1"/>
+            </a:fontRef>
+          </p:style>
+        </p:cxnSp>
+        <p:sp>
+          <p:nvSpPr>
+            <p:cNvPr id="4" name="Rectangle 3">
+              <a:extLst>
+                <a:ext uri="{FF2B5EF4-FFF2-40B4-BE49-F238E27FC236}">
+                  <a16:creationId xmlns:a16="http://schemas.microsoft.com/office/drawing/2014/main" id="{D12DBB59-E498-41D7-8594-CBDAEAE88BD0}"/>
+                </a:ext>
+              </a:extLst>
+            </p:cNvPr>
+            <p:cNvSpPr/>
+            <p:nvPr/>
+          </p:nvSpPr>
+          <p:spPr>
+            <a:xfrm>
+              <a:off x="4703408" y="2542524"/>
+              <a:ext cx="206356" cy="1524000"/>
+            </a:xfrm>
+            <a:prstGeom prst="rect">
+              <a:avLst/>
+            </a:prstGeom>
+            <a:solidFill>
+              <a:srgbClr val="92D050"/>
+            </a:solidFill>
+            <a:ln>
+              <a:solidFill>
+                <a:srgbClr val="0070C0"/>
+              </a:solidFill>
+            </a:ln>
+            <a:effectLst/>
+          </p:spPr>
+          <p:style>
+            <a:lnRef idx="1">
+              <a:schemeClr val="accent3"/>
+            </a:lnRef>
+            <a:fillRef idx="2">
+              <a:schemeClr val="accent3"/>
+            </a:fillRef>
+            <a:effectRef idx="1">
+              <a:schemeClr val="accent3"/>
+            </a:effectRef>
+            <a:fontRef idx="minor">
+              <a:schemeClr val="dk1"/>
+            </a:fontRef>
+          </p:style>
+          <p:txBody>
+            <a:bodyPr rtlCol="0" anchor="ctr"/>
+            <a:lstStyle/>
+            <a:p>
+              <a:pPr algn="ctr"/>
+              <a:endParaRPr lang="en-SG" sz="1200"/>
+            </a:p>
+          </p:txBody>
+        </p:sp>
+        <p:sp>
+          <p:nvSpPr>
+            <p:cNvPr id="5" name="Rectangle 4">
+              <a:extLst>
+                <a:ext uri="{FF2B5EF4-FFF2-40B4-BE49-F238E27FC236}">
+                  <a16:creationId xmlns:a16="http://schemas.microsoft.com/office/drawing/2014/main" id="{30525D4C-0952-4DD4-BF2D-AC164A6E36D6}"/>
+                </a:ext>
+              </a:extLst>
+            </p:cNvPr>
+            <p:cNvSpPr/>
+            <p:nvPr/>
+          </p:nvSpPr>
+          <p:spPr>
+            <a:xfrm>
+              <a:off x="7611721" y="2879257"/>
+              <a:ext cx="222036" cy="940606"/>
+            </a:xfrm>
+            <a:prstGeom prst="rect">
+              <a:avLst/>
+            </a:prstGeom>
+            <a:solidFill>
+              <a:srgbClr val="6FDFBA"/>
+            </a:solidFill>
+            <a:ln>
+              <a:solidFill>
+                <a:srgbClr val="0070C0"/>
+              </a:solidFill>
+            </a:ln>
+            <a:effectLst/>
+          </p:spPr>
+          <p:style>
+            <a:lnRef idx="1">
+              <a:schemeClr val="accent3"/>
+            </a:lnRef>
+            <a:fillRef idx="2">
+              <a:schemeClr val="accent3"/>
+            </a:fillRef>
+            <a:effectRef idx="1">
+              <a:schemeClr val="accent3"/>
+            </a:effectRef>
+            <a:fontRef idx="minor">
+              <a:schemeClr val="dk1"/>
+            </a:fontRef>
+          </p:style>
+          <p:txBody>
+            <a:bodyPr rtlCol="0" anchor="ctr"/>
+            <a:lstStyle/>
+            <a:p>
+              <a:pPr algn="ctr"/>
+              <a:endParaRPr lang="en-SG" sz="1200"/>
+            </a:p>
+          </p:txBody>
+        </p:sp>
+        <p:sp>
+          <p:nvSpPr>
+            <p:cNvPr id="15" name="Rectangle 62">
+              <a:extLst>
+                <a:ext uri="{FF2B5EF4-FFF2-40B4-BE49-F238E27FC236}">
+                  <a16:creationId xmlns:a16="http://schemas.microsoft.com/office/drawing/2014/main" id="{9B7FF062-C9AC-4B4B-A73C-18ACC43771AE}"/>
+                </a:ext>
+              </a:extLst>
+            </p:cNvPr>
+            <p:cNvSpPr/>
+            <p:nvPr/>
+          </p:nvSpPr>
+          <p:spPr>
+            <a:xfrm>
+              <a:off x="4143083" y="1913413"/>
+              <a:ext cx="1327007" cy="762000"/>
+            </a:xfrm>
+            <a:prstGeom prst="rect">
+              <a:avLst/>
+            </a:prstGeom>
+            <a:solidFill>
+              <a:srgbClr val="92D050"/>
+            </a:solidFill>
+            <a:ln w="19050">
+              <a:solidFill>
+                <a:srgbClr val="0070C0"/>
+              </a:solidFill>
+            </a:ln>
+            <a:effectLst/>
+          </p:spPr>
+          <p:style>
+            <a:lnRef idx="1">
+              <a:schemeClr val="accent2"/>
+            </a:lnRef>
+            <a:fillRef idx="2">
+              <a:schemeClr val="accent2"/>
+            </a:fillRef>
+            <a:effectRef idx="1">
+              <a:schemeClr val="accent2"/>
+            </a:effectRef>
+            <a:fontRef idx="minor">
+              <a:schemeClr val="dk1"/>
+            </a:fontRef>
+          </p:style>
+          <p:txBody>
+            <a:bodyPr rtlCol="0" anchor="ctr"/>
+            <a:lstStyle/>
+            <a:p>
+              <a:pPr algn="ctr"/>
+              <a:r>
+                <a:rPr lang="en-SG" sz="1200" dirty="0">
+                  <a:solidFill>
+                    <a:schemeClr val="tx1"/>
+                  </a:solidFill>
+                </a:rPr>
+                <a:t>c: Category</a:t>
+              </a:r>
+            </a:p>
+            <a:p>
+              <a:pPr algn="ctr"/>
+              <a:r>
+                <a:rPr lang="en-SG" sz="1200" dirty="0">
+                  <a:solidFill>
+                    <a:schemeClr val="tx1"/>
+                  </a:solidFill>
+                </a:rPr>
+                <a:t>Breakdown</a:t>
+              </a:r>
+            </a:p>
+          </p:txBody>
+        </p:sp>
+        <p:sp>
+          <p:nvSpPr>
+            <p:cNvPr id="16" name="Rectangle 62">
+              <a:extLst>
+                <a:ext uri="{FF2B5EF4-FFF2-40B4-BE49-F238E27FC236}">
+                  <a16:creationId xmlns:a16="http://schemas.microsoft.com/office/drawing/2014/main" id="{733487F8-A1FE-4F03-8EBE-6871D5AF66AE}"/>
+                </a:ext>
+              </a:extLst>
+            </p:cNvPr>
+            <p:cNvSpPr/>
+            <p:nvPr/>
+          </p:nvSpPr>
+          <p:spPr>
+            <a:xfrm>
+              <a:off x="7153393" y="2296342"/>
+              <a:ext cx="1152407" cy="762000"/>
+            </a:xfrm>
+            <a:prstGeom prst="rect">
+              <a:avLst/>
+            </a:prstGeom>
+            <a:solidFill>
+              <a:srgbClr val="6FDFBA"/>
+            </a:solidFill>
+            <a:ln w="19050">
+              <a:solidFill>
+                <a:srgbClr val="0070C0"/>
+              </a:solidFill>
+            </a:ln>
+            <a:effectLst/>
+          </p:spPr>
+          <p:style>
+            <a:lnRef idx="1">
+              <a:schemeClr val="accent2"/>
+            </a:lnRef>
+            <a:fillRef idx="2">
+              <a:schemeClr val="accent2"/>
+            </a:fillRef>
+            <a:effectRef idx="1">
+              <a:schemeClr val="accent2"/>
+            </a:effectRef>
+            <a:fontRef idx="minor">
+              <a:schemeClr val="dk1"/>
+            </a:fontRef>
+          </p:style>
+          <p:txBody>
+            <a:bodyPr rtlCol="0" anchor="ctr"/>
+            <a:lstStyle/>
+            <a:p>
+              <a:pPr algn="ctr"/>
+              <a:r>
+                <a:rPr lang="en-SG" sz="1200" dirty="0">
+                  <a:solidFill>
+                    <a:schemeClr val="tx1"/>
+                  </a:solidFill>
+                </a:rPr>
+                <a:t>p: </a:t>
+              </a:r>
+              <a:r>
+                <a:rPr lang="en-SG" sz="1200" dirty="0" err="1">
+                  <a:solidFill>
+                    <a:schemeClr val="tx1"/>
+                  </a:solidFill>
+                </a:rPr>
+                <a:t>CustomPieChart</a:t>
+              </a:r>
+              <a:endParaRPr lang="en-SG" sz="1200" dirty="0">
+                <a:solidFill>
+                  <a:schemeClr val="tx1"/>
+                </a:solidFill>
+              </a:endParaRPr>
+            </a:p>
+          </p:txBody>
+        </p:sp>
+        <p:cxnSp>
+          <p:nvCxnSpPr>
+            <p:cNvPr id="17" name="Straight Arrow Connector 16">
+              <a:extLst>
+                <a:ext uri="{FF2B5EF4-FFF2-40B4-BE49-F238E27FC236}">
+                  <a16:creationId xmlns:a16="http://schemas.microsoft.com/office/drawing/2014/main" id="{C2CA3486-1C92-4E6D-A9C7-992734C2BBC2}"/>
+                </a:ext>
+              </a:extLst>
+            </p:cNvPr>
+            <p:cNvCxnSpPr>
+              <a:cxnSpLocks/>
+            </p:cNvCxnSpPr>
+            <p:nvPr/>
+          </p:nvCxnSpPr>
+          <p:spPr>
+            <a:xfrm>
+              <a:off x="893821" y="2466324"/>
+              <a:ext cx="3249262" cy="0"/>
+            </a:xfrm>
+            <a:prstGeom prst="straightConnector1">
+              <a:avLst/>
+            </a:prstGeom>
+            <a:ln w="19050">
+              <a:solidFill>
+                <a:srgbClr val="00B050"/>
+              </a:solidFill>
+              <a:tailEnd type="arrow"/>
+            </a:ln>
+          </p:spPr>
+          <p:style>
+            <a:lnRef idx="1">
+              <a:schemeClr val="accent1"/>
+            </a:lnRef>
+            <a:fillRef idx="0">
+              <a:schemeClr val="accent1"/>
+            </a:fillRef>
+            <a:effectRef idx="0">
+              <a:schemeClr val="accent1"/>
+            </a:effectRef>
+            <a:fontRef idx="minor">
+              <a:schemeClr val="tx1"/>
+            </a:fontRef>
+          </p:style>
+        </p:cxnSp>
+        <p:sp>
+          <p:nvSpPr>
+            <p:cNvPr id="18" name="TextBox 17">
+              <a:extLst>
+                <a:ext uri="{FF2B5EF4-FFF2-40B4-BE49-F238E27FC236}">
+                  <a16:creationId xmlns:a16="http://schemas.microsoft.com/office/drawing/2014/main" id="{CE930146-CF23-48D9-A0B4-552943EB6246}"/>
+                </a:ext>
+              </a:extLst>
+            </p:cNvPr>
+            <p:cNvSpPr txBox="1"/>
+            <p:nvPr/>
+          </p:nvSpPr>
+          <p:spPr>
+            <a:xfrm>
+              <a:off x="1030000" y="2487349"/>
+              <a:ext cx="2159831" cy="369332"/>
+            </a:xfrm>
+            <a:prstGeom prst="rect">
+              <a:avLst/>
+            </a:prstGeom>
+            <a:noFill/>
+          </p:spPr>
+          <p:txBody>
+            <a:bodyPr wrap="square" lIns="0" tIns="0" rIns="0" bIns="0" rtlCol="0">
+              <a:spAutoFit/>
+            </a:bodyPr>
+            <a:lstStyle/>
+            <a:p>
+              <a:pPr algn="ctr"/>
+              <a:r>
+                <a:rPr lang="en-US" sz="1200" dirty="0" err="1"/>
+                <a:t>CategoryBreakdown</a:t>
+              </a:r>
+              <a:r>
+                <a:rPr lang="en-US" sz="1200" dirty="0"/>
+                <a:t>(</a:t>
+              </a:r>
+              <a:r>
+                <a:rPr lang="en-US" sz="1200" dirty="0" err="1"/>
+                <a:t>labelData</a:t>
+              </a:r>
+              <a:r>
+                <a:rPr lang="en-US" sz="1200" dirty="0"/>
+                <a:t>, </a:t>
+              </a:r>
+              <a:r>
+                <a:rPr lang="en-US" sz="1200" dirty="0" err="1"/>
+                <a:t>legendData</a:t>
+              </a:r>
+              <a:r>
+                <a:rPr lang="en-US" sz="1200" dirty="0"/>
+                <a:t>)</a:t>
+              </a:r>
+            </a:p>
+          </p:txBody>
+        </p:sp>
+        <p:cxnSp>
+          <p:nvCxnSpPr>
+            <p:cNvPr id="19" name="Straight Arrow Connector 18">
+              <a:extLst>
+                <a:ext uri="{FF2B5EF4-FFF2-40B4-BE49-F238E27FC236}">
+                  <a16:creationId xmlns:a16="http://schemas.microsoft.com/office/drawing/2014/main" id="{7560F12C-F8B5-44B4-A020-871463768002}"/>
+                </a:ext>
+              </a:extLst>
+            </p:cNvPr>
+            <p:cNvCxnSpPr>
+              <a:cxnSpLocks/>
+            </p:cNvCxnSpPr>
+            <p:nvPr/>
+          </p:nvCxnSpPr>
+          <p:spPr>
+            <a:xfrm>
+              <a:off x="4909764" y="2832754"/>
+              <a:ext cx="2243629" cy="0"/>
+            </a:xfrm>
+            <a:prstGeom prst="straightConnector1">
+              <a:avLst/>
+            </a:prstGeom>
+            <a:ln w="19050">
+              <a:solidFill>
+                <a:srgbClr val="00B050"/>
+              </a:solidFill>
+              <a:tailEnd type="arrow"/>
+            </a:ln>
+          </p:spPr>
+          <p:style>
+            <a:lnRef idx="1">
+              <a:schemeClr val="accent1"/>
+            </a:lnRef>
+            <a:fillRef idx="0">
+              <a:schemeClr val="accent1"/>
+            </a:fillRef>
+            <a:effectRef idx="0">
+              <a:schemeClr val="accent1"/>
+            </a:effectRef>
+            <a:fontRef idx="minor">
+              <a:schemeClr val="tx1"/>
+            </a:fontRef>
+          </p:style>
+        </p:cxnSp>
+        <p:cxnSp>
+          <p:nvCxnSpPr>
+            <p:cNvPr id="20" name="Straight Arrow Connector 19">
+              <a:extLst>
+                <a:ext uri="{FF2B5EF4-FFF2-40B4-BE49-F238E27FC236}">
+                  <a16:creationId xmlns:a16="http://schemas.microsoft.com/office/drawing/2014/main" id="{80079EB8-03B8-4271-ACED-049F868D9E70}"/>
+                </a:ext>
+              </a:extLst>
+            </p:cNvPr>
+            <p:cNvCxnSpPr>
+              <a:cxnSpLocks/>
+            </p:cNvCxnSpPr>
+            <p:nvPr/>
+          </p:nvCxnSpPr>
+          <p:spPr>
+            <a:xfrm>
+              <a:off x="7833757" y="3243380"/>
+              <a:ext cx="1525945" cy="0"/>
+            </a:xfrm>
+            <a:prstGeom prst="straightConnector1">
+              <a:avLst/>
+            </a:prstGeom>
+            <a:ln w="19050">
+              <a:solidFill>
+                <a:srgbClr val="28B284"/>
+              </a:solidFill>
+              <a:tailEnd type="arrow"/>
+            </a:ln>
+          </p:spPr>
+          <p:style>
+            <a:lnRef idx="1">
+              <a:schemeClr val="accent1"/>
+            </a:lnRef>
+            <a:fillRef idx="0">
+              <a:schemeClr val="accent1"/>
+            </a:fillRef>
+            <a:effectRef idx="0">
+              <a:schemeClr val="accent1"/>
+            </a:effectRef>
+            <a:fontRef idx="minor">
+              <a:schemeClr val="tx1"/>
+            </a:fontRef>
+          </p:style>
+        </p:cxnSp>
+        <p:cxnSp>
+          <p:nvCxnSpPr>
+            <p:cNvPr id="21" name="Straight Arrow Connector 20">
+              <a:extLst>
+                <a:ext uri="{FF2B5EF4-FFF2-40B4-BE49-F238E27FC236}">
+                  <a16:creationId xmlns:a16="http://schemas.microsoft.com/office/drawing/2014/main" id="{94D37BCC-CD88-4D2B-AFCC-4F07E7547275}"/>
+                </a:ext>
+              </a:extLst>
+            </p:cNvPr>
+            <p:cNvCxnSpPr>
+              <a:cxnSpLocks/>
+            </p:cNvCxnSpPr>
+            <p:nvPr/>
+          </p:nvCxnSpPr>
+          <p:spPr>
+            <a:xfrm flipH="1">
+              <a:off x="7833757" y="3680260"/>
+              <a:ext cx="2177679" cy="0"/>
+            </a:xfrm>
+            <a:prstGeom prst="straightConnector1">
+              <a:avLst/>
+            </a:prstGeom>
+            <a:ln w="19050">
+              <a:solidFill>
+                <a:srgbClr val="28B284"/>
+              </a:solidFill>
+              <a:prstDash val="sysDash"/>
+              <a:tailEnd type="arrow"/>
+            </a:ln>
+          </p:spPr>
+          <p:style>
+            <a:lnRef idx="1">
+              <a:schemeClr val="accent1"/>
+            </a:lnRef>
+            <a:fillRef idx="0">
+              <a:schemeClr val="accent1"/>
+            </a:fillRef>
+            <a:effectRef idx="0">
+              <a:schemeClr val="accent1"/>
+            </a:effectRef>
+            <a:fontRef idx="minor">
+              <a:schemeClr val="tx1"/>
+            </a:fontRef>
+          </p:style>
+        </p:cxnSp>
+        <p:sp>
+          <p:nvSpPr>
+            <p:cNvPr id="22" name="TextBox 21">
+              <a:extLst>
+                <a:ext uri="{FF2B5EF4-FFF2-40B4-BE49-F238E27FC236}">
+                  <a16:creationId xmlns:a16="http://schemas.microsoft.com/office/drawing/2014/main" id="{6E85F6F3-7F24-4E21-94E4-DFBC884925ED}"/>
+                </a:ext>
+              </a:extLst>
+            </p:cNvPr>
+            <p:cNvSpPr txBox="1"/>
+            <p:nvPr/>
+          </p:nvSpPr>
+          <p:spPr>
+            <a:xfrm>
+              <a:off x="4496080" y="2879257"/>
+              <a:ext cx="2159831" cy="553998"/>
+            </a:xfrm>
+            <a:prstGeom prst="rect">
+              <a:avLst/>
+            </a:prstGeom>
+            <a:noFill/>
+          </p:spPr>
+          <p:txBody>
+            <a:bodyPr wrap="square" lIns="0" tIns="0" rIns="0" bIns="0" rtlCol="0">
+              <a:spAutoFit/>
+            </a:bodyPr>
+            <a:lstStyle/>
+            <a:p>
+              <a:pPr algn="ctr"/>
+              <a:r>
+                <a:rPr lang="en-US" sz="1200" dirty="0" err="1"/>
+                <a:t>CustomPieChart</a:t>
+              </a:r>
+              <a:endParaRPr lang="en-US" sz="1200" dirty="0"/>
+            </a:p>
+            <a:p>
+              <a:pPr algn="ctr"/>
+              <a:r>
+                <a:rPr lang="en-US" sz="1200" dirty="0"/>
+                <a:t>(</a:t>
+              </a:r>
+              <a:r>
+                <a:rPr lang="en-US" sz="1200" dirty="0" err="1"/>
+                <a:t>labelData</a:t>
+              </a:r>
+              <a:r>
+                <a:rPr lang="en-US" sz="1200" dirty="0"/>
+                <a:t>,</a:t>
+              </a:r>
+            </a:p>
+            <a:p>
+              <a:pPr algn="ctr"/>
+              <a:r>
+                <a:rPr lang="en-US" sz="1200" dirty="0" err="1"/>
+                <a:t>legendData</a:t>
+              </a:r>
+              <a:r>
+                <a:rPr lang="en-US" sz="1200" dirty="0"/>
+                <a:t>)</a:t>
+              </a:r>
+            </a:p>
+          </p:txBody>
+        </p:sp>
+        <p:sp>
+          <p:nvSpPr>
+            <p:cNvPr id="23" name="TextBox 22">
+              <a:extLst>
+                <a:ext uri="{FF2B5EF4-FFF2-40B4-BE49-F238E27FC236}">
+                  <a16:creationId xmlns:a16="http://schemas.microsoft.com/office/drawing/2014/main" id="{7301F893-9335-4116-8982-6E6903ED2831}"/>
+                </a:ext>
+              </a:extLst>
+            </p:cNvPr>
+            <p:cNvSpPr txBox="1"/>
+            <p:nvPr/>
+          </p:nvSpPr>
+          <p:spPr>
+            <a:xfrm>
+              <a:off x="7611721" y="3218700"/>
+              <a:ext cx="2159831" cy="369332"/>
+            </a:xfrm>
+            <a:prstGeom prst="rect">
+              <a:avLst/>
+            </a:prstGeom>
+            <a:noFill/>
+          </p:spPr>
+          <p:txBody>
+            <a:bodyPr wrap="square" lIns="0" tIns="0" rIns="0" bIns="0" rtlCol="0">
+              <a:spAutoFit/>
+            </a:bodyPr>
+            <a:lstStyle/>
+            <a:p>
+              <a:pPr algn="ctr"/>
+              <a:r>
+                <a:rPr lang="en-US" sz="1200" dirty="0" err="1"/>
+                <a:t>CustomLegend</a:t>
+              </a:r>
+              <a:endParaRPr lang="en-US" sz="1200" dirty="0"/>
+            </a:p>
+            <a:p>
+              <a:pPr algn="ctr"/>
+              <a:r>
+                <a:rPr lang="en-US" sz="1200" dirty="0"/>
+                <a:t>(</a:t>
+              </a:r>
+              <a:r>
+                <a:rPr lang="en-US" sz="1200" dirty="0" err="1"/>
+                <a:t>expenseLegendData</a:t>
+              </a:r>
+              <a:r>
+                <a:rPr lang="en-US" sz="1200" dirty="0"/>
+                <a:t>)</a:t>
+              </a:r>
+            </a:p>
+          </p:txBody>
+        </p:sp>
+        <p:sp>
+          <p:nvSpPr>
+            <p:cNvPr id="24" name="TextBox 23">
+              <a:extLst>
+                <a:ext uri="{FF2B5EF4-FFF2-40B4-BE49-F238E27FC236}">
+                  <a16:creationId xmlns:a16="http://schemas.microsoft.com/office/drawing/2014/main" id="{2BE0A50D-542E-4138-B3D4-77BC850A51D6}"/>
+                </a:ext>
+              </a:extLst>
+            </p:cNvPr>
+            <p:cNvSpPr txBox="1"/>
+            <p:nvPr/>
+          </p:nvSpPr>
+          <p:spPr>
+            <a:xfrm>
+              <a:off x="8661368" y="3701285"/>
+              <a:ext cx="412270" cy="184666"/>
+            </a:xfrm>
+            <a:prstGeom prst="rect">
+              <a:avLst/>
+            </a:prstGeom>
+            <a:noFill/>
+          </p:spPr>
+          <p:txBody>
+            <a:bodyPr wrap="square" lIns="0" tIns="0" rIns="0" bIns="0" rtlCol="0">
+              <a:spAutoFit/>
+            </a:bodyPr>
+            <a:lstStyle/>
+            <a:p>
+              <a:pPr algn="ctr"/>
+              <a:r>
+                <a:rPr lang="en-US" sz="1200" dirty="0"/>
+                <a:t>l</a:t>
+              </a:r>
+            </a:p>
+          </p:txBody>
+        </p:sp>
+        <p:cxnSp>
+          <p:nvCxnSpPr>
+            <p:cNvPr id="25" name="Straight Arrow Connector 24">
+              <a:extLst>
+                <a:ext uri="{FF2B5EF4-FFF2-40B4-BE49-F238E27FC236}">
+                  <a16:creationId xmlns:a16="http://schemas.microsoft.com/office/drawing/2014/main" id="{F595B281-966A-4BE6-B1CB-06897112FA7F}"/>
+                </a:ext>
+              </a:extLst>
+            </p:cNvPr>
+            <p:cNvCxnSpPr>
+              <a:cxnSpLocks/>
+              <a:stCxn id="5" idx="2"/>
+            </p:cNvCxnSpPr>
+            <p:nvPr/>
+          </p:nvCxnSpPr>
+          <p:spPr>
+            <a:xfrm flipH="1">
+              <a:off x="4909764" y="3819863"/>
+              <a:ext cx="2812975" cy="0"/>
+            </a:xfrm>
+            <a:prstGeom prst="straightConnector1">
+              <a:avLst/>
+            </a:prstGeom>
+            <a:ln w="19050">
+              <a:solidFill>
+                <a:srgbClr val="28B284"/>
+              </a:solidFill>
+              <a:prstDash val="sysDash"/>
+              <a:tailEnd type="arrow"/>
+            </a:ln>
+          </p:spPr>
+          <p:style>
+            <a:lnRef idx="1">
+              <a:schemeClr val="accent1"/>
+            </a:lnRef>
+            <a:fillRef idx="0">
+              <a:schemeClr val="accent1"/>
+            </a:fillRef>
+            <a:effectRef idx="0">
+              <a:schemeClr val="accent1"/>
+            </a:effectRef>
+            <a:fontRef idx="minor">
+              <a:schemeClr val="tx1"/>
+            </a:fontRef>
+          </p:style>
+        </p:cxnSp>
+        <p:sp>
+          <p:nvSpPr>
+            <p:cNvPr id="26" name="TextBox 25">
+              <a:extLst>
+                <a:ext uri="{FF2B5EF4-FFF2-40B4-BE49-F238E27FC236}">
+                  <a16:creationId xmlns:a16="http://schemas.microsoft.com/office/drawing/2014/main" id="{687635DF-7D48-4B12-A00D-DEB46967152D}"/>
+                </a:ext>
+              </a:extLst>
+            </p:cNvPr>
+            <p:cNvSpPr txBox="1"/>
+            <p:nvPr/>
+          </p:nvSpPr>
+          <p:spPr>
+            <a:xfrm>
+              <a:off x="6400799" y="3617377"/>
+              <a:ext cx="412270" cy="184666"/>
+            </a:xfrm>
+            <a:prstGeom prst="rect">
+              <a:avLst/>
+            </a:prstGeom>
+            <a:noFill/>
+          </p:spPr>
+          <p:txBody>
+            <a:bodyPr wrap="square" lIns="0" tIns="0" rIns="0" bIns="0" rtlCol="0">
+              <a:spAutoFit/>
+            </a:bodyPr>
+            <a:lstStyle/>
+            <a:p>
+              <a:pPr algn="ctr"/>
+              <a:r>
+                <a:rPr lang="en-US" sz="1200" dirty="0"/>
+                <a:t>p</a:t>
+              </a:r>
+            </a:p>
+          </p:txBody>
+        </p:sp>
+        <p:cxnSp>
+          <p:nvCxnSpPr>
+            <p:cNvPr id="27" name="Straight Arrow Connector 26">
+              <a:extLst>
+                <a:ext uri="{FF2B5EF4-FFF2-40B4-BE49-F238E27FC236}">
+                  <a16:creationId xmlns:a16="http://schemas.microsoft.com/office/drawing/2014/main" id="{22AAAE14-1E83-4801-BE50-AD5054027CBB}"/>
+                </a:ext>
+              </a:extLst>
+            </p:cNvPr>
+            <p:cNvCxnSpPr>
+              <a:cxnSpLocks/>
+            </p:cNvCxnSpPr>
+            <p:nvPr/>
+          </p:nvCxnSpPr>
+          <p:spPr>
+            <a:xfrm flipH="1">
+              <a:off x="902089" y="4049195"/>
+              <a:ext cx="3761444" cy="0"/>
+            </a:xfrm>
+            <a:prstGeom prst="straightConnector1">
+              <a:avLst/>
+            </a:prstGeom>
+            <a:ln w="19050">
+              <a:solidFill>
+                <a:srgbClr val="00B050"/>
+              </a:solidFill>
+              <a:prstDash val="sysDash"/>
+              <a:tailEnd type="arrow"/>
+            </a:ln>
+          </p:spPr>
+          <p:style>
+            <a:lnRef idx="1">
+              <a:schemeClr val="accent1"/>
+            </a:lnRef>
+            <a:fillRef idx="0">
+              <a:schemeClr val="accent1"/>
+            </a:fillRef>
+            <a:effectRef idx="0">
+              <a:schemeClr val="accent1"/>
+            </a:effectRef>
+            <a:fontRef idx="minor">
+              <a:schemeClr val="tx1"/>
+            </a:fontRef>
+          </p:style>
+        </p:cxnSp>
+        <p:sp>
+          <p:nvSpPr>
+            <p:cNvPr id="28" name="TextBox 27">
+              <a:extLst>
+                <a:ext uri="{FF2B5EF4-FFF2-40B4-BE49-F238E27FC236}">
+                  <a16:creationId xmlns:a16="http://schemas.microsoft.com/office/drawing/2014/main" id="{4BAD21B0-A39C-40A9-A54C-B74BD0F7B589}"/>
+                </a:ext>
+              </a:extLst>
+            </p:cNvPr>
+            <p:cNvSpPr txBox="1"/>
+            <p:nvPr/>
+          </p:nvSpPr>
+          <p:spPr>
+            <a:xfrm>
+              <a:off x="1253319" y="3840183"/>
+              <a:ext cx="1914710" cy="184666"/>
+            </a:xfrm>
+            <a:prstGeom prst="rect">
+              <a:avLst/>
+            </a:prstGeom>
+            <a:noFill/>
+          </p:spPr>
+          <p:txBody>
+            <a:bodyPr wrap="square" lIns="0" tIns="0" rIns="0" bIns="0" rtlCol="0">
+              <a:spAutoFit/>
+            </a:bodyPr>
+            <a:lstStyle/>
+            <a:p>
+              <a:pPr algn="ctr"/>
+              <a:r>
+                <a:rPr lang="en-US" sz="1200" dirty="0"/>
+                <a:t>c</a:t>
+              </a:r>
+            </a:p>
+          </p:txBody>
+        </p:sp>
+        <p:sp>
+          <p:nvSpPr>
+            <p:cNvPr id="29" name="Rectangle 28">
+              <a:extLst>
+                <a:ext uri="{FF2B5EF4-FFF2-40B4-BE49-F238E27FC236}">
+                  <a16:creationId xmlns:a16="http://schemas.microsoft.com/office/drawing/2014/main" id="{3A387DAD-C30D-4FE6-86A8-511ACF8F8016}"/>
+                </a:ext>
+              </a:extLst>
+            </p:cNvPr>
+            <p:cNvSpPr/>
+            <p:nvPr/>
+          </p:nvSpPr>
+          <p:spPr>
+            <a:xfrm>
+              <a:off x="10033501" y="3110090"/>
+              <a:ext cx="189298" cy="575434"/>
+            </a:xfrm>
+            <a:prstGeom prst="rect">
+              <a:avLst/>
+            </a:prstGeom>
+            <a:solidFill>
+              <a:srgbClr val="6FDFBA"/>
+            </a:solidFill>
+            <a:ln>
+              <a:solidFill>
+                <a:srgbClr val="0070C0"/>
+              </a:solidFill>
+            </a:ln>
+            <a:effectLst/>
+          </p:spPr>
+          <p:style>
+            <a:lnRef idx="1">
+              <a:schemeClr val="accent3"/>
+            </a:lnRef>
+            <a:fillRef idx="2">
+              <a:schemeClr val="accent3"/>
+            </a:fillRef>
+            <a:effectRef idx="1">
+              <a:schemeClr val="accent3"/>
+            </a:effectRef>
+            <a:fontRef idx="minor">
+              <a:schemeClr val="dk1"/>
+            </a:fontRef>
+          </p:style>
+          <p:txBody>
+            <a:bodyPr rtlCol="0" anchor="ctr"/>
+            <a:lstStyle/>
+            <a:p>
+              <a:pPr algn="ctr"/>
+              <a:endParaRPr lang="en-SG" sz="1200"/>
+            </a:p>
+          </p:txBody>
+        </p:sp>
+        <p:sp>
+          <p:nvSpPr>
+            <p:cNvPr id="30" name="Rectangle 62">
+              <a:extLst>
+                <a:ext uri="{FF2B5EF4-FFF2-40B4-BE49-F238E27FC236}">
+                  <a16:creationId xmlns:a16="http://schemas.microsoft.com/office/drawing/2014/main" id="{0E2CFE2E-C2BD-435A-9E49-96B6D68F5141}"/>
+                </a:ext>
+              </a:extLst>
+            </p:cNvPr>
+            <p:cNvSpPr/>
+            <p:nvPr/>
+          </p:nvSpPr>
+          <p:spPr>
+            <a:xfrm>
+              <a:off x="9359702" y="2677342"/>
+              <a:ext cx="1536897" cy="762000"/>
+            </a:xfrm>
+            <a:prstGeom prst="rect">
+              <a:avLst/>
+            </a:prstGeom>
+            <a:solidFill>
+              <a:srgbClr val="6FDFBA"/>
+            </a:solidFill>
+            <a:ln w="19050">
+              <a:solidFill>
+                <a:srgbClr val="0070C0"/>
+              </a:solidFill>
+            </a:ln>
+            <a:effectLst/>
+          </p:spPr>
+          <p:style>
+            <a:lnRef idx="1">
+              <a:schemeClr val="accent2"/>
+            </a:lnRef>
+            <a:fillRef idx="2">
+              <a:schemeClr val="accent2"/>
+            </a:fillRef>
+            <a:effectRef idx="1">
+              <a:schemeClr val="accent2"/>
+            </a:effectRef>
+            <a:fontRef idx="minor">
+              <a:schemeClr val="dk1"/>
+            </a:fontRef>
+          </p:style>
+          <p:txBody>
+            <a:bodyPr rtlCol="0" anchor="ctr"/>
+            <a:lstStyle/>
+            <a:p>
+              <a:pPr algn="ctr"/>
+              <a:r>
+                <a:rPr lang="en-SG" sz="1200" dirty="0">
+                  <a:solidFill>
+                    <a:schemeClr val="tx1"/>
+                  </a:solidFill>
+                </a:rPr>
+                <a:t>l: </a:t>
+              </a:r>
+            </a:p>
+            <a:p>
+              <a:pPr algn="ctr"/>
+              <a:r>
+                <a:rPr lang="en-SG" sz="1200" dirty="0" err="1">
+                  <a:solidFill>
+                    <a:schemeClr val="tx1"/>
+                  </a:solidFill>
+                </a:rPr>
+                <a:t>CustomLegend</a:t>
+              </a:r>
+              <a:endParaRPr lang="en-SG" sz="1200" dirty="0">
+                <a:solidFill>
+                  <a:schemeClr val="tx1"/>
+                </a:solidFill>
+              </a:endParaRPr>
+            </a:p>
+          </p:txBody>
+        </p:sp>
+      </p:grpSp>
+    </p:spTree>
+    <p:extLst>
+      <p:ext uri="{BB962C8B-B14F-4D97-AF65-F5344CB8AC3E}">
+        <p14:creationId xmlns:p14="http://schemas.microsoft.com/office/powerpoint/2010/main" val="3365886356"/>
       </p:ext>
     </p:extLst>
   </p:cSld>

--- a/docs/diagrams/StatisticSequenceDiagrams.pptx
+++ b/docs/diagrams/StatisticSequenceDiagrams.pptx
@@ -210,7 +210,7 @@
           <a:p>
             <a:fld id="{F5CC4B3F-88C1-4FFA-B1B6-F41C21DC6924}" type="datetimeFigureOut">
               <a:rPr lang="en-US" smtClean="0"/>
-              <a:t>11/4/2018</a:t>
+              <a:t>11/12/2018</a:t>
             </a:fld>
             <a:endParaRPr lang="en-US"/>
           </a:p>
@@ -743,7 +743,7 @@
           <a:p>
             <a:fld id="{78C97017-6FC3-485B-9764-EAC9E56C1D49}" type="datetimeFigureOut">
               <a:rPr lang="en-US" smtClean="0"/>
-              <a:t>11/4/2018</a:t>
+              <a:t>11/12/2018</a:t>
             </a:fld>
             <a:endParaRPr lang="en-US"/>
           </a:p>
@@ -911,7 +911,7 @@
           <a:p>
             <a:fld id="{78C97017-6FC3-485B-9764-EAC9E56C1D49}" type="datetimeFigureOut">
               <a:rPr lang="en-US" smtClean="0"/>
-              <a:t>11/4/2018</a:t>
+              <a:t>11/12/2018</a:t>
             </a:fld>
             <a:endParaRPr lang="en-US"/>
           </a:p>
@@ -1089,7 +1089,7 @@
           <a:p>
             <a:fld id="{78C97017-6FC3-485B-9764-EAC9E56C1D49}" type="datetimeFigureOut">
               <a:rPr lang="en-US" smtClean="0"/>
-              <a:t>11/4/2018</a:t>
+              <a:t>11/12/2018</a:t>
             </a:fld>
             <a:endParaRPr lang="en-US"/>
           </a:p>
@@ -1257,7 +1257,7 @@
           <a:p>
             <a:fld id="{78C97017-6FC3-485B-9764-EAC9E56C1D49}" type="datetimeFigureOut">
               <a:rPr lang="en-US" smtClean="0"/>
-              <a:t>11/4/2018</a:t>
+              <a:t>11/12/2018</a:t>
             </a:fld>
             <a:endParaRPr lang="en-US"/>
           </a:p>
@@ -1502,7 +1502,7 @@
           <a:p>
             <a:fld id="{78C97017-6FC3-485B-9764-EAC9E56C1D49}" type="datetimeFigureOut">
               <a:rPr lang="en-US" smtClean="0"/>
-              <a:t>11/4/2018</a:t>
+              <a:t>11/12/2018</a:t>
             </a:fld>
             <a:endParaRPr lang="en-US"/>
           </a:p>
@@ -1787,7 +1787,7 @@
           <a:p>
             <a:fld id="{78C97017-6FC3-485B-9764-EAC9E56C1D49}" type="datetimeFigureOut">
               <a:rPr lang="en-US" smtClean="0"/>
-              <a:t>11/4/2018</a:t>
+              <a:t>11/12/2018</a:t>
             </a:fld>
             <a:endParaRPr lang="en-US"/>
           </a:p>
@@ -2206,7 +2206,7 @@
           <a:p>
             <a:fld id="{78C97017-6FC3-485B-9764-EAC9E56C1D49}" type="datetimeFigureOut">
               <a:rPr lang="en-US" smtClean="0"/>
-              <a:t>11/4/2018</a:t>
+              <a:t>11/12/2018</a:t>
             </a:fld>
             <a:endParaRPr lang="en-US"/>
           </a:p>
@@ -2323,7 +2323,7 @@
           <a:p>
             <a:fld id="{78C97017-6FC3-485B-9764-EAC9E56C1D49}" type="datetimeFigureOut">
               <a:rPr lang="en-US" smtClean="0"/>
-              <a:t>11/4/2018</a:t>
+              <a:t>11/12/2018</a:t>
             </a:fld>
             <a:endParaRPr lang="en-US"/>
           </a:p>
@@ -2418,7 +2418,7 @@
           <a:p>
             <a:fld id="{78C97017-6FC3-485B-9764-EAC9E56C1D49}" type="datetimeFigureOut">
               <a:rPr lang="en-US" smtClean="0"/>
-              <a:t>11/4/2018</a:t>
+              <a:t>11/12/2018</a:t>
             </a:fld>
             <a:endParaRPr lang="en-US"/>
           </a:p>
@@ -2693,7 +2693,7 @@
           <a:p>
             <a:fld id="{78C97017-6FC3-485B-9764-EAC9E56C1D49}" type="datetimeFigureOut">
               <a:rPr lang="en-US" smtClean="0"/>
-              <a:t>11/4/2018</a:t>
+              <a:t>11/12/2018</a:t>
             </a:fld>
             <a:endParaRPr lang="en-US"/>
           </a:p>
@@ -2945,7 +2945,7 @@
           <a:p>
             <a:fld id="{78C97017-6FC3-485B-9764-EAC9E56C1D49}" type="datetimeFigureOut">
               <a:rPr lang="en-US" smtClean="0"/>
-              <a:t>11/4/2018</a:t>
+              <a:t>11/12/2018</a:t>
             </a:fld>
             <a:endParaRPr lang="en-US"/>
           </a:p>
@@ -3156,7 +3156,7 @@
           <a:p>
             <a:fld id="{78C97017-6FC3-485B-9764-EAC9E56C1D49}" type="datetimeFigureOut">
               <a:rPr lang="en-US" smtClean="0"/>
-              <a:t>11/4/2018</a:t>
+              <a:t>11/12/2018</a:t>
             </a:fld>
             <a:endParaRPr lang="en-US"/>
           </a:p>
@@ -6969,10 +6969,10 @@
       </p:grpSpPr>
       <p:grpSp>
         <p:nvGrpSpPr>
-          <p:cNvPr id="39" name="Group 38">
+          <p:cNvPr id="26" name="Group 25">
             <a:extLst>
               <a:ext uri="{FF2B5EF4-FFF2-40B4-BE49-F238E27FC236}">
-                <a16:creationId xmlns:a16="http://schemas.microsoft.com/office/drawing/2014/main" id="{00215E65-B959-4E55-8B18-6EB5BD258916}"/>
+                <a16:creationId xmlns:a16="http://schemas.microsoft.com/office/drawing/2014/main" id="{F1127D4A-6DD6-4890-9798-5D8A7C92742B}"/>
               </a:ext>
             </a:extLst>
           </p:cNvPr>
@@ -6981,10 +6981,10 @@
         </p:nvGrpSpPr>
         <p:grpSpPr>
           <a:xfrm>
-            <a:off x="-539492" y="-3831945"/>
-            <a:ext cx="12350493" cy="13891771"/>
+            <a:off x="-533400" y="-1981200"/>
+            <a:ext cx="12350493" cy="9825381"/>
             <a:chOff x="-539492" y="-3831945"/>
-            <a:chExt cx="12350493" cy="13891771"/>
+            <a:chExt cx="12350493" cy="9825381"/>
           </a:xfrm>
         </p:grpSpPr>
         <p:sp>
@@ -7002,7 +7002,7 @@
           <p:spPr>
             <a:xfrm>
               <a:off x="392523" y="-3831945"/>
-              <a:ext cx="11418478" cy="13891771"/>
+              <a:ext cx="11418478" cy="9825381"/>
             </a:xfrm>
             <a:prstGeom prst="roundRect">
               <a:avLst>
@@ -7063,7 +7063,7 @@
           <p:spPr>
             <a:xfrm>
               <a:off x="6372239" y="-1791592"/>
-              <a:ext cx="0" cy="9062787"/>
+              <a:ext cx="0" cy="6471987"/>
             </a:xfrm>
             <a:prstGeom prst="line">
               <a:avLst/>
@@ -7107,8 +7107,8 @@
           </p:nvCxnSpPr>
           <p:spPr>
             <a:xfrm flipH="1">
-              <a:off x="3808737" y="-2898887"/>
-              <a:ext cx="1" cy="12303682"/>
+              <a:off x="3808739" y="-2898887"/>
+              <a:ext cx="1" cy="8232887"/>
             </a:xfrm>
             <a:prstGeom prst="line">
               <a:avLst/>
@@ -7152,8 +7152,8 @@
           </p:nvCxnSpPr>
           <p:spPr>
             <a:xfrm flipH="1">
-              <a:off x="1860812" y="-3018008"/>
-              <a:ext cx="1" cy="12499003"/>
+              <a:off x="1860814" y="-3018008"/>
+              <a:ext cx="1" cy="8580608"/>
             </a:xfrm>
             <a:prstGeom prst="line">
               <a:avLst/>
@@ -7195,8 +7195,8 @@
           </p:nvSpPr>
           <p:spPr>
             <a:xfrm>
-              <a:off x="1746508" y="-2444829"/>
-              <a:ext cx="208432" cy="11773411"/>
+              <a:off x="1746508" y="-2444828"/>
+              <a:ext cx="208432" cy="7855024"/>
             </a:xfrm>
             <a:prstGeom prst="rect">
               <a:avLst/>
@@ -7487,7 +7487,7 @@
           <p:spPr>
             <a:xfrm>
               <a:off x="3694433" y="-2417567"/>
-              <a:ext cx="209202" cy="11517562"/>
+              <a:ext cx="209202" cy="7599165"/>
             </a:xfrm>
             <a:prstGeom prst="rect">
               <a:avLst/>
@@ -8314,7 +8314,7 @@
           </p:nvCxnSpPr>
           <p:spPr>
             <a:xfrm flipH="1">
-              <a:off x="1975108" y="9099995"/>
+              <a:off x="1975108" y="5181600"/>
               <a:ext cx="1713352" cy="0"/>
             </a:xfrm>
             <a:prstGeom prst="straightConnector1">
@@ -8379,754 +8379,6 @@
               <a:r>
                 <a:rPr lang="en-US" sz="1200" dirty="0"/>
                 <a:t>(data)</a:t>
-              </a:r>
-            </a:p>
-          </p:txBody>
-        </p:sp>
-        <p:cxnSp>
-          <p:nvCxnSpPr>
-            <p:cNvPr id="162" name="Straight Connector 161">
-              <a:extLst>
-                <a:ext uri="{FF2B5EF4-FFF2-40B4-BE49-F238E27FC236}">
-                  <a16:creationId xmlns:a16="http://schemas.microsoft.com/office/drawing/2014/main" id="{3A96E0F6-3DF6-4277-90C5-8E14CCAEAF34}"/>
-                </a:ext>
-              </a:extLst>
-            </p:cNvPr>
-            <p:cNvCxnSpPr>
-              <a:cxnSpLocks/>
-            </p:cNvCxnSpPr>
-            <p:nvPr/>
-          </p:nvCxnSpPr>
-          <p:spPr>
-            <a:xfrm>
-              <a:off x="9684441" y="6771423"/>
-              <a:ext cx="0" cy="575972"/>
-            </a:xfrm>
-            <a:prstGeom prst="line">
-              <a:avLst/>
-            </a:prstGeom>
-            <a:ln w="19050">
-              <a:solidFill>
-                <a:srgbClr val="6CA62C"/>
-              </a:solidFill>
-              <a:prstDash val="sysDash"/>
-            </a:ln>
-            <a:effectLst/>
-          </p:spPr>
-          <p:style>
-            <a:lnRef idx="1">
-              <a:schemeClr val="accent1"/>
-            </a:lnRef>
-            <a:fillRef idx="2">
-              <a:schemeClr val="accent1"/>
-            </a:fillRef>
-            <a:effectRef idx="1">
-              <a:schemeClr val="accent1"/>
-            </a:effectRef>
-            <a:fontRef idx="minor">
-              <a:schemeClr val="dk1"/>
-            </a:fontRef>
-          </p:style>
-        </p:cxnSp>
-        <p:sp>
-          <p:nvSpPr>
-            <p:cNvPr id="67" name="Rectangle 66">
-              <a:extLst>
-                <a:ext uri="{FF2B5EF4-FFF2-40B4-BE49-F238E27FC236}">
-                  <a16:creationId xmlns:a16="http://schemas.microsoft.com/office/drawing/2014/main" id="{0E2B108E-9403-4756-870B-D7D9D2630B8E}"/>
-                </a:ext>
-              </a:extLst>
-            </p:cNvPr>
-            <p:cNvSpPr/>
-            <p:nvPr/>
-          </p:nvSpPr>
-          <p:spPr>
-            <a:xfrm>
-              <a:off x="6250919" y="5692030"/>
-              <a:ext cx="206360" cy="251714"/>
-            </a:xfrm>
-            <a:prstGeom prst="rect">
-              <a:avLst/>
-            </a:prstGeom>
-            <a:solidFill>
-              <a:srgbClr val="92D050"/>
-            </a:solidFill>
-            <a:ln>
-              <a:solidFill>
-                <a:srgbClr val="0070C0"/>
-              </a:solidFill>
-            </a:ln>
-            <a:effectLst/>
-          </p:spPr>
-          <p:style>
-            <a:lnRef idx="1">
-              <a:schemeClr val="accent3"/>
-            </a:lnRef>
-            <a:fillRef idx="2">
-              <a:schemeClr val="accent3"/>
-            </a:fillRef>
-            <a:effectRef idx="1">
-              <a:schemeClr val="accent3"/>
-            </a:effectRef>
-            <a:fontRef idx="minor">
-              <a:schemeClr val="dk1"/>
-            </a:fontRef>
-          </p:style>
-          <p:txBody>
-            <a:bodyPr rtlCol="0" anchor="ctr"/>
-            <a:lstStyle/>
-            <a:p>
-              <a:pPr algn="ctr"/>
-              <a:endParaRPr lang="en-SG" sz="1200"/>
-            </a:p>
-          </p:txBody>
-        </p:sp>
-        <p:cxnSp>
-          <p:nvCxnSpPr>
-            <p:cNvPr id="69" name="Straight Arrow Connector 68">
-              <a:extLst>
-                <a:ext uri="{FF2B5EF4-FFF2-40B4-BE49-F238E27FC236}">
-                  <a16:creationId xmlns:a16="http://schemas.microsoft.com/office/drawing/2014/main" id="{2C4F69AB-37ED-409E-B049-1412DF5E5B55}"/>
-                </a:ext>
-              </a:extLst>
-            </p:cNvPr>
-            <p:cNvCxnSpPr>
-              <a:cxnSpLocks/>
-            </p:cNvCxnSpPr>
-            <p:nvPr/>
-          </p:nvCxnSpPr>
-          <p:spPr>
-            <a:xfrm>
-              <a:off x="3906403" y="5715152"/>
-              <a:ext cx="2344516" cy="0"/>
-            </a:xfrm>
-            <a:prstGeom prst="straightConnector1">
-              <a:avLst/>
-            </a:prstGeom>
-            <a:ln w="19050">
-              <a:solidFill>
-                <a:srgbClr val="00B050"/>
-              </a:solidFill>
-              <a:tailEnd type="arrow"/>
-            </a:ln>
-          </p:spPr>
-          <p:style>
-            <a:lnRef idx="1">
-              <a:schemeClr val="accent1"/>
-            </a:lnRef>
-            <a:fillRef idx="0">
-              <a:schemeClr val="accent1"/>
-            </a:fillRef>
-            <a:effectRef idx="0">
-              <a:schemeClr val="accent1"/>
-            </a:effectRef>
-            <a:fontRef idx="minor">
-              <a:schemeClr val="tx1"/>
-            </a:fontRef>
-          </p:style>
-        </p:cxnSp>
-        <p:cxnSp>
-          <p:nvCxnSpPr>
-            <p:cNvPr id="72" name="Straight Arrow Connector 71">
-              <a:extLst>
-                <a:ext uri="{FF2B5EF4-FFF2-40B4-BE49-F238E27FC236}">
-                  <a16:creationId xmlns:a16="http://schemas.microsoft.com/office/drawing/2014/main" id="{B5840642-638C-4E25-8256-41207CA817B9}"/>
-                </a:ext>
-              </a:extLst>
-            </p:cNvPr>
-            <p:cNvCxnSpPr>
-              <a:cxnSpLocks/>
-            </p:cNvCxnSpPr>
-            <p:nvPr/>
-          </p:nvCxnSpPr>
-          <p:spPr>
-            <a:xfrm flipH="1">
-              <a:off x="3906403" y="5943752"/>
-              <a:ext cx="2327981" cy="0"/>
-            </a:xfrm>
-            <a:prstGeom prst="straightConnector1">
-              <a:avLst/>
-            </a:prstGeom>
-            <a:ln w="19050">
-              <a:solidFill>
-                <a:srgbClr val="00B050"/>
-              </a:solidFill>
-              <a:prstDash val="sysDash"/>
-              <a:tailEnd type="arrow"/>
-            </a:ln>
-          </p:spPr>
-          <p:style>
-            <a:lnRef idx="1">
-              <a:schemeClr val="accent1"/>
-            </a:lnRef>
-            <a:fillRef idx="0">
-              <a:schemeClr val="accent1"/>
-            </a:fillRef>
-            <a:effectRef idx="0">
-              <a:schemeClr val="accent1"/>
-            </a:effectRef>
-            <a:fontRef idx="minor">
-              <a:schemeClr val="tx1"/>
-            </a:fontRef>
-          </p:style>
-        </p:cxnSp>
-        <p:sp>
-          <p:nvSpPr>
-            <p:cNvPr id="77" name="Rectangle 76">
-              <a:extLst>
-                <a:ext uri="{FF2B5EF4-FFF2-40B4-BE49-F238E27FC236}">
-                  <a16:creationId xmlns:a16="http://schemas.microsoft.com/office/drawing/2014/main" id="{80D60099-7E61-4CE3-AFE9-425966B10733}"/>
-                </a:ext>
-              </a:extLst>
-            </p:cNvPr>
-            <p:cNvSpPr/>
-            <p:nvPr/>
-          </p:nvSpPr>
-          <p:spPr>
-            <a:xfrm>
-              <a:off x="6260863" y="6147149"/>
-              <a:ext cx="206360" cy="251714"/>
-            </a:xfrm>
-            <a:prstGeom prst="rect">
-              <a:avLst/>
-            </a:prstGeom>
-            <a:solidFill>
-              <a:srgbClr val="92D050"/>
-            </a:solidFill>
-            <a:ln>
-              <a:solidFill>
-                <a:srgbClr val="0070C0"/>
-              </a:solidFill>
-            </a:ln>
-            <a:effectLst/>
-          </p:spPr>
-          <p:style>
-            <a:lnRef idx="1">
-              <a:schemeClr val="accent3"/>
-            </a:lnRef>
-            <a:fillRef idx="2">
-              <a:schemeClr val="accent3"/>
-            </a:fillRef>
-            <a:effectRef idx="1">
-              <a:schemeClr val="accent3"/>
-            </a:effectRef>
-            <a:fontRef idx="minor">
-              <a:schemeClr val="dk1"/>
-            </a:fontRef>
-          </p:style>
-          <p:txBody>
-            <a:bodyPr rtlCol="0" anchor="ctr"/>
-            <a:lstStyle/>
-            <a:p>
-              <a:pPr algn="ctr"/>
-              <a:endParaRPr lang="en-SG" sz="1200"/>
-            </a:p>
-          </p:txBody>
-        </p:sp>
-        <p:sp>
-          <p:nvSpPr>
-            <p:cNvPr id="78" name="TextBox 77">
-              <a:extLst>
-                <a:ext uri="{FF2B5EF4-FFF2-40B4-BE49-F238E27FC236}">
-                  <a16:creationId xmlns:a16="http://schemas.microsoft.com/office/drawing/2014/main" id="{FD5AD29F-1244-4FCE-AB30-20176E0CC7F2}"/>
-                </a:ext>
-              </a:extLst>
-            </p:cNvPr>
-            <p:cNvSpPr txBox="1"/>
-            <p:nvPr/>
-          </p:nvSpPr>
-          <p:spPr>
-            <a:xfrm>
-              <a:off x="3975265" y="5758086"/>
-              <a:ext cx="1914710" cy="184666"/>
-            </a:xfrm>
-            <a:prstGeom prst="rect">
-              <a:avLst/>
-            </a:prstGeom>
-            <a:noFill/>
-          </p:spPr>
-          <p:txBody>
-            <a:bodyPr wrap="square" lIns="0" tIns="0" rIns="0" bIns="0" rtlCol="0">
-              <a:spAutoFit/>
-            </a:bodyPr>
-            <a:lstStyle/>
-            <a:p>
-              <a:pPr algn="ctr"/>
-              <a:r>
-                <a:rPr lang="en-US" sz="1200" dirty="0" err="1"/>
-                <a:t>incomeLabelData</a:t>
-              </a:r>
-              <a:endParaRPr lang="en-US" sz="1200" dirty="0"/>
-            </a:p>
-          </p:txBody>
-        </p:sp>
-        <p:cxnSp>
-          <p:nvCxnSpPr>
-            <p:cNvPr id="81" name="Straight Arrow Connector 80">
-              <a:extLst>
-                <a:ext uri="{FF2B5EF4-FFF2-40B4-BE49-F238E27FC236}">
-                  <a16:creationId xmlns:a16="http://schemas.microsoft.com/office/drawing/2014/main" id="{1C6B12A1-AFCD-423E-8006-0678A686C8D5}"/>
-                </a:ext>
-              </a:extLst>
-            </p:cNvPr>
-            <p:cNvCxnSpPr>
-              <a:cxnSpLocks/>
-            </p:cNvCxnSpPr>
-            <p:nvPr/>
-          </p:nvCxnSpPr>
-          <p:spPr>
-            <a:xfrm>
-              <a:off x="3927770" y="6147149"/>
-              <a:ext cx="2344516" cy="0"/>
-            </a:xfrm>
-            <a:prstGeom prst="straightConnector1">
-              <a:avLst/>
-            </a:prstGeom>
-            <a:ln w="19050">
-              <a:solidFill>
-                <a:srgbClr val="00B050"/>
-              </a:solidFill>
-              <a:tailEnd type="arrow"/>
-            </a:ln>
-          </p:spPr>
-          <p:style>
-            <a:lnRef idx="1">
-              <a:schemeClr val="accent1"/>
-            </a:lnRef>
-            <a:fillRef idx="0">
-              <a:schemeClr val="accent1"/>
-            </a:fillRef>
-            <a:effectRef idx="0">
-              <a:schemeClr val="accent1"/>
-            </a:effectRef>
-            <a:fontRef idx="minor">
-              <a:schemeClr val="tx1"/>
-            </a:fontRef>
-          </p:style>
-        </p:cxnSp>
-        <p:sp>
-          <p:nvSpPr>
-            <p:cNvPr id="84" name="TextBox 83">
-              <a:extLst>
-                <a:ext uri="{FF2B5EF4-FFF2-40B4-BE49-F238E27FC236}">
-                  <a16:creationId xmlns:a16="http://schemas.microsoft.com/office/drawing/2014/main" id="{6241E4D6-9799-465D-8AA3-F2D80D649D59}"/>
-                </a:ext>
-              </a:extLst>
-            </p:cNvPr>
-            <p:cNvSpPr txBox="1"/>
-            <p:nvPr/>
-          </p:nvSpPr>
-          <p:spPr>
-            <a:xfrm>
-              <a:off x="4116465" y="5952304"/>
-              <a:ext cx="2008729" cy="184666"/>
-            </a:xfrm>
-            <a:prstGeom prst="rect">
-              <a:avLst/>
-            </a:prstGeom>
-            <a:noFill/>
-          </p:spPr>
-          <p:txBody>
-            <a:bodyPr wrap="square" lIns="0" tIns="0" rIns="0" bIns="0" rtlCol="0">
-              <a:spAutoFit/>
-            </a:bodyPr>
-            <a:lstStyle/>
-            <a:p>
-              <a:pPr algn="ctr"/>
-              <a:r>
-                <a:rPr lang="en-US" sz="1200" dirty="0" err="1"/>
-                <a:t>getIncomeChartLegendData</a:t>
-              </a:r>
-              <a:r>
-                <a:rPr lang="en-US" sz="1200" dirty="0"/>
-                <a:t>()</a:t>
-              </a:r>
-            </a:p>
-          </p:txBody>
-        </p:sp>
-        <p:cxnSp>
-          <p:nvCxnSpPr>
-            <p:cNvPr id="86" name="Straight Arrow Connector 85">
-              <a:extLst>
-                <a:ext uri="{FF2B5EF4-FFF2-40B4-BE49-F238E27FC236}">
-                  <a16:creationId xmlns:a16="http://schemas.microsoft.com/office/drawing/2014/main" id="{5CD7FBBA-7843-424D-8892-0366AF6AD2D1}"/>
-                </a:ext>
-              </a:extLst>
-            </p:cNvPr>
-            <p:cNvCxnSpPr>
-              <a:cxnSpLocks/>
-            </p:cNvCxnSpPr>
-            <p:nvPr/>
-          </p:nvCxnSpPr>
-          <p:spPr>
-            <a:xfrm flipH="1">
-              <a:off x="3914670" y="6398863"/>
-              <a:ext cx="2327981" cy="0"/>
-            </a:xfrm>
-            <a:prstGeom prst="straightConnector1">
-              <a:avLst/>
-            </a:prstGeom>
-            <a:ln w="19050">
-              <a:solidFill>
-                <a:srgbClr val="00B050"/>
-              </a:solidFill>
-              <a:prstDash val="sysDash"/>
-              <a:tailEnd type="arrow"/>
-            </a:ln>
-          </p:spPr>
-          <p:style>
-            <a:lnRef idx="1">
-              <a:schemeClr val="accent1"/>
-            </a:lnRef>
-            <a:fillRef idx="0">
-              <a:schemeClr val="accent1"/>
-            </a:fillRef>
-            <a:effectRef idx="0">
-              <a:schemeClr val="accent1"/>
-            </a:effectRef>
-            <a:fontRef idx="minor">
-              <a:schemeClr val="tx1"/>
-            </a:fontRef>
-          </p:style>
-        </p:cxnSp>
-        <p:sp>
-          <p:nvSpPr>
-            <p:cNvPr id="89" name="TextBox 88">
-              <a:extLst>
-                <a:ext uri="{FF2B5EF4-FFF2-40B4-BE49-F238E27FC236}">
-                  <a16:creationId xmlns:a16="http://schemas.microsoft.com/office/drawing/2014/main" id="{20E8073A-A7C5-4223-9604-34EFFC10A41E}"/>
-                </a:ext>
-              </a:extLst>
-            </p:cNvPr>
-            <p:cNvSpPr txBox="1"/>
-            <p:nvPr/>
-          </p:nvSpPr>
-          <p:spPr>
-            <a:xfrm>
-              <a:off x="3989726" y="6232644"/>
-              <a:ext cx="1914710" cy="184666"/>
-            </a:xfrm>
-            <a:prstGeom prst="rect">
-              <a:avLst/>
-            </a:prstGeom>
-            <a:noFill/>
-          </p:spPr>
-          <p:txBody>
-            <a:bodyPr wrap="square" lIns="0" tIns="0" rIns="0" bIns="0" rtlCol="0">
-              <a:spAutoFit/>
-            </a:bodyPr>
-            <a:lstStyle/>
-            <a:p>
-              <a:pPr algn="ctr"/>
-              <a:r>
-                <a:rPr lang="en-US" sz="1200" dirty="0" err="1"/>
-                <a:t>incomeLegendData</a:t>
-              </a:r>
-              <a:endParaRPr lang="en-US" sz="1200" dirty="0"/>
-            </a:p>
-          </p:txBody>
-        </p:sp>
-        <p:cxnSp>
-          <p:nvCxnSpPr>
-            <p:cNvPr id="141" name="Straight Arrow Connector 140">
-              <a:extLst>
-                <a:ext uri="{FF2B5EF4-FFF2-40B4-BE49-F238E27FC236}">
-                  <a16:creationId xmlns:a16="http://schemas.microsoft.com/office/drawing/2014/main" id="{D5843938-E059-4E52-8096-69A98AC672D8}"/>
-                </a:ext>
-              </a:extLst>
-            </p:cNvPr>
-            <p:cNvCxnSpPr>
-              <a:cxnSpLocks/>
-            </p:cNvCxnSpPr>
-            <p:nvPr/>
-          </p:nvCxnSpPr>
-          <p:spPr>
-            <a:xfrm>
-              <a:off x="3923322" y="6771423"/>
-              <a:ext cx="5086103" cy="0"/>
-            </a:xfrm>
-            <a:prstGeom prst="straightConnector1">
-              <a:avLst/>
-            </a:prstGeom>
-            <a:ln w="19050">
-              <a:solidFill>
-                <a:srgbClr val="00B050"/>
-              </a:solidFill>
-              <a:tailEnd type="arrow"/>
-            </a:ln>
-          </p:spPr>
-          <p:style>
-            <a:lnRef idx="1">
-              <a:schemeClr val="accent1"/>
-            </a:lnRef>
-            <a:fillRef idx="0">
-              <a:schemeClr val="accent1"/>
-            </a:fillRef>
-            <a:effectRef idx="0">
-              <a:schemeClr val="accent1"/>
-            </a:effectRef>
-            <a:fontRef idx="minor">
-              <a:schemeClr val="tx1"/>
-            </a:fontRef>
-          </p:style>
-        </p:cxnSp>
-        <p:sp>
-          <p:nvSpPr>
-            <p:cNvPr id="142" name="TextBox 141">
-              <a:extLst>
-                <a:ext uri="{FF2B5EF4-FFF2-40B4-BE49-F238E27FC236}">
-                  <a16:creationId xmlns:a16="http://schemas.microsoft.com/office/drawing/2014/main" id="{1ACCEE04-A23B-4BCD-8947-110D1E5997FC}"/>
-                </a:ext>
-              </a:extLst>
-            </p:cNvPr>
-            <p:cNvSpPr txBox="1"/>
-            <p:nvPr/>
-          </p:nvSpPr>
-          <p:spPr>
-            <a:xfrm>
-              <a:off x="6913270" y="6116565"/>
-              <a:ext cx="1769795" cy="553998"/>
-            </a:xfrm>
-            <a:prstGeom prst="rect">
-              <a:avLst/>
-            </a:prstGeom>
-            <a:noFill/>
-          </p:spPr>
-          <p:txBody>
-            <a:bodyPr wrap="square" lIns="0" tIns="0" rIns="0" bIns="0" rtlCol="0">
-              <a:spAutoFit/>
-            </a:bodyPr>
-            <a:lstStyle/>
-            <a:p>
-              <a:pPr algn="ctr"/>
-              <a:r>
-                <a:rPr lang="en-US" sz="1200" dirty="0" err="1"/>
-                <a:t>CategoryBreakdown</a:t>
-              </a:r>
-              <a:r>
-                <a:rPr lang="en-US" sz="1200" dirty="0"/>
-                <a:t>(</a:t>
-              </a:r>
-              <a:r>
-                <a:rPr lang="en-US" sz="1200" dirty="0" err="1"/>
-                <a:t>incomeLabelData</a:t>
-              </a:r>
-              <a:r>
-                <a:rPr lang="en-US" sz="1200" dirty="0"/>
-                <a:t>, </a:t>
-              </a:r>
-              <a:r>
-                <a:rPr lang="en-US" sz="1200" dirty="0" err="1"/>
-                <a:t>incomeLegendData</a:t>
-              </a:r>
-              <a:r>
-                <a:rPr lang="en-US" sz="1200" dirty="0"/>
-                <a:t>)</a:t>
-              </a:r>
-            </a:p>
-          </p:txBody>
-        </p:sp>
-        <p:sp>
-          <p:nvSpPr>
-            <p:cNvPr id="151" name="Rectangle 150">
-              <a:extLst>
-                <a:ext uri="{FF2B5EF4-FFF2-40B4-BE49-F238E27FC236}">
-                  <a16:creationId xmlns:a16="http://schemas.microsoft.com/office/drawing/2014/main" id="{988E372A-3D2A-4437-9DE3-D70063E747C4}"/>
-                </a:ext>
-              </a:extLst>
-            </p:cNvPr>
-            <p:cNvSpPr/>
-            <p:nvPr/>
-          </p:nvSpPr>
-          <p:spPr>
-            <a:xfrm>
-              <a:off x="9581263" y="6847623"/>
-              <a:ext cx="206356" cy="271165"/>
-            </a:xfrm>
-            <a:prstGeom prst="rect">
-              <a:avLst/>
-            </a:prstGeom>
-            <a:solidFill>
-              <a:srgbClr val="92D050"/>
-            </a:solidFill>
-            <a:ln>
-              <a:solidFill>
-                <a:srgbClr val="0070C0"/>
-              </a:solidFill>
-            </a:ln>
-            <a:effectLst/>
-          </p:spPr>
-          <p:style>
-            <a:lnRef idx="1">
-              <a:schemeClr val="accent3"/>
-            </a:lnRef>
-            <a:fillRef idx="2">
-              <a:schemeClr val="accent3"/>
-            </a:fillRef>
-            <a:effectRef idx="1">
-              <a:schemeClr val="accent3"/>
-            </a:effectRef>
-            <a:fontRef idx="minor">
-              <a:schemeClr val="dk1"/>
-            </a:fontRef>
-          </p:style>
-          <p:txBody>
-            <a:bodyPr rtlCol="0" anchor="ctr"/>
-            <a:lstStyle/>
-            <a:p>
-              <a:pPr algn="ctr"/>
-              <a:endParaRPr lang="en-SG" sz="1200"/>
-            </a:p>
-          </p:txBody>
-        </p:sp>
-        <p:cxnSp>
-          <p:nvCxnSpPr>
-            <p:cNvPr id="152" name="Straight Arrow Connector 151">
-              <a:extLst>
-                <a:ext uri="{FF2B5EF4-FFF2-40B4-BE49-F238E27FC236}">
-                  <a16:creationId xmlns:a16="http://schemas.microsoft.com/office/drawing/2014/main" id="{A25458E2-8502-4A63-9F2D-28EE7EAD4E03}"/>
-                </a:ext>
-              </a:extLst>
-            </p:cNvPr>
-            <p:cNvCxnSpPr>
-              <a:cxnSpLocks/>
-            </p:cNvCxnSpPr>
-            <p:nvPr/>
-          </p:nvCxnSpPr>
-          <p:spPr>
-            <a:xfrm flipH="1">
-              <a:off x="3893052" y="7084607"/>
-              <a:ext cx="5688211" cy="0"/>
-            </a:xfrm>
-            <a:prstGeom prst="straightConnector1">
-              <a:avLst/>
-            </a:prstGeom>
-            <a:ln w="19050">
-              <a:solidFill>
-                <a:srgbClr val="00B050"/>
-              </a:solidFill>
-              <a:prstDash val="sysDash"/>
-              <a:tailEnd type="arrow"/>
-            </a:ln>
-          </p:spPr>
-          <p:style>
-            <a:lnRef idx="1">
-              <a:schemeClr val="accent1"/>
-            </a:lnRef>
-            <a:fillRef idx="0">
-              <a:schemeClr val="accent1"/>
-            </a:fillRef>
-            <a:effectRef idx="0">
-              <a:schemeClr val="accent1"/>
-            </a:effectRef>
-            <a:fontRef idx="minor">
-              <a:schemeClr val="tx1"/>
-            </a:fontRef>
-          </p:style>
-        </p:cxnSp>
-        <p:sp>
-          <p:nvSpPr>
-            <p:cNvPr id="153" name="TextBox 152">
-              <a:extLst>
-                <a:ext uri="{FF2B5EF4-FFF2-40B4-BE49-F238E27FC236}">
-                  <a16:creationId xmlns:a16="http://schemas.microsoft.com/office/drawing/2014/main" id="{DD2F38B1-AFFA-4B1A-B794-93CCDF89112D}"/>
-                </a:ext>
-              </a:extLst>
-            </p:cNvPr>
-            <p:cNvSpPr txBox="1"/>
-            <p:nvPr/>
-          </p:nvSpPr>
-          <p:spPr>
-            <a:xfrm>
-              <a:off x="6309858" y="6813995"/>
-              <a:ext cx="1914710" cy="184666"/>
-            </a:xfrm>
-            <a:prstGeom prst="rect">
-              <a:avLst/>
-            </a:prstGeom>
-            <a:noFill/>
-          </p:spPr>
-          <p:txBody>
-            <a:bodyPr wrap="square" lIns="0" tIns="0" rIns="0" bIns="0" rtlCol="0">
-              <a:spAutoFit/>
-            </a:bodyPr>
-            <a:lstStyle/>
-            <a:p>
-              <a:pPr algn="ctr"/>
-              <a:r>
-                <a:rPr lang="en-US" sz="1200" dirty="0"/>
-                <a:t>ci</a:t>
-              </a:r>
-            </a:p>
-          </p:txBody>
-        </p:sp>
-        <p:sp>
-          <p:nvSpPr>
-            <p:cNvPr id="160" name="Rectangle 62">
-              <a:extLst>
-                <a:ext uri="{FF2B5EF4-FFF2-40B4-BE49-F238E27FC236}">
-                  <a16:creationId xmlns:a16="http://schemas.microsoft.com/office/drawing/2014/main" id="{A3037472-AA6D-4009-98DA-F1BFBA8D965F}"/>
-                </a:ext>
-              </a:extLst>
-            </p:cNvPr>
-            <p:cNvSpPr/>
-            <p:nvPr/>
-          </p:nvSpPr>
-          <p:spPr>
-            <a:xfrm>
-              <a:off x="9009425" y="6104406"/>
-              <a:ext cx="1327007" cy="762000"/>
-            </a:xfrm>
-            <a:prstGeom prst="rect">
-              <a:avLst/>
-            </a:prstGeom>
-            <a:solidFill>
-              <a:srgbClr val="92D050"/>
-            </a:solidFill>
-            <a:ln w="19050">
-              <a:solidFill>
-                <a:srgbClr val="0070C0"/>
-              </a:solidFill>
-            </a:ln>
-            <a:effectLst/>
-          </p:spPr>
-          <p:style>
-            <a:lnRef idx="1">
-              <a:schemeClr val="accent2"/>
-            </a:lnRef>
-            <a:fillRef idx="2">
-              <a:schemeClr val="accent2"/>
-            </a:fillRef>
-            <a:effectRef idx="1">
-              <a:schemeClr val="accent2"/>
-            </a:effectRef>
-            <a:fontRef idx="minor">
-              <a:schemeClr val="dk1"/>
-            </a:fontRef>
-          </p:style>
-          <p:txBody>
-            <a:bodyPr rtlCol="0" anchor="ctr"/>
-            <a:lstStyle/>
-            <a:p>
-              <a:pPr algn="ctr"/>
-              <a:r>
-                <a:rPr lang="en-SG" sz="1200" dirty="0">
-                  <a:solidFill>
-                    <a:schemeClr val="tx1"/>
-                  </a:solidFill>
-                </a:rPr>
-                <a:t>ci: Category</a:t>
-              </a:r>
-            </a:p>
-            <a:p>
-              <a:pPr algn="ctr"/>
-              <a:r>
-                <a:rPr lang="en-SG" sz="1200" dirty="0">
-                  <a:solidFill>
-                    <a:schemeClr val="tx1"/>
-                  </a:solidFill>
-                </a:rPr>
-                <a:t>Breakdown</a:t>
               </a:r>
             </a:p>
           </p:txBody>
@@ -10678,796 +9930,6 @@
             </a:p>
           </p:txBody>
         </p:sp>
-        <p:sp>
-          <p:nvSpPr>
-            <p:cNvPr id="176" name="TextBox 175">
-              <a:extLst>
-                <a:ext uri="{FF2B5EF4-FFF2-40B4-BE49-F238E27FC236}">
-                  <a16:creationId xmlns:a16="http://schemas.microsoft.com/office/drawing/2014/main" id="{B52CE6D9-49FB-44B1-8F81-2F350DA78589}"/>
-                </a:ext>
-              </a:extLst>
-            </p:cNvPr>
-            <p:cNvSpPr txBox="1"/>
-            <p:nvPr/>
-          </p:nvSpPr>
-          <p:spPr>
-            <a:xfrm>
-              <a:off x="4067392" y="5529384"/>
-              <a:ext cx="1914710" cy="184666"/>
-            </a:xfrm>
-            <a:prstGeom prst="rect">
-              <a:avLst/>
-            </a:prstGeom>
-            <a:noFill/>
-          </p:spPr>
-          <p:txBody>
-            <a:bodyPr wrap="square" lIns="0" tIns="0" rIns="0" bIns="0" rtlCol="0">
-              <a:spAutoFit/>
-            </a:bodyPr>
-            <a:lstStyle/>
-            <a:p>
-              <a:pPr algn="ctr"/>
-              <a:r>
-                <a:rPr lang="en-US" sz="1200" dirty="0" err="1"/>
-                <a:t>getIncomeChartLabelData</a:t>
-              </a:r>
-              <a:r>
-                <a:rPr lang="en-US" sz="1200" dirty="0"/>
-                <a:t>()</a:t>
-              </a:r>
-            </a:p>
-          </p:txBody>
-        </p:sp>
-        <p:sp>
-          <p:nvSpPr>
-            <p:cNvPr id="177" name="Rectangle 176">
-              <a:extLst>
-                <a:ext uri="{FF2B5EF4-FFF2-40B4-BE49-F238E27FC236}">
-                  <a16:creationId xmlns:a16="http://schemas.microsoft.com/office/drawing/2014/main" id="{440D8535-36C8-4E6B-B697-876C9B7CF2D1}"/>
-                </a:ext>
-              </a:extLst>
-            </p:cNvPr>
-            <p:cNvSpPr/>
-            <p:nvPr/>
-          </p:nvSpPr>
-          <p:spPr>
-            <a:xfrm>
-              <a:off x="2631400" y="5185787"/>
-              <a:ext cx="8388996" cy="3174836"/>
-            </a:xfrm>
-            <a:prstGeom prst="rect">
-              <a:avLst/>
-            </a:prstGeom>
-            <a:noFill/>
-            <a:ln>
-              <a:solidFill>
-                <a:srgbClr val="00B050"/>
-              </a:solidFill>
-            </a:ln>
-          </p:spPr>
-          <p:style>
-            <a:lnRef idx="2">
-              <a:schemeClr val="accent1">
-                <a:shade val="50000"/>
-              </a:schemeClr>
-            </a:lnRef>
-            <a:fillRef idx="1">
-              <a:schemeClr val="accent1"/>
-            </a:fillRef>
-            <a:effectRef idx="0">
-              <a:schemeClr val="accent1"/>
-            </a:effectRef>
-            <a:fontRef idx="minor">
-              <a:schemeClr val="lt1"/>
-            </a:fontRef>
-          </p:style>
-          <p:txBody>
-            <a:bodyPr rtlCol="0" anchor="ctr"/>
-            <a:lstStyle/>
-            <a:p>
-              <a:pPr algn="ctr"/>
-              <a:endParaRPr lang="en-SG"/>
-            </a:p>
-          </p:txBody>
-        </p:sp>
-        <p:sp>
-          <p:nvSpPr>
-            <p:cNvPr id="178" name="Rectangle: Diagonal Corners Rounded 177">
-              <a:extLst>
-                <a:ext uri="{FF2B5EF4-FFF2-40B4-BE49-F238E27FC236}">
-                  <a16:creationId xmlns:a16="http://schemas.microsoft.com/office/drawing/2014/main" id="{F76E804B-011D-4186-BF8B-B04970D472A4}"/>
-                </a:ext>
-              </a:extLst>
-            </p:cNvPr>
-            <p:cNvSpPr/>
-            <p:nvPr/>
-          </p:nvSpPr>
-          <p:spPr>
-            <a:xfrm>
-              <a:off x="2625919" y="5185787"/>
-              <a:ext cx="742594" cy="361973"/>
-            </a:xfrm>
-            <a:prstGeom prst="round2DiagRect">
-              <a:avLst/>
-            </a:prstGeom>
-            <a:noFill/>
-            <a:ln>
-              <a:solidFill>
-                <a:srgbClr val="70AC2E"/>
-              </a:solidFill>
-            </a:ln>
-          </p:spPr>
-          <p:style>
-            <a:lnRef idx="2">
-              <a:schemeClr val="accent1">
-                <a:shade val="50000"/>
-              </a:schemeClr>
-            </a:lnRef>
-            <a:fillRef idx="1">
-              <a:schemeClr val="accent1"/>
-            </a:fillRef>
-            <a:effectRef idx="0">
-              <a:schemeClr val="accent1"/>
-            </a:effectRef>
-            <a:fontRef idx="minor">
-              <a:schemeClr val="lt1"/>
-            </a:fontRef>
-          </p:style>
-          <p:txBody>
-            <a:bodyPr rtlCol="0" anchor="ctr"/>
-            <a:lstStyle/>
-            <a:p>
-              <a:pPr algn="ctr"/>
-              <a:r>
-                <a:rPr lang="en-SG" sz="1200" dirty="0">
-                  <a:solidFill>
-                    <a:schemeClr val="tx1"/>
-                  </a:solidFill>
-                </a:rPr>
-                <a:t>alt</a:t>
-              </a:r>
-            </a:p>
-          </p:txBody>
-        </p:sp>
-        <p:cxnSp>
-          <p:nvCxnSpPr>
-            <p:cNvPr id="179" name="Straight Connector 178">
-              <a:extLst>
-                <a:ext uri="{FF2B5EF4-FFF2-40B4-BE49-F238E27FC236}">
-                  <a16:creationId xmlns:a16="http://schemas.microsoft.com/office/drawing/2014/main" id="{7867A75F-7054-4423-A816-C962DC33CC4B}"/>
-                </a:ext>
-              </a:extLst>
-            </p:cNvPr>
-            <p:cNvCxnSpPr>
-              <a:cxnSpLocks/>
-            </p:cNvCxnSpPr>
-            <p:nvPr/>
-          </p:nvCxnSpPr>
-          <p:spPr>
-            <a:xfrm>
-              <a:off x="2616112" y="7499795"/>
-              <a:ext cx="8404284" cy="0"/>
-            </a:xfrm>
-            <a:prstGeom prst="line">
-              <a:avLst/>
-            </a:prstGeom>
-            <a:ln w="19050">
-              <a:solidFill>
-                <a:srgbClr val="00B050"/>
-              </a:solidFill>
-              <a:prstDash val="sysDash"/>
-            </a:ln>
-          </p:spPr>
-          <p:style>
-            <a:lnRef idx="1">
-              <a:schemeClr val="accent1"/>
-            </a:lnRef>
-            <a:fillRef idx="0">
-              <a:schemeClr val="accent1"/>
-            </a:fillRef>
-            <a:effectRef idx="0">
-              <a:schemeClr val="accent1"/>
-            </a:effectRef>
-            <a:fontRef idx="minor">
-              <a:schemeClr val="tx1"/>
-            </a:fontRef>
-          </p:style>
-        </p:cxnSp>
-        <p:sp>
-          <p:nvSpPr>
-            <p:cNvPr id="180" name="TextBox 179">
-              <a:extLst>
-                <a:ext uri="{FF2B5EF4-FFF2-40B4-BE49-F238E27FC236}">
-                  <a16:creationId xmlns:a16="http://schemas.microsoft.com/office/drawing/2014/main" id="{E3838506-F1E9-4EEF-9647-6C031D2079E9}"/>
-                </a:ext>
-              </a:extLst>
-            </p:cNvPr>
-            <p:cNvSpPr txBox="1"/>
-            <p:nvPr/>
-          </p:nvSpPr>
-          <p:spPr>
-            <a:xfrm>
-              <a:off x="4100635" y="5281286"/>
-              <a:ext cx="1914710" cy="184666"/>
-            </a:xfrm>
-            <a:prstGeom prst="rect">
-              <a:avLst/>
-            </a:prstGeom>
-            <a:noFill/>
-          </p:spPr>
-          <p:txBody>
-            <a:bodyPr wrap="square" lIns="0" tIns="0" rIns="0" bIns="0" rtlCol="0">
-              <a:spAutoFit/>
-            </a:bodyPr>
-            <a:lstStyle/>
-            <a:p>
-              <a:pPr algn="ctr"/>
-              <a:r>
-                <a:rPr lang="en-US" sz="1200" dirty="0">
-                  <a:solidFill>
-                    <a:srgbClr val="00B050"/>
-                  </a:solidFill>
-                </a:rPr>
-                <a:t>[</a:t>
-              </a:r>
-              <a:r>
-                <a:rPr lang="en-US" sz="1200" dirty="0" err="1">
-                  <a:solidFill>
-                    <a:srgbClr val="00B050"/>
-                  </a:solidFill>
-                </a:rPr>
-                <a:t>cond</a:t>
-              </a:r>
-              <a:r>
-                <a:rPr lang="en-US" sz="1200" dirty="0">
-                  <a:solidFill>
-                    <a:srgbClr val="00B050"/>
-                  </a:solidFill>
-                </a:rPr>
-                <a:t> == true]</a:t>
-              </a:r>
-            </a:p>
-          </p:txBody>
-        </p:sp>
-        <p:sp>
-          <p:nvSpPr>
-            <p:cNvPr id="181" name="Rectangle 180">
-              <a:extLst>
-                <a:ext uri="{FF2B5EF4-FFF2-40B4-BE49-F238E27FC236}">
-                  <a16:creationId xmlns:a16="http://schemas.microsoft.com/office/drawing/2014/main" id="{1DE56E68-D495-41EA-A7B5-4AA653B2E62D}"/>
-                </a:ext>
-              </a:extLst>
-            </p:cNvPr>
-            <p:cNvSpPr/>
-            <p:nvPr/>
-          </p:nvSpPr>
-          <p:spPr>
-            <a:xfrm>
-              <a:off x="6263816" y="4791326"/>
-              <a:ext cx="206360" cy="251714"/>
-            </a:xfrm>
-            <a:prstGeom prst="rect">
-              <a:avLst/>
-            </a:prstGeom>
-            <a:solidFill>
-              <a:srgbClr val="92D050"/>
-            </a:solidFill>
-            <a:ln>
-              <a:solidFill>
-                <a:srgbClr val="0070C0"/>
-              </a:solidFill>
-            </a:ln>
-            <a:effectLst/>
-          </p:spPr>
-          <p:style>
-            <a:lnRef idx="1">
-              <a:schemeClr val="accent3"/>
-            </a:lnRef>
-            <a:fillRef idx="2">
-              <a:schemeClr val="accent3"/>
-            </a:fillRef>
-            <a:effectRef idx="1">
-              <a:schemeClr val="accent3"/>
-            </a:effectRef>
-            <a:fontRef idx="minor">
-              <a:schemeClr val="dk1"/>
-            </a:fontRef>
-          </p:style>
-          <p:txBody>
-            <a:bodyPr rtlCol="0" anchor="ctr"/>
-            <a:lstStyle/>
-            <a:p>
-              <a:pPr algn="ctr"/>
-              <a:endParaRPr lang="en-SG" sz="1200"/>
-            </a:p>
-          </p:txBody>
-        </p:sp>
-        <p:cxnSp>
-          <p:nvCxnSpPr>
-            <p:cNvPr id="182" name="Straight Arrow Connector 181">
-              <a:extLst>
-                <a:ext uri="{FF2B5EF4-FFF2-40B4-BE49-F238E27FC236}">
-                  <a16:creationId xmlns:a16="http://schemas.microsoft.com/office/drawing/2014/main" id="{4A107890-3799-46AF-863E-8C245662E875}"/>
-                </a:ext>
-              </a:extLst>
-            </p:cNvPr>
-            <p:cNvCxnSpPr>
-              <a:cxnSpLocks/>
-            </p:cNvCxnSpPr>
-            <p:nvPr/>
-          </p:nvCxnSpPr>
-          <p:spPr>
-            <a:xfrm>
-              <a:off x="3895564" y="4784332"/>
-              <a:ext cx="2344516" cy="0"/>
-            </a:xfrm>
-            <a:prstGeom prst="straightConnector1">
-              <a:avLst/>
-            </a:prstGeom>
-            <a:ln w="19050">
-              <a:solidFill>
-                <a:srgbClr val="00B050"/>
-              </a:solidFill>
-              <a:tailEnd type="arrow"/>
-            </a:ln>
-          </p:spPr>
-          <p:style>
-            <a:lnRef idx="1">
-              <a:schemeClr val="accent1"/>
-            </a:lnRef>
-            <a:fillRef idx="0">
-              <a:schemeClr val="accent1"/>
-            </a:fillRef>
-            <a:effectRef idx="0">
-              <a:schemeClr val="accent1"/>
-            </a:effectRef>
-            <a:fontRef idx="minor">
-              <a:schemeClr val="tx1"/>
-            </a:fontRef>
-          </p:style>
-        </p:cxnSp>
-        <p:cxnSp>
-          <p:nvCxnSpPr>
-            <p:cNvPr id="183" name="Straight Arrow Connector 182">
-              <a:extLst>
-                <a:ext uri="{FF2B5EF4-FFF2-40B4-BE49-F238E27FC236}">
-                  <a16:creationId xmlns:a16="http://schemas.microsoft.com/office/drawing/2014/main" id="{E4FE579A-6169-4CBD-98A6-A65EB74904AD}"/>
-                </a:ext>
-              </a:extLst>
-            </p:cNvPr>
-            <p:cNvCxnSpPr>
-              <a:cxnSpLocks/>
-            </p:cNvCxnSpPr>
-            <p:nvPr/>
-          </p:nvCxnSpPr>
-          <p:spPr>
-            <a:xfrm flipH="1">
-              <a:off x="3893052" y="5043040"/>
-              <a:ext cx="2327981" cy="0"/>
-            </a:xfrm>
-            <a:prstGeom prst="straightConnector1">
-              <a:avLst/>
-            </a:prstGeom>
-            <a:ln w="19050">
-              <a:solidFill>
-                <a:srgbClr val="00B050"/>
-              </a:solidFill>
-              <a:prstDash val="sysDash"/>
-              <a:tailEnd type="arrow"/>
-            </a:ln>
-          </p:spPr>
-          <p:style>
-            <a:lnRef idx="1">
-              <a:schemeClr val="accent1"/>
-            </a:lnRef>
-            <a:fillRef idx="0">
-              <a:schemeClr val="accent1"/>
-            </a:fillRef>
-            <a:effectRef idx="0">
-              <a:schemeClr val="accent1"/>
-            </a:effectRef>
-            <a:fontRef idx="minor">
-              <a:schemeClr val="tx1"/>
-            </a:fontRef>
-          </p:style>
-        </p:cxnSp>
-        <p:sp>
-          <p:nvSpPr>
-            <p:cNvPr id="185" name="TextBox 184">
-              <a:extLst>
-                <a:ext uri="{FF2B5EF4-FFF2-40B4-BE49-F238E27FC236}">
-                  <a16:creationId xmlns:a16="http://schemas.microsoft.com/office/drawing/2014/main" id="{4A6EFE76-EAF4-4282-8DDD-9DD177296168}"/>
-                </a:ext>
-              </a:extLst>
-            </p:cNvPr>
-            <p:cNvSpPr txBox="1"/>
-            <p:nvPr/>
-          </p:nvSpPr>
-          <p:spPr>
-            <a:xfrm>
-              <a:off x="3916905" y="4542552"/>
-              <a:ext cx="2063600" cy="184666"/>
-            </a:xfrm>
-            <a:prstGeom prst="rect">
-              <a:avLst/>
-            </a:prstGeom>
-            <a:noFill/>
-          </p:spPr>
-          <p:txBody>
-            <a:bodyPr wrap="square" lIns="0" tIns="0" rIns="0" bIns="0" rtlCol="0">
-              <a:spAutoFit/>
-            </a:bodyPr>
-            <a:lstStyle/>
-            <a:p>
-              <a:pPr algn="ctr"/>
-              <a:r>
-                <a:rPr lang="en-US" sz="1200" dirty="0" err="1"/>
-                <a:t>isIncomeDataEmpty</a:t>
-              </a:r>
-              <a:r>
-                <a:rPr lang="en-US" sz="1200" dirty="0"/>
-                <a:t>()</a:t>
-              </a:r>
-            </a:p>
-          </p:txBody>
-        </p:sp>
-        <p:sp>
-          <p:nvSpPr>
-            <p:cNvPr id="186" name="TextBox 185">
-              <a:extLst>
-                <a:ext uri="{FF2B5EF4-FFF2-40B4-BE49-F238E27FC236}">
-                  <a16:creationId xmlns:a16="http://schemas.microsoft.com/office/drawing/2014/main" id="{58D1E612-B248-443F-A577-AA4F9F4F24CC}"/>
-                </a:ext>
-              </a:extLst>
-            </p:cNvPr>
-            <p:cNvSpPr txBox="1"/>
-            <p:nvPr/>
-          </p:nvSpPr>
-          <p:spPr>
-            <a:xfrm>
-              <a:off x="4066021" y="4858679"/>
-              <a:ext cx="2063600" cy="184666"/>
-            </a:xfrm>
-            <a:prstGeom prst="rect">
-              <a:avLst/>
-            </a:prstGeom>
-            <a:noFill/>
-          </p:spPr>
-          <p:txBody>
-            <a:bodyPr wrap="square" lIns="0" tIns="0" rIns="0" bIns="0" rtlCol="0">
-              <a:spAutoFit/>
-            </a:bodyPr>
-            <a:lstStyle/>
-            <a:p>
-              <a:pPr algn="ctr"/>
-              <a:r>
-                <a:rPr lang="en-US" sz="1200" dirty="0" err="1"/>
-                <a:t>cond</a:t>
-              </a:r>
-              <a:endParaRPr lang="en-US" sz="1200" dirty="0"/>
-            </a:p>
-          </p:txBody>
-        </p:sp>
-        <p:sp>
-          <p:nvSpPr>
-            <p:cNvPr id="187" name="Rectangle 186">
-              <a:extLst>
-                <a:ext uri="{FF2B5EF4-FFF2-40B4-BE49-F238E27FC236}">
-                  <a16:creationId xmlns:a16="http://schemas.microsoft.com/office/drawing/2014/main" id="{387C4F8D-3F81-4CEE-A6FF-6854FD0591EC}"/>
-                </a:ext>
-              </a:extLst>
-            </p:cNvPr>
-            <p:cNvSpPr/>
-            <p:nvPr/>
-          </p:nvSpPr>
-          <p:spPr>
-            <a:xfrm>
-              <a:off x="3799005" y="8010081"/>
-              <a:ext cx="206360" cy="251714"/>
-            </a:xfrm>
-            <a:prstGeom prst="rect">
-              <a:avLst/>
-            </a:prstGeom>
-            <a:solidFill>
-              <a:srgbClr val="92D050"/>
-            </a:solidFill>
-            <a:ln>
-              <a:solidFill>
-                <a:srgbClr val="0070C0"/>
-              </a:solidFill>
-            </a:ln>
-            <a:effectLst/>
-          </p:spPr>
-          <p:style>
-            <a:lnRef idx="1">
-              <a:schemeClr val="accent3"/>
-            </a:lnRef>
-            <a:fillRef idx="2">
-              <a:schemeClr val="accent3"/>
-            </a:fillRef>
-            <a:effectRef idx="1">
-              <a:schemeClr val="accent3"/>
-            </a:effectRef>
-            <a:fontRef idx="minor">
-              <a:schemeClr val="dk1"/>
-            </a:fontRef>
-          </p:style>
-          <p:txBody>
-            <a:bodyPr rtlCol="0" anchor="ctr"/>
-            <a:lstStyle/>
-            <a:p>
-              <a:pPr algn="ctr"/>
-              <a:endParaRPr lang="en-SG" sz="1200"/>
-            </a:p>
-          </p:txBody>
-        </p:sp>
-        <p:cxnSp>
-          <p:nvCxnSpPr>
-            <p:cNvPr id="188" name="Connector: Curved 187">
-              <a:extLst>
-                <a:ext uri="{FF2B5EF4-FFF2-40B4-BE49-F238E27FC236}">
-                  <a16:creationId xmlns:a16="http://schemas.microsoft.com/office/drawing/2014/main" id="{AC878825-51DC-44F7-9F21-99D36B25A68C}"/>
-                </a:ext>
-              </a:extLst>
-            </p:cNvPr>
-            <p:cNvCxnSpPr>
-              <a:cxnSpLocks/>
-            </p:cNvCxnSpPr>
-            <p:nvPr/>
-          </p:nvCxnSpPr>
-          <p:spPr>
-            <a:xfrm rot="16200000" flipH="1">
-              <a:off x="3903203" y="7965564"/>
-              <a:ext cx="148766" cy="73926"/>
-            </a:xfrm>
-            <a:prstGeom prst="curvedConnector4">
-              <a:avLst>
-                <a:gd name="adj1" fmla="val -15714"/>
-                <a:gd name="adj2" fmla="val 240699"/>
-              </a:avLst>
-            </a:prstGeom>
-            <a:ln>
-              <a:solidFill>
-                <a:srgbClr val="00B050"/>
-              </a:solidFill>
-              <a:tailEnd type="triangle"/>
-            </a:ln>
-          </p:spPr>
-          <p:style>
-            <a:lnRef idx="1">
-              <a:schemeClr val="accent1"/>
-            </a:lnRef>
-            <a:fillRef idx="0">
-              <a:schemeClr val="accent1"/>
-            </a:fillRef>
-            <a:effectRef idx="0">
-              <a:schemeClr val="accent1"/>
-            </a:effectRef>
-            <a:fontRef idx="minor">
-              <a:schemeClr val="tx1"/>
-            </a:fontRef>
-          </p:style>
-        </p:cxnSp>
-        <p:sp>
-          <p:nvSpPr>
-            <p:cNvPr id="189" name="TextBox 188">
-              <a:extLst>
-                <a:ext uri="{FF2B5EF4-FFF2-40B4-BE49-F238E27FC236}">
-                  <a16:creationId xmlns:a16="http://schemas.microsoft.com/office/drawing/2014/main" id="{CAA67A15-F078-44E7-BC02-5F3AD7B1232E}"/>
-                </a:ext>
-              </a:extLst>
-            </p:cNvPr>
-            <p:cNvSpPr txBox="1"/>
-            <p:nvPr/>
-          </p:nvSpPr>
-          <p:spPr>
-            <a:xfrm>
-              <a:off x="3938349" y="7499795"/>
-              <a:ext cx="1914710" cy="184666"/>
-            </a:xfrm>
-            <a:prstGeom prst="rect">
-              <a:avLst/>
-            </a:prstGeom>
-            <a:noFill/>
-          </p:spPr>
-          <p:txBody>
-            <a:bodyPr wrap="square" lIns="0" tIns="0" rIns="0" bIns="0" rtlCol="0">
-              <a:spAutoFit/>
-            </a:bodyPr>
-            <a:lstStyle/>
-            <a:p>
-              <a:pPr algn="ctr"/>
-              <a:r>
-                <a:rPr lang="en-US" sz="1200" dirty="0">
-                  <a:solidFill>
-                    <a:srgbClr val="00B050"/>
-                  </a:solidFill>
-                </a:rPr>
-                <a:t>[else]</a:t>
-              </a:r>
-            </a:p>
-          </p:txBody>
-        </p:sp>
-        <p:sp>
-          <p:nvSpPr>
-            <p:cNvPr id="190" name="TextBox 189">
-              <a:extLst>
-                <a:ext uri="{FF2B5EF4-FFF2-40B4-BE49-F238E27FC236}">
-                  <a16:creationId xmlns:a16="http://schemas.microsoft.com/office/drawing/2014/main" id="{0E41B87A-75B5-4034-8076-C9A85F7D62E7}"/>
-                </a:ext>
-              </a:extLst>
-            </p:cNvPr>
-            <p:cNvSpPr txBox="1"/>
-            <p:nvPr/>
-          </p:nvSpPr>
-          <p:spPr>
-            <a:xfrm>
-              <a:off x="3970050" y="7663631"/>
-              <a:ext cx="1945953" cy="184666"/>
-            </a:xfrm>
-            <a:prstGeom prst="rect">
-              <a:avLst/>
-            </a:prstGeom>
-            <a:noFill/>
-          </p:spPr>
-          <p:txBody>
-            <a:bodyPr wrap="square" lIns="0" tIns="0" rIns="0" bIns="0" rtlCol="0">
-              <a:spAutoFit/>
-            </a:bodyPr>
-            <a:lstStyle/>
-            <a:p>
-              <a:pPr algn="ctr"/>
-              <a:r>
-                <a:rPr lang="en-US" sz="1200" dirty="0" err="1"/>
-                <a:t>createPaneWithErrorMsg</a:t>
-              </a:r>
-              <a:r>
-                <a:rPr lang="en-US" sz="1200" dirty="0"/>
-                <a:t>()</a:t>
-              </a:r>
-            </a:p>
-          </p:txBody>
-        </p:sp>
-        <p:sp>
-          <p:nvSpPr>
-            <p:cNvPr id="191" name="Rectangle 190">
-              <a:extLst>
-                <a:ext uri="{FF2B5EF4-FFF2-40B4-BE49-F238E27FC236}">
-                  <a16:creationId xmlns:a16="http://schemas.microsoft.com/office/drawing/2014/main" id="{16F18E50-799B-483F-AE8E-929592127C8B}"/>
-                </a:ext>
-              </a:extLst>
-            </p:cNvPr>
-            <p:cNvSpPr/>
-            <p:nvPr/>
-          </p:nvSpPr>
-          <p:spPr>
-            <a:xfrm>
-              <a:off x="3785949" y="8662567"/>
-              <a:ext cx="206360" cy="251714"/>
-            </a:xfrm>
-            <a:prstGeom prst="rect">
-              <a:avLst/>
-            </a:prstGeom>
-            <a:solidFill>
-              <a:srgbClr val="92D050"/>
-            </a:solidFill>
-            <a:ln>
-              <a:solidFill>
-                <a:srgbClr val="0070C0"/>
-              </a:solidFill>
-            </a:ln>
-            <a:effectLst/>
-          </p:spPr>
-          <p:style>
-            <a:lnRef idx="1">
-              <a:schemeClr val="accent3"/>
-            </a:lnRef>
-            <a:fillRef idx="2">
-              <a:schemeClr val="accent3"/>
-            </a:fillRef>
-            <a:effectRef idx="1">
-              <a:schemeClr val="accent3"/>
-            </a:effectRef>
-            <a:fontRef idx="minor">
-              <a:schemeClr val="dk1"/>
-            </a:fontRef>
-          </p:style>
-          <p:txBody>
-            <a:bodyPr rtlCol="0" anchor="ctr"/>
-            <a:lstStyle/>
-            <a:p>
-              <a:pPr algn="ctr"/>
-              <a:endParaRPr lang="en-SG" sz="1200"/>
-            </a:p>
-          </p:txBody>
-        </p:sp>
-        <p:cxnSp>
-          <p:nvCxnSpPr>
-            <p:cNvPr id="192" name="Connector: Curved 191">
-              <a:extLst>
-                <a:ext uri="{FF2B5EF4-FFF2-40B4-BE49-F238E27FC236}">
-                  <a16:creationId xmlns:a16="http://schemas.microsoft.com/office/drawing/2014/main" id="{45AF381F-0378-4612-B760-98948CA2FD31}"/>
-                </a:ext>
-              </a:extLst>
-            </p:cNvPr>
-            <p:cNvCxnSpPr>
-              <a:cxnSpLocks/>
-            </p:cNvCxnSpPr>
-            <p:nvPr/>
-          </p:nvCxnSpPr>
-          <p:spPr>
-            <a:xfrm rot="16200000" flipH="1">
-              <a:off x="3890147" y="8618050"/>
-              <a:ext cx="148766" cy="73926"/>
-            </a:xfrm>
-            <a:prstGeom prst="curvedConnector4">
-              <a:avLst>
-                <a:gd name="adj1" fmla="val -15714"/>
-                <a:gd name="adj2" fmla="val 240699"/>
-              </a:avLst>
-            </a:prstGeom>
-            <a:ln>
-              <a:solidFill>
-                <a:srgbClr val="00B050"/>
-              </a:solidFill>
-              <a:tailEnd type="triangle"/>
-            </a:ln>
-          </p:spPr>
-          <p:style>
-            <a:lnRef idx="1">
-              <a:schemeClr val="accent1"/>
-            </a:lnRef>
-            <a:fillRef idx="0">
-              <a:schemeClr val="accent1"/>
-            </a:fillRef>
-            <a:effectRef idx="0">
-              <a:schemeClr val="accent1"/>
-            </a:effectRef>
-            <a:fontRef idx="minor">
-              <a:schemeClr val="tx1"/>
-            </a:fontRef>
-          </p:style>
-        </p:cxnSp>
-        <p:sp>
-          <p:nvSpPr>
-            <p:cNvPr id="193" name="TextBox 192">
-              <a:extLst>
-                <a:ext uri="{FF2B5EF4-FFF2-40B4-BE49-F238E27FC236}">
-                  <a16:creationId xmlns:a16="http://schemas.microsoft.com/office/drawing/2014/main" id="{0D1D2B87-77E2-4D02-A1FC-7030CC8B1078}"/>
-                </a:ext>
-              </a:extLst>
-            </p:cNvPr>
-            <p:cNvSpPr txBox="1"/>
-            <p:nvPr/>
-          </p:nvSpPr>
-          <p:spPr>
-            <a:xfrm>
-              <a:off x="4071034" y="8496117"/>
-              <a:ext cx="777834" cy="184666"/>
-            </a:xfrm>
-            <a:prstGeom prst="rect">
-              <a:avLst/>
-            </a:prstGeom>
-            <a:noFill/>
-          </p:spPr>
-          <p:txBody>
-            <a:bodyPr wrap="square" lIns="0" tIns="0" rIns="0" bIns="0" rtlCol="0">
-              <a:spAutoFit/>
-            </a:bodyPr>
-            <a:lstStyle/>
-            <a:p>
-              <a:pPr algn="ctr"/>
-              <a:r>
-                <a:rPr lang="en-US" sz="1200" dirty="0" err="1"/>
-                <a:t>createTab</a:t>
-              </a:r>
-              <a:r>
-                <a:rPr lang="en-US" sz="1200" dirty="0"/>
-                <a:t>()</a:t>
-              </a:r>
-            </a:p>
-          </p:txBody>
-        </p:sp>
         <p:cxnSp>
           <p:nvCxnSpPr>
             <p:cNvPr id="194" name="Straight Arrow Connector 193">
@@ -11484,7 +9946,7 @@
           </p:nvCxnSpPr>
           <p:spPr>
             <a:xfrm flipH="1">
-              <a:off x="-539492" y="9328595"/>
+              <a:off x="-539492" y="5410200"/>
               <a:ext cx="2257551" cy="0"/>
             </a:xfrm>
             <a:prstGeom prst="straightConnector1">
